--- a/leap/Microservices Overview.pptx
+++ b/leap/Microservices Overview.pptx
@@ -4,6 +4,9 @@
   <p:sldMasterIdLst>
     <p:sldMasterId id="2147483648" r:id="rId1"/>
   </p:sldMasterIdLst>
+  <p:notesMasterIdLst>
+    <p:notesMasterId r:id="rId43"/>
+  </p:notesMasterIdLst>
   <p:sldIdLst>
     <p:sldId id="256" r:id="rId2"/>
     <p:sldId id="257" r:id="rId3"/>
@@ -29,25 +32,23 @@
     <p:sldId id="268" r:id="rId23"/>
     <p:sldId id="285" r:id="rId24"/>
     <p:sldId id="269" r:id="rId25"/>
-    <p:sldId id="287" r:id="rId26"/>
-    <p:sldId id="288" r:id="rId27"/>
-    <p:sldId id="290" r:id="rId28"/>
-    <p:sldId id="291" r:id="rId29"/>
-    <p:sldId id="293" r:id="rId30"/>
-    <p:sldId id="294" r:id="rId31"/>
-    <p:sldId id="297" r:id="rId32"/>
-    <p:sldId id="289" r:id="rId33"/>
-    <p:sldId id="270" r:id="rId34"/>
-    <p:sldId id="271" r:id="rId35"/>
-    <p:sldId id="272" r:id="rId36"/>
-    <p:sldId id="273" r:id="rId37"/>
-    <p:sldId id="274" r:id="rId38"/>
-    <p:sldId id="281" r:id="rId39"/>
-    <p:sldId id="282" r:id="rId40"/>
-    <p:sldId id="283" r:id="rId41"/>
-    <p:sldId id="262" r:id="rId42"/>
-    <p:sldId id="298" r:id="rId43"/>
-    <p:sldId id="261" r:id="rId44"/>
+    <p:sldId id="294" r:id="rId26"/>
+    <p:sldId id="287" r:id="rId27"/>
+    <p:sldId id="288" r:id="rId28"/>
+    <p:sldId id="293" r:id="rId29"/>
+    <p:sldId id="297" r:id="rId30"/>
+    <p:sldId id="289" r:id="rId31"/>
+    <p:sldId id="270" r:id="rId32"/>
+    <p:sldId id="271" r:id="rId33"/>
+    <p:sldId id="272" r:id="rId34"/>
+    <p:sldId id="273" r:id="rId35"/>
+    <p:sldId id="274" r:id="rId36"/>
+    <p:sldId id="281" r:id="rId37"/>
+    <p:sldId id="282" r:id="rId38"/>
+    <p:sldId id="283" r:id="rId39"/>
+    <p:sldId id="262" r:id="rId40"/>
+    <p:sldId id="298" r:id="rId41"/>
+    <p:sldId id="261" r:id="rId42"/>
   </p:sldIdLst>
   <p:sldSz cx="12192000" cy="6858000"/>
   <p:notesSz cx="6858000" cy="9144000"/>
@@ -187,12 +188,10 @@
             <p14:sldId id="268"/>
             <p14:sldId id="285"/>
             <p14:sldId id="269"/>
+            <p14:sldId id="294"/>
             <p14:sldId id="287"/>
             <p14:sldId id="288"/>
-            <p14:sldId id="290"/>
-            <p14:sldId id="291"/>
             <p14:sldId id="293"/>
-            <p14:sldId id="294"/>
             <p14:sldId id="297"/>
             <p14:sldId id="289"/>
             <p14:sldId id="270"/>
@@ -217,6 +216,3803 @@
 </p:presentation>
 </file>
 
+<file path=ppt/revisionInfo.xml><?xml version="1.0" encoding="utf-8"?>
+<p1510:revInfo xmlns:a="http://schemas.openxmlformats.org/drawingml/2006/main" xmlns:r="http://schemas.openxmlformats.org/officeDocument/2006/relationships" xmlns:p1510="http://schemas.microsoft.com/office/powerpoint/2015/10/main"/>
+</file>
+
+<file path=ppt/notesMasters/notesMaster1.xml><?xml version="1.0" encoding="utf-8"?>
+<p:notesMaster xmlns:a="http://schemas.openxmlformats.org/drawingml/2006/main" xmlns:r="http://schemas.openxmlformats.org/officeDocument/2006/relationships" xmlns:p="http://schemas.openxmlformats.org/presentationml/2006/main">
+  <p:cSld>
+    <p:bg>
+      <p:bgRef idx="1001">
+        <a:schemeClr val="bg1"/>
+      </p:bgRef>
+    </p:bg>
+    <p:spTree>
+      <p:nvGrpSpPr>
+        <p:cNvPr id="1" name=""/>
+        <p:cNvGrpSpPr/>
+        <p:nvPr/>
+      </p:nvGrpSpPr>
+      <p:grpSpPr>
+        <a:xfrm>
+          <a:off x="0" y="0"/>
+          <a:ext cx="0" cy="0"/>
+          <a:chOff x="0" y="0"/>
+          <a:chExt cx="0" cy="0"/>
+        </a:xfrm>
+      </p:grpSpPr>
+      <p:sp>
+        <p:nvSpPr>
+          <p:cNvPr id="2" name="Header Placeholder 1"/>
+          <p:cNvSpPr>
+            <a:spLocks noGrp="1"/>
+          </p:cNvSpPr>
+          <p:nvPr>
+            <p:ph type="hdr" sz="quarter"/>
+          </p:nvPr>
+        </p:nvSpPr>
+        <p:spPr>
+          <a:xfrm>
+            <a:off x="0" y="0"/>
+            <a:ext cx="2971800" cy="458788"/>
+          </a:xfrm>
+          <a:prstGeom prst="rect">
+            <a:avLst/>
+          </a:prstGeom>
+        </p:spPr>
+        <p:txBody>
+          <a:bodyPr vert="horz" lIns="91440" tIns="45720" rIns="91440" bIns="45720" rtlCol="0"/>
+          <a:lstStyle>
+            <a:lvl1pPr algn="l">
+              <a:defRPr sz="1200"/>
+            </a:lvl1pPr>
+          </a:lstStyle>
+          <a:p>
+            <a:endParaRPr lang="en-US"/>
+          </a:p>
+        </p:txBody>
+      </p:sp>
+      <p:sp>
+        <p:nvSpPr>
+          <p:cNvPr id="3" name="Date Placeholder 2"/>
+          <p:cNvSpPr>
+            <a:spLocks noGrp="1"/>
+          </p:cNvSpPr>
+          <p:nvPr>
+            <p:ph type="dt" idx="1"/>
+          </p:nvPr>
+        </p:nvSpPr>
+        <p:spPr>
+          <a:xfrm>
+            <a:off x="3884613" y="0"/>
+            <a:ext cx="2971800" cy="458788"/>
+          </a:xfrm>
+          <a:prstGeom prst="rect">
+            <a:avLst/>
+          </a:prstGeom>
+        </p:spPr>
+        <p:txBody>
+          <a:bodyPr vert="horz" lIns="91440" tIns="45720" rIns="91440" bIns="45720" rtlCol="0"/>
+          <a:lstStyle>
+            <a:lvl1pPr algn="r">
+              <a:defRPr sz="1200"/>
+            </a:lvl1pPr>
+          </a:lstStyle>
+          <a:p>
+            <a:fld id="{174CED58-C015-4CD7-880C-0CE59ACEA2AE}" type="datetimeFigureOut">
+              <a:rPr lang="en-US" smtClean="0"/>
+              <a:t>5/23/2017</a:t>
+            </a:fld>
+            <a:endParaRPr lang="en-US"/>
+          </a:p>
+        </p:txBody>
+      </p:sp>
+      <p:sp>
+        <p:nvSpPr>
+          <p:cNvPr id="4" name="Slide Image Placeholder 3"/>
+          <p:cNvSpPr>
+            <a:spLocks noGrp="1" noRot="1" noChangeAspect="1"/>
+          </p:cNvSpPr>
+          <p:nvPr>
+            <p:ph type="sldImg" idx="2"/>
+          </p:nvPr>
+        </p:nvSpPr>
+        <p:spPr>
+          <a:xfrm>
+            <a:off x="685800" y="1143000"/>
+            <a:ext cx="5486400" cy="3086100"/>
+          </a:xfrm>
+          <a:prstGeom prst="rect">
+            <a:avLst/>
+          </a:prstGeom>
+          <a:noFill/>
+          <a:ln w="12700">
+            <a:solidFill>
+              <a:prstClr val="black"/>
+            </a:solidFill>
+          </a:ln>
+        </p:spPr>
+        <p:txBody>
+          <a:bodyPr vert="horz" lIns="91440" tIns="45720" rIns="91440" bIns="45720" rtlCol="0" anchor="ctr"/>
+          <a:lstStyle/>
+          <a:p>
+            <a:endParaRPr lang="en-US"/>
+          </a:p>
+        </p:txBody>
+      </p:sp>
+      <p:sp>
+        <p:nvSpPr>
+          <p:cNvPr id="5" name="Notes Placeholder 4"/>
+          <p:cNvSpPr>
+            <a:spLocks noGrp="1"/>
+          </p:cNvSpPr>
+          <p:nvPr>
+            <p:ph type="body" sz="quarter" idx="3"/>
+          </p:nvPr>
+        </p:nvSpPr>
+        <p:spPr>
+          <a:xfrm>
+            <a:off x="685800" y="4400550"/>
+            <a:ext cx="5486400" cy="3600450"/>
+          </a:xfrm>
+          <a:prstGeom prst="rect">
+            <a:avLst/>
+          </a:prstGeom>
+        </p:spPr>
+        <p:txBody>
+          <a:bodyPr vert="horz" lIns="91440" tIns="45720" rIns="91440" bIns="45720" rtlCol="0"/>
+          <a:lstStyle/>
+          <a:p>
+            <a:pPr lvl="0"/>
+            <a:r>
+              <a:rPr lang="en-US"/>
+              <a:t>Edit Master text styles</a:t>
+            </a:r>
+          </a:p>
+          <a:p>
+            <a:pPr lvl="1"/>
+            <a:r>
+              <a:rPr lang="en-US"/>
+              <a:t>Second level</a:t>
+            </a:r>
+          </a:p>
+          <a:p>
+            <a:pPr lvl="2"/>
+            <a:r>
+              <a:rPr lang="en-US"/>
+              <a:t>Third level</a:t>
+            </a:r>
+          </a:p>
+          <a:p>
+            <a:pPr lvl="3"/>
+            <a:r>
+              <a:rPr lang="en-US"/>
+              <a:t>Fourth level</a:t>
+            </a:r>
+          </a:p>
+          <a:p>
+            <a:pPr lvl="4"/>
+            <a:r>
+              <a:rPr lang="en-US"/>
+              <a:t>Fifth level</a:t>
+            </a:r>
+          </a:p>
+        </p:txBody>
+      </p:sp>
+      <p:sp>
+        <p:nvSpPr>
+          <p:cNvPr id="6" name="Footer Placeholder 5"/>
+          <p:cNvSpPr>
+            <a:spLocks noGrp="1"/>
+          </p:cNvSpPr>
+          <p:nvPr>
+            <p:ph type="ftr" sz="quarter" idx="4"/>
+          </p:nvPr>
+        </p:nvSpPr>
+        <p:spPr>
+          <a:xfrm>
+            <a:off x="0" y="8685213"/>
+            <a:ext cx="2971800" cy="458787"/>
+          </a:xfrm>
+          <a:prstGeom prst="rect">
+            <a:avLst/>
+          </a:prstGeom>
+        </p:spPr>
+        <p:txBody>
+          <a:bodyPr vert="horz" lIns="91440" tIns="45720" rIns="91440" bIns="45720" rtlCol="0" anchor="b"/>
+          <a:lstStyle>
+            <a:lvl1pPr algn="l">
+              <a:defRPr sz="1200"/>
+            </a:lvl1pPr>
+          </a:lstStyle>
+          <a:p>
+            <a:endParaRPr lang="en-US"/>
+          </a:p>
+        </p:txBody>
+      </p:sp>
+      <p:sp>
+        <p:nvSpPr>
+          <p:cNvPr id="7" name="Slide Number Placeholder 6"/>
+          <p:cNvSpPr>
+            <a:spLocks noGrp="1"/>
+          </p:cNvSpPr>
+          <p:nvPr>
+            <p:ph type="sldNum" sz="quarter" idx="5"/>
+          </p:nvPr>
+        </p:nvSpPr>
+        <p:spPr>
+          <a:xfrm>
+            <a:off x="3884613" y="8685213"/>
+            <a:ext cx="2971800" cy="458787"/>
+          </a:xfrm>
+          <a:prstGeom prst="rect">
+            <a:avLst/>
+          </a:prstGeom>
+        </p:spPr>
+        <p:txBody>
+          <a:bodyPr vert="horz" lIns="91440" tIns="45720" rIns="91440" bIns="45720" rtlCol="0" anchor="b"/>
+          <a:lstStyle>
+            <a:lvl1pPr algn="r">
+              <a:defRPr sz="1200"/>
+            </a:lvl1pPr>
+          </a:lstStyle>
+          <a:p>
+            <a:fld id="{58159DD1-C078-41D7-806C-DD4037F45E63}" type="slidenum">
+              <a:rPr lang="en-US" smtClean="0"/>
+              <a:t>‹#›</a:t>
+            </a:fld>
+            <a:endParaRPr lang="en-US"/>
+          </a:p>
+        </p:txBody>
+      </p:sp>
+    </p:spTree>
+    <p:extLst>
+      <p:ext uri="{BB962C8B-B14F-4D97-AF65-F5344CB8AC3E}">
+        <p14:creationId xmlns:p14="http://schemas.microsoft.com/office/powerpoint/2010/main" val="486855165"/>
+      </p:ext>
+    </p:extLst>
+  </p:cSld>
+  <p:clrMap bg1="lt1" tx1="dk1" bg2="lt2" tx2="dk2" accent1="accent1" accent2="accent2" accent3="accent3" accent4="accent4" accent5="accent5" accent6="accent6" hlink="hlink" folHlink="folHlink"/>
+  <p:notesStyle>
+    <a:lvl1pPr marL="0" algn="l" defTabSz="914400" rtl="0" eaLnBrk="1" latinLnBrk="0" hangingPunct="1">
+      <a:defRPr sz="1200" kern="1200">
+        <a:solidFill>
+          <a:schemeClr val="tx1"/>
+        </a:solidFill>
+        <a:latin typeface="+mn-lt"/>
+        <a:ea typeface="+mn-ea"/>
+        <a:cs typeface="+mn-cs"/>
+      </a:defRPr>
+    </a:lvl1pPr>
+    <a:lvl2pPr marL="457200" algn="l" defTabSz="914400" rtl="0" eaLnBrk="1" latinLnBrk="0" hangingPunct="1">
+      <a:defRPr sz="1200" kern="1200">
+        <a:solidFill>
+          <a:schemeClr val="tx1"/>
+        </a:solidFill>
+        <a:latin typeface="+mn-lt"/>
+        <a:ea typeface="+mn-ea"/>
+        <a:cs typeface="+mn-cs"/>
+      </a:defRPr>
+    </a:lvl2pPr>
+    <a:lvl3pPr marL="914400" algn="l" defTabSz="914400" rtl="0" eaLnBrk="1" latinLnBrk="0" hangingPunct="1">
+      <a:defRPr sz="1200" kern="1200">
+        <a:solidFill>
+          <a:schemeClr val="tx1"/>
+        </a:solidFill>
+        <a:latin typeface="+mn-lt"/>
+        <a:ea typeface="+mn-ea"/>
+        <a:cs typeface="+mn-cs"/>
+      </a:defRPr>
+    </a:lvl3pPr>
+    <a:lvl4pPr marL="1371600" algn="l" defTabSz="914400" rtl="0" eaLnBrk="1" latinLnBrk="0" hangingPunct="1">
+      <a:defRPr sz="1200" kern="1200">
+        <a:solidFill>
+          <a:schemeClr val="tx1"/>
+        </a:solidFill>
+        <a:latin typeface="+mn-lt"/>
+        <a:ea typeface="+mn-ea"/>
+        <a:cs typeface="+mn-cs"/>
+      </a:defRPr>
+    </a:lvl4pPr>
+    <a:lvl5pPr marL="1828800" algn="l" defTabSz="914400" rtl="0" eaLnBrk="1" latinLnBrk="0" hangingPunct="1">
+      <a:defRPr sz="1200" kern="1200">
+        <a:solidFill>
+          <a:schemeClr val="tx1"/>
+        </a:solidFill>
+        <a:latin typeface="+mn-lt"/>
+        <a:ea typeface="+mn-ea"/>
+        <a:cs typeface="+mn-cs"/>
+      </a:defRPr>
+    </a:lvl5pPr>
+    <a:lvl6pPr marL="2286000" algn="l" defTabSz="914400" rtl="0" eaLnBrk="1" latinLnBrk="0" hangingPunct="1">
+      <a:defRPr sz="1200" kern="1200">
+        <a:solidFill>
+          <a:schemeClr val="tx1"/>
+        </a:solidFill>
+        <a:latin typeface="+mn-lt"/>
+        <a:ea typeface="+mn-ea"/>
+        <a:cs typeface="+mn-cs"/>
+      </a:defRPr>
+    </a:lvl6pPr>
+    <a:lvl7pPr marL="2743200" algn="l" defTabSz="914400" rtl="0" eaLnBrk="1" latinLnBrk="0" hangingPunct="1">
+      <a:defRPr sz="1200" kern="1200">
+        <a:solidFill>
+          <a:schemeClr val="tx1"/>
+        </a:solidFill>
+        <a:latin typeface="+mn-lt"/>
+        <a:ea typeface="+mn-ea"/>
+        <a:cs typeface="+mn-cs"/>
+      </a:defRPr>
+    </a:lvl7pPr>
+    <a:lvl8pPr marL="3200400" algn="l" defTabSz="914400" rtl="0" eaLnBrk="1" latinLnBrk="0" hangingPunct="1">
+      <a:defRPr sz="1200" kern="1200">
+        <a:solidFill>
+          <a:schemeClr val="tx1"/>
+        </a:solidFill>
+        <a:latin typeface="+mn-lt"/>
+        <a:ea typeface="+mn-ea"/>
+        <a:cs typeface="+mn-cs"/>
+      </a:defRPr>
+    </a:lvl8pPr>
+    <a:lvl9pPr marL="3657600" algn="l" defTabSz="914400" rtl="0" eaLnBrk="1" latinLnBrk="0" hangingPunct="1">
+      <a:defRPr sz="1200" kern="1200">
+        <a:solidFill>
+          <a:schemeClr val="tx1"/>
+        </a:solidFill>
+        <a:latin typeface="+mn-lt"/>
+        <a:ea typeface="+mn-ea"/>
+        <a:cs typeface="+mn-cs"/>
+      </a:defRPr>
+    </a:lvl9pPr>
+  </p:notesStyle>
+</p:notesMaster>
+</file>
+
+<file path=ppt/notesSlides/notesSlide1.xml><?xml version="1.0" encoding="utf-8"?>
+<p:notes xmlns:a="http://schemas.openxmlformats.org/drawingml/2006/main" xmlns:r="http://schemas.openxmlformats.org/officeDocument/2006/relationships" xmlns:p="http://schemas.openxmlformats.org/presentationml/2006/main">
+  <p:cSld>
+    <p:spTree>
+      <p:nvGrpSpPr>
+        <p:cNvPr id="1" name=""/>
+        <p:cNvGrpSpPr/>
+        <p:nvPr/>
+      </p:nvGrpSpPr>
+      <p:grpSpPr>
+        <a:xfrm>
+          <a:off x="0" y="0"/>
+          <a:ext cx="0" cy="0"/>
+          <a:chOff x="0" y="0"/>
+          <a:chExt cx="0" cy="0"/>
+        </a:xfrm>
+      </p:grpSpPr>
+      <p:sp>
+        <p:nvSpPr>
+          <p:cNvPr id="2" name="Slide Image Placeholder 1"/>
+          <p:cNvSpPr>
+            <a:spLocks noGrp="1" noRot="1" noChangeAspect="1"/>
+          </p:cNvSpPr>
+          <p:nvPr>
+            <p:ph type="sldImg"/>
+          </p:nvPr>
+        </p:nvSpPr>
+        <p:spPr/>
+      </p:sp>
+      <p:sp>
+        <p:nvSpPr>
+          <p:cNvPr id="3" name="Notes Placeholder 2"/>
+          <p:cNvSpPr>
+            <a:spLocks noGrp="1"/>
+          </p:cNvSpPr>
+          <p:nvPr>
+            <p:ph type="body" idx="1"/>
+          </p:nvPr>
+        </p:nvSpPr>
+        <p:spPr/>
+        <p:txBody>
+          <a:bodyPr/>
+          <a:lstStyle/>
+          <a:p>
+            <a:endParaRPr lang="en-US"/>
+          </a:p>
+        </p:txBody>
+      </p:sp>
+      <p:sp>
+        <p:nvSpPr>
+          <p:cNvPr id="4" name="Slide Number Placeholder 3"/>
+          <p:cNvSpPr>
+            <a:spLocks noGrp="1"/>
+          </p:cNvSpPr>
+          <p:nvPr>
+            <p:ph type="sldNum" sz="quarter" idx="10"/>
+          </p:nvPr>
+        </p:nvSpPr>
+        <p:spPr/>
+        <p:txBody>
+          <a:bodyPr/>
+          <a:lstStyle/>
+          <a:p>
+            <a:fld id="{58159DD1-C078-41D7-806C-DD4037F45E63}" type="slidenum">
+              <a:rPr lang="en-US" smtClean="0"/>
+              <a:t>1</a:t>
+            </a:fld>
+            <a:endParaRPr lang="en-US"/>
+          </a:p>
+        </p:txBody>
+      </p:sp>
+    </p:spTree>
+    <p:extLst>
+      <p:ext uri="{BB962C8B-B14F-4D97-AF65-F5344CB8AC3E}">
+        <p14:creationId xmlns:p14="http://schemas.microsoft.com/office/powerpoint/2010/main" val="1336969565"/>
+      </p:ext>
+    </p:extLst>
+  </p:cSld>
+  <p:clrMapOvr>
+    <a:masterClrMapping/>
+  </p:clrMapOvr>
+</p:notes>
+</file>
+
+<file path=ppt/notesSlides/notesSlide10.xml><?xml version="1.0" encoding="utf-8"?>
+<p:notes xmlns:a="http://schemas.openxmlformats.org/drawingml/2006/main" xmlns:r="http://schemas.openxmlformats.org/officeDocument/2006/relationships" xmlns:p="http://schemas.openxmlformats.org/presentationml/2006/main">
+  <p:cSld>
+    <p:spTree>
+      <p:nvGrpSpPr>
+        <p:cNvPr id="1" name=""/>
+        <p:cNvGrpSpPr/>
+        <p:nvPr/>
+      </p:nvGrpSpPr>
+      <p:grpSpPr>
+        <a:xfrm>
+          <a:off x="0" y="0"/>
+          <a:ext cx="0" cy="0"/>
+          <a:chOff x="0" y="0"/>
+          <a:chExt cx="0" cy="0"/>
+        </a:xfrm>
+      </p:grpSpPr>
+      <p:sp>
+        <p:nvSpPr>
+          <p:cNvPr id="2" name="Slide Image Placeholder 1"/>
+          <p:cNvSpPr>
+            <a:spLocks noGrp="1" noRot="1" noChangeAspect="1"/>
+          </p:cNvSpPr>
+          <p:nvPr>
+            <p:ph type="sldImg"/>
+          </p:nvPr>
+        </p:nvSpPr>
+        <p:spPr/>
+      </p:sp>
+      <p:sp>
+        <p:nvSpPr>
+          <p:cNvPr id="3" name="Notes Placeholder 2"/>
+          <p:cNvSpPr>
+            <a:spLocks noGrp="1"/>
+          </p:cNvSpPr>
+          <p:nvPr>
+            <p:ph type="body" idx="1"/>
+          </p:nvPr>
+        </p:nvSpPr>
+        <p:spPr/>
+        <p:txBody>
+          <a:bodyPr/>
+          <a:lstStyle/>
+          <a:p>
+            <a:endParaRPr lang="en-US"/>
+          </a:p>
+        </p:txBody>
+      </p:sp>
+      <p:sp>
+        <p:nvSpPr>
+          <p:cNvPr id="4" name="Slide Number Placeholder 3"/>
+          <p:cNvSpPr>
+            <a:spLocks noGrp="1"/>
+          </p:cNvSpPr>
+          <p:nvPr>
+            <p:ph type="sldNum" sz="quarter" idx="10"/>
+          </p:nvPr>
+        </p:nvSpPr>
+        <p:spPr/>
+        <p:txBody>
+          <a:bodyPr/>
+          <a:lstStyle/>
+          <a:p>
+            <a:fld id="{58159DD1-C078-41D7-806C-DD4037F45E63}" type="slidenum">
+              <a:rPr lang="en-US" smtClean="0"/>
+              <a:t>10</a:t>
+            </a:fld>
+            <a:endParaRPr lang="en-US"/>
+          </a:p>
+        </p:txBody>
+      </p:sp>
+    </p:spTree>
+    <p:extLst>
+      <p:ext uri="{BB962C8B-B14F-4D97-AF65-F5344CB8AC3E}">
+        <p14:creationId xmlns:p14="http://schemas.microsoft.com/office/powerpoint/2010/main" val="2544328148"/>
+      </p:ext>
+    </p:extLst>
+  </p:cSld>
+  <p:clrMapOvr>
+    <a:masterClrMapping/>
+  </p:clrMapOvr>
+</p:notes>
+</file>
+
+<file path=ppt/notesSlides/notesSlide11.xml><?xml version="1.0" encoding="utf-8"?>
+<p:notes xmlns:a="http://schemas.openxmlformats.org/drawingml/2006/main" xmlns:r="http://schemas.openxmlformats.org/officeDocument/2006/relationships" xmlns:p="http://schemas.openxmlformats.org/presentationml/2006/main">
+  <p:cSld>
+    <p:spTree>
+      <p:nvGrpSpPr>
+        <p:cNvPr id="1" name=""/>
+        <p:cNvGrpSpPr/>
+        <p:nvPr/>
+      </p:nvGrpSpPr>
+      <p:grpSpPr>
+        <a:xfrm>
+          <a:off x="0" y="0"/>
+          <a:ext cx="0" cy="0"/>
+          <a:chOff x="0" y="0"/>
+          <a:chExt cx="0" cy="0"/>
+        </a:xfrm>
+      </p:grpSpPr>
+      <p:sp>
+        <p:nvSpPr>
+          <p:cNvPr id="2" name="Slide Image Placeholder 1"/>
+          <p:cNvSpPr>
+            <a:spLocks noGrp="1" noRot="1" noChangeAspect="1"/>
+          </p:cNvSpPr>
+          <p:nvPr>
+            <p:ph type="sldImg"/>
+          </p:nvPr>
+        </p:nvSpPr>
+        <p:spPr/>
+      </p:sp>
+      <p:sp>
+        <p:nvSpPr>
+          <p:cNvPr id="3" name="Notes Placeholder 2"/>
+          <p:cNvSpPr>
+            <a:spLocks noGrp="1"/>
+          </p:cNvSpPr>
+          <p:nvPr>
+            <p:ph type="body" idx="1"/>
+          </p:nvPr>
+        </p:nvSpPr>
+        <p:spPr/>
+        <p:txBody>
+          <a:bodyPr/>
+          <a:lstStyle/>
+          <a:p>
+            <a:endParaRPr lang="en-US"/>
+          </a:p>
+        </p:txBody>
+      </p:sp>
+      <p:sp>
+        <p:nvSpPr>
+          <p:cNvPr id="4" name="Slide Number Placeholder 3"/>
+          <p:cNvSpPr>
+            <a:spLocks noGrp="1"/>
+          </p:cNvSpPr>
+          <p:nvPr>
+            <p:ph type="sldNum" sz="quarter" idx="10"/>
+          </p:nvPr>
+        </p:nvSpPr>
+        <p:spPr/>
+        <p:txBody>
+          <a:bodyPr/>
+          <a:lstStyle/>
+          <a:p>
+            <a:fld id="{58159DD1-C078-41D7-806C-DD4037F45E63}" type="slidenum">
+              <a:rPr lang="en-US" smtClean="0"/>
+              <a:t>11</a:t>
+            </a:fld>
+            <a:endParaRPr lang="en-US"/>
+          </a:p>
+        </p:txBody>
+      </p:sp>
+    </p:spTree>
+    <p:extLst>
+      <p:ext uri="{BB962C8B-B14F-4D97-AF65-F5344CB8AC3E}">
+        <p14:creationId xmlns:p14="http://schemas.microsoft.com/office/powerpoint/2010/main" val="2118528430"/>
+      </p:ext>
+    </p:extLst>
+  </p:cSld>
+  <p:clrMapOvr>
+    <a:masterClrMapping/>
+  </p:clrMapOvr>
+</p:notes>
+</file>
+
+<file path=ppt/notesSlides/notesSlide12.xml><?xml version="1.0" encoding="utf-8"?>
+<p:notes xmlns:a="http://schemas.openxmlformats.org/drawingml/2006/main" xmlns:r="http://schemas.openxmlformats.org/officeDocument/2006/relationships" xmlns:p="http://schemas.openxmlformats.org/presentationml/2006/main">
+  <p:cSld>
+    <p:spTree>
+      <p:nvGrpSpPr>
+        <p:cNvPr id="1" name=""/>
+        <p:cNvGrpSpPr/>
+        <p:nvPr/>
+      </p:nvGrpSpPr>
+      <p:grpSpPr>
+        <a:xfrm>
+          <a:off x="0" y="0"/>
+          <a:ext cx="0" cy="0"/>
+          <a:chOff x="0" y="0"/>
+          <a:chExt cx="0" cy="0"/>
+        </a:xfrm>
+      </p:grpSpPr>
+      <p:sp>
+        <p:nvSpPr>
+          <p:cNvPr id="2" name="Slide Image Placeholder 1"/>
+          <p:cNvSpPr>
+            <a:spLocks noGrp="1" noRot="1" noChangeAspect="1"/>
+          </p:cNvSpPr>
+          <p:nvPr>
+            <p:ph type="sldImg"/>
+          </p:nvPr>
+        </p:nvSpPr>
+        <p:spPr/>
+      </p:sp>
+      <p:sp>
+        <p:nvSpPr>
+          <p:cNvPr id="3" name="Notes Placeholder 2"/>
+          <p:cNvSpPr>
+            <a:spLocks noGrp="1"/>
+          </p:cNvSpPr>
+          <p:nvPr>
+            <p:ph type="body" idx="1"/>
+          </p:nvPr>
+        </p:nvSpPr>
+        <p:spPr/>
+        <p:txBody>
+          <a:bodyPr/>
+          <a:lstStyle/>
+          <a:p>
+            <a:endParaRPr lang="en-US"/>
+          </a:p>
+        </p:txBody>
+      </p:sp>
+      <p:sp>
+        <p:nvSpPr>
+          <p:cNvPr id="4" name="Slide Number Placeholder 3"/>
+          <p:cNvSpPr>
+            <a:spLocks noGrp="1"/>
+          </p:cNvSpPr>
+          <p:nvPr>
+            <p:ph type="sldNum" sz="quarter" idx="10"/>
+          </p:nvPr>
+        </p:nvSpPr>
+        <p:spPr/>
+        <p:txBody>
+          <a:bodyPr/>
+          <a:lstStyle/>
+          <a:p>
+            <a:fld id="{58159DD1-C078-41D7-806C-DD4037F45E63}" type="slidenum">
+              <a:rPr lang="en-US" smtClean="0"/>
+              <a:t>12</a:t>
+            </a:fld>
+            <a:endParaRPr lang="en-US"/>
+          </a:p>
+        </p:txBody>
+      </p:sp>
+    </p:spTree>
+    <p:extLst>
+      <p:ext uri="{BB962C8B-B14F-4D97-AF65-F5344CB8AC3E}">
+        <p14:creationId xmlns:p14="http://schemas.microsoft.com/office/powerpoint/2010/main" val="3707128148"/>
+      </p:ext>
+    </p:extLst>
+  </p:cSld>
+  <p:clrMapOvr>
+    <a:masterClrMapping/>
+  </p:clrMapOvr>
+</p:notes>
+</file>
+
+<file path=ppt/notesSlides/notesSlide13.xml><?xml version="1.0" encoding="utf-8"?>
+<p:notes xmlns:a="http://schemas.openxmlformats.org/drawingml/2006/main" xmlns:r="http://schemas.openxmlformats.org/officeDocument/2006/relationships" xmlns:p="http://schemas.openxmlformats.org/presentationml/2006/main">
+  <p:cSld>
+    <p:spTree>
+      <p:nvGrpSpPr>
+        <p:cNvPr id="1" name=""/>
+        <p:cNvGrpSpPr/>
+        <p:nvPr/>
+      </p:nvGrpSpPr>
+      <p:grpSpPr>
+        <a:xfrm>
+          <a:off x="0" y="0"/>
+          <a:ext cx="0" cy="0"/>
+          <a:chOff x="0" y="0"/>
+          <a:chExt cx="0" cy="0"/>
+        </a:xfrm>
+      </p:grpSpPr>
+      <p:sp>
+        <p:nvSpPr>
+          <p:cNvPr id="2" name="Slide Image Placeholder 1"/>
+          <p:cNvSpPr>
+            <a:spLocks noGrp="1" noRot="1" noChangeAspect="1"/>
+          </p:cNvSpPr>
+          <p:nvPr>
+            <p:ph type="sldImg"/>
+          </p:nvPr>
+        </p:nvSpPr>
+        <p:spPr/>
+      </p:sp>
+      <p:sp>
+        <p:nvSpPr>
+          <p:cNvPr id="3" name="Notes Placeholder 2"/>
+          <p:cNvSpPr>
+            <a:spLocks noGrp="1"/>
+          </p:cNvSpPr>
+          <p:nvPr>
+            <p:ph type="body" idx="1"/>
+          </p:nvPr>
+        </p:nvSpPr>
+        <p:spPr/>
+        <p:txBody>
+          <a:bodyPr/>
+          <a:lstStyle/>
+          <a:p>
+            <a:endParaRPr lang="en-US"/>
+          </a:p>
+        </p:txBody>
+      </p:sp>
+      <p:sp>
+        <p:nvSpPr>
+          <p:cNvPr id="4" name="Slide Number Placeholder 3"/>
+          <p:cNvSpPr>
+            <a:spLocks noGrp="1"/>
+          </p:cNvSpPr>
+          <p:nvPr>
+            <p:ph type="sldNum" sz="quarter" idx="10"/>
+          </p:nvPr>
+        </p:nvSpPr>
+        <p:spPr/>
+        <p:txBody>
+          <a:bodyPr/>
+          <a:lstStyle/>
+          <a:p>
+            <a:fld id="{58159DD1-C078-41D7-806C-DD4037F45E63}" type="slidenum">
+              <a:rPr lang="en-US" smtClean="0"/>
+              <a:t>13</a:t>
+            </a:fld>
+            <a:endParaRPr lang="en-US"/>
+          </a:p>
+        </p:txBody>
+      </p:sp>
+    </p:spTree>
+    <p:extLst>
+      <p:ext uri="{BB962C8B-B14F-4D97-AF65-F5344CB8AC3E}">
+        <p14:creationId xmlns:p14="http://schemas.microsoft.com/office/powerpoint/2010/main" val="3322119981"/>
+      </p:ext>
+    </p:extLst>
+  </p:cSld>
+  <p:clrMapOvr>
+    <a:masterClrMapping/>
+  </p:clrMapOvr>
+</p:notes>
+</file>
+
+<file path=ppt/notesSlides/notesSlide14.xml><?xml version="1.0" encoding="utf-8"?>
+<p:notes xmlns:a="http://schemas.openxmlformats.org/drawingml/2006/main" xmlns:r="http://schemas.openxmlformats.org/officeDocument/2006/relationships" xmlns:p="http://schemas.openxmlformats.org/presentationml/2006/main">
+  <p:cSld>
+    <p:spTree>
+      <p:nvGrpSpPr>
+        <p:cNvPr id="1" name=""/>
+        <p:cNvGrpSpPr/>
+        <p:nvPr/>
+      </p:nvGrpSpPr>
+      <p:grpSpPr>
+        <a:xfrm>
+          <a:off x="0" y="0"/>
+          <a:ext cx="0" cy="0"/>
+          <a:chOff x="0" y="0"/>
+          <a:chExt cx="0" cy="0"/>
+        </a:xfrm>
+      </p:grpSpPr>
+      <p:sp>
+        <p:nvSpPr>
+          <p:cNvPr id="2" name="Slide Image Placeholder 1"/>
+          <p:cNvSpPr>
+            <a:spLocks noGrp="1" noRot="1" noChangeAspect="1"/>
+          </p:cNvSpPr>
+          <p:nvPr>
+            <p:ph type="sldImg"/>
+          </p:nvPr>
+        </p:nvSpPr>
+        <p:spPr/>
+      </p:sp>
+      <p:sp>
+        <p:nvSpPr>
+          <p:cNvPr id="3" name="Notes Placeholder 2"/>
+          <p:cNvSpPr>
+            <a:spLocks noGrp="1"/>
+          </p:cNvSpPr>
+          <p:nvPr>
+            <p:ph type="body" idx="1"/>
+          </p:nvPr>
+        </p:nvSpPr>
+        <p:spPr/>
+        <p:txBody>
+          <a:bodyPr/>
+          <a:lstStyle/>
+          <a:p>
+            <a:endParaRPr lang="en-US"/>
+          </a:p>
+        </p:txBody>
+      </p:sp>
+      <p:sp>
+        <p:nvSpPr>
+          <p:cNvPr id="4" name="Slide Number Placeholder 3"/>
+          <p:cNvSpPr>
+            <a:spLocks noGrp="1"/>
+          </p:cNvSpPr>
+          <p:nvPr>
+            <p:ph type="sldNum" sz="quarter" idx="10"/>
+          </p:nvPr>
+        </p:nvSpPr>
+        <p:spPr/>
+        <p:txBody>
+          <a:bodyPr/>
+          <a:lstStyle/>
+          <a:p>
+            <a:fld id="{58159DD1-C078-41D7-806C-DD4037F45E63}" type="slidenum">
+              <a:rPr lang="en-US" smtClean="0"/>
+              <a:t>14</a:t>
+            </a:fld>
+            <a:endParaRPr lang="en-US"/>
+          </a:p>
+        </p:txBody>
+      </p:sp>
+    </p:spTree>
+    <p:extLst>
+      <p:ext uri="{BB962C8B-B14F-4D97-AF65-F5344CB8AC3E}">
+        <p14:creationId xmlns:p14="http://schemas.microsoft.com/office/powerpoint/2010/main" val="3636590592"/>
+      </p:ext>
+    </p:extLst>
+  </p:cSld>
+  <p:clrMapOvr>
+    <a:masterClrMapping/>
+  </p:clrMapOvr>
+</p:notes>
+</file>
+
+<file path=ppt/notesSlides/notesSlide15.xml><?xml version="1.0" encoding="utf-8"?>
+<p:notes xmlns:a="http://schemas.openxmlformats.org/drawingml/2006/main" xmlns:r="http://schemas.openxmlformats.org/officeDocument/2006/relationships" xmlns:p="http://schemas.openxmlformats.org/presentationml/2006/main">
+  <p:cSld>
+    <p:spTree>
+      <p:nvGrpSpPr>
+        <p:cNvPr id="1" name=""/>
+        <p:cNvGrpSpPr/>
+        <p:nvPr/>
+      </p:nvGrpSpPr>
+      <p:grpSpPr>
+        <a:xfrm>
+          <a:off x="0" y="0"/>
+          <a:ext cx="0" cy="0"/>
+          <a:chOff x="0" y="0"/>
+          <a:chExt cx="0" cy="0"/>
+        </a:xfrm>
+      </p:grpSpPr>
+      <p:sp>
+        <p:nvSpPr>
+          <p:cNvPr id="2" name="Slide Image Placeholder 1"/>
+          <p:cNvSpPr>
+            <a:spLocks noGrp="1" noRot="1" noChangeAspect="1"/>
+          </p:cNvSpPr>
+          <p:nvPr>
+            <p:ph type="sldImg"/>
+          </p:nvPr>
+        </p:nvSpPr>
+        <p:spPr/>
+      </p:sp>
+      <p:sp>
+        <p:nvSpPr>
+          <p:cNvPr id="3" name="Notes Placeholder 2"/>
+          <p:cNvSpPr>
+            <a:spLocks noGrp="1"/>
+          </p:cNvSpPr>
+          <p:nvPr>
+            <p:ph type="body" idx="1"/>
+          </p:nvPr>
+        </p:nvSpPr>
+        <p:spPr/>
+        <p:txBody>
+          <a:bodyPr/>
+          <a:lstStyle/>
+          <a:p>
+            <a:endParaRPr lang="en-US"/>
+          </a:p>
+        </p:txBody>
+      </p:sp>
+      <p:sp>
+        <p:nvSpPr>
+          <p:cNvPr id="4" name="Slide Number Placeholder 3"/>
+          <p:cNvSpPr>
+            <a:spLocks noGrp="1"/>
+          </p:cNvSpPr>
+          <p:nvPr>
+            <p:ph type="sldNum" sz="quarter" idx="10"/>
+          </p:nvPr>
+        </p:nvSpPr>
+        <p:spPr/>
+        <p:txBody>
+          <a:bodyPr/>
+          <a:lstStyle/>
+          <a:p>
+            <a:fld id="{58159DD1-C078-41D7-806C-DD4037F45E63}" type="slidenum">
+              <a:rPr lang="en-US" smtClean="0"/>
+              <a:t>15</a:t>
+            </a:fld>
+            <a:endParaRPr lang="en-US"/>
+          </a:p>
+        </p:txBody>
+      </p:sp>
+    </p:spTree>
+    <p:extLst>
+      <p:ext uri="{BB962C8B-B14F-4D97-AF65-F5344CB8AC3E}">
+        <p14:creationId xmlns:p14="http://schemas.microsoft.com/office/powerpoint/2010/main" val="3177606592"/>
+      </p:ext>
+    </p:extLst>
+  </p:cSld>
+  <p:clrMapOvr>
+    <a:masterClrMapping/>
+  </p:clrMapOvr>
+</p:notes>
+</file>
+
+<file path=ppt/notesSlides/notesSlide16.xml><?xml version="1.0" encoding="utf-8"?>
+<p:notes xmlns:a="http://schemas.openxmlformats.org/drawingml/2006/main" xmlns:r="http://schemas.openxmlformats.org/officeDocument/2006/relationships" xmlns:p="http://schemas.openxmlformats.org/presentationml/2006/main">
+  <p:cSld>
+    <p:spTree>
+      <p:nvGrpSpPr>
+        <p:cNvPr id="1" name=""/>
+        <p:cNvGrpSpPr/>
+        <p:nvPr/>
+      </p:nvGrpSpPr>
+      <p:grpSpPr>
+        <a:xfrm>
+          <a:off x="0" y="0"/>
+          <a:ext cx="0" cy="0"/>
+          <a:chOff x="0" y="0"/>
+          <a:chExt cx="0" cy="0"/>
+        </a:xfrm>
+      </p:grpSpPr>
+      <p:sp>
+        <p:nvSpPr>
+          <p:cNvPr id="2" name="Slide Image Placeholder 1"/>
+          <p:cNvSpPr>
+            <a:spLocks noGrp="1" noRot="1" noChangeAspect="1"/>
+          </p:cNvSpPr>
+          <p:nvPr>
+            <p:ph type="sldImg"/>
+          </p:nvPr>
+        </p:nvSpPr>
+        <p:spPr/>
+      </p:sp>
+      <p:sp>
+        <p:nvSpPr>
+          <p:cNvPr id="3" name="Notes Placeholder 2"/>
+          <p:cNvSpPr>
+            <a:spLocks noGrp="1"/>
+          </p:cNvSpPr>
+          <p:nvPr>
+            <p:ph type="body" idx="1"/>
+          </p:nvPr>
+        </p:nvSpPr>
+        <p:spPr/>
+        <p:txBody>
+          <a:bodyPr/>
+          <a:lstStyle/>
+          <a:p>
+            <a:endParaRPr lang="en-US"/>
+          </a:p>
+        </p:txBody>
+      </p:sp>
+      <p:sp>
+        <p:nvSpPr>
+          <p:cNvPr id="4" name="Slide Number Placeholder 3"/>
+          <p:cNvSpPr>
+            <a:spLocks noGrp="1"/>
+          </p:cNvSpPr>
+          <p:nvPr>
+            <p:ph type="sldNum" sz="quarter" idx="10"/>
+          </p:nvPr>
+        </p:nvSpPr>
+        <p:spPr/>
+        <p:txBody>
+          <a:bodyPr/>
+          <a:lstStyle/>
+          <a:p>
+            <a:fld id="{58159DD1-C078-41D7-806C-DD4037F45E63}" type="slidenum">
+              <a:rPr lang="en-US" smtClean="0"/>
+              <a:t>16</a:t>
+            </a:fld>
+            <a:endParaRPr lang="en-US"/>
+          </a:p>
+        </p:txBody>
+      </p:sp>
+    </p:spTree>
+    <p:extLst>
+      <p:ext uri="{BB962C8B-B14F-4D97-AF65-F5344CB8AC3E}">
+        <p14:creationId xmlns:p14="http://schemas.microsoft.com/office/powerpoint/2010/main" val="2745603714"/>
+      </p:ext>
+    </p:extLst>
+  </p:cSld>
+  <p:clrMapOvr>
+    <a:masterClrMapping/>
+  </p:clrMapOvr>
+</p:notes>
+</file>
+
+<file path=ppt/notesSlides/notesSlide17.xml><?xml version="1.0" encoding="utf-8"?>
+<p:notes xmlns:a="http://schemas.openxmlformats.org/drawingml/2006/main" xmlns:r="http://schemas.openxmlformats.org/officeDocument/2006/relationships" xmlns:p="http://schemas.openxmlformats.org/presentationml/2006/main">
+  <p:cSld>
+    <p:spTree>
+      <p:nvGrpSpPr>
+        <p:cNvPr id="1" name=""/>
+        <p:cNvGrpSpPr/>
+        <p:nvPr/>
+      </p:nvGrpSpPr>
+      <p:grpSpPr>
+        <a:xfrm>
+          <a:off x="0" y="0"/>
+          <a:ext cx="0" cy="0"/>
+          <a:chOff x="0" y="0"/>
+          <a:chExt cx="0" cy="0"/>
+        </a:xfrm>
+      </p:grpSpPr>
+      <p:sp>
+        <p:nvSpPr>
+          <p:cNvPr id="2" name="Slide Image Placeholder 1"/>
+          <p:cNvSpPr>
+            <a:spLocks noGrp="1" noRot="1" noChangeAspect="1"/>
+          </p:cNvSpPr>
+          <p:nvPr>
+            <p:ph type="sldImg"/>
+          </p:nvPr>
+        </p:nvSpPr>
+        <p:spPr/>
+      </p:sp>
+      <p:sp>
+        <p:nvSpPr>
+          <p:cNvPr id="3" name="Notes Placeholder 2"/>
+          <p:cNvSpPr>
+            <a:spLocks noGrp="1"/>
+          </p:cNvSpPr>
+          <p:nvPr>
+            <p:ph type="body" idx="1"/>
+          </p:nvPr>
+        </p:nvSpPr>
+        <p:spPr/>
+        <p:txBody>
+          <a:bodyPr/>
+          <a:lstStyle/>
+          <a:p>
+            <a:endParaRPr lang="en-US"/>
+          </a:p>
+        </p:txBody>
+      </p:sp>
+      <p:sp>
+        <p:nvSpPr>
+          <p:cNvPr id="4" name="Slide Number Placeholder 3"/>
+          <p:cNvSpPr>
+            <a:spLocks noGrp="1"/>
+          </p:cNvSpPr>
+          <p:nvPr>
+            <p:ph type="sldNum" sz="quarter" idx="10"/>
+          </p:nvPr>
+        </p:nvSpPr>
+        <p:spPr/>
+        <p:txBody>
+          <a:bodyPr/>
+          <a:lstStyle/>
+          <a:p>
+            <a:fld id="{58159DD1-C078-41D7-806C-DD4037F45E63}" type="slidenum">
+              <a:rPr lang="en-US" smtClean="0"/>
+              <a:t>17</a:t>
+            </a:fld>
+            <a:endParaRPr lang="en-US"/>
+          </a:p>
+        </p:txBody>
+      </p:sp>
+    </p:spTree>
+    <p:extLst>
+      <p:ext uri="{BB962C8B-B14F-4D97-AF65-F5344CB8AC3E}">
+        <p14:creationId xmlns:p14="http://schemas.microsoft.com/office/powerpoint/2010/main" val="2461037012"/>
+      </p:ext>
+    </p:extLst>
+  </p:cSld>
+  <p:clrMapOvr>
+    <a:masterClrMapping/>
+  </p:clrMapOvr>
+</p:notes>
+</file>
+
+<file path=ppt/notesSlides/notesSlide18.xml><?xml version="1.0" encoding="utf-8"?>
+<p:notes xmlns:a="http://schemas.openxmlformats.org/drawingml/2006/main" xmlns:r="http://schemas.openxmlformats.org/officeDocument/2006/relationships" xmlns:p="http://schemas.openxmlformats.org/presentationml/2006/main">
+  <p:cSld>
+    <p:spTree>
+      <p:nvGrpSpPr>
+        <p:cNvPr id="1" name=""/>
+        <p:cNvGrpSpPr/>
+        <p:nvPr/>
+      </p:nvGrpSpPr>
+      <p:grpSpPr>
+        <a:xfrm>
+          <a:off x="0" y="0"/>
+          <a:ext cx="0" cy="0"/>
+          <a:chOff x="0" y="0"/>
+          <a:chExt cx="0" cy="0"/>
+        </a:xfrm>
+      </p:grpSpPr>
+      <p:sp>
+        <p:nvSpPr>
+          <p:cNvPr id="2" name="Slide Image Placeholder 1"/>
+          <p:cNvSpPr>
+            <a:spLocks noGrp="1" noRot="1" noChangeAspect="1"/>
+          </p:cNvSpPr>
+          <p:nvPr>
+            <p:ph type="sldImg"/>
+          </p:nvPr>
+        </p:nvSpPr>
+        <p:spPr/>
+      </p:sp>
+      <p:sp>
+        <p:nvSpPr>
+          <p:cNvPr id="3" name="Notes Placeholder 2"/>
+          <p:cNvSpPr>
+            <a:spLocks noGrp="1"/>
+          </p:cNvSpPr>
+          <p:nvPr>
+            <p:ph type="body" idx="1"/>
+          </p:nvPr>
+        </p:nvSpPr>
+        <p:spPr/>
+        <p:txBody>
+          <a:bodyPr/>
+          <a:lstStyle/>
+          <a:p>
+            <a:endParaRPr lang="en-US"/>
+          </a:p>
+        </p:txBody>
+      </p:sp>
+      <p:sp>
+        <p:nvSpPr>
+          <p:cNvPr id="4" name="Slide Number Placeholder 3"/>
+          <p:cNvSpPr>
+            <a:spLocks noGrp="1"/>
+          </p:cNvSpPr>
+          <p:nvPr>
+            <p:ph type="sldNum" sz="quarter" idx="10"/>
+          </p:nvPr>
+        </p:nvSpPr>
+        <p:spPr/>
+        <p:txBody>
+          <a:bodyPr/>
+          <a:lstStyle/>
+          <a:p>
+            <a:fld id="{58159DD1-C078-41D7-806C-DD4037F45E63}" type="slidenum">
+              <a:rPr lang="en-US" smtClean="0"/>
+              <a:t>18</a:t>
+            </a:fld>
+            <a:endParaRPr lang="en-US"/>
+          </a:p>
+        </p:txBody>
+      </p:sp>
+    </p:spTree>
+    <p:extLst>
+      <p:ext uri="{BB962C8B-B14F-4D97-AF65-F5344CB8AC3E}">
+        <p14:creationId xmlns:p14="http://schemas.microsoft.com/office/powerpoint/2010/main" val="2389907827"/>
+      </p:ext>
+    </p:extLst>
+  </p:cSld>
+  <p:clrMapOvr>
+    <a:masterClrMapping/>
+  </p:clrMapOvr>
+</p:notes>
+</file>
+
+<file path=ppt/notesSlides/notesSlide19.xml><?xml version="1.0" encoding="utf-8"?>
+<p:notes xmlns:a="http://schemas.openxmlformats.org/drawingml/2006/main" xmlns:r="http://schemas.openxmlformats.org/officeDocument/2006/relationships" xmlns:p="http://schemas.openxmlformats.org/presentationml/2006/main">
+  <p:cSld>
+    <p:spTree>
+      <p:nvGrpSpPr>
+        <p:cNvPr id="1" name=""/>
+        <p:cNvGrpSpPr/>
+        <p:nvPr/>
+      </p:nvGrpSpPr>
+      <p:grpSpPr>
+        <a:xfrm>
+          <a:off x="0" y="0"/>
+          <a:ext cx="0" cy="0"/>
+          <a:chOff x="0" y="0"/>
+          <a:chExt cx="0" cy="0"/>
+        </a:xfrm>
+      </p:grpSpPr>
+      <p:sp>
+        <p:nvSpPr>
+          <p:cNvPr id="2" name="Slide Image Placeholder 1"/>
+          <p:cNvSpPr>
+            <a:spLocks noGrp="1" noRot="1" noChangeAspect="1"/>
+          </p:cNvSpPr>
+          <p:nvPr>
+            <p:ph type="sldImg"/>
+          </p:nvPr>
+        </p:nvSpPr>
+        <p:spPr/>
+      </p:sp>
+      <p:sp>
+        <p:nvSpPr>
+          <p:cNvPr id="3" name="Notes Placeholder 2"/>
+          <p:cNvSpPr>
+            <a:spLocks noGrp="1"/>
+          </p:cNvSpPr>
+          <p:nvPr>
+            <p:ph type="body" idx="1"/>
+          </p:nvPr>
+        </p:nvSpPr>
+        <p:spPr/>
+        <p:txBody>
+          <a:bodyPr/>
+          <a:lstStyle/>
+          <a:p>
+            <a:endParaRPr lang="en-US"/>
+          </a:p>
+        </p:txBody>
+      </p:sp>
+      <p:sp>
+        <p:nvSpPr>
+          <p:cNvPr id="4" name="Slide Number Placeholder 3"/>
+          <p:cNvSpPr>
+            <a:spLocks noGrp="1"/>
+          </p:cNvSpPr>
+          <p:nvPr>
+            <p:ph type="sldNum" sz="quarter" idx="10"/>
+          </p:nvPr>
+        </p:nvSpPr>
+        <p:spPr/>
+        <p:txBody>
+          <a:bodyPr/>
+          <a:lstStyle/>
+          <a:p>
+            <a:fld id="{58159DD1-C078-41D7-806C-DD4037F45E63}" type="slidenum">
+              <a:rPr lang="en-US" smtClean="0"/>
+              <a:t>19</a:t>
+            </a:fld>
+            <a:endParaRPr lang="en-US"/>
+          </a:p>
+        </p:txBody>
+      </p:sp>
+    </p:spTree>
+    <p:extLst>
+      <p:ext uri="{BB962C8B-B14F-4D97-AF65-F5344CB8AC3E}">
+        <p14:creationId xmlns:p14="http://schemas.microsoft.com/office/powerpoint/2010/main" val="568146318"/>
+      </p:ext>
+    </p:extLst>
+  </p:cSld>
+  <p:clrMapOvr>
+    <a:masterClrMapping/>
+  </p:clrMapOvr>
+</p:notes>
+</file>
+
+<file path=ppt/notesSlides/notesSlide2.xml><?xml version="1.0" encoding="utf-8"?>
+<p:notes xmlns:a="http://schemas.openxmlformats.org/drawingml/2006/main" xmlns:r="http://schemas.openxmlformats.org/officeDocument/2006/relationships" xmlns:p="http://schemas.openxmlformats.org/presentationml/2006/main">
+  <p:cSld>
+    <p:spTree>
+      <p:nvGrpSpPr>
+        <p:cNvPr id="1" name=""/>
+        <p:cNvGrpSpPr/>
+        <p:nvPr/>
+      </p:nvGrpSpPr>
+      <p:grpSpPr>
+        <a:xfrm>
+          <a:off x="0" y="0"/>
+          <a:ext cx="0" cy="0"/>
+          <a:chOff x="0" y="0"/>
+          <a:chExt cx="0" cy="0"/>
+        </a:xfrm>
+      </p:grpSpPr>
+      <p:sp>
+        <p:nvSpPr>
+          <p:cNvPr id="2" name="Slide Image Placeholder 1"/>
+          <p:cNvSpPr>
+            <a:spLocks noGrp="1" noRot="1" noChangeAspect="1"/>
+          </p:cNvSpPr>
+          <p:nvPr>
+            <p:ph type="sldImg"/>
+          </p:nvPr>
+        </p:nvSpPr>
+        <p:spPr/>
+      </p:sp>
+      <p:sp>
+        <p:nvSpPr>
+          <p:cNvPr id="3" name="Notes Placeholder 2"/>
+          <p:cNvSpPr>
+            <a:spLocks noGrp="1"/>
+          </p:cNvSpPr>
+          <p:nvPr>
+            <p:ph type="body" idx="1"/>
+          </p:nvPr>
+        </p:nvSpPr>
+        <p:spPr/>
+        <p:txBody>
+          <a:bodyPr/>
+          <a:lstStyle/>
+          <a:p>
+            <a:endParaRPr lang="en-US"/>
+          </a:p>
+        </p:txBody>
+      </p:sp>
+      <p:sp>
+        <p:nvSpPr>
+          <p:cNvPr id="4" name="Slide Number Placeholder 3"/>
+          <p:cNvSpPr>
+            <a:spLocks noGrp="1"/>
+          </p:cNvSpPr>
+          <p:nvPr>
+            <p:ph type="sldNum" sz="quarter" idx="10"/>
+          </p:nvPr>
+        </p:nvSpPr>
+        <p:spPr/>
+        <p:txBody>
+          <a:bodyPr/>
+          <a:lstStyle/>
+          <a:p>
+            <a:fld id="{58159DD1-C078-41D7-806C-DD4037F45E63}" type="slidenum">
+              <a:rPr lang="en-US" smtClean="0"/>
+              <a:t>2</a:t>
+            </a:fld>
+            <a:endParaRPr lang="en-US"/>
+          </a:p>
+        </p:txBody>
+      </p:sp>
+    </p:spTree>
+    <p:extLst>
+      <p:ext uri="{BB962C8B-B14F-4D97-AF65-F5344CB8AC3E}">
+        <p14:creationId xmlns:p14="http://schemas.microsoft.com/office/powerpoint/2010/main" val="2996574710"/>
+      </p:ext>
+    </p:extLst>
+  </p:cSld>
+  <p:clrMapOvr>
+    <a:masterClrMapping/>
+  </p:clrMapOvr>
+</p:notes>
+</file>
+
+<file path=ppt/notesSlides/notesSlide20.xml><?xml version="1.0" encoding="utf-8"?>
+<p:notes xmlns:a="http://schemas.openxmlformats.org/drawingml/2006/main" xmlns:r="http://schemas.openxmlformats.org/officeDocument/2006/relationships" xmlns:p="http://schemas.openxmlformats.org/presentationml/2006/main">
+  <p:cSld>
+    <p:spTree>
+      <p:nvGrpSpPr>
+        <p:cNvPr id="1" name=""/>
+        <p:cNvGrpSpPr/>
+        <p:nvPr/>
+      </p:nvGrpSpPr>
+      <p:grpSpPr>
+        <a:xfrm>
+          <a:off x="0" y="0"/>
+          <a:ext cx="0" cy="0"/>
+          <a:chOff x="0" y="0"/>
+          <a:chExt cx="0" cy="0"/>
+        </a:xfrm>
+      </p:grpSpPr>
+      <p:sp>
+        <p:nvSpPr>
+          <p:cNvPr id="2" name="Slide Image Placeholder 1"/>
+          <p:cNvSpPr>
+            <a:spLocks noGrp="1" noRot="1" noChangeAspect="1"/>
+          </p:cNvSpPr>
+          <p:nvPr>
+            <p:ph type="sldImg"/>
+          </p:nvPr>
+        </p:nvSpPr>
+        <p:spPr/>
+      </p:sp>
+      <p:sp>
+        <p:nvSpPr>
+          <p:cNvPr id="3" name="Notes Placeholder 2"/>
+          <p:cNvSpPr>
+            <a:spLocks noGrp="1"/>
+          </p:cNvSpPr>
+          <p:nvPr>
+            <p:ph type="body" idx="1"/>
+          </p:nvPr>
+        </p:nvSpPr>
+        <p:spPr/>
+        <p:txBody>
+          <a:bodyPr/>
+          <a:lstStyle/>
+          <a:p>
+            <a:endParaRPr lang="en-US"/>
+          </a:p>
+        </p:txBody>
+      </p:sp>
+      <p:sp>
+        <p:nvSpPr>
+          <p:cNvPr id="4" name="Slide Number Placeholder 3"/>
+          <p:cNvSpPr>
+            <a:spLocks noGrp="1"/>
+          </p:cNvSpPr>
+          <p:nvPr>
+            <p:ph type="sldNum" sz="quarter" idx="10"/>
+          </p:nvPr>
+        </p:nvSpPr>
+        <p:spPr/>
+        <p:txBody>
+          <a:bodyPr/>
+          <a:lstStyle/>
+          <a:p>
+            <a:fld id="{58159DD1-C078-41D7-806C-DD4037F45E63}" type="slidenum">
+              <a:rPr lang="en-US" smtClean="0"/>
+              <a:t>20</a:t>
+            </a:fld>
+            <a:endParaRPr lang="en-US"/>
+          </a:p>
+        </p:txBody>
+      </p:sp>
+    </p:spTree>
+    <p:extLst>
+      <p:ext uri="{BB962C8B-B14F-4D97-AF65-F5344CB8AC3E}">
+        <p14:creationId xmlns:p14="http://schemas.microsoft.com/office/powerpoint/2010/main" val="3124509462"/>
+      </p:ext>
+    </p:extLst>
+  </p:cSld>
+  <p:clrMapOvr>
+    <a:masterClrMapping/>
+  </p:clrMapOvr>
+</p:notes>
+</file>
+
+<file path=ppt/notesSlides/notesSlide21.xml><?xml version="1.0" encoding="utf-8"?>
+<p:notes xmlns:a="http://schemas.openxmlformats.org/drawingml/2006/main" xmlns:r="http://schemas.openxmlformats.org/officeDocument/2006/relationships" xmlns:p="http://schemas.openxmlformats.org/presentationml/2006/main">
+  <p:cSld>
+    <p:spTree>
+      <p:nvGrpSpPr>
+        <p:cNvPr id="1" name=""/>
+        <p:cNvGrpSpPr/>
+        <p:nvPr/>
+      </p:nvGrpSpPr>
+      <p:grpSpPr>
+        <a:xfrm>
+          <a:off x="0" y="0"/>
+          <a:ext cx="0" cy="0"/>
+          <a:chOff x="0" y="0"/>
+          <a:chExt cx="0" cy="0"/>
+        </a:xfrm>
+      </p:grpSpPr>
+      <p:sp>
+        <p:nvSpPr>
+          <p:cNvPr id="2" name="Slide Image Placeholder 1"/>
+          <p:cNvSpPr>
+            <a:spLocks noGrp="1" noRot="1" noChangeAspect="1"/>
+          </p:cNvSpPr>
+          <p:nvPr>
+            <p:ph type="sldImg"/>
+          </p:nvPr>
+        </p:nvSpPr>
+        <p:spPr/>
+      </p:sp>
+      <p:sp>
+        <p:nvSpPr>
+          <p:cNvPr id="3" name="Notes Placeholder 2"/>
+          <p:cNvSpPr>
+            <a:spLocks noGrp="1"/>
+          </p:cNvSpPr>
+          <p:nvPr>
+            <p:ph type="body" idx="1"/>
+          </p:nvPr>
+        </p:nvSpPr>
+        <p:spPr/>
+        <p:txBody>
+          <a:bodyPr/>
+          <a:lstStyle/>
+          <a:p>
+            <a:endParaRPr lang="en-US"/>
+          </a:p>
+        </p:txBody>
+      </p:sp>
+      <p:sp>
+        <p:nvSpPr>
+          <p:cNvPr id="4" name="Slide Number Placeholder 3"/>
+          <p:cNvSpPr>
+            <a:spLocks noGrp="1"/>
+          </p:cNvSpPr>
+          <p:nvPr>
+            <p:ph type="sldNum" sz="quarter" idx="10"/>
+          </p:nvPr>
+        </p:nvSpPr>
+        <p:spPr/>
+        <p:txBody>
+          <a:bodyPr/>
+          <a:lstStyle/>
+          <a:p>
+            <a:fld id="{58159DD1-C078-41D7-806C-DD4037F45E63}" type="slidenum">
+              <a:rPr lang="en-US" smtClean="0"/>
+              <a:t>21</a:t>
+            </a:fld>
+            <a:endParaRPr lang="en-US"/>
+          </a:p>
+        </p:txBody>
+      </p:sp>
+    </p:spTree>
+    <p:extLst>
+      <p:ext uri="{BB962C8B-B14F-4D97-AF65-F5344CB8AC3E}">
+        <p14:creationId xmlns:p14="http://schemas.microsoft.com/office/powerpoint/2010/main" val="773610557"/>
+      </p:ext>
+    </p:extLst>
+  </p:cSld>
+  <p:clrMapOvr>
+    <a:masterClrMapping/>
+  </p:clrMapOvr>
+</p:notes>
+</file>
+
+<file path=ppt/notesSlides/notesSlide22.xml><?xml version="1.0" encoding="utf-8"?>
+<p:notes xmlns:a="http://schemas.openxmlformats.org/drawingml/2006/main" xmlns:r="http://schemas.openxmlformats.org/officeDocument/2006/relationships" xmlns:p="http://schemas.openxmlformats.org/presentationml/2006/main">
+  <p:cSld>
+    <p:spTree>
+      <p:nvGrpSpPr>
+        <p:cNvPr id="1" name=""/>
+        <p:cNvGrpSpPr/>
+        <p:nvPr/>
+      </p:nvGrpSpPr>
+      <p:grpSpPr>
+        <a:xfrm>
+          <a:off x="0" y="0"/>
+          <a:ext cx="0" cy="0"/>
+          <a:chOff x="0" y="0"/>
+          <a:chExt cx="0" cy="0"/>
+        </a:xfrm>
+      </p:grpSpPr>
+      <p:sp>
+        <p:nvSpPr>
+          <p:cNvPr id="2" name="Slide Image Placeholder 1"/>
+          <p:cNvSpPr>
+            <a:spLocks noGrp="1" noRot="1" noChangeAspect="1"/>
+          </p:cNvSpPr>
+          <p:nvPr>
+            <p:ph type="sldImg"/>
+          </p:nvPr>
+        </p:nvSpPr>
+        <p:spPr/>
+      </p:sp>
+      <p:sp>
+        <p:nvSpPr>
+          <p:cNvPr id="3" name="Notes Placeholder 2"/>
+          <p:cNvSpPr>
+            <a:spLocks noGrp="1"/>
+          </p:cNvSpPr>
+          <p:nvPr>
+            <p:ph type="body" idx="1"/>
+          </p:nvPr>
+        </p:nvSpPr>
+        <p:spPr/>
+        <p:txBody>
+          <a:bodyPr/>
+          <a:lstStyle/>
+          <a:p>
+            <a:endParaRPr lang="en-US"/>
+          </a:p>
+        </p:txBody>
+      </p:sp>
+      <p:sp>
+        <p:nvSpPr>
+          <p:cNvPr id="4" name="Slide Number Placeholder 3"/>
+          <p:cNvSpPr>
+            <a:spLocks noGrp="1"/>
+          </p:cNvSpPr>
+          <p:nvPr>
+            <p:ph type="sldNum" sz="quarter" idx="10"/>
+          </p:nvPr>
+        </p:nvSpPr>
+        <p:spPr/>
+        <p:txBody>
+          <a:bodyPr/>
+          <a:lstStyle/>
+          <a:p>
+            <a:fld id="{58159DD1-C078-41D7-806C-DD4037F45E63}" type="slidenum">
+              <a:rPr lang="en-US" smtClean="0"/>
+              <a:t>22</a:t>
+            </a:fld>
+            <a:endParaRPr lang="en-US"/>
+          </a:p>
+        </p:txBody>
+      </p:sp>
+    </p:spTree>
+    <p:extLst>
+      <p:ext uri="{BB962C8B-B14F-4D97-AF65-F5344CB8AC3E}">
+        <p14:creationId xmlns:p14="http://schemas.microsoft.com/office/powerpoint/2010/main" val="3974869964"/>
+      </p:ext>
+    </p:extLst>
+  </p:cSld>
+  <p:clrMapOvr>
+    <a:masterClrMapping/>
+  </p:clrMapOvr>
+</p:notes>
+</file>
+
+<file path=ppt/notesSlides/notesSlide23.xml><?xml version="1.0" encoding="utf-8"?>
+<p:notes xmlns:a="http://schemas.openxmlformats.org/drawingml/2006/main" xmlns:r="http://schemas.openxmlformats.org/officeDocument/2006/relationships" xmlns:p="http://schemas.openxmlformats.org/presentationml/2006/main">
+  <p:cSld>
+    <p:spTree>
+      <p:nvGrpSpPr>
+        <p:cNvPr id="1" name=""/>
+        <p:cNvGrpSpPr/>
+        <p:nvPr/>
+      </p:nvGrpSpPr>
+      <p:grpSpPr>
+        <a:xfrm>
+          <a:off x="0" y="0"/>
+          <a:ext cx="0" cy="0"/>
+          <a:chOff x="0" y="0"/>
+          <a:chExt cx="0" cy="0"/>
+        </a:xfrm>
+      </p:grpSpPr>
+      <p:sp>
+        <p:nvSpPr>
+          <p:cNvPr id="2" name="Slide Image Placeholder 1"/>
+          <p:cNvSpPr>
+            <a:spLocks noGrp="1" noRot="1" noChangeAspect="1"/>
+          </p:cNvSpPr>
+          <p:nvPr>
+            <p:ph type="sldImg"/>
+          </p:nvPr>
+        </p:nvSpPr>
+        <p:spPr/>
+      </p:sp>
+      <p:sp>
+        <p:nvSpPr>
+          <p:cNvPr id="3" name="Notes Placeholder 2"/>
+          <p:cNvSpPr>
+            <a:spLocks noGrp="1"/>
+          </p:cNvSpPr>
+          <p:nvPr>
+            <p:ph type="body" idx="1"/>
+          </p:nvPr>
+        </p:nvSpPr>
+        <p:spPr/>
+        <p:txBody>
+          <a:bodyPr/>
+          <a:lstStyle/>
+          <a:p>
+            <a:endParaRPr lang="en-US"/>
+          </a:p>
+        </p:txBody>
+      </p:sp>
+      <p:sp>
+        <p:nvSpPr>
+          <p:cNvPr id="4" name="Slide Number Placeholder 3"/>
+          <p:cNvSpPr>
+            <a:spLocks noGrp="1"/>
+          </p:cNvSpPr>
+          <p:nvPr>
+            <p:ph type="sldNum" sz="quarter" idx="10"/>
+          </p:nvPr>
+        </p:nvSpPr>
+        <p:spPr/>
+        <p:txBody>
+          <a:bodyPr/>
+          <a:lstStyle/>
+          <a:p>
+            <a:fld id="{58159DD1-C078-41D7-806C-DD4037F45E63}" type="slidenum">
+              <a:rPr lang="en-US" smtClean="0"/>
+              <a:t>23</a:t>
+            </a:fld>
+            <a:endParaRPr lang="en-US"/>
+          </a:p>
+        </p:txBody>
+      </p:sp>
+    </p:spTree>
+    <p:extLst>
+      <p:ext uri="{BB962C8B-B14F-4D97-AF65-F5344CB8AC3E}">
+        <p14:creationId xmlns:p14="http://schemas.microsoft.com/office/powerpoint/2010/main" val="153525432"/>
+      </p:ext>
+    </p:extLst>
+  </p:cSld>
+  <p:clrMapOvr>
+    <a:masterClrMapping/>
+  </p:clrMapOvr>
+</p:notes>
+</file>
+
+<file path=ppt/notesSlides/notesSlide24.xml><?xml version="1.0" encoding="utf-8"?>
+<p:notes xmlns:a="http://schemas.openxmlformats.org/drawingml/2006/main" xmlns:r="http://schemas.openxmlformats.org/officeDocument/2006/relationships" xmlns:p="http://schemas.openxmlformats.org/presentationml/2006/main">
+  <p:cSld>
+    <p:spTree>
+      <p:nvGrpSpPr>
+        <p:cNvPr id="1" name=""/>
+        <p:cNvGrpSpPr/>
+        <p:nvPr/>
+      </p:nvGrpSpPr>
+      <p:grpSpPr>
+        <a:xfrm>
+          <a:off x="0" y="0"/>
+          <a:ext cx="0" cy="0"/>
+          <a:chOff x="0" y="0"/>
+          <a:chExt cx="0" cy="0"/>
+        </a:xfrm>
+      </p:grpSpPr>
+      <p:sp>
+        <p:nvSpPr>
+          <p:cNvPr id="2" name="Slide Image Placeholder 1"/>
+          <p:cNvSpPr>
+            <a:spLocks noGrp="1" noRot="1" noChangeAspect="1"/>
+          </p:cNvSpPr>
+          <p:nvPr>
+            <p:ph type="sldImg"/>
+          </p:nvPr>
+        </p:nvSpPr>
+        <p:spPr/>
+      </p:sp>
+      <p:sp>
+        <p:nvSpPr>
+          <p:cNvPr id="3" name="Notes Placeholder 2"/>
+          <p:cNvSpPr>
+            <a:spLocks noGrp="1"/>
+          </p:cNvSpPr>
+          <p:nvPr>
+            <p:ph type="body" idx="1"/>
+          </p:nvPr>
+        </p:nvSpPr>
+        <p:spPr/>
+        <p:txBody>
+          <a:bodyPr/>
+          <a:lstStyle/>
+          <a:p>
+            <a:endParaRPr lang="en-US"/>
+          </a:p>
+        </p:txBody>
+      </p:sp>
+      <p:sp>
+        <p:nvSpPr>
+          <p:cNvPr id="4" name="Slide Number Placeholder 3"/>
+          <p:cNvSpPr>
+            <a:spLocks noGrp="1"/>
+          </p:cNvSpPr>
+          <p:nvPr>
+            <p:ph type="sldNum" sz="quarter" idx="10"/>
+          </p:nvPr>
+        </p:nvSpPr>
+        <p:spPr/>
+        <p:txBody>
+          <a:bodyPr/>
+          <a:lstStyle/>
+          <a:p>
+            <a:fld id="{58159DD1-C078-41D7-806C-DD4037F45E63}" type="slidenum">
+              <a:rPr lang="en-US" smtClean="0"/>
+              <a:t>24</a:t>
+            </a:fld>
+            <a:endParaRPr lang="en-US"/>
+          </a:p>
+        </p:txBody>
+      </p:sp>
+    </p:spTree>
+    <p:extLst>
+      <p:ext uri="{BB962C8B-B14F-4D97-AF65-F5344CB8AC3E}">
+        <p14:creationId xmlns:p14="http://schemas.microsoft.com/office/powerpoint/2010/main" val="1746157178"/>
+      </p:ext>
+    </p:extLst>
+  </p:cSld>
+  <p:clrMapOvr>
+    <a:masterClrMapping/>
+  </p:clrMapOvr>
+</p:notes>
+</file>
+
+<file path=ppt/notesSlides/notesSlide25.xml><?xml version="1.0" encoding="utf-8"?>
+<p:notes xmlns:a="http://schemas.openxmlformats.org/drawingml/2006/main" xmlns:r="http://schemas.openxmlformats.org/officeDocument/2006/relationships" xmlns:p="http://schemas.openxmlformats.org/presentationml/2006/main">
+  <p:cSld>
+    <p:spTree>
+      <p:nvGrpSpPr>
+        <p:cNvPr id="1" name=""/>
+        <p:cNvGrpSpPr/>
+        <p:nvPr/>
+      </p:nvGrpSpPr>
+      <p:grpSpPr>
+        <a:xfrm>
+          <a:off x="0" y="0"/>
+          <a:ext cx="0" cy="0"/>
+          <a:chOff x="0" y="0"/>
+          <a:chExt cx="0" cy="0"/>
+        </a:xfrm>
+      </p:grpSpPr>
+      <p:sp>
+        <p:nvSpPr>
+          <p:cNvPr id="2" name="Slide Image Placeholder 1"/>
+          <p:cNvSpPr>
+            <a:spLocks noGrp="1" noRot="1" noChangeAspect="1"/>
+          </p:cNvSpPr>
+          <p:nvPr>
+            <p:ph type="sldImg"/>
+          </p:nvPr>
+        </p:nvSpPr>
+        <p:spPr/>
+      </p:sp>
+      <p:sp>
+        <p:nvSpPr>
+          <p:cNvPr id="3" name="Notes Placeholder 2"/>
+          <p:cNvSpPr>
+            <a:spLocks noGrp="1"/>
+          </p:cNvSpPr>
+          <p:nvPr>
+            <p:ph type="body" idx="1"/>
+          </p:nvPr>
+        </p:nvSpPr>
+        <p:spPr/>
+        <p:txBody>
+          <a:bodyPr/>
+          <a:lstStyle/>
+          <a:p>
+            <a:endParaRPr lang="en-US"/>
+          </a:p>
+        </p:txBody>
+      </p:sp>
+      <p:sp>
+        <p:nvSpPr>
+          <p:cNvPr id="4" name="Slide Number Placeholder 3"/>
+          <p:cNvSpPr>
+            <a:spLocks noGrp="1"/>
+          </p:cNvSpPr>
+          <p:nvPr>
+            <p:ph type="sldNum" sz="quarter" idx="10"/>
+          </p:nvPr>
+        </p:nvSpPr>
+        <p:spPr/>
+        <p:txBody>
+          <a:bodyPr/>
+          <a:lstStyle/>
+          <a:p>
+            <a:fld id="{58159DD1-C078-41D7-806C-DD4037F45E63}" type="slidenum">
+              <a:rPr lang="en-US" smtClean="0"/>
+              <a:t>25</a:t>
+            </a:fld>
+            <a:endParaRPr lang="en-US"/>
+          </a:p>
+        </p:txBody>
+      </p:sp>
+    </p:spTree>
+    <p:extLst>
+      <p:ext uri="{BB962C8B-B14F-4D97-AF65-F5344CB8AC3E}">
+        <p14:creationId xmlns:p14="http://schemas.microsoft.com/office/powerpoint/2010/main" val="4033729926"/>
+      </p:ext>
+    </p:extLst>
+  </p:cSld>
+  <p:clrMapOvr>
+    <a:masterClrMapping/>
+  </p:clrMapOvr>
+</p:notes>
+</file>
+
+<file path=ppt/notesSlides/notesSlide26.xml><?xml version="1.0" encoding="utf-8"?>
+<p:notes xmlns:a="http://schemas.openxmlformats.org/drawingml/2006/main" xmlns:r="http://schemas.openxmlformats.org/officeDocument/2006/relationships" xmlns:p="http://schemas.openxmlformats.org/presentationml/2006/main">
+  <p:cSld>
+    <p:spTree>
+      <p:nvGrpSpPr>
+        <p:cNvPr id="1" name=""/>
+        <p:cNvGrpSpPr/>
+        <p:nvPr/>
+      </p:nvGrpSpPr>
+      <p:grpSpPr>
+        <a:xfrm>
+          <a:off x="0" y="0"/>
+          <a:ext cx="0" cy="0"/>
+          <a:chOff x="0" y="0"/>
+          <a:chExt cx="0" cy="0"/>
+        </a:xfrm>
+      </p:grpSpPr>
+      <p:sp>
+        <p:nvSpPr>
+          <p:cNvPr id="2" name="Slide Image Placeholder 1"/>
+          <p:cNvSpPr>
+            <a:spLocks noGrp="1" noRot="1" noChangeAspect="1"/>
+          </p:cNvSpPr>
+          <p:nvPr>
+            <p:ph type="sldImg"/>
+          </p:nvPr>
+        </p:nvSpPr>
+        <p:spPr/>
+      </p:sp>
+      <p:sp>
+        <p:nvSpPr>
+          <p:cNvPr id="3" name="Notes Placeholder 2"/>
+          <p:cNvSpPr>
+            <a:spLocks noGrp="1"/>
+          </p:cNvSpPr>
+          <p:nvPr>
+            <p:ph type="body" idx="1"/>
+          </p:nvPr>
+        </p:nvSpPr>
+        <p:spPr/>
+        <p:txBody>
+          <a:bodyPr/>
+          <a:lstStyle/>
+          <a:p>
+            <a:endParaRPr lang="en-US"/>
+          </a:p>
+        </p:txBody>
+      </p:sp>
+      <p:sp>
+        <p:nvSpPr>
+          <p:cNvPr id="4" name="Slide Number Placeholder 3"/>
+          <p:cNvSpPr>
+            <a:spLocks noGrp="1"/>
+          </p:cNvSpPr>
+          <p:nvPr>
+            <p:ph type="sldNum" sz="quarter" idx="10"/>
+          </p:nvPr>
+        </p:nvSpPr>
+        <p:spPr/>
+        <p:txBody>
+          <a:bodyPr/>
+          <a:lstStyle/>
+          <a:p>
+            <a:fld id="{58159DD1-C078-41D7-806C-DD4037F45E63}" type="slidenum">
+              <a:rPr lang="en-US" smtClean="0"/>
+              <a:t>26</a:t>
+            </a:fld>
+            <a:endParaRPr lang="en-US"/>
+          </a:p>
+        </p:txBody>
+      </p:sp>
+    </p:spTree>
+    <p:extLst>
+      <p:ext uri="{BB962C8B-B14F-4D97-AF65-F5344CB8AC3E}">
+        <p14:creationId xmlns:p14="http://schemas.microsoft.com/office/powerpoint/2010/main" val="2108203965"/>
+      </p:ext>
+    </p:extLst>
+  </p:cSld>
+  <p:clrMapOvr>
+    <a:masterClrMapping/>
+  </p:clrMapOvr>
+</p:notes>
+</file>
+
+<file path=ppt/notesSlides/notesSlide27.xml><?xml version="1.0" encoding="utf-8"?>
+<p:notes xmlns:a="http://schemas.openxmlformats.org/drawingml/2006/main" xmlns:r="http://schemas.openxmlformats.org/officeDocument/2006/relationships" xmlns:p="http://schemas.openxmlformats.org/presentationml/2006/main">
+  <p:cSld>
+    <p:spTree>
+      <p:nvGrpSpPr>
+        <p:cNvPr id="1" name=""/>
+        <p:cNvGrpSpPr/>
+        <p:nvPr/>
+      </p:nvGrpSpPr>
+      <p:grpSpPr>
+        <a:xfrm>
+          <a:off x="0" y="0"/>
+          <a:ext cx="0" cy="0"/>
+          <a:chOff x="0" y="0"/>
+          <a:chExt cx="0" cy="0"/>
+        </a:xfrm>
+      </p:grpSpPr>
+      <p:sp>
+        <p:nvSpPr>
+          <p:cNvPr id="2" name="Slide Image Placeholder 1"/>
+          <p:cNvSpPr>
+            <a:spLocks noGrp="1" noRot="1" noChangeAspect="1"/>
+          </p:cNvSpPr>
+          <p:nvPr>
+            <p:ph type="sldImg"/>
+          </p:nvPr>
+        </p:nvSpPr>
+        <p:spPr/>
+      </p:sp>
+      <p:sp>
+        <p:nvSpPr>
+          <p:cNvPr id="3" name="Notes Placeholder 2"/>
+          <p:cNvSpPr>
+            <a:spLocks noGrp="1"/>
+          </p:cNvSpPr>
+          <p:nvPr>
+            <p:ph type="body" idx="1"/>
+          </p:nvPr>
+        </p:nvSpPr>
+        <p:spPr/>
+        <p:txBody>
+          <a:bodyPr/>
+          <a:lstStyle/>
+          <a:p>
+            <a:endParaRPr lang="en-US"/>
+          </a:p>
+        </p:txBody>
+      </p:sp>
+      <p:sp>
+        <p:nvSpPr>
+          <p:cNvPr id="4" name="Slide Number Placeholder 3"/>
+          <p:cNvSpPr>
+            <a:spLocks noGrp="1"/>
+          </p:cNvSpPr>
+          <p:nvPr>
+            <p:ph type="sldNum" sz="quarter" idx="10"/>
+          </p:nvPr>
+        </p:nvSpPr>
+        <p:spPr/>
+        <p:txBody>
+          <a:bodyPr/>
+          <a:lstStyle/>
+          <a:p>
+            <a:fld id="{58159DD1-C078-41D7-806C-DD4037F45E63}" type="slidenum">
+              <a:rPr lang="en-US" smtClean="0"/>
+              <a:t>27</a:t>
+            </a:fld>
+            <a:endParaRPr lang="en-US"/>
+          </a:p>
+        </p:txBody>
+      </p:sp>
+    </p:spTree>
+    <p:extLst>
+      <p:ext uri="{BB962C8B-B14F-4D97-AF65-F5344CB8AC3E}">
+        <p14:creationId xmlns:p14="http://schemas.microsoft.com/office/powerpoint/2010/main" val="2259470845"/>
+      </p:ext>
+    </p:extLst>
+  </p:cSld>
+  <p:clrMapOvr>
+    <a:masterClrMapping/>
+  </p:clrMapOvr>
+</p:notes>
+</file>
+
+<file path=ppt/notesSlides/notesSlide28.xml><?xml version="1.0" encoding="utf-8"?>
+<p:notes xmlns:a="http://schemas.openxmlformats.org/drawingml/2006/main" xmlns:r="http://schemas.openxmlformats.org/officeDocument/2006/relationships" xmlns:p="http://schemas.openxmlformats.org/presentationml/2006/main">
+  <p:cSld>
+    <p:spTree>
+      <p:nvGrpSpPr>
+        <p:cNvPr id="1" name=""/>
+        <p:cNvGrpSpPr/>
+        <p:nvPr/>
+      </p:nvGrpSpPr>
+      <p:grpSpPr>
+        <a:xfrm>
+          <a:off x="0" y="0"/>
+          <a:ext cx="0" cy="0"/>
+          <a:chOff x="0" y="0"/>
+          <a:chExt cx="0" cy="0"/>
+        </a:xfrm>
+      </p:grpSpPr>
+      <p:sp>
+        <p:nvSpPr>
+          <p:cNvPr id="2" name="Slide Image Placeholder 1"/>
+          <p:cNvSpPr>
+            <a:spLocks noGrp="1" noRot="1" noChangeAspect="1"/>
+          </p:cNvSpPr>
+          <p:nvPr>
+            <p:ph type="sldImg"/>
+          </p:nvPr>
+        </p:nvSpPr>
+        <p:spPr/>
+      </p:sp>
+      <p:sp>
+        <p:nvSpPr>
+          <p:cNvPr id="3" name="Notes Placeholder 2"/>
+          <p:cNvSpPr>
+            <a:spLocks noGrp="1"/>
+          </p:cNvSpPr>
+          <p:nvPr>
+            <p:ph type="body" idx="1"/>
+          </p:nvPr>
+        </p:nvSpPr>
+        <p:spPr/>
+        <p:txBody>
+          <a:bodyPr/>
+          <a:lstStyle/>
+          <a:p>
+            <a:endParaRPr lang="en-US"/>
+          </a:p>
+        </p:txBody>
+      </p:sp>
+      <p:sp>
+        <p:nvSpPr>
+          <p:cNvPr id="4" name="Slide Number Placeholder 3"/>
+          <p:cNvSpPr>
+            <a:spLocks noGrp="1"/>
+          </p:cNvSpPr>
+          <p:nvPr>
+            <p:ph type="sldNum" sz="quarter" idx="10"/>
+          </p:nvPr>
+        </p:nvSpPr>
+        <p:spPr/>
+        <p:txBody>
+          <a:bodyPr/>
+          <a:lstStyle/>
+          <a:p>
+            <a:fld id="{58159DD1-C078-41D7-806C-DD4037F45E63}" type="slidenum">
+              <a:rPr lang="en-US" smtClean="0"/>
+              <a:t>28</a:t>
+            </a:fld>
+            <a:endParaRPr lang="en-US"/>
+          </a:p>
+        </p:txBody>
+      </p:sp>
+    </p:spTree>
+    <p:extLst>
+      <p:ext uri="{BB962C8B-B14F-4D97-AF65-F5344CB8AC3E}">
+        <p14:creationId xmlns:p14="http://schemas.microsoft.com/office/powerpoint/2010/main" val="528281467"/>
+      </p:ext>
+    </p:extLst>
+  </p:cSld>
+  <p:clrMapOvr>
+    <a:masterClrMapping/>
+  </p:clrMapOvr>
+</p:notes>
+</file>
+
+<file path=ppt/notesSlides/notesSlide29.xml><?xml version="1.0" encoding="utf-8"?>
+<p:notes xmlns:a="http://schemas.openxmlformats.org/drawingml/2006/main" xmlns:r="http://schemas.openxmlformats.org/officeDocument/2006/relationships" xmlns:p="http://schemas.openxmlformats.org/presentationml/2006/main">
+  <p:cSld>
+    <p:spTree>
+      <p:nvGrpSpPr>
+        <p:cNvPr id="1" name=""/>
+        <p:cNvGrpSpPr/>
+        <p:nvPr/>
+      </p:nvGrpSpPr>
+      <p:grpSpPr>
+        <a:xfrm>
+          <a:off x="0" y="0"/>
+          <a:ext cx="0" cy="0"/>
+          <a:chOff x="0" y="0"/>
+          <a:chExt cx="0" cy="0"/>
+        </a:xfrm>
+      </p:grpSpPr>
+      <p:sp>
+        <p:nvSpPr>
+          <p:cNvPr id="2" name="Slide Image Placeholder 1"/>
+          <p:cNvSpPr>
+            <a:spLocks noGrp="1" noRot="1" noChangeAspect="1"/>
+          </p:cNvSpPr>
+          <p:nvPr>
+            <p:ph type="sldImg"/>
+          </p:nvPr>
+        </p:nvSpPr>
+        <p:spPr/>
+      </p:sp>
+      <p:sp>
+        <p:nvSpPr>
+          <p:cNvPr id="3" name="Notes Placeholder 2"/>
+          <p:cNvSpPr>
+            <a:spLocks noGrp="1"/>
+          </p:cNvSpPr>
+          <p:nvPr>
+            <p:ph type="body" idx="1"/>
+          </p:nvPr>
+        </p:nvSpPr>
+        <p:spPr/>
+        <p:txBody>
+          <a:bodyPr/>
+          <a:lstStyle/>
+          <a:p>
+            <a:endParaRPr lang="en-US"/>
+          </a:p>
+        </p:txBody>
+      </p:sp>
+      <p:sp>
+        <p:nvSpPr>
+          <p:cNvPr id="4" name="Slide Number Placeholder 3"/>
+          <p:cNvSpPr>
+            <a:spLocks noGrp="1"/>
+          </p:cNvSpPr>
+          <p:nvPr>
+            <p:ph type="sldNum" sz="quarter" idx="10"/>
+          </p:nvPr>
+        </p:nvSpPr>
+        <p:spPr/>
+        <p:txBody>
+          <a:bodyPr/>
+          <a:lstStyle/>
+          <a:p>
+            <a:fld id="{58159DD1-C078-41D7-806C-DD4037F45E63}" type="slidenum">
+              <a:rPr lang="en-US" smtClean="0"/>
+              <a:t>29</a:t>
+            </a:fld>
+            <a:endParaRPr lang="en-US"/>
+          </a:p>
+        </p:txBody>
+      </p:sp>
+    </p:spTree>
+    <p:extLst>
+      <p:ext uri="{BB962C8B-B14F-4D97-AF65-F5344CB8AC3E}">
+        <p14:creationId xmlns:p14="http://schemas.microsoft.com/office/powerpoint/2010/main" val="4273894204"/>
+      </p:ext>
+    </p:extLst>
+  </p:cSld>
+  <p:clrMapOvr>
+    <a:masterClrMapping/>
+  </p:clrMapOvr>
+</p:notes>
+</file>
+
+<file path=ppt/notesSlides/notesSlide3.xml><?xml version="1.0" encoding="utf-8"?>
+<p:notes xmlns:a="http://schemas.openxmlformats.org/drawingml/2006/main" xmlns:r="http://schemas.openxmlformats.org/officeDocument/2006/relationships" xmlns:p="http://schemas.openxmlformats.org/presentationml/2006/main">
+  <p:cSld>
+    <p:spTree>
+      <p:nvGrpSpPr>
+        <p:cNvPr id="1" name=""/>
+        <p:cNvGrpSpPr/>
+        <p:nvPr/>
+      </p:nvGrpSpPr>
+      <p:grpSpPr>
+        <a:xfrm>
+          <a:off x="0" y="0"/>
+          <a:ext cx="0" cy="0"/>
+          <a:chOff x="0" y="0"/>
+          <a:chExt cx="0" cy="0"/>
+        </a:xfrm>
+      </p:grpSpPr>
+      <p:sp>
+        <p:nvSpPr>
+          <p:cNvPr id="2" name="Slide Image Placeholder 1"/>
+          <p:cNvSpPr>
+            <a:spLocks noGrp="1" noRot="1" noChangeAspect="1"/>
+          </p:cNvSpPr>
+          <p:nvPr>
+            <p:ph type="sldImg"/>
+          </p:nvPr>
+        </p:nvSpPr>
+        <p:spPr/>
+      </p:sp>
+      <p:sp>
+        <p:nvSpPr>
+          <p:cNvPr id="3" name="Notes Placeholder 2"/>
+          <p:cNvSpPr>
+            <a:spLocks noGrp="1"/>
+          </p:cNvSpPr>
+          <p:nvPr>
+            <p:ph type="body" idx="1"/>
+          </p:nvPr>
+        </p:nvSpPr>
+        <p:spPr/>
+        <p:txBody>
+          <a:bodyPr/>
+          <a:lstStyle/>
+          <a:p>
+            <a:endParaRPr lang="en-US"/>
+          </a:p>
+        </p:txBody>
+      </p:sp>
+      <p:sp>
+        <p:nvSpPr>
+          <p:cNvPr id="4" name="Slide Number Placeholder 3"/>
+          <p:cNvSpPr>
+            <a:spLocks noGrp="1"/>
+          </p:cNvSpPr>
+          <p:nvPr>
+            <p:ph type="sldNum" sz="quarter" idx="10"/>
+          </p:nvPr>
+        </p:nvSpPr>
+        <p:spPr/>
+        <p:txBody>
+          <a:bodyPr/>
+          <a:lstStyle/>
+          <a:p>
+            <a:fld id="{58159DD1-C078-41D7-806C-DD4037F45E63}" type="slidenum">
+              <a:rPr lang="en-US" smtClean="0"/>
+              <a:t>3</a:t>
+            </a:fld>
+            <a:endParaRPr lang="en-US"/>
+          </a:p>
+        </p:txBody>
+      </p:sp>
+    </p:spTree>
+    <p:extLst>
+      <p:ext uri="{BB962C8B-B14F-4D97-AF65-F5344CB8AC3E}">
+        <p14:creationId xmlns:p14="http://schemas.microsoft.com/office/powerpoint/2010/main" val="602169558"/>
+      </p:ext>
+    </p:extLst>
+  </p:cSld>
+  <p:clrMapOvr>
+    <a:masterClrMapping/>
+  </p:clrMapOvr>
+</p:notes>
+</file>
+
+<file path=ppt/notesSlides/notesSlide30.xml><?xml version="1.0" encoding="utf-8"?>
+<p:notes xmlns:a="http://schemas.openxmlformats.org/drawingml/2006/main" xmlns:r="http://schemas.openxmlformats.org/officeDocument/2006/relationships" xmlns:p="http://schemas.openxmlformats.org/presentationml/2006/main">
+  <p:cSld>
+    <p:spTree>
+      <p:nvGrpSpPr>
+        <p:cNvPr id="1" name=""/>
+        <p:cNvGrpSpPr/>
+        <p:nvPr/>
+      </p:nvGrpSpPr>
+      <p:grpSpPr>
+        <a:xfrm>
+          <a:off x="0" y="0"/>
+          <a:ext cx="0" cy="0"/>
+          <a:chOff x="0" y="0"/>
+          <a:chExt cx="0" cy="0"/>
+        </a:xfrm>
+      </p:grpSpPr>
+      <p:sp>
+        <p:nvSpPr>
+          <p:cNvPr id="2" name="Slide Image Placeholder 1"/>
+          <p:cNvSpPr>
+            <a:spLocks noGrp="1" noRot="1" noChangeAspect="1"/>
+          </p:cNvSpPr>
+          <p:nvPr>
+            <p:ph type="sldImg"/>
+          </p:nvPr>
+        </p:nvSpPr>
+        <p:spPr/>
+      </p:sp>
+      <p:sp>
+        <p:nvSpPr>
+          <p:cNvPr id="3" name="Notes Placeholder 2"/>
+          <p:cNvSpPr>
+            <a:spLocks noGrp="1"/>
+          </p:cNvSpPr>
+          <p:nvPr>
+            <p:ph type="body" idx="1"/>
+          </p:nvPr>
+        </p:nvSpPr>
+        <p:spPr/>
+        <p:txBody>
+          <a:bodyPr/>
+          <a:lstStyle/>
+          <a:p>
+            <a:endParaRPr lang="en-US"/>
+          </a:p>
+        </p:txBody>
+      </p:sp>
+      <p:sp>
+        <p:nvSpPr>
+          <p:cNvPr id="4" name="Slide Number Placeholder 3"/>
+          <p:cNvSpPr>
+            <a:spLocks noGrp="1"/>
+          </p:cNvSpPr>
+          <p:nvPr>
+            <p:ph type="sldNum" sz="quarter" idx="10"/>
+          </p:nvPr>
+        </p:nvSpPr>
+        <p:spPr/>
+        <p:txBody>
+          <a:bodyPr/>
+          <a:lstStyle/>
+          <a:p>
+            <a:fld id="{58159DD1-C078-41D7-806C-DD4037F45E63}" type="slidenum">
+              <a:rPr lang="en-US" smtClean="0"/>
+              <a:t>30</a:t>
+            </a:fld>
+            <a:endParaRPr lang="en-US"/>
+          </a:p>
+        </p:txBody>
+      </p:sp>
+    </p:spTree>
+    <p:extLst>
+      <p:ext uri="{BB962C8B-B14F-4D97-AF65-F5344CB8AC3E}">
+        <p14:creationId xmlns:p14="http://schemas.microsoft.com/office/powerpoint/2010/main" val="2094417229"/>
+      </p:ext>
+    </p:extLst>
+  </p:cSld>
+  <p:clrMapOvr>
+    <a:masterClrMapping/>
+  </p:clrMapOvr>
+</p:notes>
+</file>
+
+<file path=ppt/notesSlides/notesSlide31.xml><?xml version="1.0" encoding="utf-8"?>
+<p:notes xmlns:a="http://schemas.openxmlformats.org/drawingml/2006/main" xmlns:r="http://schemas.openxmlformats.org/officeDocument/2006/relationships" xmlns:p="http://schemas.openxmlformats.org/presentationml/2006/main">
+  <p:cSld>
+    <p:spTree>
+      <p:nvGrpSpPr>
+        <p:cNvPr id="1" name=""/>
+        <p:cNvGrpSpPr/>
+        <p:nvPr/>
+      </p:nvGrpSpPr>
+      <p:grpSpPr>
+        <a:xfrm>
+          <a:off x="0" y="0"/>
+          <a:ext cx="0" cy="0"/>
+          <a:chOff x="0" y="0"/>
+          <a:chExt cx="0" cy="0"/>
+        </a:xfrm>
+      </p:grpSpPr>
+      <p:sp>
+        <p:nvSpPr>
+          <p:cNvPr id="2" name="Slide Image Placeholder 1"/>
+          <p:cNvSpPr>
+            <a:spLocks noGrp="1" noRot="1" noChangeAspect="1"/>
+          </p:cNvSpPr>
+          <p:nvPr>
+            <p:ph type="sldImg"/>
+          </p:nvPr>
+        </p:nvSpPr>
+        <p:spPr/>
+      </p:sp>
+      <p:sp>
+        <p:nvSpPr>
+          <p:cNvPr id="3" name="Notes Placeholder 2"/>
+          <p:cNvSpPr>
+            <a:spLocks noGrp="1"/>
+          </p:cNvSpPr>
+          <p:nvPr>
+            <p:ph type="body" idx="1"/>
+          </p:nvPr>
+        </p:nvSpPr>
+        <p:spPr/>
+        <p:txBody>
+          <a:bodyPr/>
+          <a:lstStyle/>
+          <a:p>
+            <a:endParaRPr lang="en-US"/>
+          </a:p>
+        </p:txBody>
+      </p:sp>
+      <p:sp>
+        <p:nvSpPr>
+          <p:cNvPr id="4" name="Slide Number Placeholder 3"/>
+          <p:cNvSpPr>
+            <a:spLocks noGrp="1"/>
+          </p:cNvSpPr>
+          <p:nvPr>
+            <p:ph type="sldNum" sz="quarter" idx="10"/>
+          </p:nvPr>
+        </p:nvSpPr>
+        <p:spPr/>
+        <p:txBody>
+          <a:bodyPr/>
+          <a:lstStyle/>
+          <a:p>
+            <a:fld id="{58159DD1-C078-41D7-806C-DD4037F45E63}" type="slidenum">
+              <a:rPr lang="en-US" smtClean="0"/>
+              <a:t>31</a:t>
+            </a:fld>
+            <a:endParaRPr lang="en-US"/>
+          </a:p>
+        </p:txBody>
+      </p:sp>
+    </p:spTree>
+    <p:extLst>
+      <p:ext uri="{BB962C8B-B14F-4D97-AF65-F5344CB8AC3E}">
+        <p14:creationId xmlns:p14="http://schemas.microsoft.com/office/powerpoint/2010/main" val="848862147"/>
+      </p:ext>
+    </p:extLst>
+  </p:cSld>
+  <p:clrMapOvr>
+    <a:masterClrMapping/>
+  </p:clrMapOvr>
+</p:notes>
+</file>
+
+<file path=ppt/notesSlides/notesSlide32.xml><?xml version="1.0" encoding="utf-8"?>
+<p:notes xmlns:a="http://schemas.openxmlformats.org/drawingml/2006/main" xmlns:r="http://schemas.openxmlformats.org/officeDocument/2006/relationships" xmlns:p="http://schemas.openxmlformats.org/presentationml/2006/main">
+  <p:cSld>
+    <p:spTree>
+      <p:nvGrpSpPr>
+        <p:cNvPr id="1" name=""/>
+        <p:cNvGrpSpPr/>
+        <p:nvPr/>
+      </p:nvGrpSpPr>
+      <p:grpSpPr>
+        <a:xfrm>
+          <a:off x="0" y="0"/>
+          <a:ext cx="0" cy="0"/>
+          <a:chOff x="0" y="0"/>
+          <a:chExt cx="0" cy="0"/>
+        </a:xfrm>
+      </p:grpSpPr>
+      <p:sp>
+        <p:nvSpPr>
+          <p:cNvPr id="2" name="Slide Image Placeholder 1"/>
+          <p:cNvSpPr>
+            <a:spLocks noGrp="1" noRot="1" noChangeAspect="1"/>
+          </p:cNvSpPr>
+          <p:nvPr>
+            <p:ph type="sldImg"/>
+          </p:nvPr>
+        </p:nvSpPr>
+        <p:spPr/>
+      </p:sp>
+      <p:sp>
+        <p:nvSpPr>
+          <p:cNvPr id="3" name="Notes Placeholder 2"/>
+          <p:cNvSpPr>
+            <a:spLocks noGrp="1"/>
+          </p:cNvSpPr>
+          <p:nvPr>
+            <p:ph type="body" idx="1"/>
+          </p:nvPr>
+        </p:nvSpPr>
+        <p:spPr/>
+        <p:txBody>
+          <a:bodyPr/>
+          <a:lstStyle/>
+          <a:p>
+            <a:endParaRPr lang="en-US"/>
+          </a:p>
+        </p:txBody>
+      </p:sp>
+      <p:sp>
+        <p:nvSpPr>
+          <p:cNvPr id="4" name="Slide Number Placeholder 3"/>
+          <p:cNvSpPr>
+            <a:spLocks noGrp="1"/>
+          </p:cNvSpPr>
+          <p:nvPr>
+            <p:ph type="sldNum" sz="quarter" idx="10"/>
+          </p:nvPr>
+        </p:nvSpPr>
+        <p:spPr/>
+        <p:txBody>
+          <a:bodyPr/>
+          <a:lstStyle/>
+          <a:p>
+            <a:fld id="{58159DD1-C078-41D7-806C-DD4037F45E63}" type="slidenum">
+              <a:rPr lang="en-US" smtClean="0"/>
+              <a:t>32</a:t>
+            </a:fld>
+            <a:endParaRPr lang="en-US"/>
+          </a:p>
+        </p:txBody>
+      </p:sp>
+    </p:spTree>
+    <p:extLst>
+      <p:ext uri="{BB962C8B-B14F-4D97-AF65-F5344CB8AC3E}">
+        <p14:creationId xmlns:p14="http://schemas.microsoft.com/office/powerpoint/2010/main" val="1549132425"/>
+      </p:ext>
+    </p:extLst>
+  </p:cSld>
+  <p:clrMapOvr>
+    <a:masterClrMapping/>
+  </p:clrMapOvr>
+</p:notes>
+</file>
+
+<file path=ppt/notesSlides/notesSlide33.xml><?xml version="1.0" encoding="utf-8"?>
+<p:notes xmlns:a="http://schemas.openxmlformats.org/drawingml/2006/main" xmlns:r="http://schemas.openxmlformats.org/officeDocument/2006/relationships" xmlns:p="http://schemas.openxmlformats.org/presentationml/2006/main">
+  <p:cSld>
+    <p:spTree>
+      <p:nvGrpSpPr>
+        <p:cNvPr id="1" name=""/>
+        <p:cNvGrpSpPr/>
+        <p:nvPr/>
+      </p:nvGrpSpPr>
+      <p:grpSpPr>
+        <a:xfrm>
+          <a:off x="0" y="0"/>
+          <a:ext cx="0" cy="0"/>
+          <a:chOff x="0" y="0"/>
+          <a:chExt cx="0" cy="0"/>
+        </a:xfrm>
+      </p:grpSpPr>
+      <p:sp>
+        <p:nvSpPr>
+          <p:cNvPr id="2" name="Slide Image Placeholder 1"/>
+          <p:cNvSpPr>
+            <a:spLocks noGrp="1" noRot="1" noChangeAspect="1"/>
+          </p:cNvSpPr>
+          <p:nvPr>
+            <p:ph type="sldImg"/>
+          </p:nvPr>
+        </p:nvSpPr>
+        <p:spPr/>
+      </p:sp>
+      <p:sp>
+        <p:nvSpPr>
+          <p:cNvPr id="3" name="Notes Placeholder 2"/>
+          <p:cNvSpPr>
+            <a:spLocks noGrp="1"/>
+          </p:cNvSpPr>
+          <p:nvPr>
+            <p:ph type="body" idx="1"/>
+          </p:nvPr>
+        </p:nvSpPr>
+        <p:spPr/>
+        <p:txBody>
+          <a:bodyPr/>
+          <a:lstStyle/>
+          <a:p>
+            <a:endParaRPr lang="en-US"/>
+          </a:p>
+        </p:txBody>
+      </p:sp>
+      <p:sp>
+        <p:nvSpPr>
+          <p:cNvPr id="4" name="Slide Number Placeholder 3"/>
+          <p:cNvSpPr>
+            <a:spLocks noGrp="1"/>
+          </p:cNvSpPr>
+          <p:nvPr>
+            <p:ph type="sldNum" sz="quarter" idx="10"/>
+          </p:nvPr>
+        </p:nvSpPr>
+        <p:spPr/>
+        <p:txBody>
+          <a:bodyPr/>
+          <a:lstStyle/>
+          <a:p>
+            <a:fld id="{58159DD1-C078-41D7-806C-DD4037F45E63}" type="slidenum">
+              <a:rPr lang="en-US" smtClean="0"/>
+              <a:t>33</a:t>
+            </a:fld>
+            <a:endParaRPr lang="en-US"/>
+          </a:p>
+        </p:txBody>
+      </p:sp>
+    </p:spTree>
+    <p:extLst>
+      <p:ext uri="{BB962C8B-B14F-4D97-AF65-F5344CB8AC3E}">
+        <p14:creationId xmlns:p14="http://schemas.microsoft.com/office/powerpoint/2010/main" val="3917793707"/>
+      </p:ext>
+    </p:extLst>
+  </p:cSld>
+  <p:clrMapOvr>
+    <a:masterClrMapping/>
+  </p:clrMapOvr>
+</p:notes>
+</file>
+
+<file path=ppt/notesSlides/notesSlide34.xml><?xml version="1.0" encoding="utf-8"?>
+<p:notes xmlns:a="http://schemas.openxmlformats.org/drawingml/2006/main" xmlns:r="http://schemas.openxmlformats.org/officeDocument/2006/relationships" xmlns:p="http://schemas.openxmlformats.org/presentationml/2006/main">
+  <p:cSld>
+    <p:spTree>
+      <p:nvGrpSpPr>
+        <p:cNvPr id="1" name=""/>
+        <p:cNvGrpSpPr/>
+        <p:nvPr/>
+      </p:nvGrpSpPr>
+      <p:grpSpPr>
+        <a:xfrm>
+          <a:off x="0" y="0"/>
+          <a:ext cx="0" cy="0"/>
+          <a:chOff x="0" y="0"/>
+          <a:chExt cx="0" cy="0"/>
+        </a:xfrm>
+      </p:grpSpPr>
+      <p:sp>
+        <p:nvSpPr>
+          <p:cNvPr id="2" name="Slide Image Placeholder 1"/>
+          <p:cNvSpPr>
+            <a:spLocks noGrp="1" noRot="1" noChangeAspect="1"/>
+          </p:cNvSpPr>
+          <p:nvPr>
+            <p:ph type="sldImg"/>
+          </p:nvPr>
+        </p:nvSpPr>
+        <p:spPr/>
+      </p:sp>
+      <p:sp>
+        <p:nvSpPr>
+          <p:cNvPr id="3" name="Notes Placeholder 2"/>
+          <p:cNvSpPr>
+            <a:spLocks noGrp="1"/>
+          </p:cNvSpPr>
+          <p:nvPr>
+            <p:ph type="body" idx="1"/>
+          </p:nvPr>
+        </p:nvSpPr>
+        <p:spPr/>
+        <p:txBody>
+          <a:bodyPr/>
+          <a:lstStyle/>
+          <a:p>
+            <a:endParaRPr lang="en-US"/>
+          </a:p>
+        </p:txBody>
+      </p:sp>
+      <p:sp>
+        <p:nvSpPr>
+          <p:cNvPr id="4" name="Slide Number Placeholder 3"/>
+          <p:cNvSpPr>
+            <a:spLocks noGrp="1"/>
+          </p:cNvSpPr>
+          <p:nvPr>
+            <p:ph type="sldNum" sz="quarter" idx="10"/>
+          </p:nvPr>
+        </p:nvSpPr>
+        <p:spPr/>
+        <p:txBody>
+          <a:bodyPr/>
+          <a:lstStyle/>
+          <a:p>
+            <a:fld id="{58159DD1-C078-41D7-806C-DD4037F45E63}" type="slidenum">
+              <a:rPr lang="en-US" smtClean="0"/>
+              <a:t>34</a:t>
+            </a:fld>
+            <a:endParaRPr lang="en-US"/>
+          </a:p>
+        </p:txBody>
+      </p:sp>
+    </p:spTree>
+    <p:extLst>
+      <p:ext uri="{BB962C8B-B14F-4D97-AF65-F5344CB8AC3E}">
+        <p14:creationId xmlns:p14="http://schemas.microsoft.com/office/powerpoint/2010/main" val="1939627267"/>
+      </p:ext>
+    </p:extLst>
+  </p:cSld>
+  <p:clrMapOvr>
+    <a:masterClrMapping/>
+  </p:clrMapOvr>
+</p:notes>
+</file>
+
+<file path=ppt/notesSlides/notesSlide35.xml><?xml version="1.0" encoding="utf-8"?>
+<p:notes xmlns:a="http://schemas.openxmlformats.org/drawingml/2006/main" xmlns:r="http://schemas.openxmlformats.org/officeDocument/2006/relationships" xmlns:p="http://schemas.openxmlformats.org/presentationml/2006/main">
+  <p:cSld>
+    <p:spTree>
+      <p:nvGrpSpPr>
+        <p:cNvPr id="1" name=""/>
+        <p:cNvGrpSpPr/>
+        <p:nvPr/>
+      </p:nvGrpSpPr>
+      <p:grpSpPr>
+        <a:xfrm>
+          <a:off x="0" y="0"/>
+          <a:ext cx="0" cy="0"/>
+          <a:chOff x="0" y="0"/>
+          <a:chExt cx="0" cy="0"/>
+        </a:xfrm>
+      </p:grpSpPr>
+      <p:sp>
+        <p:nvSpPr>
+          <p:cNvPr id="2" name="Slide Image Placeholder 1"/>
+          <p:cNvSpPr>
+            <a:spLocks noGrp="1" noRot="1" noChangeAspect="1"/>
+          </p:cNvSpPr>
+          <p:nvPr>
+            <p:ph type="sldImg"/>
+          </p:nvPr>
+        </p:nvSpPr>
+        <p:spPr/>
+      </p:sp>
+      <p:sp>
+        <p:nvSpPr>
+          <p:cNvPr id="3" name="Notes Placeholder 2"/>
+          <p:cNvSpPr>
+            <a:spLocks noGrp="1"/>
+          </p:cNvSpPr>
+          <p:nvPr>
+            <p:ph type="body" idx="1"/>
+          </p:nvPr>
+        </p:nvSpPr>
+        <p:spPr/>
+        <p:txBody>
+          <a:bodyPr/>
+          <a:lstStyle/>
+          <a:p>
+            <a:endParaRPr lang="en-US"/>
+          </a:p>
+        </p:txBody>
+      </p:sp>
+      <p:sp>
+        <p:nvSpPr>
+          <p:cNvPr id="4" name="Slide Number Placeholder 3"/>
+          <p:cNvSpPr>
+            <a:spLocks noGrp="1"/>
+          </p:cNvSpPr>
+          <p:nvPr>
+            <p:ph type="sldNum" sz="quarter" idx="10"/>
+          </p:nvPr>
+        </p:nvSpPr>
+        <p:spPr/>
+        <p:txBody>
+          <a:bodyPr/>
+          <a:lstStyle/>
+          <a:p>
+            <a:fld id="{58159DD1-C078-41D7-806C-DD4037F45E63}" type="slidenum">
+              <a:rPr lang="en-US" smtClean="0"/>
+              <a:t>35</a:t>
+            </a:fld>
+            <a:endParaRPr lang="en-US"/>
+          </a:p>
+        </p:txBody>
+      </p:sp>
+    </p:spTree>
+    <p:extLst>
+      <p:ext uri="{BB962C8B-B14F-4D97-AF65-F5344CB8AC3E}">
+        <p14:creationId xmlns:p14="http://schemas.microsoft.com/office/powerpoint/2010/main" val="219130073"/>
+      </p:ext>
+    </p:extLst>
+  </p:cSld>
+  <p:clrMapOvr>
+    <a:masterClrMapping/>
+  </p:clrMapOvr>
+</p:notes>
+</file>
+
+<file path=ppt/notesSlides/notesSlide36.xml><?xml version="1.0" encoding="utf-8"?>
+<p:notes xmlns:a="http://schemas.openxmlformats.org/drawingml/2006/main" xmlns:r="http://schemas.openxmlformats.org/officeDocument/2006/relationships" xmlns:p="http://schemas.openxmlformats.org/presentationml/2006/main">
+  <p:cSld>
+    <p:spTree>
+      <p:nvGrpSpPr>
+        <p:cNvPr id="1" name=""/>
+        <p:cNvGrpSpPr/>
+        <p:nvPr/>
+      </p:nvGrpSpPr>
+      <p:grpSpPr>
+        <a:xfrm>
+          <a:off x="0" y="0"/>
+          <a:ext cx="0" cy="0"/>
+          <a:chOff x="0" y="0"/>
+          <a:chExt cx="0" cy="0"/>
+        </a:xfrm>
+      </p:grpSpPr>
+      <p:sp>
+        <p:nvSpPr>
+          <p:cNvPr id="2" name="Slide Image Placeholder 1"/>
+          <p:cNvSpPr>
+            <a:spLocks noGrp="1" noRot="1" noChangeAspect="1"/>
+          </p:cNvSpPr>
+          <p:nvPr>
+            <p:ph type="sldImg"/>
+          </p:nvPr>
+        </p:nvSpPr>
+        <p:spPr/>
+      </p:sp>
+      <p:sp>
+        <p:nvSpPr>
+          <p:cNvPr id="3" name="Notes Placeholder 2"/>
+          <p:cNvSpPr>
+            <a:spLocks noGrp="1"/>
+          </p:cNvSpPr>
+          <p:nvPr>
+            <p:ph type="body" idx="1"/>
+          </p:nvPr>
+        </p:nvSpPr>
+        <p:spPr/>
+        <p:txBody>
+          <a:bodyPr/>
+          <a:lstStyle/>
+          <a:p>
+            <a:endParaRPr lang="en-US"/>
+          </a:p>
+        </p:txBody>
+      </p:sp>
+      <p:sp>
+        <p:nvSpPr>
+          <p:cNvPr id="4" name="Slide Number Placeholder 3"/>
+          <p:cNvSpPr>
+            <a:spLocks noGrp="1"/>
+          </p:cNvSpPr>
+          <p:nvPr>
+            <p:ph type="sldNum" sz="quarter" idx="10"/>
+          </p:nvPr>
+        </p:nvSpPr>
+        <p:spPr/>
+        <p:txBody>
+          <a:bodyPr/>
+          <a:lstStyle/>
+          <a:p>
+            <a:fld id="{58159DD1-C078-41D7-806C-DD4037F45E63}" type="slidenum">
+              <a:rPr lang="en-US" smtClean="0"/>
+              <a:t>36</a:t>
+            </a:fld>
+            <a:endParaRPr lang="en-US"/>
+          </a:p>
+        </p:txBody>
+      </p:sp>
+    </p:spTree>
+    <p:extLst>
+      <p:ext uri="{BB962C8B-B14F-4D97-AF65-F5344CB8AC3E}">
+        <p14:creationId xmlns:p14="http://schemas.microsoft.com/office/powerpoint/2010/main" val="3461261670"/>
+      </p:ext>
+    </p:extLst>
+  </p:cSld>
+  <p:clrMapOvr>
+    <a:masterClrMapping/>
+  </p:clrMapOvr>
+</p:notes>
+</file>
+
+<file path=ppt/notesSlides/notesSlide37.xml><?xml version="1.0" encoding="utf-8"?>
+<p:notes xmlns:a="http://schemas.openxmlformats.org/drawingml/2006/main" xmlns:r="http://schemas.openxmlformats.org/officeDocument/2006/relationships" xmlns:p="http://schemas.openxmlformats.org/presentationml/2006/main">
+  <p:cSld>
+    <p:spTree>
+      <p:nvGrpSpPr>
+        <p:cNvPr id="1" name=""/>
+        <p:cNvGrpSpPr/>
+        <p:nvPr/>
+      </p:nvGrpSpPr>
+      <p:grpSpPr>
+        <a:xfrm>
+          <a:off x="0" y="0"/>
+          <a:ext cx="0" cy="0"/>
+          <a:chOff x="0" y="0"/>
+          <a:chExt cx="0" cy="0"/>
+        </a:xfrm>
+      </p:grpSpPr>
+      <p:sp>
+        <p:nvSpPr>
+          <p:cNvPr id="2" name="Slide Image Placeholder 1"/>
+          <p:cNvSpPr>
+            <a:spLocks noGrp="1" noRot="1" noChangeAspect="1"/>
+          </p:cNvSpPr>
+          <p:nvPr>
+            <p:ph type="sldImg"/>
+          </p:nvPr>
+        </p:nvSpPr>
+        <p:spPr/>
+      </p:sp>
+      <p:sp>
+        <p:nvSpPr>
+          <p:cNvPr id="3" name="Notes Placeholder 2"/>
+          <p:cNvSpPr>
+            <a:spLocks noGrp="1"/>
+          </p:cNvSpPr>
+          <p:nvPr>
+            <p:ph type="body" idx="1"/>
+          </p:nvPr>
+        </p:nvSpPr>
+        <p:spPr/>
+        <p:txBody>
+          <a:bodyPr/>
+          <a:lstStyle/>
+          <a:p>
+            <a:endParaRPr lang="en-US"/>
+          </a:p>
+        </p:txBody>
+      </p:sp>
+      <p:sp>
+        <p:nvSpPr>
+          <p:cNvPr id="4" name="Slide Number Placeholder 3"/>
+          <p:cNvSpPr>
+            <a:spLocks noGrp="1"/>
+          </p:cNvSpPr>
+          <p:nvPr>
+            <p:ph type="sldNum" sz="quarter" idx="10"/>
+          </p:nvPr>
+        </p:nvSpPr>
+        <p:spPr/>
+        <p:txBody>
+          <a:bodyPr/>
+          <a:lstStyle/>
+          <a:p>
+            <a:fld id="{58159DD1-C078-41D7-806C-DD4037F45E63}" type="slidenum">
+              <a:rPr lang="en-US" smtClean="0"/>
+              <a:t>37</a:t>
+            </a:fld>
+            <a:endParaRPr lang="en-US"/>
+          </a:p>
+        </p:txBody>
+      </p:sp>
+    </p:spTree>
+    <p:extLst>
+      <p:ext uri="{BB962C8B-B14F-4D97-AF65-F5344CB8AC3E}">
+        <p14:creationId xmlns:p14="http://schemas.microsoft.com/office/powerpoint/2010/main" val="117106157"/>
+      </p:ext>
+    </p:extLst>
+  </p:cSld>
+  <p:clrMapOvr>
+    <a:masterClrMapping/>
+  </p:clrMapOvr>
+</p:notes>
+</file>
+
+<file path=ppt/notesSlides/notesSlide38.xml><?xml version="1.0" encoding="utf-8"?>
+<p:notes xmlns:a="http://schemas.openxmlformats.org/drawingml/2006/main" xmlns:r="http://schemas.openxmlformats.org/officeDocument/2006/relationships" xmlns:p="http://schemas.openxmlformats.org/presentationml/2006/main">
+  <p:cSld>
+    <p:spTree>
+      <p:nvGrpSpPr>
+        <p:cNvPr id="1" name=""/>
+        <p:cNvGrpSpPr/>
+        <p:nvPr/>
+      </p:nvGrpSpPr>
+      <p:grpSpPr>
+        <a:xfrm>
+          <a:off x="0" y="0"/>
+          <a:ext cx="0" cy="0"/>
+          <a:chOff x="0" y="0"/>
+          <a:chExt cx="0" cy="0"/>
+        </a:xfrm>
+      </p:grpSpPr>
+      <p:sp>
+        <p:nvSpPr>
+          <p:cNvPr id="2" name="Slide Image Placeholder 1"/>
+          <p:cNvSpPr>
+            <a:spLocks noGrp="1" noRot="1" noChangeAspect="1"/>
+          </p:cNvSpPr>
+          <p:nvPr>
+            <p:ph type="sldImg"/>
+          </p:nvPr>
+        </p:nvSpPr>
+        <p:spPr/>
+      </p:sp>
+      <p:sp>
+        <p:nvSpPr>
+          <p:cNvPr id="3" name="Notes Placeholder 2"/>
+          <p:cNvSpPr>
+            <a:spLocks noGrp="1"/>
+          </p:cNvSpPr>
+          <p:nvPr>
+            <p:ph type="body" idx="1"/>
+          </p:nvPr>
+        </p:nvSpPr>
+        <p:spPr/>
+        <p:txBody>
+          <a:bodyPr/>
+          <a:lstStyle/>
+          <a:p>
+            <a:endParaRPr lang="en-US"/>
+          </a:p>
+        </p:txBody>
+      </p:sp>
+      <p:sp>
+        <p:nvSpPr>
+          <p:cNvPr id="4" name="Slide Number Placeholder 3"/>
+          <p:cNvSpPr>
+            <a:spLocks noGrp="1"/>
+          </p:cNvSpPr>
+          <p:nvPr>
+            <p:ph type="sldNum" sz="quarter" idx="10"/>
+          </p:nvPr>
+        </p:nvSpPr>
+        <p:spPr/>
+        <p:txBody>
+          <a:bodyPr/>
+          <a:lstStyle/>
+          <a:p>
+            <a:fld id="{58159DD1-C078-41D7-806C-DD4037F45E63}" type="slidenum">
+              <a:rPr lang="en-US" smtClean="0"/>
+              <a:t>38</a:t>
+            </a:fld>
+            <a:endParaRPr lang="en-US"/>
+          </a:p>
+        </p:txBody>
+      </p:sp>
+    </p:spTree>
+    <p:extLst>
+      <p:ext uri="{BB962C8B-B14F-4D97-AF65-F5344CB8AC3E}">
+        <p14:creationId xmlns:p14="http://schemas.microsoft.com/office/powerpoint/2010/main" val="2315374848"/>
+      </p:ext>
+    </p:extLst>
+  </p:cSld>
+  <p:clrMapOvr>
+    <a:masterClrMapping/>
+  </p:clrMapOvr>
+</p:notes>
+</file>
+
+<file path=ppt/notesSlides/notesSlide39.xml><?xml version="1.0" encoding="utf-8"?>
+<p:notes xmlns:a="http://schemas.openxmlformats.org/drawingml/2006/main" xmlns:r="http://schemas.openxmlformats.org/officeDocument/2006/relationships" xmlns:p="http://schemas.openxmlformats.org/presentationml/2006/main">
+  <p:cSld>
+    <p:spTree>
+      <p:nvGrpSpPr>
+        <p:cNvPr id="1" name=""/>
+        <p:cNvGrpSpPr/>
+        <p:nvPr/>
+      </p:nvGrpSpPr>
+      <p:grpSpPr>
+        <a:xfrm>
+          <a:off x="0" y="0"/>
+          <a:ext cx="0" cy="0"/>
+          <a:chOff x="0" y="0"/>
+          <a:chExt cx="0" cy="0"/>
+        </a:xfrm>
+      </p:grpSpPr>
+      <p:sp>
+        <p:nvSpPr>
+          <p:cNvPr id="2" name="Slide Image Placeholder 1"/>
+          <p:cNvSpPr>
+            <a:spLocks noGrp="1" noRot="1" noChangeAspect="1"/>
+          </p:cNvSpPr>
+          <p:nvPr>
+            <p:ph type="sldImg"/>
+          </p:nvPr>
+        </p:nvSpPr>
+        <p:spPr/>
+      </p:sp>
+      <p:sp>
+        <p:nvSpPr>
+          <p:cNvPr id="3" name="Notes Placeholder 2"/>
+          <p:cNvSpPr>
+            <a:spLocks noGrp="1"/>
+          </p:cNvSpPr>
+          <p:nvPr>
+            <p:ph type="body" idx="1"/>
+          </p:nvPr>
+        </p:nvSpPr>
+        <p:spPr/>
+        <p:txBody>
+          <a:bodyPr/>
+          <a:lstStyle/>
+          <a:p>
+            <a:endParaRPr lang="en-US"/>
+          </a:p>
+        </p:txBody>
+      </p:sp>
+      <p:sp>
+        <p:nvSpPr>
+          <p:cNvPr id="4" name="Slide Number Placeholder 3"/>
+          <p:cNvSpPr>
+            <a:spLocks noGrp="1"/>
+          </p:cNvSpPr>
+          <p:nvPr>
+            <p:ph type="sldNum" sz="quarter" idx="10"/>
+          </p:nvPr>
+        </p:nvSpPr>
+        <p:spPr/>
+        <p:txBody>
+          <a:bodyPr/>
+          <a:lstStyle/>
+          <a:p>
+            <a:fld id="{58159DD1-C078-41D7-806C-DD4037F45E63}" type="slidenum">
+              <a:rPr lang="en-US" smtClean="0"/>
+              <a:t>39</a:t>
+            </a:fld>
+            <a:endParaRPr lang="en-US"/>
+          </a:p>
+        </p:txBody>
+      </p:sp>
+    </p:spTree>
+    <p:extLst>
+      <p:ext uri="{BB962C8B-B14F-4D97-AF65-F5344CB8AC3E}">
+        <p14:creationId xmlns:p14="http://schemas.microsoft.com/office/powerpoint/2010/main" val="2061919614"/>
+      </p:ext>
+    </p:extLst>
+  </p:cSld>
+  <p:clrMapOvr>
+    <a:masterClrMapping/>
+  </p:clrMapOvr>
+</p:notes>
+</file>
+
+<file path=ppt/notesSlides/notesSlide4.xml><?xml version="1.0" encoding="utf-8"?>
+<p:notes xmlns:a="http://schemas.openxmlformats.org/drawingml/2006/main" xmlns:r="http://schemas.openxmlformats.org/officeDocument/2006/relationships" xmlns:p="http://schemas.openxmlformats.org/presentationml/2006/main">
+  <p:cSld>
+    <p:spTree>
+      <p:nvGrpSpPr>
+        <p:cNvPr id="1" name=""/>
+        <p:cNvGrpSpPr/>
+        <p:nvPr/>
+      </p:nvGrpSpPr>
+      <p:grpSpPr>
+        <a:xfrm>
+          <a:off x="0" y="0"/>
+          <a:ext cx="0" cy="0"/>
+          <a:chOff x="0" y="0"/>
+          <a:chExt cx="0" cy="0"/>
+        </a:xfrm>
+      </p:grpSpPr>
+      <p:sp>
+        <p:nvSpPr>
+          <p:cNvPr id="2" name="Slide Image Placeholder 1"/>
+          <p:cNvSpPr>
+            <a:spLocks noGrp="1" noRot="1" noChangeAspect="1"/>
+          </p:cNvSpPr>
+          <p:nvPr>
+            <p:ph type="sldImg"/>
+          </p:nvPr>
+        </p:nvSpPr>
+        <p:spPr/>
+      </p:sp>
+      <p:sp>
+        <p:nvSpPr>
+          <p:cNvPr id="3" name="Notes Placeholder 2"/>
+          <p:cNvSpPr>
+            <a:spLocks noGrp="1"/>
+          </p:cNvSpPr>
+          <p:nvPr>
+            <p:ph type="body" idx="1"/>
+          </p:nvPr>
+        </p:nvSpPr>
+        <p:spPr/>
+        <p:txBody>
+          <a:bodyPr/>
+          <a:lstStyle/>
+          <a:p>
+            <a:endParaRPr lang="en-US"/>
+          </a:p>
+        </p:txBody>
+      </p:sp>
+      <p:sp>
+        <p:nvSpPr>
+          <p:cNvPr id="4" name="Slide Number Placeholder 3"/>
+          <p:cNvSpPr>
+            <a:spLocks noGrp="1"/>
+          </p:cNvSpPr>
+          <p:nvPr>
+            <p:ph type="sldNum" sz="quarter" idx="10"/>
+          </p:nvPr>
+        </p:nvSpPr>
+        <p:spPr/>
+        <p:txBody>
+          <a:bodyPr/>
+          <a:lstStyle/>
+          <a:p>
+            <a:fld id="{58159DD1-C078-41D7-806C-DD4037F45E63}" type="slidenum">
+              <a:rPr lang="en-US" smtClean="0"/>
+              <a:t>4</a:t>
+            </a:fld>
+            <a:endParaRPr lang="en-US"/>
+          </a:p>
+        </p:txBody>
+      </p:sp>
+    </p:spTree>
+    <p:extLst>
+      <p:ext uri="{BB962C8B-B14F-4D97-AF65-F5344CB8AC3E}">
+        <p14:creationId xmlns:p14="http://schemas.microsoft.com/office/powerpoint/2010/main" val="1426711558"/>
+      </p:ext>
+    </p:extLst>
+  </p:cSld>
+  <p:clrMapOvr>
+    <a:masterClrMapping/>
+  </p:clrMapOvr>
+</p:notes>
+</file>
+
+<file path=ppt/notesSlides/notesSlide40.xml><?xml version="1.0" encoding="utf-8"?>
+<p:notes xmlns:a="http://schemas.openxmlformats.org/drawingml/2006/main" xmlns:r="http://schemas.openxmlformats.org/officeDocument/2006/relationships" xmlns:p="http://schemas.openxmlformats.org/presentationml/2006/main">
+  <p:cSld>
+    <p:spTree>
+      <p:nvGrpSpPr>
+        <p:cNvPr id="1" name=""/>
+        <p:cNvGrpSpPr/>
+        <p:nvPr/>
+      </p:nvGrpSpPr>
+      <p:grpSpPr>
+        <a:xfrm>
+          <a:off x="0" y="0"/>
+          <a:ext cx="0" cy="0"/>
+          <a:chOff x="0" y="0"/>
+          <a:chExt cx="0" cy="0"/>
+        </a:xfrm>
+      </p:grpSpPr>
+      <p:sp>
+        <p:nvSpPr>
+          <p:cNvPr id="2" name="Slide Image Placeholder 1"/>
+          <p:cNvSpPr>
+            <a:spLocks noGrp="1" noRot="1" noChangeAspect="1"/>
+          </p:cNvSpPr>
+          <p:nvPr>
+            <p:ph type="sldImg"/>
+          </p:nvPr>
+        </p:nvSpPr>
+        <p:spPr/>
+      </p:sp>
+      <p:sp>
+        <p:nvSpPr>
+          <p:cNvPr id="3" name="Notes Placeholder 2"/>
+          <p:cNvSpPr>
+            <a:spLocks noGrp="1"/>
+          </p:cNvSpPr>
+          <p:nvPr>
+            <p:ph type="body" idx="1"/>
+          </p:nvPr>
+        </p:nvSpPr>
+        <p:spPr/>
+        <p:txBody>
+          <a:bodyPr/>
+          <a:lstStyle/>
+          <a:p>
+            <a:endParaRPr lang="en-US"/>
+          </a:p>
+        </p:txBody>
+      </p:sp>
+      <p:sp>
+        <p:nvSpPr>
+          <p:cNvPr id="4" name="Slide Number Placeholder 3"/>
+          <p:cNvSpPr>
+            <a:spLocks noGrp="1"/>
+          </p:cNvSpPr>
+          <p:nvPr>
+            <p:ph type="sldNum" sz="quarter" idx="10"/>
+          </p:nvPr>
+        </p:nvSpPr>
+        <p:spPr/>
+        <p:txBody>
+          <a:bodyPr/>
+          <a:lstStyle/>
+          <a:p>
+            <a:fld id="{58159DD1-C078-41D7-806C-DD4037F45E63}" type="slidenum">
+              <a:rPr lang="en-US" smtClean="0"/>
+              <a:t>40</a:t>
+            </a:fld>
+            <a:endParaRPr lang="en-US"/>
+          </a:p>
+        </p:txBody>
+      </p:sp>
+    </p:spTree>
+    <p:extLst>
+      <p:ext uri="{BB962C8B-B14F-4D97-AF65-F5344CB8AC3E}">
+        <p14:creationId xmlns:p14="http://schemas.microsoft.com/office/powerpoint/2010/main" val="510424230"/>
+      </p:ext>
+    </p:extLst>
+  </p:cSld>
+  <p:clrMapOvr>
+    <a:masterClrMapping/>
+  </p:clrMapOvr>
+</p:notes>
+</file>
+
+<file path=ppt/notesSlides/notesSlide41.xml><?xml version="1.0" encoding="utf-8"?>
+<p:notes xmlns:a="http://schemas.openxmlformats.org/drawingml/2006/main" xmlns:r="http://schemas.openxmlformats.org/officeDocument/2006/relationships" xmlns:p="http://schemas.openxmlformats.org/presentationml/2006/main">
+  <p:cSld>
+    <p:spTree>
+      <p:nvGrpSpPr>
+        <p:cNvPr id="1" name=""/>
+        <p:cNvGrpSpPr/>
+        <p:nvPr/>
+      </p:nvGrpSpPr>
+      <p:grpSpPr>
+        <a:xfrm>
+          <a:off x="0" y="0"/>
+          <a:ext cx="0" cy="0"/>
+          <a:chOff x="0" y="0"/>
+          <a:chExt cx="0" cy="0"/>
+        </a:xfrm>
+      </p:grpSpPr>
+      <p:sp>
+        <p:nvSpPr>
+          <p:cNvPr id="2" name="Slide Image Placeholder 1"/>
+          <p:cNvSpPr>
+            <a:spLocks noGrp="1" noRot="1" noChangeAspect="1"/>
+          </p:cNvSpPr>
+          <p:nvPr>
+            <p:ph type="sldImg"/>
+          </p:nvPr>
+        </p:nvSpPr>
+        <p:spPr/>
+      </p:sp>
+      <p:sp>
+        <p:nvSpPr>
+          <p:cNvPr id="3" name="Notes Placeholder 2"/>
+          <p:cNvSpPr>
+            <a:spLocks noGrp="1"/>
+          </p:cNvSpPr>
+          <p:nvPr>
+            <p:ph type="body" idx="1"/>
+          </p:nvPr>
+        </p:nvSpPr>
+        <p:spPr/>
+        <p:txBody>
+          <a:bodyPr/>
+          <a:lstStyle/>
+          <a:p>
+            <a:endParaRPr lang="en-US"/>
+          </a:p>
+        </p:txBody>
+      </p:sp>
+      <p:sp>
+        <p:nvSpPr>
+          <p:cNvPr id="4" name="Slide Number Placeholder 3"/>
+          <p:cNvSpPr>
+            <a:spLocks noGrp="1"/>
+          </p:cNvSpPr>
+          <p:nvPr>
+            <p:ph type="sldNum" sz="quarter" idx="10"/>
+          </p:nvPr>
+        </p:nvSpPr>
+        <p:spPr/>
+        <p:txBody>
+          <a:bodyPr/>
+          <a:lstStyle/>
+          <a:p>
+            <a:fld id="{58159DD1-C078-41D7-806C-DD4037F45E63}" type="slidenum">
+              <a:rPr lang="en-US" smtClean="0"/>
+              <a:t>41</a:t>
+            </a:fld>
+            <a:endParaRPr lang="en-US"/>
+          </a:p>
+        </p:txBody>
+      </p:sp>
+    </p:spTree>
+    <p:extLst>
+      <p:ext uri="{BB962C8B-B14F-4D97-AF65-F5344CB8AC3E}">
+        <p14:creationId xmlns:p14="http://schemas.microsoft.com/office/powerpoint/2010/main" val="3855993333"/>
+      </p:ext>
+    </p:extLst>
+  </p:cSld>
+  <p:clrMapOvr>
+    <a:masterClrMapping/>
+  </p:clrMapOvr>
+</p:notes>
+</file>
+
+<file path=ppt/notesSlides/notesSlide5.xml><?xml version="1.0" encoding="utf-8"?>
+<p:notes xmlns:a="http://schemas.openxmlformats.org/drawingml/2006/main" xmlns:r="http://schemas.openxmlformats.org/officeDocument/2006/relationships" xmlns:p="http://schemas.openxmlformats.org/presentationml/2006/main">
+  <p:cSld>
+    <p:spTree>
+      <p:nvGrpSpPr>
+        <p:cNvPr id="1" name=""/>
+        <p:cNvGrpSpPr/>
+        <p:nvPr/>
+      </p:nvGrpSpPr>
+      <p:grpSpPr>
+        <a:xfrm>
+          <a:off x="0" y="0"/>
+          <a:ext cx="0" cy="0"/>
+          <a:chOff x="0" y="0"/>
+          <a:chExt cx="0" cy="0"/>
+        </a:xfrm>
+      </p:grpSpPr>
+      <p:sp>
+        <p:nvSpPr>
+          <p:cNvPr id="2" name="Slide Image Placeholder 1"/>
+          <p:cNvSpPr>
+            <a:spLocks noGrp="1" noRot="1" noChangeAspect="1"/>
+          </p:cNvSpPr>
+          <p:nvPr>
+            <p:ph type="sldImg"/>
+          </p:nvPr>
+        </p:nvSpPr>
+        <p:spPr/>
+      </p:sp>
+      <p:sp>
+        <p:nvSpPr>
+          <p:cNvPr id="3" name="Notes Placeholder 2"/>
+          <p:cNvSpPr>
+            <a:spLocks noGrp="1"/>
+          </p:cNvSpPr>
+          <p:nvPr>
+            <p:ph type="body" idx="1"/>
+          </p:nvPr>
+        </p:nvSpPr>
+        <p:spPr/>
+        <p:txBody>
+          <a:bodyPr/>
+          <a:lstStyle/>
+          <a:p>
+            <a:endParaRPr lang="en-US"/>
+          </a:p>
+        </p:txBody>
+      </p:sp>
+      <p:sp>
+        <p:nvSpPr>
+          <p:cNvPr id="4" name="Slide Number Placeholder 3"/>
+          <p:cNvSpPr>
+            <a:spLocks noGrp="1"/>
+          </p:cNvSpPr>
+          <p:nvPr>
+            <p:ph type="sldNum" sz="quarter" idx="10"/>
+          </p:nvPr>
+        </p:nvSpPr>
+        <p:spPr/>
+        <p:txBody>
+          <a:bodyPr/>
+          <a:lstStyle/>
+          <a:p>
+            <a:fld id="{58159DD1-C078-41D7-806C-DD4037F45E63}" type="slidenum">
+              <a:rPr lang="en-US" smtClean="0"/>
+              <a:t>5</a:t>
+            </a:fld>
+            <a:endParaRPr lang="en-US"/>
+          </a:p>
+        </p:txBody>
+      </p:sp>
+    </p:spTree>
+    <p:extLst>
+      <p:ext uri="{BB962C8B-B14F-4D97-AF65-F5344CB8AC3E}">
+        <p14:creationId xmlns:p14="http://schemas.microsoft.com/office/powerpoint/2010/main" val="575907171"/>
+      </p:ext>
+    </p:extLst>
+  </p:cSld>
+  <p:clrMapOvr>
+    <a:masterClrMapping/>
+  </p:clrMapOvr>
+</p:notes>
+</file>
+
+<file path=ppt/notesSlides/notesSlide6.xml><?xml version="1.0" encoding="utf-8"?>
+<p:notes xmlns:a="http://schemas.openxmlformats.org/drawingml/2006/main" xmlns:r="http://schemas.openxmlformats.org/officeDocument/2006/relationships" xmlns:p="http://schemas.openxmlformats.org/presentationml/2006/main">
+  <p:cSld>
+    <p:spTree>
+      <p:nvGrpSpPr>
+        <p:cNvPr id="1" name=""/>
+        <p:cNvGrpSpPr/>
+        <p:nvPr/>
+      </p:nvGrpSpPr>
+      <p:grpSpPr>
+        <a:xfrm>
+          <a:off x="0" y="0"/>
+          <a:ext cx="0" cy="0"/>
+          <a:chOff x="0" y="0"/>
+          <a:chExt cx="0" cy="0"/>
+        </a:xfrm>
+      </p:grpSpPr>
+      <p:sp>
+        <p:nvSpPr>
+          <p:cNvPr id="2" name="Slide Image Placeholder 1"/>
+          <p:cNvSpPr>
+            <a:spLocks noGrp="1" noRot="1" noChangeAspect="1"/>
+          </p:cNvSpPr>
+          <p:nvPr>
+            <p:ph type="sldImg"/>
+          </p:nvPr>
+        </p:nvSpPr>
+        <p:spPr/>
+      </p:sp>
+      <p:sp>
+        <p:nvSpPr>
+          <p:cNvPr id="3" name="Notes Placeholder 2"/>
+          <p:cNvSpPr>
+            <a:spLocks noGrp="1"/>
+          </p:cNvSpPr>
+          <p:nvPr>
+            <p:ph type="body" idx="1"/>
+          </p:nvPr>
+        </p:nvSpPr>
+        <p:spPr/>
+        <p:txBody>
+          <a:bodyPr/>
+          <a:lstStyle/>
+          <a:p>
+            <a:endParaRPr lang="en-US"/>
+          </a:p>
+        </p:txBody>
+      </p:sp>
+      <p:sp>
+        <p:nvSpPr>
+          <p:cNvPr id="4" name="Slide Number Placeholder 3"/>
+          <p:cNvSpPr>
+            <a:spLocks noGrp="1"/>
+          </p:cNvSpPr>
+          <p:nvPr>
+            <p:ph type="sldNum" sz="quarter" idx="10"/>
+          </p:nvPr>
+        </p:nvSpPr>
+        <p:spPr/>
+        <p:txBody>
+          <a:bodyPr/>
+          <a:lstStyle/>
+          <a:p>
+            <a:fld id="{58159DD1-C078-41D7-806C-DD4037F45E63}" type="slidenum">
+              <a:rPr lang="en-US" smtClean="0"/>
+              <a:t>6</a:t>
+            </a:fld>
+            <a:endParaRPr lang="en-US"/>
+          </a:p>
+        </p:txBody>
+      </p:sp>
+    </p:spTree>
+    <p:extLst>
+      <p:ext uri="{BB962C8B-B14F-4D97-AF65-F5344CB8AC3E}">
+        <p14:creationId xmlns:p14="http://schemas.microsoft.com/office/powerpoint/2010/main" val="1562908565"/>
+      </p:ext>
+    </p:extLst>
+  </p:cSld>
+  <p:clrMapOvr>
+    <a:masterClrMapping/>
+  </p:clrMapOvr>
+</p:notes>
+</file>
+
+<file path=ppt/notesSlides/notesSlide7.xml><?xml version="1.0" encoding="utf-8"?>
+<p:notes xmlns:a="http://schemas.openxmlformats.org/drawingml/2006/main" xmlns:r="http://schemas.openxmlformats.org/officeDocument/2006/relationships" xmlns:p="http://schemas.openxmlformats.org/presentationml/2006/main">
+  <p:cSld>
+    <p:spTree>
+      <p:nvGrpSpPr>
+        <p:cNvPr id="1" name=""/>
+        <p:cNvGrpSpPr/>
+        <p:nvPr/>
+      </p:nvGrpSpPr>
+      <p:grpSpPr>
+        <a:xfrm>
+          <a:off x="0" y="0"/>
+          <a:ext cx="0" cy="0"/>
+          <a:chOff x="0" y="0"/>
+          <a:chExt cx="0" cy="0"/>
+        </a:xfrm>
+      </p:grpSpPr>
+      <p:sp>
+        <p:nvSpPr>
+          <p:cNvPr id="2" name="Slide Image Placeholder 1"/>
+          <p:cNvSpPr>
+            <a:spLocks noGrp="1" noRot="1" noChangeAspect="1"/>
+          </p:cNvSpPr>
+          <p:nvPr>
+            <p:ph type="sldImg"/>
+          </p:nvPr>
+        </p:nvSpPr>
+        <p:spPr/>
+      </p:sp>
+      <p:sp>
+        <p:nvSpPr>
+          <p:cNvPr id="3" name="Notes Placeholder 2"/>
+          <p:cNvSpPr>
+            <a:spLocks noGrp="1"/>
+          </p:cNvSpPr>
+          <p:nvPr>
+            <p:ph type="body" idx="1"/>
+          </p:nvPr>
+        </p:nvSpPr>
+        <p:spPr/>
+        <p:txBody>
+          <a:bodyPr/>
+          <a:lstStyle/>
+          <a:p>
+            <a:endParaRPr lang="en-US"/>
+          </a:p>
+        </p:txBody>
+      </p:sp>
+      <p:sp>
+        <p:nvSpPr>
+          <p:cNvPr id="4" name="Slide Number Placeholder 3"/>
+          <p:cNvSpPr>
+            <a:spLocks noGrp="1"/>
+          </p:cNvSpPr>
+          <p:nvPr>
+            <p:ph type="sldNum" sz="quarter" idx="10"/>
+          </p:nvPr>
+        </p:nvSpPr>
+        <p:spPr/>
+        <p:txBody>
+          <a:bodyPr/>
+          <a:lstStyle/>
+          <a:p>
+            <a:fld id="{58159DD1-C078-41D7-806C-DD4037F45E63}" type="slidenum">
+              <a:rPr lang="en-US" smtClean="0"/>
+              <a:t>7</a:t>
+            </a:fld>
+            <a:endParaRPr lang="en-US"/>
+          </a:p>
+        </p:txBody>
+      </p:sp>
+    </p:spTree>
+    <p:extLst>
+      <p:ext uri="{BB962C8B-B14F-4D97-AF65-F5344CB8AC3E}">
+        <p14:creationId xmlns:p14="http://schemas.microsoft.com/office/powerpoint/2010/main" val="2455968008"/>
+      </p:ext>
+    </p:extLst>
+  </p:cSld>
+  <p:clrMapOvr>
+    <a:masterClrMapping/>
+  </p:clrMapOvr>
+</p:notes>
+</file>
+
+<file path=ppt/notesSlides/notesSlide8.xml><?xml version="1.0" encoding="utf-8"?>
+<p:notes xmlns:a="http://schemas.openxmlformats.org/drawingml/2006/main" xmlns:r="http://schemas.openxmlformats.org/officeDocument/2006/relationships" xmlns:p="http://schemas.openxmlformats.org/presentationml/2006/main">
+  <p:cSld>
+    <p:spTree>
+      <p:nvGrpSpPr>
+        <p:cNvPr id="1" name=""/>
+        <p:cNvGrpSpPr/>
+        <p:nvPr/>
+      </p:nvGrpSpPr>
+      <p:grpSpPr>
+        <a:xfrm>
+          <a:off x="0" y="0"/>
+          <a:ext cx="0" cy="0"/>
+          <a:chOff x="0" y="0"/>
+          <a:chExt cx="0" cy="0"/>
+        </a:xfrm>
+      </p:grpSpPr>
+      <p:sp>
+        <p:nvSpPr>
+          <p:cNvPr id="2" name="Slide Image Placeholder 1"/>
+          <p:cNvSpPr>
+            <a:spLocks noGrp="1" noRot="1" noChangeAspect="1"/>
+          </p:cNvSpPr>
+          <p:nvPr>
+            <p:ph type="sldImg"/>
+          </p:nvPr>
+        </p:nvSpPr>
+        <p:spPr/>
+      </p:sp>
+      <p:sp>
+        <p:nvSpPr>
+          <p:cNvPr id="3" name="Notes Placeholder 2"/>
+          <p:cNvSpPr>
+            <a:spLocks noGrp="1"/>
+          </p:cNvSpPr>
+          <p:nvPr>
+            <p:ph type="body" idx="1"/>
+          </p:nvPr>
+        </p:nvSpPr>
+        <p:spPr/>
+        <p:txBody>
+          <a:bodyPr/>
+          <a:lstStyle/>
+          <a:p>
+            <a:endParaRPr lang="en-US"/>
+          </a:p>
+        </p:txBody>
+      </p:sp>
+      <p:sp>
+        <p:nvSpPr>
+          <p:cNvPr id="4" name="Slide Number Placeholder 3"/>
+          <p:cNvSpPr>
+            <a:spLocks noGrp="1"/>
+          </p:cNvSpPr>
+          <p:nvPr>
+            <p:ph type="sldNum" sz="quarter" idx="10"/>
+          </p:nvPr>
+        </p:nvSpPr>
+        <p:spPr/>
+        <p:txBody>
+          <a:bodyPr/>
+          <a:lstStyle/>
+          <a:p>
+            <a:fld id="{58159DD1-C078-41D7-806C-DD4037F45E63}" type="slidenum">
+              <a:rPr lang="en-US" smtClean="0"/>
+              <a:t>8</a:t>
+            </a:fld>
+            <a:endParaRPr lang="en-US"/>
+          </a:p>
+        </p:txBody>
+      </p:sp>
+    </p:spTree>
+    <p:extLst>
+      <p:ext uri="{BB962C8B-B14F-4D97-AF65-F5344CB8AC3E}">
+        <p14:creationId xmlns:p14="http://schemas.microsoft.com/office/powerpoint/2010/main" val="3025136458"/>
+      </p:ext>
+    </p:extLst>
+  </p:cSld>
+  <p:clrMapOvr>
+    <a:masterClrMapping/>
+  </p:clrMapOvr>
+</p:notes>
+</file>
+
+<file path=ppt/notesSlides/notesSlide9.xml><?xml version="1.0" encoding="utf-8"?>
+<p:notes xmlns:a="http://schemas.openxmlformats.org/drawingml/2006/main" xmlns:r="http://schemas.openxmlformats.org/officeDocument/2006/relationships" xmlns:p="http://schemas.openxmlformats.org/presentationml/2006/main">
+  <p:cSld>
+    <p:spTree>
+      <p:nvGrpSpPr>
+        <p:cNvPr id="1" name=""/>
+        <p:cNvGrpSpPr/>
+        <p:nvPr/>
+      </p:nvGrpSpPr>
+      <p:grpSpPr>
+        <a:xfrm>
+          <a:off x="0" y="0"/>
+          <a:ext cx="0" cy="0"/>
+          <a:chOff x="0" y="0"/>
+          <a:chExt cx="0" cy="0"/>
+        </a:xfrm>
+      </p:grpSpPr>
+      <p:sp>
+        <p:nvSpPr>
+          <p:cNvPr id="2" name="Slide Image Placeholder 1"/>
+          <p:cNvSpPr>
+            <a:spLocks noGrp="1" noRot="1" noChangeAspect="1"/>
+          </p:cNvSpPr>
+          <p:nvPr>
+            <p:ph type="sldImg"/>
+          </p:nvPr>
+        </p:nvSpPr>
+        <p:spPr/>
+      </p:sp>
+      <p:sp>
+        <p:nvSpPr>
+          <p:cNvPr id="3" name="Notes Placeholder 2"/>
+          <p:cNvSpPr>
+            <a:spLocks noGrp="1"/>
+          </p:cNvSpPr>
+          <p:nvPr>
+            <p:ph type="body" idx="1"/>
+          </p:nvPr>
+        </p:nvSpPr>
+        <p:spPr/>
+        <p:txBody>
+          <a:bodyPr/>
+          <a:lstStyle/>
+          <a:p>
+            <a:endParaRPr lang="en-US"/>
+          </a:p>
+        </p:txBody>
+      </p:sp>
+      <p:sp>
+        <p:nvSpPr>
+          <p:cNvPr id="4" name="Slide Number Placeholder 3"/>
+          <p:cNvSpPr>
+            <a:spLocks noGrp="1"/>
+          </p:cNvSpPr>
+          <p:nvPr>
+            <p:ph type="sldNum" sz="quarter" idx="10"/>
+          </p:nvPr>
+        </p:nvSpPr>
+        <p:spPr/>
+        <p:txBody>
+          <a:bodyPr/>
+          <a:lstStyle/>
+          <a:p>
+            <a:fld id="{58159DD1-C078-41D7-806C-DD4037F45E63}" type="slidenum">
+              <a:rPr lang="en-US" smtClean="0"/>
+              <a:t>9</a:t>
+            </a:fld>
+            <a:endParaRPr lang="en-US"/>
+          </a:p>
+        </p:txBody>
+      </p:sp>
+    </p:spTree>
+    <p:extLst>
+      <p:ext uri="{BB962C8B-B14F-4D97-AF65-F5344CB8AC3E}">
+        <p14:creationId xmlns:p14="http://schemas.microsoft.com/office/powerpoint/2010/main" val="616618931"/>
+      </p:ext>
+    </p:extLst>
+  </p:cSld>
+  <p:clrMapOvr>
+    <a:masterClrMapping/>
+  </p:clrMapOvr>
+</p:notes>
+</file>
+
 <file path=ppt/slideLayouts/slideLayout1.xml><?xml version="1.0" encoding="utf-8"?>
 <p:sldLayout xmlns:a="http://schemas.openxmlformats.org/drawingml/2006/main" xmlns:r="http://schemas.openxmlformats.org/officeDocument/2006/relationships" xmlns:p="http://schemas.openxmlformats.org/presentationml/2006/main" type="title" preserve="1">
   <p:cSld name="Title Slide">
@@ -259,7 +4055,7 @@
           </a:lstStyle>
           <a:p>
             <a:r>
-              <a:rPr lang="en-US" smtClean="0"/>
+              <a:rPr lang="en-US"/>
               <a:t>Click to edit Master title style</a:t>
             </a:r>
             <a:endParaRPr lang="en-US" dirty="0"/>
@@ -379,7 +4175,7 @@
           </a:lstStyle>
           <a:p>
             <a:r>
-              <a:rPr lang="en-US" smtClean="0"/>
+              <a:rPr lang="en-US"/>
               <a:t>Click to edit Master subtitle style</a:t>
             </a:r>
             <a:endParaRPr lang="en-US" dirty="0"/>
@@ -403,7 +4199,7 @@
           <a:p>
             <a:fld id="{4AAD347D-5ACD-4C99-B74B-A9C85AD731AF}" type="datetimeFigureOut">
               <a:rPr lang="en-US" dirty="0"/>
-              <a:t>5/11/2015</a:t>
+              <a:t>5/22/2017</a:t>
             </a:fld>
             <a:endParaRPr lang="en-US" dirty="0"/>
           </a:p>
@@ -503,7 +4299,7 @@
           </a:lstStyle>
           <a:p>
             <a:r>
-              <a:rPr lang="en-US" smtClean="0"/>
+              <a:rPr lang="en-US"/>
               <a:t>Click to edit Master title style</a:t>
             </a:r>
             <a:endParaRPr lang="en-US" dirty="0"/>
@@ -582,7 +4378,7 @@
           </a:lstStyle>
           <a:p>
             <a:r>
-              <a:rPr lang="en-US" smtClean="0"/>
+              <a:rPr lang="en-US"/>
               <a:t>Click icon to add picture</a:t>
             </a:r>
             <a:endParaRPr lang="en-US" dirty="0"/>
@@ -650,7 +4446,7 @@
           <a:p>
             <a:pPr lvl="0"/>
             <a:r>
-              <a:rPr lang="en-US" smtClean="0"/>
+              <a:rPr lang="en-US"/>
               <a:t>Click to edit Master text styles</a:t>
             </a:r>
           </a:p>
@@ -673,7 +4469,7 @@
           <a:p>
             <a:fld id="{4509A250-FF31-4206-8172-F9D3106AACB1}" type="datetimeFigureOut">
               <a:rPr lang="en-US" dirty="0"/>
-              <a:t>5/11/2015</a:t>
+              <a:t>5/22/2017</a:t>
             </a:fld>
             <a:endParaRPr lang="en-US" dirty="0"/>
           </a:p>
@@ -771,7 +4567,7 @@
           </a:lstStyle>
           <a:p>
             <a:r>
-              <a:rPr lang="en-US" smtClean="0"/>
+              <a:rPr lang="en-US"/>
               <a:t>Click to edit Master title style</a:t>
             </a:r>
             <a:endParaRPr lang="en-US" dirty="0"/>
@@ -839,7 +4635,7 @@
           <a:p>
             <a:pPr lvl="0"/>
             <a:r>
-              <a:rPr lang="en-US" smtClean="0"/>
+              <a:rPr lang="en-US"/>
               <a:t>Click to edit Master text styles</a:t>
             </a:r>
           </a:p>
@@ -862,7 +4658,7 @@
           <a:p>
             <a:fld id="{4509A250-FF31-4206-8172-F9D3106AACB1}" type="datetimeFigureOut">
               <a:rPr lang="en-US" dirty="0"/>
-              <a:t>5/11/2015</a:t>
+              <a:t>5/22/2017</a:t>
             </a:fld>
             <a:endParaRPr lang="en-US" dirty="0"/>
           </a:p>
@@ -960,7 +4756,7 @@
           </a:lstStyle>
           <a:p>
             <a:r>
-              <a:rPr lang="en-US" smtClean="0"/>
+              <a:rPr lang="en-US"/>
               <a:t>Click to edit Master title style</a:t>
             </a:r>
             <a:endParaRPr lang="en-US" dirty="0"/>
@@ -1040,7 +4836,7 @@
               <a:buNone/>
             </a:pPr>
             <a:r>
-              <a:rPr lang="en-US" smtClean="0"/>
+              <a:rPr lang="en-US"/>
               <a:t>Click to edit Master text styles</a:t>
             </a:r>
           </a:p>
@@ -1107,7 +4903,7 @@
           <a:p>
             <a:pPr lvl="0"/>
             <a:r>
-              <a:rPr lang="en-US" smtClean="0"/>
+              <a:rPr lang="en-US"/>
               <a:t>Click to edit Master text styles</a:t>
             </a:r>
           </a:p>
@@ -1130,7 +4926,7 @@
           <a:p>
             <a:fld id="{4509A250-FF31-4206-8172-F9D3106AACB1}" type="datetimeFigureOut">
               <a:rPr lang="en-US" dirty="0"/>
-              <a:t>5/11/2015</a:t>
+              <a:t>5/22/2017</a:t>
             </a:fld>
             <a:endParaRPr lang="en-US" dirty="0"/>
           </a:p>
@@ -1322,7 +5118,7 @@
           </a:lstStyle>
           <a:p>
             <a:r>
-              <a:rPr lang="en-US" smtClean="0"/>
+              <a:rPr lang="en-US"/>
               <a:t>Click to edit Master title style</a:t>
             </a:r>
             <a:endParaRPr lang="en-US" dirty="0"/>
@@ -1443,7 +5239,7 @@
           <a:p>
             <a:pPr lvl="0"/>
             <a:r>
-              <a:rPr lang="en-US" smtClean="0"/>
+              <a:rPr lang="en-US"/>
               <a:t>Click to edit Master text styles</a:t>
             </a:r>
           </a:p>
@@ -1466,7 +5262,7 @@
           <a:p>
             <a:fld id="{4509A250-FF31-4206-8172-F9D3106AACB1}" type="datetimeFigureOut">
               <a:rPr lang="en-US" dirty="0"/>
-              <a:t>5/11/2015</a:t>
+              <a:t>5/22/2017</a:t>
             </a:fld>
             <a:endParaRPr lang="en-US" dirty="0"/>
           </a:p>
@@ -1559,7 +5355,7 @@
           </a:lstStyle>
           <a:p>
             <a:r>
-              <a:rPr lang="en-US" smtClean="0"/>
+              <a:rPr lang="en-US"/>
               <a:t>Click to edit Master title style</a:t>
             </a:r>
             <a:endParaRPr lang="en-US" dirty="0"/>
@@ -1634,7 +5430,7 @@
           <a:p>
             <a:pPr lvl="0"/>
             <a:r>
-              <a:rPr lang="en-US" smtClean="0"/>
+              <a:rPr lang="en-US"/>
               <a:t>Click to edit Master text styles</a:t>
             </a:r>
           </a:p>
@@ -1701,7 +5497,7 @@
           <a:p>
             <a:pPr lvl="0"/>
             <a:r>
-              <a:rPr lang="en-US" smtClean="0"/>
+              <a:rPr lang="en-US"/>
               <a:t>Click to edit Master text styles</a:t>
             </a:r>
           </a:p>
@@ -1775,7 +5571,7 @@
           <a:p>
             <a:pPr lvl="0"/>
             <a:r>
-              <a:rPr lang="en-US" smtClean="0"/>
+              <a:rPr lang="en-US"/>
               <a:t>Click to edit Master text styles</a:t>
             </a:r>
           </a:p>
@@ -1842,7 +5638,7 @@
           <a:p>
             <a:pPr lvl="0"/>
             <a:r>
-              <a:rPr lang="en-US" smtClean="0"/>
+              <a:rPr lang="en-US"/>
               <a:t>Click to edit Master text styles</a:t>
             </a:r>
           </a:p>
@@ -1916,7 +5712,7 @@
           <a:p>
             <a:pPr lvl="0"/>
             <a:r>
-              <a:rPr lang="en-US" smtClean="0"/>
+              <a:rPr lang="en-US"/>
               <a:t>Click to edit Master text styles</a:t>
             </a:r>
           </a:p>
@@ -1983,7 +5779,7 @@
           <a:p>
             <a:pPr lvl="0"/>
             <a:r>
-              <a:rPr lang="en-US" smtClean="0"/>
+              <a:rPr lang="en-US"/>
               <a:t>Click to edit Master text styles</a:t>
             </a:r>
           </a:p>
@@ -2084,7 +5880,7 @@
           <a:p>
             <a:fld id="{4509A250-FF31-4206-8172-F9D3106AACB1}" type="datetimeFigureOut">
               <a:rPr lang="en-US" dirty="0"/>
-              <a:t>5/11/2015</a:t>
+              <a:t>5/22/2017</a:t>
             </a:fld>
             <a:endParaRPr lang="en-US" dirty="0"/>
           </a:p>
@@ -2177,7 +5973,7 @@
           </a:lstStyle>
           <a:p>
             <a:r>
-              <a:rPr lang="en-US" smtClean="0"/>
+              <a:rPr lang="en-US"/>
               <a:t>Click to edit Master title style</a:t>
             </a:r>
             <a:endParaRPr lang="en-US" dirty="0"/>
@@ -2252,7 +6048,7 @@
           <a:p>
             <a:pPr lvl="0"/>
             <a:r>
-              <a:rPr lang="en-US" smtClean="0"/>
+              <a:rPr lang="en-US"/>
               <a:t>Click to edit Master text styles</a:t>
             </a:r>
           </a:p>
@@ -2330,7 +6126,7 @@
           </a:lstStyle>
           <a:p>
             <a:r>
-              <a:rPr lang="en-US" smtClean="0"/>
+              <a:rPr lang="en-US"/>
               <a:t>Click icon to add picture</a:t>
             </a:r>
             <a:endParaRPr lang="en-US" dirty="0"/>
@@ -2398,7 +6194,7 @@
           <a:p>
             <a:pPr lvl="0"/>
             <a:r>
-              <a:rPr lang="en-US" smtClean="0"/>
+              <a:rPr lang="en-US"/>
               <a:t>Click to edit Master text styles</a:t>
             </a:r>
           </a:p>
@@ -2472,7 +6268,7 @@
           <a:p>
             <a:pPr lvl="0"/>
             <a:r>
-              <a:rPr lang="en-US" smtClean="0"/>
+              <a:rPr lang="en-US"/>
               <a:t>Click to edit Master text styles</a:t>
             </a:r>
           </a:p>
@@ -2550,7 +6346,7 @@
           </a:lstStyle>
           <a:p>
             <a:r>
-              <a:rPr lang="en-US" smtClean="0"/>
+              <a:rPr lang="en-US"/>
               <a:t>Click icon to add picture</a:t>
             </a:r>
             <a:endParaRPr lang="en-US" dirty="0"/>
@@ -2618,7 +6414,7 @@
           <a:p>
             <a:pPr lvl="0"/>
             <a:r>
-              <a:rPr lang="en-US" smtClean="0"/>
+              <a:rPr lang="en-US"/>
               <a:t>Click to edit Master text styles</a:t>
             </a:r>
           </a:p>
@@ -2692,7 +6488,7 @@
           <a:p>
             <a:pPr lvl="0"/>
             <a:r>
-              <a:rPr lang="en-US" smtClean="0"/>
+              <a:rPr lang="en-US"/>
               <a:t>Click to edit Master text styles</a:t>
             </a:r>
           </a:p>
@@ -2770,7 +6566,7 @@
           </a:lstStyle>
           <a:p>
             <a:r>
-              <a:rPr lang="en-US" smtClean="0"/>
+              <a:rPr lang="en-US"/>
               <a:t>Click icon to add picture</a:t>
             </a:r>
             <a:endParaRPr lang="en-US" dirty="0"/>
@@ -2838,7 +6634,7 @@
           <a:p>
             <a:pPr lvl="0"/>
             <a:r>
-              <a:rPr lang="en-US" smtClean="0"/>
+              <a:rPr lang="en-US"/>
               <a:t>Click to edit Master text styles</a:t>
             </a:r>
           </a:p>
@@ -2939,7 +6735,7 @@
           <a:p>
             <a:fld id="{4509A250-FF31-4206-8172-F9D3106AACB1}" type="datetimeFigureOut">
               <a:rPr lang="en-US" dirty="0"/>
-              <a:t>5/11/2015</a:t>
+              <a:t>5/22/2017</a:t>
             </a:fld>
             <a:endParaRPr lang="en-US" dirty="0"/>
           </a:p>
@@ -3028,7 +6824,7 @@
           <a:lstStyle/>
           <a:p>
             <a:r>
-              <a:rPr lang="en-US" smtClean="0"/>
+              <a:rPr lang="en-US"/>
               <a:t>Click to edit Master title style</a:t>
             </a:r>
             <a:endParaRPr lang="en-US" dirty="0"/>
@@ -3052,35 +6848,35 @@
           <a:p>
             <a:pPr lvl="0"/>
             <a:r>
-              <a:rPr lang="en-US" smtClean="0"/>
+              <a:rPr lang="en-US"/>
               <a:t>Click to edit Master text styles</a:t>
             </a:r>
           </a:p>
           <a:p>
             <a:pPr lvl="1"/>
             <a:r>
-              <a:rPr lang="en-US" smtClean="0"/>
+              <a:rPr lang="en-US"/>
               <a:t>Second level</a:t>
             </a:r>
           </a:p>
           <a:p>
             <a:pPr lvl="2"/>
             <a:r>
-              <a:rPr lang="en-US" smtClean="0"/>
+              <a:rPr lang="en-US"/>
               <a:t>Third level</a:t>
             </a:r>
           </a:p>
           <a:p>
             <a:pPr lvl="3"/>
             <a:r>
-              <a:rPr lang="en-US" smtClean="0"/>
+              <a:rPr lang="en-US"/>
               <a:t>Fourth level</a:t>
             </a:r>
           </a:p>
           <a:p>
             <a:pPr lvl="4"/>
             <a:r>
-              <a:rPr lang="en-US" smtClean="0"/>
+              <a:rPr lang="en-US"/>
               <a:t>Fifth level</a:t>
             </a:r>
             <a:endParaRPr lang="en-US" dirty="0"/>
@@ -3104,7 +6900,7 @@
           <a:p>
             <a:fld id="{4509A250-FF31-4206-8172-F9D3106AACB1}" type="datetimeFigureOut">
               <a:rPr lang="en-US" dirty="0"/>
-              <a:t>5/11/2015</a:t>
+              <a:t>5/22/2017</a:t>
             </a:fld>
             <a:endParaRPr lang="en-US" dirty="0"/>
           </a:p>
@@ -3198,7 +6994,7 @@
           <a:lstStyle/>
           <a:p>
             <a:r>
-              <a:rPr lang="en-US" smtClean="0"/>
+              <a:rPr lang="en-US"/>
               <a:t>Click to edit Master title style</a:t>
             </a:r>
             <a:endParaRPr lang="en-US" dirty="0"/>
@@ -3227,35 +7023,35 @@
           <a:p>
             <a:pPr lvl="0"/>
             <a:r>
-              <a:rPr lang="en-US" smtClean="0"/>
+              <a:rPr lang="en-US"/>
               <a:t>Click to edit Master text styles</a:t>
             </a:r>
           </a:p>
           <a:p>
             <a:pPr lvl="1"/>
             <a:r>
-              <a:rPr lang="en-US" smtClean="0"/>
+              <a:rPr lang="en-US"/>
               <a:t>Second level</a:t>
             </a:r>
           </a:p>
           <a:p>
             <a:pPr lvl="2"/>
             <a:r>
-              <a:rPr lang="en-US" smtClean="0"/>
+              <a:rPr lang="en-US"/>
               <a:t>Third level</a:t>
             </a:r>
           </a:p>
           <a:p>
             <a:pPr lvl="3"/>
             <a:r>
-              <a:rPr lang="en-US" smtClean="0"/>
+              <a:rPr lang="en-US"/>
               <a:t>Fourth level</a:t>
             </a:r>
           </a:p>
           <a:p>
             <a:pPr lvl="4"/>
             <a:r>
-              <a:rPr lang="en-US" smtClean="0"/>
+              <a:rPr lang="en-US"/>
               <a:t>Fifth level</a:t>
             </a:r>
             <a:endParaRPr lang="en-US" dirty="0"/>
@@ -3279,7 +7075,7 @@
           <a:p>
             <a:fld id="{4509A250-FF31-4206-8172-F9D3106AACB1}" type="datetimeFigureOut">
               <a:rPr lang="en-US" dirty="0"/>
-              <a:t>5/11/2015</a:t>
+              <a:t>5/22/2017</a:t>
             </a:fld>
             <a:endParaRPr lang="en-US" dirty="0"/>
           </a:p>
@@ -3377,10 +7173,9 @@
           </a:lstStyle>
           <a:p>
             <a:r>
-              <a:rPr lang="en-US" dirty="0" smtClean="0"/>
+              <a:rPr lang="en-US" dirty="0"/>
               <a:t>Click to edit Master title style</a:t>
             </a:r>
-            <a:endParaRPr lang="en-US" dirty="0"/>
           </a:p>
         </p:txBody>
       </p:sp>
@@ -3397,13 +7192,6 @@
   <p:transition>
     <p:fade/>
   </p:transition>
-  <p:timing>
-    <p:tnLst>
-      <p:par>
-        <p:cTn id="1" dur="indefinite" restart="never" nodeType="tmRoot"/>
-      </p:par>
-    </p:tnLst>
-  </p:timing>
 </p:sldLayout>
 </file>
 
@@ -3440,7 +7228,7 @@
           <a:lstStyle/>
           <a:p>
             <a:r>
-              <a:rPr lang="en-US" smtClean="0"/>
+              <a:rPr lang="en-US"/>
               <a:t>Click to edit Master title style</a:t>
             </a:r>
             <a:endParaRPr lang="en-US" dirty="0"/>
@@ -3464,35 +7252,35 @@
           <a:p>
             <a:pPr lvl="0"/>
             <a:r>
-              <a:rPr lang="en-US" smtClean="0"/>
+              <a:rPr lang="en-US"/>
               <a:t>Click to edit Master text styles</a:t>
             </a:r>
           </a:p>
           <a:p>
             <a:pPr lvl="1"/>
             <a:r>
-              <a:rPr lang="en-US" smtClean="0"/>
+              <a:rPr lang="en-US"/>
               <a:t>Second level</a:t>
             </a:r>
           </a:p>
           <a:p>
             <a:pPr lvl="2"/>
             <a:r>
-              <a:rPr lang="en-US" smtClean="0"/>
+              <a:rPr lang="en-US"/>
               <a:t>Third level</a:t>
             </a:r>
           </a:p>
           <a:p>
             <a:pPr lvl="3"/>
             <a:r>
-              <a:rPr lang="en-US" smtClean="0"/>
+              <a:rPr lang="en-US"/>
               <a:t>Fourth level</a:t>
             </a:r>
           </a:p>
           <a:p>
             <a:pPr lvl="4"/>
             <a:r>
-              <a:rPr lang="en-US" smtClean="0"/>
+              <a:rPr lang="en-US"/>
               <a:t>Fifth level</a:t>
             </a:r>
             <a:endParaRPr lang="en-US" dirty="0"/>
@@ -3516,7 +7304,7 @@
           <a:p>
             <a:fld id="{4509A250-FF31-4206-8172-F9D3106AACB1}" type="datetimeFigureOut">
               <a:rPr lang="en-US" dirty="0"/>
-              <a:t>5/11/2015</a:t>
+              <a:t>5/22/2017</a:t>
             </a:fld>
             <a:endParaRPr lang="en-US" dirty="0"/>
           </a:p>
@@ -3614,7 +7402,7 @@
           </a:lstStyle>
           <a:p>
             <a:r>
-              <a:rPr lang="en-US" smtClean="0"/>
+              <a:rPr lang="en-US"/>
               <a:t>Click to edit Master title style</a:t>
             </a:r>
             <a:endParaRPr lang="en-US" dirty="0"/>
@@ -3735,7 +7523,7 @@
           <a:p>
             <a:pPr lvl="0"/>
             <a:r>
-              <a:rPr lang="en-US" smtClean="0"/>
+              <a:rPr lang="en-US"/>
               <a:t>Click to edit Master text styles</a:t>
             </a:r>
           </a:p>
@@ -3758,7 +7546,7 @@
           <a:p>
             <a:fld id="{9796027F-7875-4030-9381-8BD8C4F21935}" type="datetimeFigureOut">
               <a:rPr lang="en-US" dirty="0"/>
-              <a:t>5/11/2015</a:t>
+              <a:t>5/22/2017</a:t>
             </a:fld>
             <a:endParaRPr lang="en-US" dirty="0"/>
           </a:p>
@@ -3847,7 +7635,7 @@
           <a:lstStyle/>
           <a:p>
             <a:r>
-              <a:rPr lang="en-US" smtClean="0"/>
+              <a:rPr lang="en-US"/>
               <a:t>Click to edit Master title style</a:t>
             </a:r>
             <a:endParaRPr lang="en-US" dirty="0"/>
@@ -3906,35 +7694,35 @@
           <a:p>
             <a:pPr lvl="0"/>
             <a:r>
-              <a:rPr lang="en-US" smtClean="0"/>
+              <a:rPr lang="en-US"/>
               <a:t>Click to edit Master text styles</a:t>
             </a:r>
           </a:p>
           <a:p>
             <a:pPr lvl="1"/>
             <a:r>
-              <a:rPr lang="en-US" smtClean="0"/>
+              <a:rPr lang="en-US"/>
               <a:t>Second level</a:t>
             </a:r>
           </a:p>
           <a:p>
             <a:pPr lvl="2"/>
             <a:r>
-              <a:rPr lang="en-US" smtClean="0"/>
+              <a:rPr lang="en-US"/>
               <a:t>Third level</a:t>
             </a:r>
           </a:p>
           <a:p>
             <a:pPr lvl="3"/>
             <a:r>
-              <a:rPr lang="en-US" smtClean="0"/>
+              <a:rPr lang="en-US"/>
               <a:t>Fourth level</a:t>
             </a:r>
           </a:p>
           <a:p>
             <a:pPr lvl="4"/>
             <a:r>
-              <a:rPr lang="en-US" smtClean="0"/>
+              <a:rPr lang="en-US"/>
               <a:t>Fifth level</a:t>
             </a:r>
             <a:endParaRPr lang="en-US" dirty="0"/>
@@ -3993,35 +7781,35 @@
           <a:p>
             <a:pPr lvl="0"/>
             <a:r>
-              <a:rPr lang="en-US" smtClean="0"/>
+              <a:rPr lang="en-US"/>
               <a:t>Click to edit Master text styles</a:t>
             </a:r>
           </a:p>
           <a:p>
             <a:pPr lvl="1"/>
             <a:r>
-              <a:rPr lang="en-US" smtClean="0"/>
+              <a:rPr lang="en-US"/>
               <a:t>Second level</a:t>
             </a:r>
           </a:p>
           <a:p>
             <a:pPr lvl="2"/>
             <a:r>
-              <a:rPr lang="en-US" smtClean="0"/>
+              <a:rPr lang="en-US"/>
               <a:t>Third level</a:t>
             </a:r>
           </a:p>
           <a:p>
             <a:pPr lvl="3"/>
             <a:r>
-              <a:rPr lang="en-US" smtClean="0"/>
+              <a:rPr lang="en-US"/>
               <a:t>Fourth level</a:t>
             </a:r>
           </a:p>
           <a:p>
             <a:pPr lvl="4"/>
             <a:r>
-              <a:rPr lang="en-US" smtClean="0"/>
+              <a:rPr lang="en-US"/>
               <a:t>Fifth level</a:t>
             </a:r>
             <a:endParaRPr lang="en-US" dirty="0"/>
@@ -4045,7 +7833,7 @@
           <a:p>
             <a:fld id="{9796027F-7875-4030-9381-8BD8C4F21935}" type="datetimeFigureOut">
               <a:rPr lang="en-US" dirty="0"/>
-              <a:t>5/11/2015</a:t>
+              <a:t>5/22/2017</a:t>
             </a:fld>
             <a:endParaRPr lang="en-US" dirty="0"/>
           </a:p>
@@ -4138,7 +7926,7 @@
           </a:lstStyle>
           <a:p>
             <a:r>
-              <a:rPr lang="en-US" smtClean="0"/>
+              <a:rPr lang="en-US"/>
               <a:t>Click to edit Master title style</a:t>
             </a:r>
             <a:endParaRPr lang="en-US" dirty="0"/>
@@ -4213,7 +8001,7 @@
           <a:p>
             <a:pPr lvl="0"/>
             <a:r>
-              <a:rPr lang="en-US" smtClean="0"/>
+              <a:rPr lang="en-US"/>
               <a:t>Click to edit Master text styles</a:t>
             </a:r>
           </a:p>
@@ -4271,35 +8059,35 @@
           <a:p>
             <a:pPr lvl="0"/>
             <a:r>
-              <a:rPr lang="en-US" smtClean="0"/>
+              <a:rPr lang="en-US"/>
               <a:t>Click to edit Master text styles</a:t>
             </a:r>
           </a:p>
           <a:p>
             <a:pPr lvl="1"/>
             <a:r>
-              <a:rPr lang="en-US" smtClean="0"/>
+              <a:rPr lang="en-US"/>
               <a:t>Second level</a:t>
             </a:r>
           </a:p>
           <a:p>
             <a:pPr lvl="2"/>
             <a:r>
-              <a:rPr lang="en-US" smtClean="0"/>
+              <a:rPr lang="en-US"/>
               <a:t>Third level</a:t>
             </a:r>
           </a:p>
           <a:p>
             <a:pPr lvl="3"/>
             <a:r>
-              <a:rPr lang="en-US" smtClean="0"/>
+              <a:rPr lang="en-US"/>
               <a:t>Fourth level</a:t>
             </a:r>
           </a:p>
           <a:p>
             <a:pPr lvl="4"/>
             <a:r>
-              <a:rPr lang="en-US" smtClean="0"/>
+              <a:rPr lang="en-US"/>
               <a:t>Fifth level</a:t>
             </a:r>
             <a:endParaRPr lang="en-US" dirty="0"/>
@@ -4374,7 +8162,7 @@
           <a:p>
             <a:pPr lvl="0"/>
             <a:r>
-              <a:rPr lang="en-US" smtClean="0"/>
+              <a:rPr lang="en-US"/>
               <a:t>Click to edit Master text styles</a:t>
             </a:r>
           </a:p>
@@ -4432,35 +8220,35 @@
           <a:p>
             <a:pPr lvl="0"/>
             <a:r>
-              <a:rPr lang="en-US" smtClean="0"/>
+              <a:rPr lang="en-US"/>
               <a:t>Click to edit Master text styles</a:t>
             </a:r>
           </a:p>
           <a:p>
             <a:pPr lvl="1"/>
             <a:r>
-              <a:rPr lang="en-US" smtClean="0"/>
+              <a:rPr lang="en-US"/>
               <a:t>Second level</a:t>
             </a:r>
           </a:p>
           <a:p>
             <a:pPr lvl="2"/>
             <a:r>
-              <a:rPr lang="en-US" smtClean="0"/>
+              <a:rPr lang="en-US"/>
               <a:t>Third level</a:t>
             </a:r>
           </a:p>
           <a:p>
             <a:pPr lvl="3"/>
             <a:r>
-              <a:rPr lang="en-US" smtClean="0"/>
+              <a:rPr lang="en-US"/>
               <a:t>Fourth level</a:t>
             </a:r>
           </a:p>
           <a:p>
             <a:pPr lvl="4"/>
             <a:r>
-              <a:rPr lang="en-US" smtClean="0"/>
+              <a:rPr lang="en-US"/>
               <a:t>Fifth level</a:t>
             </a:r>
             <a:endParaRPr lang="en-US" dirty="0"/>
@@ -4484,7 +8272,7 @@
           <a:p>
             <a:fld id="{9796027F-7875-4030-9381-8BD8C4F21935}" type="datetimeFigureOut">
               <a:rPr lang="en-US" dirty="0"/>
-              <a:t>5/11/2015</a:t>
+              <a:t>5/22/2017</a:t>
             </a:fld>
             <a:endParaRPr lang="en-US" dirty="0"/>
           </a:p>
@@ -4573,7 +8361,7 @@
           <a:lstStyle/>
           <a:p>
             <a:r>
-              <a:rPr lang="en-US" smtClean="0"/>
+              <a:rPr lang="en-US"/>
               <a:t>Click to edit Master title style</a:t>
             </a:r>
             <a:endParaRPr lang="en-US" dirty="0"/>
@@ -4597,7 +8385,7 @@
           <a:p>
             <a:fld id="{4509A250-FF31-4206-8172-F9D3106AACB1}" type="datetimeFigureOut">
               <a:rPr lang="en-US" dirty="0"/>
-              <a:t>5/11/2015</a:t>
+              <a:t>5/22/2017</a:t>
             </a:fld>
             <a:endParaRPr lang="en-US" dirty="0"/>
           </a:p>
@@ -4687,7 +8475,7 @@
           <a:p>
             <a:fld id="{4509A250-FF31-4206-8172-F9D3106AACB1}" type="datetimeFigureOut">
               <a:rPr lang="en-US" dirty="0"/>
-              <a:t>5/11/2015</a:t>
+              <a:t>5/22/2017</a:t>
             </a:fld>
             <a:endParaRPr lang="en-US" dirty="0"/>
           </a:p>
@@ -4785,7 +8573,7 @@
           </a:lstStyle>
           <a:p>
             <a:r>
-              <a:rPr lang="en-US" smtClean="0"/>
+              <a:rPr lang="en-US"/>
               <a:t>Click to edit Master title style</a:t>
             </a:r>
             <a:endParaRPr lang="en-US" dirty="0"/>
@@ -4844,35 +8632,35 @@
           <a:p>
             <a:pPr lvl="0"/>
             <a:r>
-              <a:rPr lang="en-US" smtClean="0"/>
+              <a:rPr lang="en-US"/>
               <a:t>Click to edit Master text styles</a:t>
             </a:r>
           </a:p>
           <a:p>
             <a:pPr lvl="1"/>
             <a:r>
-              <a:rPr lang="en-US" smtClean="0"/>
+              <a:rPr lang="en-US"/>
               <a:t>Second level</a:t>
             </a:r>
           </a:p>
           <a:p>
             <a:pPr lvl="2"/>
             <a:r>
-              <a:rPr lang="en-US" smtClean="0"/>
+              <a:rPr lang="en-US"/>
               <a:t>Third level</a:t>
             </a:r>
           </a:p>
           <a:p>
             <a:pPr lvl="3"/>
             <a:r>
-              <a:rPr lang="en-US" smtClean="0"/>
+              <a:rPr lang="en-US"/>
               <a:t>Fourth level</a:t>
             </a:r>
           </a:p>
           <a:p>
             <a:pPr lvl="4"/>
             <a:r>
-              <a:rPr lang="en-US" smtClean="0"/>
+              <a:rPr lang="en-US"/>
               <a:t>Fifth level</a:t>
             </a:r>
             <a:endParaRPr lang="en-US" dirty="0"/>
@@ -4938,7 +8726,7 @@
           <a:p>
             <a:pPr lvl="0"/>
             <a:r>
-              <a:rPr lang="en-US" smtClean="0"/>
+              <a:rPr lang="en-US"/>
               <a:t>Click to edit Master text styles</a:t>
             </a:r>
           </a:p>
@@ -4961,7 +8749,7 @@
           <a:p>
             <a:fld id="{4509A250-FF31-4206-8172-F9D3106AACB1}" type="datetimeFigureOut">
               <a:rPr lang="en-US" dirty="0"/>
-              <a:t>5/11/2015</a:t>
+              <a:t>5/22/2017</a:t>
             </a:fld>
             <a:endParaRPr lang="en-US" dirty="0"/>
           </a:p>
@@ -5061,7 +8849,7 @@
           </a:lstStyle>
           <a:p>
             <a:r>
-              <a:rPr lang="en-US" smtClean="0"/>
+              <a:rPr lang="en-US"/>
               <a:t>Click to edit Master title style</a:t>
             </a:r>
             <a:endParaRPr lang="en-US" dirty="0"/>
@@ -5140,7 +8928,7 @@
           </a:lstStyle>
           <a:p>
             <a:r>
-              <a:rPr lang="en-US" smtClean="0"/>
+              <a:rPr lang="en-US"/>
               <a:t>Click icon to add picture</a:t>
             </a:r>
             <a:endParaRPr lang="en-US" dirty="0"/>
@@ -5208,7 +8996,7 @@
           <a:p>
             <a:pPr lvl="0"/>
             <a:r>
-              <a:rPr lang="en-US" smtClean="0"/>
+              <a:rPr lang="en-US"/>
               <a:t>Click to edit Master text styles</a:t>
             </a:r>
           </a:p>
@@ -5231,7 +9019,7 @@
           <a:p>
             <a:fld id="{4509A250-FF31-4206-8172-F9D3106AACB1}" type="datetimeFigureOut">
               <a:rPr lang="en-US" dirty="0"/>
-              <a:t>5/11/2015</a:t>
+              <a:t>5/22/2017</a:t>
             </a:fld>
             <a:endParaRPr lang="en-US" dirty="0"/>
           </a:p>
@@ -5550,7 +9338,7 @@
           <a:lstStyle/>
           <a:p>
             <a:r>
-              <a:rPr lang="en-US" smtClean="0"/>
+              <a:rPr lang="en-US"/>
               <a:t>Click to edit Master title style</a:t>
             </a:r>
             <a:endParaRPr lang="en-US" dirty="0"/>
@@ -5584,35 +9372,35 @@
           <a:p>
             <a:pPr lvl="0"/>
             <a:r>
-              <a:rPr lang="en-US" smtClean="0"/>
+              <a:rPr lang="en-US"/>
               <a:t>Click to edit Master text styles</a:t>
             </a:r>
           </a:p>
           <a:p>
             <a:pPr lvl="1"/>
             <a:r>
-              <a:rPr lang="en-US" smtClean="0"/>
+              <a:rPr lang="en-US"/>
               <a:t>Second level</a:t>
             </a:r>
           </a:p>
           <a:p>
             <a:pPr lvl="2"/>
             <a:r>
-              <a:rPr lang="en-US" smtClean="0"/>
+              <a:rPr lang="en-US"/>
               <a:t>Third level</a:t>
             </a:r>
           </a:p>
           <a:p>
             <a:pPr lvl="3"/>
             <a:r>
-              <a:rPr lang="en-US" smtClean="0"/>
+              <a:rPr lang="en-US"/>
               <a:t>Fourth level</a:t>
             </a:r>
           </a:p>
           <a:p>
             <a:pPr lvl="4"/>
             <a:r>
-              <a:rPr lang="en-US" smtClean="0"/>
+              <a:rPr lang="en-US"/>
               <a:t>Fifth level</a:t>
             </a:r>
             <a:endParaRPr lang="en-US" dirty="0"/>
@@ -5655,7 +9443,7 @@
           <a:p>
             <a:fld id="{4AAD347D-5ACD-4C99-B74B-A9C85AD731AF}" type="datetimeFigureOut">
               <a:rPr lang="en-US" dirty="0"/>
-              <a:t>5/11/2015</a:t>
+              <a:t>5/22/2017</a:t>
             </a:fld>
             <a:endParaRPr lang="en-US" dirty="0"/>
           </a:p>
@@ -6196,7 +9984,7 @@
           <a:lstStyle/>
           <a:p>
             <a:r>
-              <a:rPr lang="en-US" dirty="0" err="1" smtClean="0"/>
+              <a:rPr lang="en-US" dirty="0" err="1"/>
               <a:t>Microservices</a:t>
             </a:r>
             <a:endParaRPr lang="en-US" dirty="0"/>
@@ -6219,16 +10007,15 @@
           <a:lstStyle/>
           <a:p>
             <a:r>
-              <a:rPr lang="en-US" dirty="0" smtClean="0"/>
+              <a:rPr lang="en-US" dirty="0"/>
               <a:t>And domain-driven design (DDD)</a:t>
             </a:r>
           </a:p>
           <a:p>
             <a:r>
-              <a:rPr lang="en-US" dirty="0" smtClean="0"/>
+              <a:rPr lang="en-US" dirty="0"/>
               <a:t>Ralph.squillace@Microsoft.com</a:t>
             </a:r>
-            <a:endParaRPr lang="en-US" dirty="0"/>
           </a:p>
         </p:txBody>
       </p:sp>
@@ -6254,13 +10041,6 @@
       </p:transition>
     </mc:Fallback>
   </mc:AlternateContent>
-  <p:timing>
-    <p:tnLst>
-      <p:par>
-        <p:cTn id="1" dur="indefinite" restart="never" nodeType="tmRoot"/>
-      </p:par>
-    </p:tnLst>
-  </p:timing>
 </p:sld>
 </file>
 
@@ -6469,41 +10249,7 @@
                 </a:gradFill>
                 <a:latin typeface="+mj-lt"/>
               </a:rPr>
-              <a:t>We need 4 </a:t>
-            </a:r>
-            <a:r>
-              <a:rPr lang="en-US" sz="2353" dirty="0" smtClean="0">
-                <a:gradFill>
-                  <a:gsLst>
-                    <a:gs pos="2917">
-                      <a:schemeClr val="tx1"/>
-                    </a:gs>
-                    <a:gs pos="30000">
-                      <a:schemeClr val="tx1"/>
-                    </a:gs>
-                  </a:gsLst>
-                  <a:lin ang="5400000" scaled="0"/>
-                </a:gradFill>
-                <a:latin typeface="+mj-lt"/>
-              </a:rPr>
-              <a:t>services so that we can </a:t>
-            </a:r>
-            <a:r>
-              <a:rPr lang="en-US" sz="2353" dirty="0">
-                <a:gradFill>
-                  <a:gsLst>
-                    <a:gs pos="2917">
-                      <a:schemeClr val="tx1"/>
-                    </a:gs>
-                    <a:gs pos="30000">
-                      <a:schemeClr val="tx1"/>
-                    </a:gs>
-                  </a:gsLst>
-                  <a:lin ang="5400000" scaled="0"/>
-                </a:gradFill>
-                <a:latin typeface="+mj-lt"/>
-              </a:rPr>
-              <a:t>scale components independently.</a:t>
+              <a:t>We need 4 services so that we can scale components independently.</a:t>
             </a:r>
           </a:p>
         </p:txBody>
@@ -7146,13 +10892,6 @@
       </p:transition>
     </mc:Fallback>
   </mc:AlternateContent>
-  <p:timing>
-    <p:tnLst>
-      <p:par>
-        <p:cTn id="1" dur="indefinite" restart="never" nodeType="tmRoot"/>
-      </p:par>
-    </p:tnLst>
-  </p:timing>
 </p:sld>
 </file>
 
@@ -8531,13 +12270,6 @@
       </p:transition>
     </mc:Fallback>
   </mc:AlternateContent>
-  <p:timing>
-    <p:tnLst>
-      <p:par>
-        <p:cTn id="1" dur="indefinite" restart="never" nodeType="tmRoot"/>
-      </p:par>
-    </p:tnLst>
-  </p:timing>
 </p:sld>
 </file>
 
@@ -8574,26 +12306,25 @@
           <a:lstStyle/>
           <a:p>
             <a:r>
-              <a:rPr lang="en-US" dirty="0" smtClean="0"/>
+              <a:rPr lang="en-US" dirty="0"/>
               <a:t>Thing to </a:t>
             </a:r>
             <a:r>
-              <a:rPr lang="en-US" dirty="0" err="1" smtClean="0"/>
+              <a:rPr lang="en-US" dirty="0" err="1"/>
               <a:t>grok</a:t>
             </a:r>
             <a:r>
-              <a:rPr lang="en-US" dirty="0" smtClean="0"/>
+              <a:rPr lang="en-US" dirty="0"/>
               <a:t>: Apps comprised of </a:t>
             </a:r>
             <a:r>
-              <a:rPr lang="en-US" dirty="0" err="1" smtClean="0"/>
+              <a:rPr lang="en-US" dirty="0" err="1"/>
               <a:t>microservices</a:t>
             </a:r>
             <a:r>
-              <a:rPr lang="en-US" dirty="0" smtClean="0"/>
+              <a:rPr lang="en-US" dirty="0"/>
               <a:t> can be…</a:t>
             </a:r>
-            <a:endParaRPr lang="en-US" dirty="0"/>
           </a:p>
         </p:txBody>
       </p:sp>
@@ -8620,7 +12351,7 @@
             <p:nvPr/>
           </p:nvPicPr>
           <p:blipFill>
-            <a:blip r:embed="rId2"/>
+            <a:blip r:embed="rId3"/>
             <a:stretch>
               <a:fillRect/>
             </a:stretch>
@@ -8658,32 +12389,27 @@
             <a:lstStyle/>
             <a:p>
               <a:r>
-                <a:rPr lang="en-US" dirty="0" smtClean="0"/>
+                <a:rPr lang="en-US" dirty="0"/>
                 <a:t>-- Adrian </a:t>
               </a:r>
               <a:r>
-                <a:rPr lang="en-US" dirty="0" err="1" smtClean="0"/>
+                <a:rPr lang="en-US" dirty="0" err="1"/>
                 <a:t>Cockroft</a:t>
               </a:r>
               <a:r>
                 <a:rPr lang="en-US" dirty="0"/>
-                <a:t> </a:t>
+                <a:t> (</a:t>
               </a:r>
               <a:r>
-                <a:rPr lang="en-US" dirty="0" smtClean="0"/>
-                <a:t>(</a:t>
-              </a:r>
-              <a:r>
-                <a:rPr lang="en-US" sz="800" dirty="0" smtClean="0">
-                  <a:hlinkClick r:id="rId3"/>
+                <a:rPr lang="en-US" sz="800" dirty="0">
+                  <a:hlinkClick r:id="rId4"/>
                 </a:rPr>
                 <a:t>https://github.com/squillace/leap2015/raw/master/AdrianCockroftNetflixMicroservicesOverview.pdf</a:t>
               </a:r>
               <a:r>
-                <a:rPr lang="en-US" dirty="0" smtClean="0"/>
+                <a:rPr lang="en-US" dirty="0"/>
                 <a:t>)</a:t>
               </a:r>
-              <a:endParaRPr lang="en-US" dirty="0"/>
             </a:p>
           </p:txBody>
         </p:sp>
@@ -8841,7 +12567,7 @@
           <p:nvPr/>
         </p:nvPicPr>
         <p:blipFill>
-          <a:blip r:embed="rId2">
+          <a:blip r:embed="rId3">
             <a:extLst>
               <a:ext uri="{28A0092B-C50C-407E-A947-70E740481C1C}">
                 <a14:useLocalDpi xmlns:a14="http://schemas.microsoft.com/office/drawing/2010/main" val="0"/>
@@ -8886,13 +12612,6 @@
   <p:transition>
     <p:fade/>
   </p:transition>
-  <p:timing>
-    <p:tnLst>
-      <p:par>
-        <p:cTn id="1" dur="indefinite" restart="never" nodeType="tmRoot"/>
-      </p:par>
-    </p:tnLst>
-  </p:timing>
 </p:sld>
 </file>
 
@@ -8934,10 +12653,9 @@
           <a:lstStyle/>
           <a:p>
             <a:r>
-              <a:rPr lang="en-US" dirty="0" smtClean="0"/>
+              <a:rPr lang="en-US" dirty="0"/>
               <a:t>Independence means service code is immutable</a:t>
             </a:r>
-            <a:endParaRPr lang="en-US" dirty="0"/>
           </a:p>
         </p:txBody>
       </p:sp>
@@ -8968,15 +12686,15 @@
               <a:buChar char="Ø"/>
             </a:pPr>
             <a:r>
-              <a:rPr lang="en-US" dirty="0" smtClean="0"/>
+              <a:rPr lang="en-US" dirty="0"/>
               <a:t>Existing services are never changed; new service code deployed as a new service group – nothing changes until </a:t>
             </a:r>
             <a:r>
-              <a:rPr lang="en-US" i="1" dirty="0" smtClean="0"/>
+              <a:rPr lang="en-US" i="1" dirty="0"/>
               <a:t>routing changes</a:t>
             </a:r>
             <a:r>
-              <a:rPr lang="en-US" dirty="0" smtClean="0"/>
+              <a:rPr lang="en-US" dirty="0"/>
               <a:t>. </a:t>
             </a:r>
           </a:p>
@@ -8986,15 +12704,15 @@
               <a:buChar char="Ø"/>
             </a:pPr>
             <a:r>
-              <a:rPr lang="en-US" dirty="0" smtClean="0"/>
+              <a:rPr lang="en-US" dirty="0"/>
               <a:t>A/B, </a:t>
             </a:r>
             <a:r>
-              <a:rPr lang="en-US" dirty="0" err="1" smtClean="0"/>
+              <a:rPr lang="en-US" dirty="0" err="1"/>
               <a:t>Multiworld</a:t>
             </a:r>
             <a:r>
-              <a:rPr lang="en-US" dirty="0" smtClean="0"/>
+              <a:rPr lang="en-US" dirty="0"/>
               <a:t>, or rolling upgrades</a:t>
             </a:r>
           </a:p>
@@ -9004,7 +12722,7 @@
               <a:buChar char="Ø"/>
             </a:pPr>
             <a:r>
-              <a:rPr lang="en-US" dirty="0" smtClean="0"/>
+              <a:rPr lang="en-US" dirty="0"/>
               <a:t>First users are dev/test</a:t>
             </a:r>
           </a:p>
@@ -9014,7 +12732,7 @@
               <a:buChar char="Ø"/>
             </a:pPr>
             <a:r>
-              <a:rPr lang="en-US" dirty="0" smtClean="0"/>
+              <a:rPr lang="en-US" dirty="0"/>
               <a:t>Add small random users while measuring</a:t>
             </a:r>
           </a:p>
@@ -9024,10 +12742,9 @@
               <a:buChar char="Ø"/>
             </a:pPr>
             <a:r>
-              <a:rPr lang="en-US" dirty="0" smtClean="0"/>
+              <a:rPr lang="en-US" dirty="0"/>
               <a:t>Becomes universally default, with previous service instances running just in case.</a:t>
             </a:r>
-            <a:endParaRPr lang="en-US" dirty="0"/>
           </a:p>
         </p:txBody>
       </p:sp>
@@ -9053,13 +12770,6 @@
       </p:transition>
     </mc:Fallback>
   </mc:AlternateContent>
-  <p:timing>
-    <p:tnLst>
-      <p:par>
-        <p:cTn id="1" dur="indefinite" restart="never" nodeType="tmRoot"/>
-      </p:par>
-    </p:tnLst>
-  </p:timing>
 </p:sld>
 </file>
 
@@ -9096,28 +12806,24 @@
           <a:lstStyle/>
           <a:p>
             <a:r>
-              <a:rPr lang="en-US" dirty="0" smtClean="0"/>
+              <a:rPr lang="en-US" dirty="0"/>
               <a:t>Things to </a:t>
             </a:r>
             <a:r>
-              <a:rPr lang="en-US" dirty="0" err="1" smtClean="0"/>
+              <a:rPr lang="en-US" dirty="0" err="1"/>
               <a:t>grok</a:t>
             </a:r>
             <a:r>
-              <a:rPr lang="en-US" dirty="0" smtClean="0"/>
+              <a:rPr lang="en-US" dirty="0"/>
               <a:t>: edit your </a:t>
             </a:r>
             <a:r>
-              <a:rPr lang="en-US" dirty="0" err="1" smtClean="0"/>
+              <a:rPr lang="en-US" dirty="0" err="1"/>
               <a:t>microservice</a:t>
             </a:r>
             <a:r>
-              <a:rPr lang="en-US" dirty="0" smtClean="0"/>
+              <a:rPr lang="en-US" dirty="0"/>
               <a:t> specification violently</a:t>
-            </a:r>
-            <a:r>
-              <a:rPr lang="en-US" dirty="0"/>
-              <a:t/>
             </a:r>
             <a:br>
               <a:rPr lang="en-US" dirty="0"/>
@@ -9186,13 +12892,6 @@
       </p:transition>
     </mc:Fallback>
   </mc:AlternateContent>
-  <p:timing>
-    <p:tnLst>
-      <p:par>
-        <p:cTn id="1" dur="indefinite" restart="never" nodeType="tmRoot"/>
-      </p:par>
-    </p:tnLst>
-  </p:timing>
 </p:sld>
 </file>
 
@@ -9229,34 +12928,33 @@
           <a:lstStyle/>
           <a:p>
             <a:r>
-              <a:rPr lang="en-US" dirty="0" smtClean="0"/>
+              <a:rPr lang="en-US" dirty="0"/>
               <a:t>Things to </a:t>
             </a:r>
             <a:r>
-              <a:rPr lang="en-US" dirty="0" err="1" smtClean="0"/>
+              <a:rPr lang="en-US" dirty="0" err="1"/>
               <a:t>grok</a:t>
             </a:r>
             <a:r>
-              <a:rPr lang="en-US" dirty="0" smtClean="0"/>
+              <a:rPr lang="en-US" dirty="0"/>
               <a:t>: know </a:t>
             </a:r>
             <a:r>
-              <a:rPr lang="en-US" i="1" dirty="0" smtClean="0"/>
+              <a:rPr lang="en-US" i="1" dirty="0"/>
               <a:t>precisely</a:t>
             </a:r>
             <a:r>
-              <a:rPr lang="en-US" dirty="0" smtClean="0"/>
+              <a:rPr lang="en-US" dirty="0"/>
               <a:t> your </a:t>
             </a:r>
             <a:r>
-              <a:rPr lang="en-US" dirty="0" err="1" smtClean="0"/>
+              <a:rPr lang="en-US" dirty="0" err="1"/>
               <a:t>microservice’s</a:t>
             </a:r>
             <a:r>
-              <a:rPr lang="en-US" dirty="0" smtClean="0"/>
+              <a:rPr lang="en-US" dirty="0"/>
               <a:t> domain</a:t>
             </a:r>
-            <a:endParaRPr lang="en-US" dirty="0"/>
           </a:p>
         </p:txBody>
       </p:sp>
@@ -9276,28 +12974,27 @@
           <a:lstStyle/>
           <a:p>
             <a:r>
-              <a:rPr lang="en-US" dirty="0" smtClean="0"/>
+              <a:rPr lang="en-US" dirty="0"/>
               <a:t>This is, in essence, the ability to understand what you own and what you do not.</a:t>
             </a:r>
           </a:p>
           <a:p>
             <a:r>
-              <a:rPr lang="en-US" dirty="0" smtClean="0"/>
+              <a:rPr lang="en-US" dirty="0"/>
               <a:t>*(and stick to it)</a:t>
             </a:r>
           </a:p>
           <a:p>
             <a:r>
-              <a:rPr lang="en-US" dirty="0" smtClean="0"/>
+              <a:rPr lang="en-US" dirty="0"/>
               <a:t>NOT. SIMPLE.</a:t>
             </a:r>
           </a:p>
           <a:p>
             <a:r>
-              <a:rPr lang="en-US" dirty="0" smtClean="0"/>
+              <a:rPr lang="en-US" dirty="0"/>
               <a:t>Means you might dabble in….</a:t>
             </a:r>
-            <a:endParaRPr lang="en-US" dirty="0"/>
           </a:p>
         </p:txBody>
       </p:sp>
@@ -9636,10 +13333,9 @@
           <a:lstStyle/>
           <a:p>
             <a:r>
-              <a:rPr lang="en-US" dirty="0" smtClean="0"/>
+              <a:rPr lang="en-US" dirty="0"/>
               <a:t>Digression: Domain-driven design: DDD	</a:t>
             </a:r>
-            <a:endParaRPr lang="en-US" dirty="0"/>
           </a:p>
         </p:txBody>
       </p:sp>
@@ -9684,13 +13380,6 @@
       </p:transition>
     </mc:Fallback>
   </mc:AlternateContent>
-  <p:timing>
-    <p:tnLst>
-      <p:par>
-        <p:cTn id="1" dur="indefinite" restart="never" nodeType="tmRoot"/>
-      </p:par>
-    </p:tnLst>
-  </p:timing>
 </p:sld>
 </file>
 
@@ -9727,24 +13416,23 @@
           <a:lstStyle/>
           <a:p>
             <a:r>
-              <a:rPr lang="en-US" dirty="0" smtClean="0"/>
+              <a:rPr lang="en-US" dirty="0"/>
               <a:t>Book: Eric Evans, </a:t>
             </a:r>
             <a:r>
-              <a:rPr lang="en-US" i="1" dirty="0" smtClean="0">
-                <a:hlinkClick r:id="rId2"/>
+              <a:rPr lang="en-US" i="1" dirty="0">
+                <a:hlinkClick r:id="rId3"/>
               </a:rPr>
               <a:t>Domain-driven Design</a:t>
             </a:r>
             <a:r>
-              <a:rPr lang="en-US" i="1" dirty="0" smtClean="0"/>
+              <a:rPr lang="en-US" i="1" dirty="0"/>
               <a:t> </a:t>
             </a:r>
             <a:r>
-              <a:rPr lang="en-US" dirty="0" smtClean="0"/>
+              <a:rPr lang="en-US" dirty="0"/>
               <a:t>(2003)</a:t>
             </a:r>
-            <a:endParaRPr lang="en-US" dirty="0"/>
           </a:p>
         </p:txBody>
       </p:sp>
@@ -9764,34 +13452,34 @@
           <a:lstStyle/>
           <a:p>
             <a:r>
-              <a:rPr lang="en-US" dirty="0" smtClean="0"/>
+              <a:rPr lang="en-US" dirty="0"/>
               <a:t>At a high level, much of the approach is already part of common knowledge: </a:t>
             </a:r>
           </a:p>
           <a:p>
             <a:pPr lvl="1"/>
             <a:r>
-              <a:rPr lang="en-US" dirty="0" smtClean="0"/>
+              <a:rPr lang="en-US" dirty="0"/>
               <a:t>Primary focus is on core domain and domain logic</a:t>
             </a:r>
           </a:p>
           <a:p>
             <a:pPr lvl="1"/>
             <a:r>
-              <a:rPr lang="en-US" dirty="0" smtClean="0"/>
+              <a:rPr lang="en-US" dirty="0"/>
               <a:t>Designs are based on evolving model of that domain</a:t>
             </a:r>
           </a:p>
           <a:p>
             <a:r>
-              <a:rPr lang="en-US" dirty="0" smtClean="0"/>
+              <a:rPr lang="en-US" dirty="0"/>
               <a:t>Core Concept to keep in mind</a:t>
             </a:r>
           </a:p>
           <a:p>
             <a:pPr lvl="1"/>
             <a:r>
-              <a:rPr lang="en-US" i="1" dirty="0" smtClean="0"/>
+              <a:rPr lang="en-US" i="1" dirty="0"/>
               <a:t>Bounded Context</a:t>
             </a:r>
           </a:p>
@@ -9819,13 +13507,6 @@
       </p:transition>
     </mc:Fallback>
   </mc:AlternateContent>
-  <p:timing>
-    <p:tnLst>
-      <p:par>
-        <p:cTn id="1" dur="indefinite" restart="never" nodeType="tmRoot"/>
-      </p:par>
-    </p:tnLst>
-  </p:timing>
 </p:sld>
 </file>
 
@@ -9862,10 +13543,9 @@
           <a:lstStyle/>
           <a:p>
             <a:r>
-              <a:rPr lang="en-US" dirty="0" smtClean="0"/>
+              <a:rPr lang="en-US" dirty="0"/>
               <a:t>My take on DDD – uh, yeah.</a:t>
             </a:r>
-            <a:endParaRPr lang="en-US" dirty="0"/>
           </a:p>
         </p:txBody>
       </p:sp>
@@ -9885,72 +13565,72 @@
           <a:lstStyle/>
           <a:p>
             <a:r>
-              <a:rPr lang="en-US" dirty="0" smtClean="0"/>
+              <a:rPr lang="en-US" dirty="0"/>
               <a:t>Understand, model precisely, communicate, and iterate over the model of a specific </a:t>
             </a:r>
             <a:r>
-              <a:rPr lang="en-US" i="1" dirty="0" smtClean="0">
-                <a:hlinkClick r:id="rId2"/>
+              <a:rPr lang="en-US" i="1" dirty="0">
+                <a:hlinkClick r:id="rId3"/>
               </a:rPr>
               <a:t>bounded context</a:t>
             </a:r>
             <a:r>
-              <a:rPr lang="en-US" dirty="0" smtClean="0"/>
+              <a:rPr lang="en-US" dirty="0"/>
               <a:t>. </a:t>
             </a:r>
           </a:p>
           <a:p>
             <a:r>
-              <a:rPr lang="en-US" dirty="0" smtClean="0"/>
+              <a:rPr lang="en-US" dirty="0"/>
               <a:t>Models abound; </a:t>
             </a:r>
             <a:r>
-              <a:rPr lang="en-US" i="1" dirty="0" smtClean="0"/>
+              <a:rPr lang="en-US" i="1" dirty="0"/>
               <a:t>this</a:t>
             </a:r>
             <a:r>
-              <a:rPr lang="en-US" dirty="0" smtClean="0"/>
+              <a:rPr lang="en-US" dirty="0"/>
               <a:t> model only makes sense in a </a:t>
             </a:r>
             <a:r>
-              <a:rPr lang="en-US" i="1" dirty="0" smtClean="0"/>
+              <a:rPr lang="en-US" i="1" dirty="0"/>
               <a:t>specific context</a:t>
             </a:r>
             <a:r>
-              <a:rPr lang="en-US" dirty="0" smtClean="0"/>
+              <a:rPr lang="en-US" dirty="0"/>
               <a:t>. </a:t>
             </a:r>
           </a:p>
           <a:p>
             <a:r>
-              <a:rPr lang="en-US" dirty="0" smtClean="0"/>
+              <a:rPr lang="en-US" dirty="0"/>
               <a:t>You avoid huge problems if you try to stretch models beyond their context. </a:t>
             </a:r>
           </a:p>
           <a:p>
             <a:pPr lvl="1"/>
             <a:r>
-              <a:rPr lang="en-US" dirty="0" smtClean="0"/>
+              <a:rPr lang="en-US" dirty="0"/>
               <a:t>Example: An address object might have “commonality” but it might </a:t>
             </a:r>
             <a:r>
-              <a:rPr lang="en-US" i="1" dirty="0" smtClean="0"/>
+              <a:rPr lang="en-US" i="1" dirty="0"/>
               <a:t>not, </a:t>
             </a:r>
             <a:r>
-              <a:rPr lang="en-US" dirty="0" smtClean="0"/>
+              <a:rPr lang="en-US" dirty="0"/>
               <a:t>also. But it </a:t>
             </a:r>
             <a:r>
-              <a:rPr lang="en-US" i="1" dirty="0" smtClean="0"/>
+              <a:rPr lang="en-US" i="1" dirty="0"/>
               <a:t>does inside our </a:t>
             </a:r>
             <a:r>
-              <a:rPr lang="en-US" i="1" dirty="0" err="1" smtClean="0"/>
+              <a:rPr lang="en-US" i="1" dirty="0" err="1"/>
               <a:t>microservice</a:t>
             </a:r>
             <a:r>
-              <a:rPr lang="en-US" dirty="0" smtClean="0"/>
+              <a:rPr lang="en-US" dirty="0"/>
               <a:t>.</a:t>
             </a:r>
           </a:p>
@@ -9981,13 +13661,6 @@
       </p:transition>
     </mc:Fallback>
   </mc:AlternateContent>
-  <p:timing>
-    <p:tnLst>
-      <p:par>
-        <p:cTn id="1" dur="indefinite" restart="never" nodeType="tmRoot"/>
-      </p:par>
-    </p:tnLst>
-  </p:timing>
 </p:sld>
 </file>
 
@@ -10024,10 +13697,9 @@
           <a:lstStyle/>
           <a:p>
             <a:r>
-              <a:rPr lang="en-US" dirty="0" smtClean="0"/>
+              <a:rPr lang="en-US" dirty="0"/>
               <a:t>The short version</a:t>
             </a:r>
-            <a:endParaRPr lang="en-US" dirty="0"/>
           </a:p>
         </p:txBody>
       </p:sp>
@@ -10047,30 +13719,29 @@
           <a:lstStyle/>
           <a:p>
             <a:r>
-              <a:rPr lang="en-US" dirty="0" smtClean="0"/>
+              <a:rPr lang="en-US" dirty="0"/>
               <a:t>What a </a:t>
             </a:r>
             <a:r>
-              <a:rPr lang="en-US" dirty="0" err="1" smtClean="0"/>
+              <a:rPr lang="en-US" dirty="0" err="1"/>
               <a:t>microservice</a:t>
             </a:r>
             <a:r>
-              <a:rPr lang="en-US" dirty="0" smtClean="0"/>
+              <a:rPr lang="en-US" dirty="0"/>
               <a:t> architecture is</a:t>
             </a:r>
           </a:p>
           <a:p>
             <a:r>
-              <a:rPr lang="en-US" dirty="0" smtClean="0"/>
+              <a:rPr lang="en-US" dirty="0"/>
               <a:t>Why now</a:t>
             </a:r>
           </a:p>
           <a:p>
             <a:r>
-              <a:rPr lang="en-US" dirty="0" smtClean="0"/>
+              <a:rPr lang="en-US" dirty="0"/>
               <a:t>What you need to know</a:t>
             </a:r>
-            <a:endParaRPr lang="en-US" dirty="0"/>
           </a:p>
         </p:txBody>
       </p:sp>
@@ -10096,13 +13767,6 @@
       </p:transition>
     </mc:Fallback>
   </mc:AlternateContent>
-  <p:timing>
-    <p:tnLst>
-      <p:par>
-        <p:cTn id="1" dur="indefinite" restart="never" nodeType="tmRoot"/>
-      </p:par>
-    </p:tnLst>
-  </p:timing>
 </p:sld>
 </file>
 
@@ -10139,10 +13803,9 @@
           <a:lstStyle/>
           <a:p>
             <a:r>
-              <a:rPr lang="en-US" dirty="0" smtClean="0"/>
+              <a:rPr lang="en-US" dirty="0"/>
               <a:t>My take on DDD, Part Two</a:t>
             </a:r>
-            <a:endParaRPr lang="en-US" dirty="0"/>
           </a:p>
         </p:txBody>
       </p:sp>
@@ -10169,23 +13832,23 @@
           <a:lstStyle/>
           <a:p>
             <a:r>
-              <a:rPr lang="en-US" dirty="0" smtClean="0"/>
+              <a:rPr lang="en-US" dirty="0"/>
               <a:t>There are funny things about the original works and up to and including work on it in 2010.</a:t>
             </a:r>
           </a:p>
           <a:p>
             <a:r>
-              <a:rPr lang="en-US" dirty="0" smtClean="0"/>
+              <a:rPr lang="en-US" dirty="0"/>
               <a:t>Was focused on work done in object-oriented systems, which were hard to scale out. Largest thrust was on scoping down and focusing on controlling inputs and outputs of components (not called “services” originally). </a:t>
             </a:r>
           </a:p>
           <a:p>
             <a:r>
-              <a:rPr lang="en-US" dirty="0" smtClean="0"/>
+              <a:rPr lang="en-US" dirty="0"/>
               <a:t>“services” were mentioned: operations that do not conceptually belong to objects. </a:t>
             </a:r>
             <a:r>
-              <a:rPr lang="en-US" dirty="0" smtClean="0">
+              <a:rPr lang="en-US" dirty="0">
                 <a:sym typeface="Wingdings" panose="05000000000000000000" pitchFamily="2" charset="2"/>
               </a:rPr>
               <a:t></a:t>
@@ -10193,31 +13856,31 @@
           </a:p>
           <a:p>
             <a:r>
-              <a:rPr lang="en-US" dirty="0" smtClean="0">
+              <a:rPr lang="en-US" dirty="0">
                 <a:sym typeface="Wingdings" panose="05000000000000000000" pitchFamily="2" charset="2"/>
               </a:rPr>
               <a:t>Microsoft’s take in </a:t>
             </a:r>
             <a:r>
-              <a:rPr lang="en-US" dirty="0" smtClean="0">
+              <a:rPr lang="en-US" dirty="0">
                 <a:sym typeface="Wingdings" panose="05000000000000000000" pitchFamily="2" charset="2"/>
-                <a:hlinkClick r:id="rId2"/>
+                <a:hlinkClick r:id="rId3"/>
               </a:rPr>
               <a:t>2009 guidance</a:t>
             </a:r>
             <a:r>
-              <a:rPr lang="en-US" dirty="0" smtClean="0">
+              <a:rPr lang="en-US" dirty="0">
                 <a:sym typeface="Wingdings" panose="05000000000000000000" pitchFamily="2" charset="2"/>
               </a:rPr>
               <a:t>:</a:t>
             </a:r>
             <a:br>
-              <a:rPr lang="en-US" dirty="0" smtClean="0">
+              <a:rPr lang="en-US" dirty="0">
                 <a:sym typeface="Wingdings" panose="05000000000000000000" pitchFamily="2" charset="2"/>
               </a:rPr>
             </a:br>
             <a:r>
-              <a:rPr lang="en-US" sz="1300" dirty="0" smtClean="0">
+              <a:rPr lang="en-US" sz="1300" dirty="0">
                 <a:sym typeface="Wingdings" panose="05000000000000000000" pitchFamily="2" charset="2"/>
               </a:rPr>
               <a:t>“</a:t>
@@ -10236,22 +13899,10 @@
             </a:r>
             <a:r>
               <a:rPr lang="en-US" sz="1300" dirty="0"/>
-              <a:t>, and in the formulation of a </a:t>
-            </a:r>
-            <a:r>
-              <a:rPr lang="en-US" sz="1300" dirty="0" smtClean="0"/>
-              <a:t>common </a:t>
-            </a:r>
-            <a:r>
-              <a:rPr lang="en-US" sz="1300" dirty="0"/>
-              <a:t>understanding of the domain</a:t>
-            </a:r>
-            <a:r>
-              <a:rPr lang="en-US" sz="1300" dirty="0" smtClean="0"/>
-              <a:t>.</a:t>
-            </a:r>
-            <a:r>
-              <a:rPr lang="en-US" sz="1300" dirty="0" smtClean="0">
+              <a:t>, and in the formulation of a common understanding of the domain.</a:t>
+            </a:r>
+            <a:r>
+              <a:rPr lang="en-US" sz="1300" dirty="0">
                 <a:sym typeface="Wingdings" panose="05000000000000000000" pitchFamily="2" charset="2"/>
               </a:rPr>
               <a:t>”</a:t>
@@ -10281,13 +13932,6 @@
       </p:transition>
     </mc:Fallback>
   </mc:AlternateContent>
-  <p:timing>
-    <p:tnLst>
-      <p:par>
-        <p:cTn id="1" dur="indefinite" restart="never" nodeType="tmRoot"/>
-      </p:par>
-    </p:tnLst>
-  </p:timing>
 </p:sld>
 </file>
 
@@ -10324,10 +13968,9 @@
           <a:lstStyle/>
           <a:p>
             <a:r>
-              <a:rPr lang="en-US" dirty="0" smtClean="0"/>
+              <a:rPr lang="en-US" dirty="0"/>
               <a:t>My take on DDD, Part Three</a:t>
             </a:r>
-            <a:endParaRPr lang="en-US" dirty="0"/>
           </a:p>
         </p:txBody>
       </p:sp>
@@ -10392,24 +14035,23 @@
           </a:p>
           <a:p>
             <a:r>
-              <a:rPr lang="en-US" dirty="0" smtClean="0"/>
+              <a:rPr lang="en-US" dirty="0"/>
               <a:t>Performing your work this way leads you directly into a strong consideration of another approach, Command Query Responsibility Segregation (CQRS), which is an approach that firmly keeps read requests separate from write requests. </a:t>
             </a:r>
           </a:p>
           <a:p>
             <a:r>
-              <a:rPr lang="en-US" dirty="0" smtClean="0"/>
+              <a:rPr lang="en-US" dirty="0"/>
               <a:t>Finally, note that DDD </a:t>
             </a:r>
             <a:r>
-              <a:rPr lang="en-US" i="1" dirty="0" smtClean="0"/>
+              <a:rPr lang="en-US" i="1" dirty="0"/>
               <a:t>says nothing about persistence</a:t>
             </a:r>
             <a:r>
-              <a:rPr lang="en-US" dirty="0" smtClean="0"/>
+              <a:rPr lang="en-US" dirty="0"/>
               <a:t>. That is not part of “the model”.</a:t>
             </a:r>
-            <a:endParaRPr lang="en-US" dirty="0"/>
           </a:p>
         </p:txBody>
       </p:sp>
@@ -10435,13 +14077,6 @@
       </p:transition>
     </mc:Fallback>
   </mc:AlternateContent>
-  <p:timing>
-    <p:tnLst>
-      <p:par>
-        <p:cTn id="1" dur="indefinite" restart="never" nodeType="tmRoot"/>
-      </p:par>
-    </p:tnLst>
-  </p:timing>
 </p:sld>
 </file>
 
@@ -10478,18 +14113,17 @@
           <a:lstStyle/>
           <a:p>
             <a:r>
-              <a:rPr lang="en-US" dirty="0" smtClean="0"/>
+              <a:rPr lang="en-US" dirty="0"/>
               <a:t>Things to </a:t>
             </a:r>
             <a:r>
-              <a:rPr lang="en-US" dirty="0" err="1" smtClean="0"/>
+              <a:rPr lang="en-US" dirty="0" err="1"/>
               <a:t>grok</a:t>
             </a:r>
             <a:r>
-              <a:rPr lang="en-US" dirty="0" smtClean="0"/>
+              <a:rPr lang="en-US" dirty="0"/>
               <a:t>: Don’t order the code</a:t>
             </a:r>
-            <a:endParaRPr lang="en-US" dirty="0"/>
           </a:p>
         </p:txBody>
       </p:sp>
@@ -10512,76 +14146,71 @@
           <a:p>
             <a:r>
               <a:rPr lang="en-US" dirty="0"/>
-              <a:t>Never tell the team how to build the service from the point of view of another service</a:t>
-            </a:r>
-            <a:r>
-              <a:rPr lang="en-US" dirty="0" smtClean="0"/>
-              <a:t>. Don’t systematize on libraries or code across services.</a:t>
-            </a:r>
-            <a:endParaRPr lang="en-US" dirty="0"/>
-          </a:p>
-          <a:p>
-            <a:r>
-              <a:rPr lang="en-US" dirty="0" smtClean="0"/>
+              <a:t>Never tell the team how to build the service from the point of view of another service. Don’t systematize on libraries or code across services.</a:t>
+            </a:r>
+          </a:p>
+          <a:p>
+            <a:r>
+              <a:rPr lang="en-US" dirty="0"/>
               <a:t>C++ is great</a:t>
             </a:r>
           </a:p>
           <a:p>
             <a:r>
-              <a:rPr lang="en-US" dirty="0" smtClean="0"/>
+              <a:rPr lang="en-US" dirty="0"/>
               <a:t>Python is lovely</a:t>
             </a:r>
           </a:p>
           <a:p>
             <a:r>
-              <a:rPr lang="en-US" dirty="0" err="1" smtClean="0"/>
+              <a:rPr lang="en-US" dirty="0" err="1"/>
               <a:t>Javascript</a:t>
             </a:r>
             <a:r>
-              <a:rPr lang="en-US" dirty="0" smtClean="0"/>
+              <a:rPr lang="en-US" dirty="0"/>
               <a:t> even better</a:t>
             </a:r>
           </a:p>
           <a:p>
             <a:r>
-              <a:rPr lang="en-US" dirty="0" smtClean="0"/>
+              <a:rPr lang="en-US" dirty="0"/>
               <a:t>Haskell – sure, why not</a:t>
             </a:r>
           </a:p>
           <a:p>
             <a:r>
-              <a:rPr lang="en-US" dirty="0" smtClean="0"/>
+              <a:rPr lang="en-US" dirty="0"/>
               <a:t>We’re big fans of C#...</a:t>
             </a:r>
           </a:p>
           <a:p>
             <a:r>
-              <a:rPr lang="en-US" dirty="0" smtClean="0"/>
+              <a:rPr lang="en-US" dirty="0"/>
               <a:t>YOU. DO. NOT. CARE. </a:t>
             </a:r>
           </a:p>
           <a:p>
             <a:pPr lvl="1"/>
             <a:r>
-              <a:rPr lang="en-US" dirty="0" smtClean="0"/>
+              <a:rPr lang="en-US" dirty="0"/>
               <a:t>If the inputs, outputs, throughput, and failure rates are met, it’s gold. They get power, </a:t>
             </a:r>
             <a:r>
-              <a:rPr lang="en-US" i="1" dirty="0" smtClean="0"/>
+              <a:rPr lang="en-US" i="1" dirty="0"/>
               <a:t>and the responsibility that comes with it</a:t>
             </a:r>
             <a:r>
-              <a:rPr lang="en-US" dirty="0" smtClean="0"/>
+              <a:rPr lang="en-US" dirty="0"/>
               <a:t>.</a:t>
             </a:r>
           </a:p>
           <a:p>
             <a:r>
-              <a:rPr lang="en-US" dirty="0" smtClean="0"/>
+              <a:rPr lang="en-US" dirty="0"/>
               <a:t>But they’ll need your guidance. </a:t>
             </a:r>
             <a:r>
-              <a:rPr lang="en-US" dirty="0" smtClean="0">
+              <a:rPr lang="en-US" dirty="0">
                 <a:sym typeface="Wingdings" panose="05000000000000000000" pitchFamily="2" charset="2"/>
               </a:rPr>
               <a:t></a:t>
@@ -11212,18 +14841,17 @@
           <a:lstStyle/>
           <a:p>
             <a:r>
-              <a:rPr lang="en-US" dirty="0" smtClean="0"/>
+              <a:rPr lang="en-US" dirty="0"/>
               <a:t>Thing to </a:t>
             </a:r>
             <a:r>
-              <a:rPr lang="en-US" dirty="0" err="1" smtClean="0"/>
+              <a:rPr lang="en-US" dirty="0" err="1"/>
               <a:t>grok</a:t>
             </a:r>
             <a:r>
-              <a:rPr lang="en-US" dirty="0" smtClean="0"/>
+              <a:rPr lang="en-US" dirty="0"/>
               <a:t>: Throw it away, NOW.	</a:t>
             </a:r>
-            <a:endParaRPr lang="en-US" dirty="0"/>
           </a:p>
         </p:txBody>
       </p:sp>
@@ -11243,17 +14871,16 @@
           <a:lstStyle/>
           <a:p>
             <a:r>
-              <a:rPr lang="en-US" dirty="0" smtClean="0"/>
+              <a:rPr lang="en-US" dirty="0"/>
               <a:t>If the point of a bunch of services is independence and the ability to survive errors, then when there’s an error, collect what you need and throw it away. </a:t>
             </a:r>
           </a:p>
           <a:p>
             <a:pPr lvl="1"/>
             <a:r>
-              <a:rPr lang="en-US" dirty="0" smtClean="0"/>
+              <a:rPr lang="en-US" dirty="0"/>
               <a:t>NEVER connect to a service to manually debug. What are you thinking?</a:t>
             </a:r>
-            <a:endParaRPr lang="en-US" dirty="0"/>
           </a:p>
         </p:txBody>
       </p:sp>
@@ -11279,13 +14906,6 @@
       </p:transition>
     </mc:Fallback>
   </mc:AlternateContent>
-  <p:timing>
-    <p:tnLst>
-      <p:par>
-        <p:cTn id="1" dur="indefinite" restart="never" nodeType="tmRoot"/>
-      </p:par>
-    </p:tnLst>
-  </p:timing>
 </p:sld>
 </file>
 
@@ -11327,10 +14947,9 @@
           <a:lstStyle/>
           <a:p>
             <a:r>
-              <a:rPr lang="en-US" dirty="0" smtClean="0"/>
+              <a:rPr lang="en-US" dirty="0"/>
               <a:t>Digression: You cannot stop entropy!!</a:t>
             </a:r>
-            <a:endParaRPr lang="en-US" dirty="0"/>
           </a:p>
         </p:txBody>
       </p:sp>
@@ -11357,99 +14976,90 @@
           <a:lstStyle/>
           <a:p>
             <a:r>
-              <a:rPr lang="en-US" dirty="0" smtClean="0"/>
+              <a:rPr lang="en-US" dirty="0"/>
               <a:t>The universe tends to disorder and chaos. Work </a:t>
             </a:r>
             <a:r>
-              <a:rPr lang="en-US" i="1" dirty="0" smtClean="0"/>
+              <a:rPr lang="en-US" i="1" dirty="0"/>
               <a:t>with it</a:t>
             </a:r>
             <a:r>
-              <a:rPr lang="en-US" dirty="0" smtClean="0"/>
+              <a:rPr lang="en-US" dirty="0"/>
               <a:t>, not </a:t>
             </a:r>
             <a:r>
-              <a:rPr lang="en-US" i="1" dirty="0" smtClean="0"/>
+              <a:rPr lang="en-US" i="1" dirty="0"/>
               <a:t>against it</a:t>
             </a:r>
             <a:r>
-              <a:rPr lang="en-US" dirty="0" smtClean="0"/>
+              <a:rPr lang="en-US" dirty="0"/>
               <a:t>.</a:t>
             </a:r>
           </a:p>
           <a:p>
             <a:pPr lvl="1"/>
             <a:r>
-              <a:rPr lang="en-US" dirty="0" smtClean="0">
-                <a:hlinkClick r:id="rId2"/>
+              <a:rPr lang="en-US" dirty="0">
+                <a:hlinkClick r:id="rId3"/>
               </a:rPr>
               <a:t>Information: A History</a:t>
             </a:r>
-            <a:endParaRPr lang="en-US" dirty="0" smtClean="0"/>
+            <a:endParaRPr lang="en-US" dirty="0"/>
           </a:p>
           <a:p>
             <a:pPr lvl="1"/>
             <a:r>
-              <a:rPr lang="en-US" dirty="0" err="1" smtClean="0">
-                <a:hlinkClick r:id="rId3"/>
+              <a:rPr lang="en-US" dirty="0" err="1">
+                <a:hlinkClick r:id="rId4"/>
               </a:rPr>
               <a:t>Antifragile</a:t>
             </a:r>
             <a:r>
-              <a:rPr lang="en-US" dirty="0" smtClean="0">
-                <a:hlinkClick r:id="rId3"/>
+              <a:rPr lang="en-US" dirty="0">
+                <a:hlinkClick r:id="rId4"/>
               </a:rPr>
               <a:t>: Things that Gain From Disorder</a:t>
             </a:r>
             <a:r>
-              <a:rPr lang="en-US" dirty="0" smtClean="0"/>
+              <a:rPr lang="en-US" dirty="0"/>
               <a:t> </a:t>
             </a:r>
-            <a:endParaRPr lang="en-US" dirty="0" smtClean="0"/>
-          </a:p>
-          <a:p>
-            <a:r>
-              <a:rPr lang="en-US" dirty="0" smtClean="0"/>
+          </a:p>
+          <a:p>
+            <a:r>
+              <a:rPr lang="en-US" dirty="0"/>
               <a:t>Rental computers break. Software on rented computers has bugs</a:t>
             </a:r>
           </a:p>
           <a:p>
             <a:pPr lvl="1"/>
             <a:r>
-              <a:rPr lang="en-US" dirty="0" smtClean="0"/>
+              <a:rPr lang="en-US" dirty="0"/>
               <a:t>Thus: Bic </a:t>
             </a:r>
             <a:r>
-              <a:rPr lang="en-US" dirty="0" err="1" smtClean="0"/>
+              <a:rPr lang="en-US" dirty="0" err="1"/>
               <a:t>diposable</a:t>
             </a:r>
             <a:r>
-              <a:rPr lang="en-US" dirty="0" smtClean="0"/>
+              <a:rPr lang="en-US" dirty="0"/>
               <a:t> services! (Does everyone know </a:t>
             </a:r>
             <a:r>
               <a:rPr lang="en-US" i="1" dirty="0" err="1">
-                <a:hlinkClick r:id="rId4" tooltip="Société Bic"/>
+                <a:hlinkClick r:id="rId5" tooltip="Société Bic"/>
               </a:rPr>
               <a:t>Société</a:t>
             </a:r>
             <a:r>
               <a:rPr lang="en-US" i="1" dirty="0">
-                <a:hlinkClick r:id="rId4" tooltip="Société Bic"/>
+                <a:hlinkClick r:id="rId5" tooltip="Société Bic"/>
               </a:rPr>
               <a:t> Bic</a:t>
             </a:r>
             <a:r>
-              <a:rPr lang="en-US" dirty="0" smtClean="0"/>
-              <a:t>? </a:t>
-            </a:r>
-            <a:r>
-              <a:rPr lang="en-US" dirty="0" smtClean="0"/>
-              <a:t>Most famous French company in the United States that no one knows it’s French</a:t>
-            </a:r>
-            <a:r>
-              <a:rPr lang="en-US" dirty="0" smtClean="0"/>
-              <a:t>.)</a:t>
+              <a:rPr lang="en-US" dirty="0"/>
+              <a:t>? Most famous French company in the United States that no one knows it’s French.)</a:t>
             </a:r>
           </a:p>
           <a:p>
@@ -11484,13 +15094,13 @@
             </a:r>
             <a:r>
               <a:rPr lang="en-US" i="1" dirty="0" err="1">
-                <a:hlinkClick r:id="rId4" tooltip="Société Bic"/>
+                <a:hlinkClick r:id="rId5" tooltip="Société Bic"/>
               </a:rPr>
               <a:t>Société</a:t>
             </a:r>
             <a:r>
               <a:rPr lang="en-US" i="1" dirty="0">
-                <a:hlinkClick r:id="rId4" tooltip="Société Bic"/>
+                <a:hlinkClick r:id="rId5" tooltip="Société Bic"/>
               </a:rPr>
               <a:t> Bic</a:t>
             </a:r>
@@ -11498,37 +15108,35 @@
               <a:rPr lang="en-US" dirty="0"/>
               <a:t>).”</a:t>
             </a:r>
-            <a:endParaRPr lang="en-US" dirty="0" smtClean="0"/>
-          </a:p>
-          <a:p>
-            <a:r>
-              <a:rPr lang="en-US" dirty="0" smtClean="0"/>
+          </a:p>
+          <a:p>
+            <a:r>
+              <a:rPr lang="en-US" dirty="0"/>
               <a:t>Designed well, the most you’ll lose is ongoing processing state; perhaps one user might have to retry something… at scale, that’s just fine.</a:t>
             </a:r>
           </a:p>
           <a:p>
             <a:pPr lvl="1"/>
             <a:r>
-              <a:rPr lang="en-US" dirty="0" smtClean="0"/>
+              <a:rPr lang="en-US" dirty="0"/>
               <a:t>Caveat: </a:t>
             </a:r>
             <a:r>
-              <a:rPr lang="en-US" dirty="0" err="1" smtClean="0"/>
+              <a:rPr lang="en-US" dirty="0" err="1"/>
               <a:t>stateful</a:t>
             </a:r>
             <a:r>
-              <a:rPr lang="en-US" dirty="0" smtClean="0"/>
+              <a:rPr lang="en-US" dirty="0"/>
               <a:t> services like </a:t>
             </a:r>
             <a:r>
-              <a:rPr lang="en-US" dirty="0" err="1" smtClean="0"/>
+              <a:rPr lang="en-US" dirty="0" err="1"/>
               <a:t>db</a:t>
             </a:r>
             <a:r>
-              <a:rPr lang="en-US" dirty="0" smtClean="0"/>
+              <a:rPr lang="en-US" dirty="0"/>
               <a:t> services will of course be designed to high-availability and failover in and of themselves, so even they can be torched individually in the worst cases.</a:t>
             </a:r>
-            <a:endParaRPr lang="en-US" dirty="0"/>
           </a:p>
         </p:txBody>
       </p:sp>
@@ -12005,6 +15613,112 @@
           <a:chExt cx="0" cy="0"/>
         </a:xfrm>
       </p:grpSpPr>
+      <p:pic>
+        <p:nvPicPr>
+          <p:cNvPr id="1026" name="Picture 2"/>
+          <p:cNvPicPr>
+            <a:picLocks noChangeAspect="1" noChangeArrowheads="1"/>
+          </p:cNvPicPr>
+          <p:nvPr/>
+        </p:nvPicPr>
+        <p:blipFill>
+          <a:blip r:embed="rId3">
+            <a:extLst>
+              <a:ext uri="{28A0092B-C50C-407E-A947-70E740481C1C}">
+                <a14:useLocalDpi xmlns:a14="http://schemas.microsoft.com/office/drawing/2010/main" val="0"/>
+              </a:ext>
+            </a:extLst>
+          </a:blip>
+          <a:srcRect/>
+          <a:stretch>
+            <a:fillRect/>
+          </a:stretch>
+        </p:blipFill>
+        <p:spPr bwMode="auto">
+          <a:xfrm>
+            <a:off x="1652589" y="442914"/>
+            <a:ext cx="8886825" cy="5972175"/>
+          </a:xfrm>
+          <a:prstGeom prst="rect">
+            <a:avLst/>
+          </a:prstGeom>
+          <a:noFill/>
+          <a:ln>
+            <a:noFill/>
+          </a:ln>
+          <a:effectLst/>
+          <a:extLst>
+            <a:ext uri="{909E8E84-426E-40DD-AFC4-6F175D3DCCD1}">
+              <a14:hiddenFill xmlns:a14="http://schemas.microsoft.com/office/drawing/2010/main">
+                <a:solidFill>
+                  <a:schemeClr val="accent1"/>
+                </a:solidFill>
+              </a14:hiddenFill>
+            </a:ext>
+            <a:ext uri="{91240B29-F687-4F45-9708-019B960494DF}">
+              <a14:hiddenLine xmlns:a14="http://schemas.microsoft.com/office/drawing/2010/main" w="9525">
+                <a:solidFill>
+                  <a:schemeClr val="tx1"/>
+                </a:solidFill>
+                <a:miter lim="800000"/>
+                <a:headEnd/>
+                <a:tailEnd/>
+              </a14:hiddenLine>
+            </a:ext>
+            <a:ext uri="{AF507438-7753-43E0-B8FC-AC1667EBCBE1}">
+              <a14:hiddenEffects xmlns:a14="http://schemas.microsoft.com/office/drawing/2010/main">
+                <a:effectLst>
+                  <a:outerShdw dist="35921" dir="2700000" algn="ctr" rotWithShape="0">
+                    <a:schemeClr val="bg2"/>
+                  </a:outerShdw>
+                </a:effectLst>
+              </a14:hiddenEffects>
+            </a:ext>
+          </a:extLst>
+        </p:spPr>
+      </p:pic>
+    </p:spTree>
+    <p:extLst>
+      <p:ext uri="{BB962C8B-B14F-4D97-AF65-F5344CB8AC3E}">
+        <p14:creationId xmlns:p14="http://schemas.microsoft.com/office/powerpoint/2010/main" val="1606358278"/>
+      </p:ext>
+    </p:extLst>
+  </p:cSld>
+  <p:clrMapOvr>
+    <a:masterClrMapping/>
+  </p:clrMapOvr>
+  <mc:AlternateContent xmlns:mc="http://schemas.openxmlformats.org/markup-compatibility/2006" xmlns:p14="http://schemas.microsoft.com/office/powerpoint/2010/main">
+    <mc:Choice Requires="p14">
+      <p:transition spd="med" p14:dur="700">
+        <p:fade/>
+      </p:transition>
+    </mc:Choice>
+    <mc:Fallback xmlns="">
+      <p:transition spd="med">
+        <p:fade/>
+      </p:transition>
+    </mc:Fallback>
+  </mc:AlternateContent>
+</p:sld>
+</file>
+
+<file path=ppt/slides/slide26.xml><?xml version="1.0" encoding="utf-8"?>
+<p:sld xmlns:a="http://schemas.openxmlformats.org/drawingml/2006/main" xmlns:r="http://schemas.openxmlformats.org/officeDocument/2006/relationships" xmlns:p="http://schemas.openxmlformats.org/presentationml/2006/main">
+  <p:cSld>
+    <p:spTree>
+      <p:nvGrpSpPr>
+        <p:cNvPr id="1" name=""/>
+        <p:cNvGrpSpPr/>
+        <p:nvPr/>
+      </p:nvGrpSpPr>
+      <p:grpSpPr>
+        <a:xfrm>
+          <a:off x="0" y="0"/>
+          <a:ext cx="0" cy="0"/>
+          <a:chOff x="0" y="0"/>
+          <a:chExt cx="0" cy="0"/>
+        </a:xfrm>
+      </p:grpSpPr>
       <p:sp>
         <p:nvSpPr>
           <p:cNvPr id="2" name="Title 1"/>
@@ -12021,10 +15735,9 @@
           <a:lstStyle/>
           <a:p>
             <a:r>
-              <a:rPr lang="en-US" dirty="0" smtClean="0"/>
+              <a:rPr lang="en-US" dirty="0"/>
               <a:t>Point: if things fail, design for failure</a:t>
             </a:r>
-            <a:endParaRPr lang="en-US" dirty="0"/>
           </a:p>
         </p:txBody>
       </p:sp>
@@ -12044,15 +15757,15 @@
           <a:lstStyle/>
           <a:p>
             <a:r>
-              <a:rPr lang="en-US" dirty="0" smtClean="0"/>
+              <a:rPr lang="en-US" dirty="0"/>
               <a:t>Story: disks fail constantly. In a datacenter, disk are </a:t>
             </a:r>
             <a:r>
-              <a:rPr lang="en-US" i="1" dirty="0" smtClean="0"/>
+              <a:rPr lang="en-US" i="1" dirty="0"/>
               <a:t>constantly failing</a:t>
             </a:r>
             <a:r>
-              <a:rPr lang="en-US" dirty="0" smtClean="0"/>
+              <a:rPr lang="en-US" dirty="0"/>
               <a:t>. You should expect that each component of your application could hit that disk at any time. Your components should think that’s normal – it’ll happen to them.</a:t>
             </a:r>
           </a:p>
@@ -12080,17 +15793,10 @@
       </p:transition>
     </mc:Fallback>
   </mc:AlternateContent>
-  <p:timing>
-    <p:tnLst>
-      <p:par>
-        <p:cTn id="1" dur="indefinite" restart="never" nodeType="tmRoot"/>
-      </p:par>
-    </p:tnLst>
-  </p:timing>
 </p:sld>
 </file>
 
-<file path=ppt/slides/slide26.xml><?xml version="1.0" encoding="utf-8"?>
+<file path=ppt/slides/slide27.xml><?xml version="1.0" encoding="utf-8"?>
 <p:sld xmlns:a="http://schemas.openxmlformats.org/drawingml/2006/main" xmlns:r="http://schemas.openxmlformats.org/officeDocument/2006/relationships" xmlns:p="http://schemas.openxmlformats.org/presentationml/2006/main">
   <p:cSld>
     <p:spTree>
@@ -12123,10 +15829,9 @@
           <a:lstStyle/>
           <a:p>
             <a:r>
-              <a:rPr lang="en-US" dirty="0" smtClean="0"/>
+              <a:rPr lang="en-US" dirty="0"/>
               <a:t>Point: Do you wash your rental car? </a:t>
             </a:r>
-            <a:endParaRPr lang="en-US" dirty="0"/>
           </a:p>
         </p:txBody>
       </p:sp>
@@ -12146,94 +15851,93 @@
           <a:lstStyle/>
           <a:p>
             <a:r>
-              <a:rPr lang="en-US" dirty="0" smtClean="0"/>
+              <a:rPr lang="en-US" dirty="0"/>
               <a:t>I didn’t think so….</a:t>
             </a:r>
           </a:p>
           <a:p>
             <a:r>
-              <a:rPr lang="en-US" dirty="0" smtClean="0"/>
+              <a:rPr lang="en-US" dirty="0"/>
               <a:t>So, if you’re renting computers, why don’t you burn them up?</a:t>
             </a:r>
           </a:p>
           <a:p>
             <a:r>
-              <a:rPr lang="en-US" dirty="0" smtClean="0"/>
+              <a:rPr lang="en-US" dirty="0"/>
               <a:t>RUN YOUR MACHINERY HARD. </a:t>
             </a:r>
           </a:p>
           <a:p>
             <a:pPr lvl="1"/>
             <a:r>
-              <a:rPr lang="en-US" dirty="0" smtClean="0"/>
+              <a:rPr lang="en-US" dirty="0"/>
               <a:t>Containers</a:t>
             </a:r>
           </a:p>
           <a:p>
             <a:pPr lvl="1"/>
             <a:r>
-              <a:rPr lang="en-US" dirty="0" smtClean="0"/>
+              <a:rPr lang="en-US" dirty="0"/>
               <a:t>Chaos Monkey</a:t>
             </a:r>
           </a:p>
           <a:p>
             <a:pPr lvl="1"/>
             <a:r>
-              <a:rPr lang="en-US" dirty="0" smtClean="0"/>
+              <a:rPr lang="en-US" dirty="0"/>
               <a:t>Failure detection</a:t>
             </a:r>
           </a:p>
           <a:p>
             <a:pPr lvl="1"/>
             <a:r>
-              <a:rPr lang="en-US" dirty="0" smtClean="0"/>
+              <a:rPr lang="en-US" dirty="0"/>
               <a:t>STORAGE strategy: distributed </a:t>
             </a:r>
             <a:r>
-              <a:rPr lang="en-US" dirty="0" err="1" smtClean="0"/>
+              <a:rPr lang="en-US" dirty="0" err="1"/>
               <a:t>redis</a:t>
             </a:r>
             <a:r>
-              <a:rPr lang="en-US" dirty="0" smtClean="0"/>
+              <a:rPr lang="en-US" dirty="0"/>
               <a:t> into blobs, </a:t>
             </a:r>
             <a:r>
-              <a:rPr lang="en-US" dirty="0" err="1" smtClean="0"/>
+              <a:rPr lang="en-US" dirty="0" err="1"/>
               <a:t>json</a:t>
             </a:r>
             <a:r>
-              <a:rPr lang="en-US" dirty="0" smtClean="0"/>
+              <a:rPr lang="en-US" dirty="0"/>
               <a:t> blobs (“documents” -- </a:t>
             </a:r>
             <a:r>
-              <a:rPr lang="en-US" dirty="0" err="1" smtClean="0"/>
+              <a:rPr lang="en-US" dirty="0" err="1"/>
               <a:t>mongodb</a:t>
             </a:r>
             <a:r>
-              <a:rPr lang="en-US" dirty="0" smtClean="0"/>
+              <a:rPr lang="en-US" dirty="0"/>
               <a:t>) and </a:t>
             </a:r>
             <a:r>
-              <a:rPr lang="en-US" dirty="0" err="1" smtClean="0"/>
+              <a:rPr lang="en-US" dirty="0" err="1"/>
               <a:t>sql</a:t>
             </a:r>
             <a:r>
-              <a:rPr lang="en-US" dirty="0" smtClean="0"/>
+              <a:rPr lang="en-US" dirty="0"/>
               <a:t> </a:t>
             </a:r>
             <a:r>
-              <a:rPr lang="en-US" dirty="0" err="1" smtClean="0"/>
+              <a:rPr lang="en-US" dirty="0" err="1"/>
               <a:t>backends</a:t>
             </a:r>
-            <a:endParaRPr lang="en-US" dirty="0" smtClean="0"/>
+            <a:endParaRPr lang="en-US" dirty="0"/>
           </a:p>
           <a:p>
             <a:pPr lvl="1"/>
             <a:r>
-              <a:rPr lang="en-US" dirty="0" smtClean="0"/>
+              <a:rPr lang="en-US" dirty="0"/>
               <a:t>Etc.</a:t>
             </a:r>
-            <a:endParaRPr lang="en-US" dirty="0"/>
           </a:p>
         </p:txBody>
       </p:sp>
@@ -12693,78 +16397,6 @@
 </p:sld>
 </file>
 
-<file path=ppt/slides/slide27.xml><?xml version="1.0" encoding="utf-8"?>
-<p:sld xmlns:a="http://schemas.openxmlformats.org/drawingml/2006/main" xmlns:r="http://schemas.openxmlformats.org/officeDocument/2006/relationships" xmlns:p="http://schemas.openxmlformats.org/presentationml/2006/main">
-  <p:cSld>
-    <p:spTree>
-      <p:nvGrpSpPr>
-        <p:cNvPr id="1" name=""/>
-        <p:cNvGrpSpPr/>
-        <p:nvPr/>
-      </p:nvGrpSpPr>
-      <p:grpSpPr>
-        <a:xfrm>
-          <a:off x="0" y="0"/>
-          <a:ext cx="0" cy="0"/>
-          <a:chOff x="0" y="0"/>
-          <a:chExt cx="0" cy="0"/>
-        </a:xfrm>
-      </p:grpSpPr>
-      <p:sp>
-        <p:nvSpPr>
-          <p:cNvPr id="2" name="Title 1"/>
-          <p:cNvSpPr>
-            <a:spLocks noGrp="1"/>
-          </p:cNvSpPr>
-          <p:nvPr>
-            <p:ph type="title"/>
-          </p:nvPr>
-        </p:nvSpPr>
-        <p:spPr/>
-        <p:txBody>
-          <a:bodyPr/>
-          <a:lstStyle/>
-          <a:p>
-            <a:r>
-              <a:rPr lang="en-US" dirty="0" smtClean="0"/>
-              <a:t>Point: Do worry that your rental car has a problem, or drop it and get a new one? </a:t>
-            </a:r>
-            <a:endParaRPr lang="en-US" dirty="0"/>
-          </a:p>
-        </p:txBody>
-      </p:sp>
-    </p:spTree>
-    <p:extLst>
-      <p:ext uri="{BB962C8B-B14F-4D97-AF65-F5344CB8AC3E}">
-        <p14:creationId xmlns:p14="http://schemas.microsoft.com/office/powerpoint/2010/main" val="1432442224"/>
-      </p:ext>
-    </p:extLst>
-  </p:cSld>
-  <p:clrMapOvr>
-    <a:masterClrMapping/>
-  </p:clrMapOvr>
-  <mc:AlternateContent xmlns:mc="http://schemas.openxmlformats.org/markup-compatibility/2006" xmlns:p14="http://schemas.microsoft.com/office/powerpoint/2010/main">
-    <mc:Choice Requires="p14">
-      <p:transition spd="med" p14:dur="700">
-        <p:fade/>
-      </p:transition>
-    </mc:Choice>
-    <mc:Fallback xmlns="">
-      <p:transition spd="med">
-        <p:fade/>
-      </p:transition>
-    </mc:Fallback>
-  </mc:AlternateContent>
-  <p:timing>
-    <p:tnLst>
-      <p:par>
-        <p:cTn id="1" dur="indefinite" restart="never" nodeType="tmRoot"/>
-      </p:par>
-    </p:tnLst>
-  </p:timing>
-</p:sld>
-</file>
-
 <file path=ppt/slides/slide28.xml><?xml version="1.0" encoding="utf-8"?>
 <p:sld xmlns:a="http://schemas.openxmlformats.org/drawingml/2006/main" xmlns:r="http://schemas.openxmlformats.org/officeDocument/2006/relationships" xmlns:p="http://schemas.openxmlformats.org/presentationml/2006/main">
   <p:cSld>
@@ -12798,353 +16430,9 @@
           <a:lstStyle/>
           <a:p>
             <a:r>
-              <a:rPr lang="en-US" dirty="0" smtClean="0"/>
-              <a:t>Point: </a:t>
-            </a:r>
-            <a:r>
-              <a:rPr lang="en-US" dirty="0"/>
-              <a:t>Do worry that your rental car has a problem, or drop it and get a new one? </a:t>
-            </a:r>
-          </a:p>
-        </p:txBody>
-      </p:sp>
-      <p:sp>
-        <p:nvSpPr>
-          <p:cNvPr id="5" name="Content Placeholder 2"/>
-          <p:cNvSpPr txBox="1">
-            <a:spLocks/>
-          </p:cNvSpPr>
-          <p:nvPr/>
-        </p:nvSpPr>
-        <p:spPr>
-          <a:xfrm>
-            <a:off x="1215955" y="2662519"/>
-            <a:ext cx="8946541" cy="4195481"/>
-          </a:xfrm>
-          <a:prstGeom prst="rect">
-            <a:avLst/>
-          </a:prstGeom>
-        </p:spPr>
-        <p:txBody>
-          <a:bodyPr vert="horz" lIns="91440" tIns="45720" rIns="91440" bIns="45720" rtlCol="0">
-            <a:normAutofit/>
-          </a:bodyPr>
-          <a:lstStyle>
-            <a:lvl1pPr marL="342900" indent="-342900" algn="l" defTabSz="457200" rtl="0" eaLnBrk="1" latinLnBrk="0" hangingPunct="1">
-              <a:spcBef>
-                <a:spcPts val="1000"/>
-              </a:spcBef>
-              <a:spcAft>
-                <a:spcPts val="0"/>
-              </a:spcAft>
-              <a:buClr>
-                <a:schemeClr val="bg2">
-                  <a:lumMod val="40000"/>
-                  <a:lumOff val="60000"/>
-                </a:schemeClr>
-              </a:buClr>
-              <a:buSzPct val="80000"/>
-              <a:buFont typeface="Wingdings 3" charset="2"/>
-              <a:buChar char=""/>
-              <a:defRPr sz="2000" b="0" i="0" kern="1200">
-                <a:solidFill>
-                  <a:schemeClr val="tx1"/>
-                </a:solidFill>
-                <a:latin typeface="+mj-lt"/>
-                <a:ea typeface="+mj-ea"/>
-                <a:cs typeface="+mj-cs"/>
-              </a:defRPr>
-            </a:lvl1pPr>
-            <a:lvl2pPr marL="742950" indent="-285750" algn="l" defTabSz="457200" rtl="0" eaLnBrk="1" latinLnBrk="0" hangingPunct="1">
-              <a:spcBef>
-                <a:spcPts val="1000"/>
-              </a:spcBef>
-              <a:spcAft>
-                <a:spcPts val="0"/>
-              </a:spcAft>
-              <a:buClr>
-                <a:schemeClr val="bg2">
-                  <a:lumMod val="40000"/>
-                  <a:lumOff val="60000"/>
-                </a:schemeClr>
-              </a:buClr>
-              <a:buSzPct val="80000"/>
-              <a:buFont typeface="Wingdings 3" charset="2"/>
-              <a:buChar char=""/>
-              <a:defRPr sz="1800" b="0" i="0" kern="1200">
-                <a:solidFill>
-                  <a:schemeClr val="tx1"/>
-                </a:solidFill>
-                <a:latin typeface="+mj-lt"/>
-                <a:ea typeface="+mj-ea"/>
-                <a:cs typeface="+mj-cs"/>
-              </a:defRPr>
-            </a:lvl2pPr>
-            <a:lvl3pPr marL="1143000" indent="-228600" algn="l" defTabSz="457200" rtl="0" eaLnBrk="1" latinLnBrk="0" hangingPunct="1">
-              <a:spcBef>
-                <a:spcPts val="1000"/>
-              </a:spcBef>
-              <a:spcAft>
-                <a:spcPts val="0"/>
-              </a:spcAft>
-              <a:buClr>
-                <a:schemeClr val="bg2">
-                  <a:lumMod val="40000"/>
-                  <a:lumOff val="60000"/>
-                </a:schemeClr>
-              </a:buClr>
-              <a:buSzPct val="80000"/>
-              <a:buFont typeface="Wingdings 3" charset="2"/>
-              <a:buChar char=""/>
-              <a:defRPr sz="1600" b="0" i="0" kern="1200">
-                <a:solidFill>
-                  <a:schemeClr val="tx1"/>
-                </a:solidFill>
-                <a:latin typeface="+mj-lt"/>
-                <a:ea typeface="+mj-ea"/>
-                <a:cs typeface="+mj-cs"/>
-              </a:defRPr>
-            </a:lvl3pPr>
-            <a:lvl4pPr marL="1600200" indent="-228600" algn="l" defTabSz="457200" rtl="0" eaLnBrk="1" latinLnBrk="0" hangingPunct="1">
-              <a:spcBef>
-                <a:spcPts val="1000"/>
-              </a:spcBef>
-              <a:spcAft>
-                <a:spcPts val="0"/>
-              </a:spcAft>
-              <a:buClr>
-                <a:schemeClr val="bg2">
-                  <a:lumMod val="40000"/>
-                  <a:lumOff val="60000"/>
-                </a:schemeClr>
-              </a:buClr>
-              <a:buSzPct val="80000"/>
-              <a:buFont typeface="Wingdings 3" charset="2"/>
-              <a:buChar char=""/>
-              <a:defRPr sz="1400" b="0" i="0" kern="1200">
-                <a:solidFill>
-                  <a:schemeClr val="tx1"/>
-                </a:solidFill>
-                <a:latin typeface="+mj-lt"/>
-                <a:ea typeface="+mj-ea"/>
-                <a:cs typeface="+mj-cs"/>
-              </a:defRPr>
-            </a:lvl4pPr>
-            <a:lvl5pPr marL="2057400" indent="-228600" algn="l" defTabSz="457200" rtl="0" eaLnBrk="1" latinLnBrk="0" hangingPunct="1">
-              <a:spcBef>
-                <a:spcPts val="1000"/>
-              </a:spcBef>
-              <a:spcAft>
-                <a:spcPts val="0"/>
-              </a:spcAft>
-              <a:buClr>
-                <a:schemeClr val="bg2">
-                  <a:lumMod val="40000"/>
-                  <a:lumOff val="60000"/>
-                </a:schemeClr>
-              </a:buClr>
-              <a:buSzPct val="80000"/>
-              <a:buFont typeface="Wingdings 3" charset="2"/>
-              <a:buChar char=""/>
-              <a:defRPr sz="1400" b="0" i="0" kern="1200">
-                <a:solidFill>
-                  <a:schemeClr val="tx1"/>
-                </a:solidFill>
-                <a:latin typeface="+mj-lt"/>
-                <a:ea typeface="+mj-ea"/>
-                <a:cs typeface="+mj-cs"/>
-              </a:defRPr>
-            </a:lvl5pPr>
-            <a:lvl6pPr marL="2506000" indent="-228600" algn="l" defTabSz="457200" rtl="0" eaLnBrk="1" latinLnBrk="0" hangingPunct="1">
-              <a:spcBef>
-                <a:spcPts val="1000"/>
-              </a:spcBef>
-              <a:spcAft>
-                <a:spcPts val="0"/>
-              </a:spcAft>
-              <a:buClr>
-                <a:schemeClr val="bg2">
-                  <a:lumMod val="40000"/>
-                  <a:lumOff val="60000"/>
-                </a:schemeClr>
-              </a:buClr>
-              <a:buSzPct val="80000"/>
-              <a:buFont typeface="Wingdings 3" charset="2"/>
-              <a:buChar char=""/>
-              <a:defRPr sz="1400" b="0" i="0" kern="1200">
-                <a:solidFill>
-                  <a:schemeClr val="tx1"/>
-                </a:solidFill>
-                <a:latin typeface="+mj-lt"/>
-                <a:ea typeface="+mj-ea"/>
-                <a:cs typeface="+mj-cs"/>
-              </a:defRPr>
-            </a:lvl6pPr>
-            <a:lvl7pPr marL="2971800" indent="-228600" algn="l" defTabSz="457200" rtl="0" eaLnBrk="1" latinLnBrk="0" hangingPunct="1">
-              <a:spcBef>
-                <a:spcPts val="1000"/>
-              </a:spcBef>
-              <a:spcAft>
-                <a:spcPts val="0"/>
-              </a:spcAft>
-              <a:buClr>
-                <a:schemeClr val="bg2">
-                  <a:lumMod val="40000"/>
-                  <a:lumOff val="60000"/>
-                </a:schemeClr>
-              </a:buClr>
-              <a:buSzPct val="80000"/>
-              <a:buFont typeface="Wingdings 3" charset="2"/>
-              <a:buChar char=""/>
-              <a:defRPr sz="1400" b="0" i="0" kern="1200">
-                <a:solidFill>
-                  <a:schemeClr val="tx1"/>
-                </a:solidFill>
-                <a:latin typeface="+mj-lt"/>
-                <a:ea typeface="+mj-ea"/>
-                <a:cs typeface="+mj-cs"/>
-              </a:defRPr>
-            </a:lvl7pPr>
-            <a:lvl8pPr marL="3429000" indent="-228600" algn="l" defTabSz="457200" rtl="0" eaLnBrk="1" latinLnBrk="0" hangingPunct="1">
-              <a:spcBef>
-                <a:spcPts val="1000"/>
-              </a:spcBef>
-              <a:spcAft>
-                <a:spcPts val="0"/>
-              </a:spcAft>
-              <a:buClr>
-                <a:schemeClr val="bg2">
-                  <a:lumMod val="40000"/>
-                  <a:lumOff val="60000"/>
-                </a:schemeClr>
-              </a:buClr>
-              <a:buSzPct val="80000"/>
-              <a:buFont typeface="Wingdings 3" charset="2"/>
-              <a:buChar char=""/>
-              <a:defRPr sz="1400" b="0" i="0" kern="1200">
-                <a:solidFill>
-                  <a:schemeClr val="tx1"/>
-                </a:solidFill>
-                <a:latin typeface="+mj-lt"/>
-                <a:ea typeface="+mj-ea"/>
-                <a:cs typeface="+mj-cs"/>
-              </a:defRPr>
-            </a:lvl8pPr>
-            <a:lvl9pPr marL="3886200" indent="-228600" algn="l" defTabSz="457200" rtl="0" eaLnBrk="1" latinLnBrk="0" hangingPunct="1">
-              <a:spcBef>
-                <a:spcPts val="1000"/>
-              </a:spcBef>
-              <a:spcAft>
-                <a:spcPts val="0"/>
-              </a:spcAft>
-              <a:buClr>
-                <a:schemeClr val="bg2">
-                  <a:lumMod val="40000"/>
-                  <a:lumOff val="60000"/>
-                </a:schemeClr>
-              </a:buClr>
-              <a:buSzPct val="80000"/>
-              <a:buFont typeface="Wingdings 3" charset="2"/>
-              <a:buChar char=""/>
-              <a:defRPr sz="1400" b="0" i="0" kern="1200">
-                <a:solidFill>
-                  <a:schemeClr val="tx1"/>
-                </a:solidFill>
-                <a:latin typeface="+mj-lt"/>
-                <a:ea typeface="+mj-ea"/>
-                <a:cs typeface="+mj-cs"/>
-              </a:defRPr>
-            </a:lvl9pPr>
-          </a:lstStyle>
-          <a:p>
-            <a:r>
-              <a:rPr lang="en-US" dirty="0" smtClean="0"/>
-              <a:t>I didn’t think so….</a:t>
-            </a:r>
-          </a:p>
-          <a:p>
-            <a:r>
-              <a:rPr lang="en-US" dirty="0" smtClean="0"/>
-              <a:t>So, if you’re renting computers, why don’t you burn them up?</a:t>
-            </a:r>
-          </a:p>
-          <a:p>
-            <a:r>
-              <a:rPr lang="en-US" dirty="0" smtClean="0"/>
-              <a:t>RUN YOUR MACHINERY HARD. </a:t>
-            </a:r>
-          </a:p>
-        </p:txBody>
-      </p:sp>
-    </p:spTree>
-    <p:extLst>
-      <p:ext uri="{BB962C8B-B14F-4D97-AF65-F5344CB8AC3E}">
-        <p14:creationId xmlns:p14="http://schemas.microsoft.com/office/powerpoint/2010/main" val="4080071432"/>
-      </p:ext>
-    </p:extLst>
-  </p:cSld>
-  <p:clrMapOvr>
-    <a:masterClrMapping/>
-  </p:clrMapOvr>
-  <mc:AlternateContent xmlns:mc="http://schemas.openxmlformats.org/markup-compatibility/2006" xmlns:p14="http://schemas.microsoft.com/office/powerpoint/2010/main">
-    <mc:Choice Requires="p14">
-      <p:transition spd="med" p14:dur="700">
-        <p:fade/>
-      </p:transition>
-    </mc:Choice>
-    <mc:Fallback xmlns="">
-      <p:transition spd="med">
-        <p:fade/>
-      </p:transition>
-    </mc:Fallback>
-  </mc:AlternateContent>
-  <p:timing>
-    <p:tnLst>
-      <p:par>
-        <p:cTn id="1" dur="indefinite" restart="never" nodeType="tmRoot"/>
-      </p:par>
-    </p:tnLst>
-  </p:timing>
-</p:sld>
-</file>
-
-<file path=ppt/slides/slide29.xml><?xml version="1.0" encoding="utf-8"?>
-<p:sld xmlns:a="http://schemas.openxmlformats.org/drawingml/2006/main" xmlns:r="http://schemas.openxmlformats.org/officeDocument/2006/relationships" xmlns:p="http://schemas.openxmlformats.org/presentationml/2006/main">
-  <p:cSld>
-    <p:spTree>
-      <p:nvGrpSpPr>
-        <p:cNvPr id="1" name=""/>
-        <p:cNvGrpSpPr/>
-        <p:nvPr/>
-      </p:nvGrpSpPr>
-      <p:grpSpPr>
-        <a:xfrm>
-          <a:off x="0" y="0"/>
-          <a:ext cx="0" cy="0"/>
-          <a:chOff x="0" y="0"/>
-          <a:chExt cx="0" cy="0"/>
-        </a:xfrm>
-      </p:grpSpPr>
-      <p:sp>
-        <p:nvSpPr>
-          <p:cNvPr id="2" name="Title 1"/>
-          <p:cNvSpPr>
-            <a:spLocks noGrp="1"/>
-          </p:cNvSpPr>
-          <p:nvPr>
-            <p:ph type="title"/>
-          </p:nvPr>
-        </p:nvSpPr>
-        <p:spPr/>
-        <p:txBody>
-          <a:bodyPr/>
-          <a:lstStyle/>
-          <a:p>
-            <a:r>
-              <a:rPr lang="en-US" dirty="0" smtClean="0"/>
+              <a:rPr lang="en-US" dirty="0"/>
               <a:t>The Chaos Monkey Lives!!!</a:t>
             </a:r>
-            <a:endParaRPr lang="en-US" dirty="0"/>
           </a:p>
         </p:txBody>
       </p:sp>
@@ -13157,7 +16445,7 @@
           <p:nvPr/>
         </p:nvPicPr>
         <p:blipFill>
-          <a:blip r:embed="rId2">
+          <a:blip r:embed="rId3">
             <a:extLst>
               <a:ext uri="{28A0092B-C50C-407E-A947-70E740481C1C}">
                 <a14:useLocalDpi xmlns:a14="http://schemas.microsoft.com/office/drawing/2010/main" val="0"/>
@@ -13234,13 +16522,165 @@
       </p:transition>
     </mc:Fallback>
   </mc:AlternateContent>
-  <p:timing>
-    <p:tnLst>
-      <p:par>
-        <p:cTn id="1" dur="indefinite" restart="never" nodeType="tmRoot"/>
-      </p:par>
-    </p:tnLst>
-  </p:timing>
+</p:sld>
+</file>
+
+<file path=ppt/slides/slide29.xml><?xml version="1.0" encoding="utf-8"?>
+<p:sld xmlns:a="http://schemas.openxmlformats.org/drawingml/2006/main" xmlns:r="http://schemas.openxmlformats.org/officeDocument/2006/relationships" xmlns:p="http://schemas.openxmlformats.org/presentationml/2006/main">
+  <p:cSld>
+    <p:spTree>
+      <p:nvGrpSpPr>
+        <p:cNvPr id="1" name=""/>
+        <p:cNvGrpSpPr/>
+        <p:nvPr/>
+      </p:nvGrpSpPr>
+      <p:grpSpPr>
+        <a:xfrm>
+          <a:off x="0" y="0"/>
+          <a:ext cx="0" cy="0"/>
+          <a:chOff x="0" y="0"/>
+          <a:chExt cx="0" cy="0"/>
+        </a:xfrm>
+      </p:grpSpPr>
+      <p:sp>
+        <p:nvSpPr>
+          <p:cNvPr id="2" name="Title 1"/>
+          <p:cNvSpPr>
+            <a:spLocks noGrp="1"/>
+          </p:cNvSpPr>
+          <p:nvPr>
+            <p:ph type="title"/>
+          </p:nvPr>
+        </p:nvSpPr>
+        <p:spPr/>
+        <p:txBody>
+          <a:bodyPr/>
+          <a:lstStyle/>
+          <a:p>
+            <a:r>
+              <a:rPr lang="en-US" dirty="0"/>
+              <a:t>Point: CAP theorem pushes us towards A and P</a:t>
+            </a:r>
+          </a:p>
+        </p:txBody>
+      </p:sp>
+      <p:sp>
+        <p:nvSpPr>
+          <p:cNvPr id="3" name="Content Placeholder 2"/>
+          <p:cNvSpPr>
+            <a:spLocks noGrp="1"/>
+          </p:cNvSpPr>
+          <p:nvPr>
+            <p:ph idx="1"/>
+          </p:nvPr>
+        </p:nvSpPr>
+        <p:spPr/>
+        <p:txBody>
+          <a:bodyPr/>
+          <a:lstStyle/>
+          <a:p>
+            <a:r>
+              <a:rPr lang="en-US" dirty="0"/>
+              <a:t>We must choose between the three; entropy (and wide experience in distributed systems!) teaches us that C(</a:t>
+            </a:r>
+            <a:r>
+              <a:rPr lang="en-US" dirty="0" err="1"/>
+              <a:t>onsistency</a:t>
+            </a:r>
+            <a:r>
+              <a:rPr lang="en-US" dirty="0"/>
+              <a:t>) is not one of the top two</a:t>
+            </a:r>
+          </a:p>
+          <a:p>
+            <a:pPr lvl="1"/>
+            <a:r>
+              <a:rPr lang="en-US" dirty="0"/>
+              <a:t>With one exception: When it is the point of the application. Only then.</a:t>
+            </a:r>
+          </a:p>
+        </p:txBody>
+      </p:sp>
+      <p:pic>
+        <p:nvPicPr>
+          <p:cNvPr id="4" name="Picture 3"/>
+          <p:cNvPicPr>
+            <a:picLocks noChangeAspect="1"/>
+          </p:cNvPicPr>
+          <p:nvPr/>
+        </p:nvPicPr>
+        <p:blipFill>
+          <a:blip r:embed="rId3"/>
+          <a:stretch>
+            <a:fillRect/>
+          </a:stretch>
+        </p:blipFill>
+        <p:spPr>
+          <a:xfrm>
+            <a:off x="2843026" y="4150666"/>
+            <a:ext cx="5728921" cy="820886"/>
+          </a:xfrm>
+          <a:prstGeom prst="rect">
+            <a:avLst/>
+          </a:prstGeom>
+        </p:spPr>
+      </p:pic>
+      <p:sp>
+        <p:nvSpPr>
+          <p:cNvPr id="5" name="TextBox 4"/>
+          <p:cNvSpPr txBox="1"/>
+          <p:nvPr/>
+        </p:nvSpPr>
+        <p:spPr>
+          <a:xfrm>
+            <a:off x="2712509" y="5585483"/>
+            <a:ext cx="6351157" cy="343620"/>
+          </a:xfrm>
+          <a:prstGeom prst="rect">
+            <a:avLst/>
+          </a:prstGeom>
+          <a:noFill/>
+        </p:spPr>
+        <p:txBody>
+          <a:bodyPr wrap="square" rtlCol="0">
+            <a:spAutoFit/>
+          </a:bodyPr>
+          <a:lstStyle/>
+          <a:p>
+            <a:r>
+              <a:rPr lang="en-US" sz="1633" dirty="0"/>
+              <a:t>-- Adrian </a:t>
+            </a:r>
+            <a:r>
+              <a:rPr lang="en-US" sz="1633" dirty="0" err="1"/>
+              <a:t>Cockroft</a:t>
+            </a:r>
+            <a:endParaRPr lang="en-US" sz="1633" dirty="0"/>
+          </a:p>
+        </p:txBody>
+      </p:sp>
+    </p:spTree>
+    <p:extLst>
+      <p:ext uri="{BB962C8B-B14F-4D97-AF65-F5344CB8AC3E}">
+        <p14:creationId xmlns:p14="http://schemas.microsoft.com/office/powerpoint/2010/main" val="3120339046"/>
+      </p:ext>
+    </p:extLst>
+  </p:cSld>
+  <p:clrMapOvr>
+    <a:masterClrMapping/>
+  </p:clrMapOvr>
+  <mc:AlternateContent xmlns:mc="http://schemas.openxmlformats.org/markup-compatibility/2006" xmlns:p14="http://schemas.microsoft.com/office/powerpoint/2010/main">
+    <mc:Choice Requires="p14">
+      <p:transition spd="med" p14:dur="700">
+        <p:fade/>
+      </p:transition>
+    </mc:Choice>
+    <mc:Fallback xmlns="">
+      <p:transition spd="med">
+        <p:fade/>
+      </p:transition>
+    </mc:Fallback>
+  </mc:AlternateContent>
 </p:sld>
 </file>
 
@@ -13277,20 +16717,19 @@
           <a:lstStyle/>
           <a:p>
             <a:r>
-              <a:rPr lang="en-US" dirty="0" smtClean="0"/>
+              <a:rPr lang="en-US" dirty="0"/>
               <a:t>My version of </a:t>
             </a:r>
             <a:r>
-              <a:rPr lang="en-US" dirty="0" smtClean="0">
-                <a:hlinkClick r:id="rId2"/>
+              <a:rPr lang="en-US" dirty="0">
+                <a:hlinkClick r:id="rId3"/>
               </a:rPr>
               <a:t>12factor.net</a:t>
             </a:r>
             <a:r>
-              <a:rPr lang="en-US" dirty="0" smtClean="0"/>
+              <a:rPr lang="en-US" dirty="0"/>
               <a:t>:</a:t>
             </a:r>
-            <a:endParaRPr lang="en-US" dirty="0"/>
           </a:p>
         </p:txBody>
       </p:sp>
@@ -13317,150 +16756,142 @@
           <a:lstStyle/>
           <a:p>
             <a:r>
-              <a:rPr lang="en-US" dirty="0" smtClean="0"/>
+              <a:rPr lang="en-US" dirty="0"/>
               <a:t>All stuff in origin/master, or it goes there.</a:t>
             </a:r>
           </a:p>
           <a:p>
             <a:r>
-              <a:rPr lang="en-US" dirty="0" err="1" smtClean="0"/>
+              <a:rPr lang="en-US" dirty="0" err="1"/>
               <a:t>Microservice</a:t>
             </a:r>
             <a:r>
-              <a:rPr lang="en-US" dirty="0" smtClean="0"/>
+              <a:rPr lang="en-US" dirty="0"/>
               <a:t> code </a:t>
             </a:r>
             <a:r>
-              <a:rPr lang="en-US" i="1" dirty="0" smtClean="0"/>
+              <a:rPr lang="en-US" i="1" dirty="0"/>
               <a:t>and </a:t>
             </a:r>
             <a:r>
-              <a:rPr lang="en-US" dirty="0" err="1" smtClean="0"/>
+              <a:rPr lang="en-US" dirty="0" err="1"/>
               <a:t>config</a:t>
             </a:r>
             <a:r>
-              <a:rPr lang="en-US" dirty="0" smtClean="0"/>
+              <a:rPr lang="en-US" dirty="0"/>
               <a:t> </a:t>
             </a:r>
             <a:r>
-              <a:rPr lang="en-US" i="1" dirty="0" smtClean="0"/>
+              <a:rPr lang="en-US" i="1" dirty="0"/>
               <a:t>completely</a:t>
             </a:r>
             <a:r>
-              <a:rPr lang="en-US" dirty="0" smtClean="0"/>
+              <a:rPr lang="en-US" dirty="0"/>
               <a:t> autonomous.</a:t>
             </a:r>
           </a:p>
           <a:p>
             <a:r>
-              <a:rPr lang="en-US" dirty="0" smtClean="0"/>
+              <a:rPr lang="en-US" dirty="0"/>
               <a:t>All non-domain resources are autonomous addressable resources.</a:t>
             </a:r>
           </a:p>
           <a:p>
             <a:r>
-              <a:rPr lang="en-US" dirty="0" smtClean="0"/>
+              <a:rPr lang="en-US" dirty="0"/>
               <a:t>Building, releasing, and running are autonomous.</a:t>
             </a:r>
           </a:p>
           <a:p>
             <a:r>
-              <a:rPr lang="en-US" dirty="0" err="1" smtClean="0"/>
+              <a:rPr lang="en-US" dirty="0" err="1"/>
               <a:t>Microservice</a:t>
             </a:r>
             <a:r>
-              <a:rPr lang="en-US" dirty="0" smtClean="0"/>
+              <a:rPr lang="en-US" dirty="0"/>
               <a:t> goal: one stateless process.</a:t>
             </a:r>
           </a:p>
           <a:p>
             <a:pPr lvl="1"/>
             <a:r>
-              <a:rPr lang="en-US" dirty="0" smtClean="0"/>
+              <a:rPr lang="en-US" dirty="0"/>
               <a:t>Caveat: when point of service is to do </a:t>
             </a:r>
             <a:r>
-              <a:rPr lang="en-US" dirty="0" err="1" smtClean="0"/>
+              <a:rPr lang="en-US" dirty="0" err="1"/>
               <a:t>multiprocess</a:t>
             </a:r>
             <a:r>
-              <a:rPr lang="en-US" dirty="0" smtClean="0"/>
+              <a:rPr lang="en-US" dirty="0"/>
               <a:t> or </a:t>
             </a:r>
             <a:r>
-              <a:rPr lang="en-US" dirty="0" err="1" smtClean="0"/>
+              <a:rPr lang="en-US" dirty="0" err="1"/>
               <a:t>stateful</a:t>
             </a:r>
             <a:r>
-              <a:rPr lang="en-US" dirty="0" smtClean="0"/>
+              <a:rPr lang="en-US" dirty="0"/>
               <a:t> work (</a:t>
             </a:r>
             <a:r>
-              <a:rPr lang="en-US" dirty="0" err="1" smtClean="0"/>
+              <a:rPr lang="en-US" dirty="0" err="1"/>
               <a:t>dbs</a:t>
             </a:r>
             <a:r>
-              <a:rPr lang="en-US" dirty="0" smtClean="0"/>
+              <a:rPr lang="en-US" dirty="0"/>
               <a:t>).</a:t>
             </a:r>
           </a:p>
           <a:p>
             <a:r>
-              <a:rPr lang="en-US" dirty="0" smtClean="0"/>
+              <a:rPr lang="en-US" dirty="0"/>
               <a:t>If service is hosted in other framework, </a:t>
             </a:r>
             <a:r>
-              <a:rPr lang="en-US" dirty="0" err="1" smtClean="0"/>
+              <a:rPr lang="en-US" dirty="0" err="1"/>
               <a:t>microservice</a:t>
             </a:r>
             <a:r>
               <a:rPr lang="en-US" dirty="0"/>
-              <a:t> </a:t>
-            </a:r>
-            <a:r>
-              <a:rPr lang="en-US" dirty="0" smtClean="0"/>
-              <a:t>treats framework as part of </a:t>
-            </a:r>
-            <a:r>
-              <a:rPr lang="en-US" dirty="0" err="1" smtClean="0"/>
+              <a:t> treats framework as part of </a:t>
+            </a:r>
+            <a:r>
+              <a:rPr lang="en-US" dirty="0" err="1"/>
               <a:t>microservice</a:t>
             </a:r>
             <a:r>
               <a:rPr lang="en-US" dirty="0"/>
-              <a:t> </a:t>
-            </a:r>
-            <a:r>
-              <a:rPr lang="en-US" dirty="0" smtClean="0"/>
-              <a:t>as a unit.</a:t>
-            </a:r>
-          </a:p>
-          <a:p>
-            <a:r>
-              <a:rPr lang="en-US" dirty="0" smtClean="0"/>
+              <a:t> as a unit.</a:t>
+            </a:r>
+          </a:p>
+          <a:p>
+            <a:r>
+              <a:rPr lang="en-US" dirty="0"/>
               <a:t>Don’t block. Ever. </a:t>
             </a:r>
           </a:p>
           <a:p>
             <a:r>
-              <a:rPr lang="en-US" dirty="0" smtClean="0"/>
+              <a:rPr lang="en-US" dirty="0"/>
               <a:t>Throw problems away and start a fresh un-problem.</a:t>
             </a:r>
           </a:p>
           <a:p>
             <a:r>
-              <a:rPr lang="en-US" dirty="0" smtClean="0"/>
+              <a:rPr lang="en-US" dirty="0"/>
               <a:t>Test in production.</a:t>
             </a:r>
           </a:p>
           <a:p>
             <a:r>
-              <a:rPr lang="en-US" dirty="0" smtClean="0"/>
+              <a:rPr lang="en-US" dirty="0"/>
               <a:t>Logs are live test streams; see previous.</a:t>
             </a:r>
           </a:p>
           <a:p>
             <a:r>
-              <a:rPr lang="en-US" dirty="0" smtClean="0"/>
+              <a:rPr lang="en-US" dirty="0"/>
               <a:t>Admin processes: rarely, but against live code. See previous^2.</a:t>
             </a:r>
           </a:p>
@@ -14258,119 +17689,6 @@
           <a:chExt cx="0" cy="0"/>
         </a:xfrm>
       </p:grpSpPr>
-      <p:pic>
-        <p:nvPicPr>
-          <p:cNvPr id="1026" name="Picture 2"/>
-          <p:cNvPicPr>
-            <a:picLocks noChangeAspect="1" noChangeArrowheads="1"/>
-          </p:cNvPicPr>
-          <p:nvPr/>
-        </p:nvPicPr>
-        <p:blipFill>
-          <a:blip r:embed="rId2">
-            <a:extLst>
-              <a:ext uri="{28A0092B-C50C-407E-A947-70E740481C1C}">
-                <a14:useLocalDpi xmlns:a14="http://schemas.microsoft.com/office/drawing/2010/main" val="0"/>
-              </a:ext>
-            </a:extLst>
-          </a:blip>
-          <a:srcRect/>
-          <a:stretch>
-            <a:fillRect/>
-          </a:stretch>
-        </p:blipFill>
-        <p:spPr bwMode="auto">
-          <a:xfrm>
-            <a:off x="1652589" y="442914"/>
-            <a:ext cx="8886825" cy="5972175"/>
-          </a:xfrm>
-          <a:prstGeom prst="rect">
-            <a:avLst/>
-          </a:prstGeom>
-          <a:noFill/>
-          <a:ln>
-            <a:noFill/>
-          </a:ln>
-          <a:effectLst/>
-          <a:extLst>
-            <a:ext uri="{909E8E84-426E-40DD-AFC4-6F175D3DCCD1}">
-              <a14:hiddenFill xmlns:a14="http://schemas.microsoft.com/office/drawing/2010/main">
-                <a:solidFill>
-                  <a:schemeClr val="accent1"/>
-                </a:solidFill>
-              </a14:hiddenFill>
-            </a:ext>
-            <a:ext uri="{91240B29-F687-4F45-9708-019B960494DF}">
-              <a14:hiddenLine xmlns:a14="http://schemas.microsoft.com/office/drawing/2010/main" w="9525">
-                <a:solidFill>
-                  <a:schemeClr val="tx1"/>
-                </a:solidFill>
-                <a:miter lim="800000"/>
-                <a:headEnd/>
-                <a:tailEnd/>
-              </a14:hiddenLine>
-            </a:ext>
-            <a:ext uri="{AF507438-7753-43E0-B8FC-AC1667EBCBE1}">
-              <a14:hiddenEffects xmlns:a14="http://schemas.microsoft.com/office/drawing/2010/main">
-                <a:effectLst>
-                  <a:outerShdw dist="35921" dir="2700000" algn="ctr" rotWithShape="0">
-                    <a:schemeClr val="bg2"/>
-                  </a:outerShdw>
-                </a:effectLst>
-              </a14:hiddenEffects>
-            </a:ext>
-          </a:extLst>
-        </p:spPr>
-      </p:pic>
-    </p:spTree>
-    <p:extLst>
-      <p:ext uri="{BB962C8B-B14F-4D97-AF65-F5344CB8AC3E}">
-        <p14:creationId xmlns:p14="http://schemas.microsoft.com/office/powerpoint/2010/main" val="1606358278"/>
-      </p:ext>
-    </p:extLst>
-  </p:cSld>
-  <p:clrMapOvr>
-    <a:masterClrMapping/>
-  </p:clrMapOvr>
-  <mc:AlternateContent xmlns:mc="http://schemas.openxmlformats.org/markup-compatibility/2006" xmlns:p14="http://schemas.microsoft.com/office/powerpoint/2010/main">
-    <mc:Choice Requires="p14">
-      <p:transition spd="med" p14:dur="700">
-        <p:fade/>
-      </p:transition>
-    </mc:Choice>
-    <mc:Fallback xmlns="">
-      <p:transition spd="med">
-        <p:fade/>
-      </p:transition>
-    </mc:Fallback>
-  </mc:AlternateContent>
-  <p:timing>
-    <p:tnLst>
-      <p:par>
-        <p:cTn id="1" dur="indefinite" restart="never" nodeType="tmRoot"/>
-      </p:par>
-    </p:tnLst>
-  </p:timing>
-</p:sld>
-</file>
-
-<file path=ppt/slides/slide31.xml><?xml version="1.0" encoding="utf-8"?>
-<p:sld xmlns:a="http://schemas.openxmlformats.org/drawingml/2006/main" xmlns:r="http://schemas.openxmlformats.org/officeDocument/2006/relationships" xmlns:p="http://schemas.openxmlformats.org/presentationml/2006/main">
-  <p:cSld>
-    <p:spTree>
-      <p:nvGrpSpPr>
-        <p:cNvPr id="1" name=""/>
-        <p:cNvGrpSpPr/>
-        <p:nvPr/>
-      </p:nvGrpSpPr>
-      <p:grpSpPr>
-        <a:xfrm>
-          <a:off x="0" y="0"/>
-          <a:ext cx="0" cy="0"/>
-          <a:chOff x="0" y="0"/>
-          <a:chExt cx="0" cy="0"/>
-        </a:xfrm>
-      </p:grpSpPr>
       <p:sp>
         <p:nvSpPr>
           <p:cNvPr id="2" name="Title 1"/>
@@ -14387,14 +17705,9 @@
           <a:lstStyle/>
           <a:p>
             <a:r>
-              <a:rPr lang="en-US" dirty="0" smtClean="0"/>
-              <a:t>Point: CAP theorem pushes us </a:t>
-            </a:r>
-            <a:r>
-              <a:rPr lang="en-US" dirty="0" smtClean="0"/>
-              <a:t>towards A and P</a:t>
-            </a:r>
-            <a:endParaRPr lang="en-US" dirty="0"/>
+              <a:rPr lang="en-US" dirty="0"/>
+              <a:t>Point: Smallest possible partitioned resource</a:t>
+            </a:r>
           </a:p>
         </p:txBody>
       </p:sp>
@@ -14414,217 +17727,49 @@
           <a:lstStyle/>
           <a:p>
             <a:r>
-              <a:rPr lang="en-US" dirty="0" smtClean="0"/>
-              <a:t>We must choose between the three; entropy (and wide experience in distributed systems!) teaches us that C(</a:t>
-            </a:r>
-            <a:r>
-              <a:rPr lang="en-US" dirty="0" err="1" smtClean="0"/>
-              <a:t>onsistency</a:t>
-            </a:r>
-            <a:r>
-              <a:rPr lang="en-US" dirty="0" smtClean="0"/>
-              <a:t>) is not one of the top two</a:t>
+              <a:rPr lang="en-US" dirty="0"/>
+              <a:t>VMs should be smallest</a:t>
+            </a:r>
+          </a:p>
+          <a:p>
+            <a:r>
+              <a:rPr lang="en-US" dirty="0"/>
+              <a:t>OS should be smallest </a:t>
+            </a:r>
+          </a:p>
+          <a:p>
+            <a:r>
+              <a:rPr lang="en-US" dirty="0"/>
+              <a:t>Bunches of storages with partition and retry policies</a:t>
+            </a:r>
+          </a:p>
+          <a:p>
+            <a:endParaRPr lang="en-US" dirty="0"/>
+          </a:p>
+          <a:p>
+            <a:r>
+              <a:rPr lang="en-US" dirty="0"/>
+              <a:t>Benefits:</a:t>
             </a:r>
           </a:p>
           <a:p>
             <a:pPr lvl="1"/>
             <a:r>
-              <a:rPr lang="en-US" dirty="0" smtClean="0"/>
-              <a:t>With one exception: When it is the point of the application. Only then.</a:t>
-            </a:r>
-            <a:endParaRPr lang="en-US" dirty="0"/>
-          </a:p>
-        </p:txBody>
-      </p:sp>
-      <p:pic>
-        <p:nvPicPr>
-          <p:cNvPr id="4" name="Picture 3"/>
-          <p:cNvPicPr>
-            <a:picLocks noChangeAspect="1"/>
-          </p:cNvPicPr>
-          <p:nvPr/>
-        </p:nvPicPr>
-        <p:blipFill>
-          <a:blip r:embed="rId2"/>
-          <a:stretch>
-            <a:fillRect/>
-          </a:stretch>
-        </p:blipFill>
-        <p:spPr>
-          <a:xfrm>
-            <a:off x="2843026" y="4150666"/>
-            <a:ext cx="5728921" cy="820886"/>
-          </a:xfrm>
-          <a:prstGeom prst="rect">
-            <a:avLst/>
-          </a:prstGeom>
-        </p:spPr>
-      </p:pic>
-      <p:sp>
-        <p:nvSpPr>
-          <p:cNvPr id="5" name="TextBox 4"/>
-          <p:cNvSpPr txBox="1"/>
-          <p:nvPr/>
-        </p:nvSpPr>
-        <p:spPr>
-          <a:xfrm>
-            <a:off x="2712509" y="5585483"/>
-            <a:ext cx="6351157" cy="343620"/>
-          </a:xfrm>
-          <a:prstGeom prst="rect">
-            <a:avLst/>
-          </a:prstGeom>
-          <a:noFill/>
-        </p:spPr>
-        <p:txBody>
-          <a:bodyPr wrap="square" rtlCol="0">
-            <a:spAutoFit/>
-          </a:bodyPr>
-          <a:lstStyle/>
-          <a:p>
-            <a:r>
-              <a:rPr lang="en-US" sz="1633" dirty="0"/>
-              <a:t>-- Adrian </a:t>
-            </a:r>
-            <a:r>
-              <a:rPr lang="en-US" sz="1633" dirty="0" err="1"/>
-              <a:t>Cockroft</a:t>
-            </a:r>
-            <a:endParaRPr lang="en-US" sz="1633" dirty="0"/>
-          </a:p>
-        </p:txBody>
-      </p:sp>
-    </p:spTree>
-    <p:extLst>
-      <p:ext uri="{BB962C8B-B14F-4D97-AF65-F5344CB8AC3E}">
-        <p14:creationId xmlns:p14="http://schemas.microsoft.com/office/powerpoint/2010/main" val="3120339046"/>
-      </p:ext>
-    </p:extLst>
-  </p:cSld>
-  <p:clrMapOvr>
-    <a:masterClrMapping/>
-  </p:clrMapOvr>
-  <mc:AlternateContent xmlns:mc="http://schemas.openxmlformats.org/markup-compatibility/2006" xmlns:p14="http://schemas.microsoft.com/office/powerpoint/2010/main">
-    <mc:Choice Requires="p14">
-      <p:transition spd="med" p14:dur="700">
-        <p:fade/>
-      </p:transition>
-    </mc:Choice>
-    <mc:Fallback xmlns="">
-      <p:transition spd="med">
-        <p:fade/>
-      </p:transition>
-    </mc:Fallback>
-  </mc:AlternateContent>
-  <p:timing>
-    <p:tnLst>
-      <p:par>
-        <p:cTn id="1" dur="indefinite" restart="never" nodeType="tmRoot"/>
-      </p:par>
-    </p:tnLst>
-  </p:timing>
-</p:sld>
-</file>
-
-<file path=ppt/slides/slide32.xml><?xml version="1.0" encoding="utf-8"?>
-<p:sld xmlns:a="http://schemas.openxmlformats.org/drawingml/2006/main" xmlns:r="http://schemas.openxmlformats.org/officeDocument/2006/relationships" xmlns:p="http://schemas.openxmlformats.org/presentationml/2006/main">
-  <p:cSld>
-    <p:spTree>
-      <p:nvGrpSpPr>
-        <p:cNvPr id="1" name=""/>
-        <p:cNvGrpSpPr/>
-        <p:nvPr/>
-      </p:nvGrpSpPr>
-      <p:grpSpPr>
-        <a:xfrm>
-          <a:off x="0" y="0"/>
-          <a:ext cx="0" cy="0"/>
-          <a:chOff x="0" y="0"/>
-          <a:chExt cx="0" cy="0"/>
-        </a:xfrm>
-      </p:grpSpPr>
-      <p:sp>
-        <p:nvSpPr>
-          <p:cNvPr id="2" name="Title 1"/>
-          <p:cNvSpPr>
-            <a:spLocks noGrp="1"/>
-          </p:cNvSpPr>
-          <p:nvPr>
-            <p:ph type="title"/>
-          </p:nvPr>
-        </p:nvSpPr>
-        <p:spPr/>
-        <p:txBody>
-          <a:bodyPr/>
-          <a:lstStyle/>
-          <a:p>
-            <a:r>
-              <a:rPr lang="en-US" dirty="0" smtClean="0"/>
-              <a:t>Point: Smallest possible partitioned resource</a:t>
-            </a:r>
-            <a:endParaRPr lang="en-US" dirty="0"/>
-          </a:p>
-        </p:txBody>
-      </p:sp>
-      <p:sp>
-        <p:nvSpPr>
-          <p:cNvPr id="3" name="Content Placeholder 2"/>
-          <p:cNvSpPr>
-            <a:spLocks noGrp="1"/>
-          </p:cNvSpPr>
-          <p:nvPr>
-            <p:ph idx="1"/>
-          </p:nvPr>
-        </p:nvSpPr>
-        <p:spPr/>
-        <p:txBody>
-          <a:bodyPr/>
-          <a:lstStyle/>
-          <a:p>
-            <a:r>
-              <a:rPr lang="en-US" dirty="0" smtClean="0"/>
-              <a:t>VMs should be smallest</a:t>
-            </a:r>
-          </a:p>
-          <a:p>
-            <a:r>
-              <a:rPr lang="en-US" dirty="0" smtClean="0"/>
-              <a:t>OS should be smallest </a:t>
-            </a:r>
-          </a:p>
-          <a:p>
-            <a:r>
-              <a:rPr lang="en-US" dirty="0" smtClean="0"/>
-              <a:t>Bunches of storages with partition and retry policies</a:t>
-            </a:r>
-          </a:p>
-          <a:p>
-            <a:endParaRPr lang="en-US" dirty="0"/>
-          </a:p>
-          <a:p>
-            <a:r>
-              <a:rPr lang="en-US" dirty="0" smtClean="0"/>
-              <a:t>Benefits:</a:t>
+              <a:rPr lang="en-US" dirty="0"/>
+              <a:t>Fine grained scale-out and scale-in</a:t>
             </a:r>
           </a:p>
           <a:p>
             <a:pPr lvl="1"/>
             <a:r>
-              <a:rPr lang="en-US" dirty="0" smtClean="0"/>
-              <a:t>Fine grained scale-out and scale-in</a:t>
+              <a:rPr lang="en-US" dirty="0"/>
+              <a:t>Each failure much smaller portion of entire load</a:t>
             </a:r>
           </a:p>
           <a:p>
             <a:pPr lvl="1"/>
             <a:r>
-              <a:rPr lang="en-US" dirty="0" smtClean="0"/>
-              <a:t>Each failure much smaller portion of entire load</a:t>
-            </a:r>
-          </a:p>
-          <a:p>
-            <a:pPr lvl="1"/>
-            <a:r>
-              <a:rPr lang="en-US" dirty="0" smtClean="0"/>
+              <a:rPr lang="en-US" dirty="0"/>
               <a:t>Cost (Duh)</a:t>
             </a:r>
           </a:p>
@@ -14655,17 +17800,10 @@
       </p:transition>
     </mc:Fallback>
   </mc:AlternateContent>
-  <p:timing>
-    <p:tnLst>
-      <p:par>
-        <p:cTn id="1" dur="indefinite" restart="never" nodeType="tmRoot"/>
-      </p:par>
-    </p:tnLst>
-  </p:timing>
 </p:sld>
 </file>
 
-<file path=ppt/slides/slide33.xml><?xml version="1.0" encoding="utf-8"?>
+<file path=ppt/slides/slide31.xml><?xml version="1.0" encoding="utf-8"?>
 <p:sld xmlns:a="http://schemas.openxmlformats.org/drawingml/2006/main" xmlns:r="http://schemas.openxmlformats.org/officeDocument/2006/relationships" xmlns:p="http://schemas.openxmlformats.org/presentationml/2006/main">
   <p:cSld>
     <p:spTree>
@@ -14698,10 +17836,9 @@
           <a:lstStyle/>
           <a:p>
             <a:r>
-              <a:rPr lang="en-US" dirty="0" smtClean="0"/>
+              <a:rPr lang="en-US" dirty="0"/>
               <a:t>Implications for humans</a:t>
             </a:r>
-            <a:endParaRPr lang="en-US" dirty="0"/>
           </a:p>
         </p:txBody>
       </p:sp>
@@ -14721,7 +17858,7 @@
           <a:lstStyle/>
           <a:p>
             <a:r>
-              <a:rPr lang="en-US" dirty="0" smtClean="0"/>
+              <a:rPr lang="en-US" dirty="0"/>
               <a:t>Ah, execution. Tough stuff.</a:t>
             </a:r>
           </a:p>
@@ -14749,17 +17886,10 @@
       </p:transition>
     </mc:Fallback>
   </mc:AlternateContent>
-  <p:timing>
-    <p:tnLst>
-      <p:par>
-        <p:cTn id="1" dur="indefinite" restart="never" nodeType="tmRoot"/>
-      </p:par>
-    </p:tnLst>
-  </p:timing>
 </p:sld>
 </file>
 
-<file path=ppt/slides/slide34.xml><?xml version="1.0" encoding="utf-8"?>
+<file path=ppt/slides/slide32.xml><?xml version="1.0" encoding="utf-8"?>
 <p:sld xmlns:a="http://schemas.openxmlformats.org/drawingml/2006/main" xmlns:r="http://schemas.openxmlformats.org/officeDocument/2006/relationships" xmlns:p="http://schemas.openxmlformats.org/presentationml/2006/main">
   <p:cSld>
     <p:spTree>
@@ -14792,10 +17922,9 @@
           <a:lstStyle/>
           <a:p>
             <a:r>
-              <a:rPr lang="en-US" dirty="0" smtClean="0"/>
+              <a:rPr lang="en-US" dirty="0"/>
               <a:t>Implications for humans</a:t>
             </a:r>
-            <a:endParaRPr lang="en-US" dirty="0"/>
           </a:p>
         </p:txBody>
       </p:sp>
@@ -14843,17 +17972,10 @@
       </p:transition>
     </mc:Fallback>
   </mc:AlternateContent>
-  <p:timing>
-    <p:tnLst>
-      <p:par>
-        <p:cTn id="1" dur="indefinite" restart="never" nodeType="tmRoot"/>
-      </p:par>
-    </p:tnLst>
-  </p:timing>
 </p:sld>
 </file>
 
-<file path=ppt/slides/slide35.xml><?xml version="1.0" encoding="utf-8"?>
+<file path=ppt/slides/slide33.xml><?xml version="1.0" encoding="utf-8"?>
 <p:sld xmlns:a="http://schemas.openxmlformats.org/drawingml/2006/main" xmlns:r="http://schemas.openxmlformats.org/officeDocument/2006/relationships" xmlns:p="http://schemas.openxmlformats.org/presentationml/2006/main">
   <p:cSld>
     <p:spTree>
@@ -14886,10 +18008,9 @@
           <a:lstStyle/>
           <a:p>
             <a:r>
-              <a:rPr lang="en-US" dirty="0" smtClean="0"/>
+              <a:rPr lang="en-US" dirty="0"/>
               <a:t>Implications for humans</a:t>
             </a:r>
-            <a:endParaRPr lang="en-US" dirty="0"/>
           </a:p>
         </p:txBody>
       </p:sp>
@@ -14909,16 +18030,15 @@
           <a:lstStyle/>
           <a:p>
             <a:r>
-              <a:rPr lang="en-US" dirty="0" smtClean="0"/>
+              <a:rPr lang="en-US" dirty="0"/>
               <a:t>Operations focused on hardware drops massively over the next five years.</a:t>
             </a:r>
           </a:p>
           <a:p>
             <a:r>
-              <a:rPr lang="en-US" dirty="0" smtClean="0"/>
+              <a:rPr lang="en-US" dirty="0"/>
               <a:t>Operations focused on developing and managing software compute abstractions increases dramatically.</a:t>
             </a:r>
-            <a:endParaRPr lang="en-US" dirty="0"/>
           </a:p>
         </p:txBody>
       </p:sp>
@@ -14944,17 +18064,10 @@
       </p:transition>
     </mc:Fallback>
   </mc:AlternateContent>
-  <p:timing>
-    <p:tnLst>
-      <p:par>
-        <p:cTn id="1" dur="indefinite" restart="never" nodeType="tmRoot"/>
-      </p:par>
-    </p:tnLst>
-  </p:timing>
 </p:sld>
 </file>
 
-<file path=ppt/slides/slide36.xml><?xml version="1.0" encoding="utf-8"?>
+<file path=ppt/slides/slide34.xml><?xml version="1.0" encoding="utf-8"?>
 <p:sld xmlns:a="http://schemas.openxmlformats.org/drawingml/2006/main" xmlns:r="http://schemas.openxmlformats.org/officeDocument/2006/relationships" xmlns:p="http://schemas.openxmlformats.org/presentationml/2006/main">
   <p:cSld>
     <p:spTree>
@@ -14987,10 +18100,9 @@
           <a:lstStyle/>
           <a:p>
             <a:r>
-              <a:rPr lang="en-US" dirty="0" smtClean="0"/>
+              <a:rPr lang="en-US" dirty="0"/>
               <a:t>Implications for humans</a:t>
             </a:r>
-            <a:endParaRPr lang="en-US" dirty="0"/>
           </a:p>
         </p:txBody>
       </p:sp>
@@ -15010,24 +18122,23 @@
           <a:lstStyle/>
           <a:p>
             <a:r>
-              <a:rPr lang="en-US" dirty="0" smtClean="0"/>
+              <a:rPr lang="en-US" dirty="0"/>
               <a:t>Architects focus on everything more and more. </a:t>
             </a:r>
           </a:p>
           <a:p>
             <a:r>
-              <a:rPr lang="en-US" dirty="0" smtClean="0"/>
+              <a:rPr lang="en-US" dirty="0"/>
               <a:t>Datacenters are now </a:t>
             </a:r>
             <a:r>
-              <a:rPr lang="en-US" i="1" dirty="0" smtClean="0"/>
+              <a:rPr lang="en-US" i="1" dirty="0"/>
               <a:t>programs</a:t>
             </a:r>
             <a:r>
-              <a:rPr lang="en-US" dirty="0" smtClean="0"/>
+              <a:rPr lang="en-US" dirty="0"/>
               <a:t>. Programs in datacenters are programs running in programs.</a:t>
             </a:r>
-            <a:endParaRPr lang="en-US" dirty="0"/>
           </a:p>
         </p:txBody>
       </p:sp>
@@ -15053,17 +18164,10 @@
       </p:transition>
     </mc:Fallback>
   </mc:AlternateContent>
-  <p:timing>
-    <p:tnLst>
-      <p:par>
-        <p:cTn id="1" dur="indefinite" restart="never" nodeType="tmRoot"/>
-      </p:par>
-    </p:tnLst>
-  </p:timing>
 </p:sld>
 </file>
 
-<file path=ppt/slides/slide37.xml><?xml version="1.0" encoding="utf-8"?>
+<file path=ppt/slides/slide35.xml><?xml version="1.0" encoding="utf-8"?>
 <p:sld xmlns:a="http://schemas.openxmlformats.org/drawingml/2006/main" xmlns:r="http://schemas.openxmlformats.org/officeDocument/2006/relationships" xmlns:p="http://schemas.openxmlformats.org/presentationml/2006/main">
   <p:cSld>
     <p:spTree>
@@ -15096,10 +18200,9 @@
           <a:lstStyle/>
           <a:p>
             <a:r>
-              <a:rPr lang="en-US" dirty="0" smtClean="0"/>
+              <a:rPr lang="en-US" dirty="0"/>
               <a:t>Implications for humans</a:t>
             </a:r>
-            <a:endParaRPr lang="en-US" dirty="0"/>
           </a:p>
         </p:txBody>
       </p:sp>
@@ -15124,10 +18227,9 @@
           <a:lstStyle/>
           <a:p>
             <a:r>
-              <a:rPr lang="en-US" dirty="0" smtClean="0"/>
+              <a:rPr lang="en-US" dirty="0"/>
               <a:t>Because everyone has more focus on apps and infrastructures as apps, that means….</a:t>
             </a:r>
-            <a:endParaRPr lang="en-US" dirty="0"/>
           </a:p>
         </p:txBody>
       </p:sp>
@@ -15154,10 +18256,9 @@
           <a:lstStyle/>
           <a:p>
             <a:r>
-              <a:rPr lang="en-US" sz="7200" dirty="0" smtClean="0"/>
+              <a:rPr lang="en-US" sz="7200" dirty="0"/>
               <a:t>Reorg!!!</a:t>
             </a:r>
-            <a:endParaRPr lang="en-US" sz="7200" dirty="0"/>
           </a:p>
         </p:txBody>
       </p:sp>
@@ -15277,7 +18378,7 @@
 </p:sld>
 </file>
 
-<file path=ppt/slides/slide38.xml><?xml version="1.0" encoding="utf-8"?>
+<file path=ppt/slides/slide36.xml><?xml version="1.0" encoding="utf-8"?>
 <p:sld xmlns:a="http://schemas.openxmlformats.org/drawingml/2006/main" xmlns:r="http://schemas.openxmlformats.org/officeDocument/2006/relationships" xmlns:p="http://schemas.openxmlformats.org/presentationml/2006/main">
   <p:cSld>
     <p:spTree>
@@ -15310,10 +18411,9 @@
           <a:lstStyle/>
           <a:p>
             <a:r>
-              <a:rPr lang="en-US" dirty="0" smtClean="0"/>
+              <a:rPr lang="en-US" dirty="0"/>
               <a:t>Implications for humans</a:t>
             </a:r>
-            <a:endParaRPr lang="en-US" dirty="0"/>
           </a:p>
         </p:txBody>
       </p:sp>
@@ -15338,20 +18438,19 @@
           <a:lstStyle/>
           <a:p>
             <a:r>
-              <a:rPr lang="en-US" dirty="0" smtClean="0"/>
+              <a:rPr lang="en-US" dirty="0"/>
               <a:t>Use </a:t>
             </a:r>
             <a:r>
-              <a:rPr lang="en-US" dirty="0" smtClean="0">
-                <a:hlinkClick r:id="rId2"/>
+              <a:rPr lang="en-US" dirty="0">
+                <a:hlinkClick r:id="rId3"/>
               </a:rPr>
               <a:t>Conway’s law </a:t>
             </a:r>
             <a:r>
-              <a:rPr lang="en-US" dirty="0" smtClean="0"/>
+              <a:rPr lang="en-US" dirty="0"/>
               <a:t>to our advantage</a:t>
             </a:r>
-            <a:endParaRPr lang="en-US" dirty="0"/>
           </a:p>
         </p:txBody>
       </p:sp>
@@ -15364,7 +18463,7 @@
           <p:nvPr/>
         </p:nvPicPr>
         <p:blipFill>
-          <a:blip r:embed="rId3"/>
+          <a:blip r:embed="rId4"/>
           <a:stretch>
             <a:fillRect/>
           </a:stretch>
@@ -15430,17 +18529,10 @@
       </p:transition>
     </mc:Fallback>
   </mc:AlternateContent>
-  <p:timing>
-    <p:tnLst>
-      <p:par>
-        <p:cTn id="1" dur="indefinite" restart="never" nodeType="tmRoot"/>
-      </p:par>
-    </p:tnLst>
-  </p:timing>
 </p:sld>
 </file>
 
-<file path=ppt/slides/slide39.xml><?xml version="1.0" encoding="utf-8"?>
+<file path=ppt/slides/slide37.xml><?xml version="1.0" encoding="utf-8"?>
 <p:sld xmlns:a="http://schemas.openxmlformats.org/drawingml/2006/main" xmlns:r="http://schemas.openxmlformats.org/officeDocument/2006/relationships" xmlns:p="http://schemas.openxmlformats.org/presentationml/2006/main">
   <p:cSld>
     <p:spTree>
@@ -15473,10 +18565,9 @@
           <a:lstStyle/>
           <a:p>
             <a:r>
-              <a:rPr lang="en-US" dirty="0" smtClean="0"/>
+              <a:rPr lang="en-US" dirty="0"/>
               <a:t>Implications for humans</a:t>
             </a:r>
-            <a:endParaRPr lang="en-US" dirty="0"/>
           </a:p>
         </p:txBody>
       </p:sp>
@@ -15489,7 +18580,7 @@
           <p:nvPr/>
         </p:nvPicPr>
         <p:blipFill>
-          <a:blip r:embed="rId2"/>
+          <a:blip r:embed="rId3"/>
           <a:stretch>
             <a:fillRect/>
           </a:stretch>
@@ -15526,13 +18617,188 @@
       </p:transition>
     </mc:Fallback>
   </mc:AlternateContent>
-  <p:timing>
-    <p:tnLst>
-      <p:par>
-        <p:cTn id="1" dur="indefinite" restart="never" nodeType="tmRoot"/>
-      </p:par>
-    </p:tnLst>
-  </p:timing>
+</p:sld>
+</file>
+
+<file path=ppt/slides/slide38.xml><?xml version="1.0" encoding="utf-8"?>
+<p:sld xmlns:a="http://schemas.openxmlformats.org/drawingml/2006/main" xmlns:r="http://schemas.openxmlformats.org/officeDocument/2006/relationships" xmlns:p="http://schemas.openxmlformats.org/presentationml/2006/main">
+  <p:cSld>
+    <p:spTree>
+      <p:nvGrpSpPr>
+        <p:cNvPr id="1" name=""/>
+        <p:cNvGrpSpPr/>
+        <p:nvPr/>
+      </p:nvGrpSpPr>
+      <p:grpSpPr>
+        <a:xfrm>
+          <a:off x="0" y="0"/>
+          <a:ext cx="0" cy="0"/>
+          <a:chOff x="0" y="0"/>
+          <a:chExt cx="0" cy="0"/>
+        </a:xfrm>
+      </p:grpSpPr>
+      <p:sp>
+        <p:nvSpPr>
+          <p:cNvPr id="2" name="Title 1"/>
+          <p:cNvSpPr>
+            <a:spLocks noGrp="1"/>
+          </p:cNvSpPr>
+          <p:nvPr>
+            <p:ph type="title"/>
+          </p:nvPr>
+        </p:nvSpPr>
+        <p:spPr/>
+        <p:txBody>
+          <a:bodyPr/>
+          <a:lstStyle/>
+          <a:p>
+            <a:r>
+              <a:rPr lang="en-US" dirty="0"/>
+              <a:t>Implications for humans</a:t>
+            </a:r>
+          </a:p>
+        </p:txBody>
+      </p:sp>
+      <p:pic>
+        <p:nvPicPr>
+          <p:cNvPr id="3" name="Picture 2"/>
+          <p:cNvPicPr>
+            <a:picLocks noChangeAspect="1"/>
+          </p:cNvPicPr>
+          <p:nvPr/>
+        </p:nvPicPr>
+        <p:blipFill>
+          <a:blip r:embed="rId3"/>
+          <a:stretch>
+            <a:fillRect/>
+          </a:stretch>
+        </p:blipFill>
+        <p:spPr>
+          <a:xfrm>
+            <a:off x="2247441" y="1644736"/>
+            <a:ext cx="6515100" cy="4095750"/>
+          </a:xfrm>
+          <a:prstGeom prst="rect">
+            <a:avLst/>
+          </a:prstGeom>
+        </p:spPr>
+      </p:pic>
+    </p:spTree>
+    <p:extLst>
+      <p:ext uri="{BB962C8B-B14F-4D97-AF65-F5344CB8AC3E}">
+        <p14:creationId xmlns:p14="http://schemas.microsoft.com/office/powerpoint/2010/main" val="1708882300"/>
+      </p:ext>
+    </p:extLst>
+  </p:cSld>
+  <p:clrMapOvr>
+    <a:masterClrMapping/>
+  </p:clrMapOvr>
+  <mc:AlternateContent xmlns:mc="http://schemas.openxmlformats.org/markup-compatibility/2006" xmlns:p14="http://schemas.microsoft.com/office/powerpoint/2010/main">
+    <mc:Choice Requires="p14">
+      <p:transition spd="med" p14:dur="700">
+        <p:fade/>
+      </p:transition>
+    </mc:Choice>
+    <mc:Fallback xmlns="">
+      <p:transition spd="med">
+        <p:fade/>
+      </p:transition>
+    </mc:Fallback>
+  </mc:AlternateContent>
+</p:sld>
+</file>
+
+<file path=ppt/slides/slide39.xml><?xml version="1.0" encoding="utf-8"?>
+<p:sld xmlns:a="http://schemas.openxmlformats.org/drawingml/2006/main" xmlns:r="http://schemas.openxmlformats.org/officeDocument/2006/relationships" xmlns:p="http://schemas.openxmlformats.org/presentationml/2006/main">
+  <p:cSld>
+    <p:spTree>
+      <p:nvGrpSpPr>
+        <p:cNvPr id="1" name=""/>
+        <p:cNvGrpSpPr/>
+        <p:nvPr/>
+      </p:nvGrpSpPr>
+      <p:grpSpPr>
+        <a:xfrm>
+          <a:off x="0" y="0"/>
+          <a:ext cx="0" cy="0"/>
+          <a:chOff x="0" y="0"/>
+          <a:chExt cx="0" cy="0"/>
+        </a:xfrm>
+      </p:grpSpPr>
+      <p:sp>
+        <p:nvSpPr>
+          <p:cNvPr id="2" name="Title 1"/>
+          <p:cNvSpPr>
+            <a:spLocks noGrp="1"/>
+          </p:cNvSpPr>
+          <p:nvPr>
+            <p:ph type="title"/>
+          </p:nvPr>
+        </p:nvSpPr>
+        <p:spPr/>
+        <p:txBody>
+          <a:bodyPr/>
+          <a:lstStyle/>
+          <a:p>
+            <a:r>
+              <a:rPr lang="en-US" dirty="0"/>
+              <a:t>Thing to </a:t>
+            </a:r>
+            <a:r>
+              <a:rPr lang="en-US" dirty="0" err="1"/>
+              <a:t>grok</a:t>
+            </a:r>
+            <a:r>
+              <a:rPr lang="en-US" dirty="0"/>
+              <a:t>: any blocking call should be destroyed</a:t>
+            </a:r>
+          </a:p>
+        </p:txBody>
+      </p:sp>
+      <p:sp>
+        <p:nvSpPr>
+          <p:cNvPr id="3" name="Content Placeholder 2"/>
+          <p:cNvSpPr>
+            <a:spLocks noGrp="1"/>
+          </p:cNvSpPr>
+          <p:nvPr>
+            <p:ph idx="1"/>
+          </p:nvPr>
+        </p:nvSpPr>
+        <p:spPr/>
+        <p:txBody>
+          <a:bodyPr/>
+          <a:lstStyle/>
+          <a:p>
+            <a:r>
+              <a:rPr lang="en-US" dirty="0"/>
+              <a:t>Duh. Event driven.</a:t>
+            </a:r>
+          </a:p>
+        </p:txBody>
+      </p:sp>
+    </p:spTree>
+    <p:extLst>
+      <p:ext uri="{BB962C8B-B14F-4D97-AF65-F5344CB8AC3E}">
+        <p14:creationId xmlns:p14="http://schemas.microsoft.com/office/powerpoint/2010/main" val="1752963072"/>
+      </p:ext>
+    </p:extLst>
+  </p:cSld>
+  <p:clrMapOvr>
+    <a:masterClrMapping/>
+  </p:clrMapOvr>
+  <mc:AlternateContent xmlns:mc="http://schemas.openxmlformats.org/markup-compatibility/2006" xmlns:p14="http://schemas.microsoft.com/office/powerpoint/2010/main">
+    <mc:Choice Requires="p14">
+      <p:transition spd="med" p14:dur="700">
+        <p:fade/>
+      </p:transition>
+    </mc:Choice>
+    <mc:Fallback xmlns="">
+      <p:transition spd="med">
+        <p:fade/>
+      </p:transition>
+    </mc:Fallback>
+  </mc:AlternateContent>
 </p:sld>
 </file>
 
@@ -15569,23 +18835,19 @@
           <a:lstStyle/>
           <a:p>
             <a:r>
-              <a:rPr lang="en-US" dirty="0" smtClean="0"/>
+              <a:rPr lang="en-US" dirty="0"/>
               <a:t>My version of Martin Fowler:</a:t>
             </a:r>
             <a:br>
-              <a:rPr lang="en-US" dirty="0" smtClean="0"/>
+              <a:rPr lang="en-US" dirty="0"/>
             </a:br>
             <a:r>
-              <a:rPr lang="en-US" sz="1400" dirty="0" smtClean="0"/>
+              <a:rPr lang="en-US" sz="1400" dirty="0"/>
               <a:t>“</a:t>
             </a:r>
             <a:r>
               <a:rPr lang="en-US" sz="1400" i="1" dirty="0"/>
-              <a:t>While there is no precise definition of this architectural style, there are certain common characteristics around organization around business capability, automated deployment, intelligence in the endpoints, and decentralized control of languages and data</a:t>
-            </a:r>
-            <a:r>
-              <a:rPr lang="en-US" sz="1400" i="1" dirty="0" smtClean="0"/>
-              <a:t>.</a:t>
+              <a:t>While there is no precise definition of this architectural style, there are certain common characteristics around organization around business capability, automated deployment, intelligence in the endpoints, and decentralized control of languages and data.</a:t>
             </a:r>
             <a:r>
               <a:rPr lang="en-US" sz="1400" dirty="0"/>
@@ -15624,97 +18886,97 @@
           <a:lstStyle/>
           <a:p>
             <a:r>
-              <a:rPr lang="en-US" dirty="0" smtClean="0"/>
+              <a:rPr lang="en-US" dirty="0"/>
               <a:t>Components are called “services”</a:t>
             </a:r>
           </a:p>
           <a:p>
             <a:r>
-              <a:rPr lang="en-US" dirty="0" smtClean="0"/>
+              <a:rPr lang="en-US" dirty="0"/>
               <a:t>Services based on business capabilities or processes, not skills.</a:t>
             </a:r>
           </a:p>
           <a:p>
             <a:r>
-              <a:rPr lang="en-US" dirty="0" smtClean="0"/>
+              <a:rPr lang="en-US" dirty="0"/>
               <a:t>Services are never finished, even when shipping.</a:t>
             </a:r>
           </a:p>
           <a:p>
             <a:r>
-              <a:rPr lang="en-US" dirty="0" smtClean="0"/>
+              <a:rPr lang="en-US" dirty="0"/>
               <a:t>Simplest communication possible (REST/oauth2); service logic can be complex.</a:t>
             </a:r>
           </a:p>
           <a:p>
             <a:pPr lvl="1"/>
             <a:r>
-              <a:rPr lang="en-US" dirty="0" smtClean="0"/>
+              <a:rPr lang="en-US" dirty="0"/>
               <a:t>Note: this is NOT the SOA approach!</a:t>
             </a:r>
           </a:p>
           <a:p>
             <a:r>
-              <a:rPr lang="en-US" dirty="0" smtClean="0"/>
+              <a:rPr lang="en-US" dirty="0"/>
               <a:t>Destroy implementation code/library standards. Only service façade and behavior matters.</a:t>
             </a:r>
           </a:p>
           <a:p>
             <a:r>
-              <a:rPr lang="en-US" dirty="0" smtClean="0"/>
+              <a:rPr lang="en-US" dirty="0"/>
               <a:t>Data just more </a:t>
             </a:r>
             <a:r>
-              <a:rPr lang="en-US" dirty="0" err="1" smtClean="0"/>
+              <a:rPr lang="en-US" dirty="0" err="1"/>
               <a:t>microservices</a:t>
             </a:r>
             <a:r>
-              <a:rPr lang="en-US" dirty="0" smtClean="0"/>
+              <a:rPr lang="en-US" dirty="0"/>
               <a:t>.</a:t>
             </a:r>
           </a:p>
           <a:p>
             <a:r>
-              <a:rPr lang="en-US" dirty="0" smtClean="0"/>
+              <a:rPr lang="en-US" dirty="0"/>
               <a:t>Automate EVERYTHING.</a:t>
             </a:r>
           </a:p>
           <a:p>
             <a:r>
-              <a:rPr lang="en-US" dirty="0" smtClean="0"/>
+              <a:rPr lang="en-US" dirty="0"/>
               <a:t>Failure is a normal part of entropy.</a:t>
             </a:r>
           </a:p>
           <a:p>
             <a:pPr lvl="1"/>
             <a:r>
-              <a:rPr lang="en-US" dirty="0" smtClean="0"/>
+              <a:rPr lang="en-US" dirty="0"/>
               <a:t>Chaos Monkey, the </a:t>
             </a:r>
             <a:r>
-              <a:rPr lang="en-US" dirty="0" smtClean="0">
-                <a:hlinkClick r:id="rId2"/>
+              <a:rPr lang="en-US" dirty="0">
+                <a:hlinkClick r:id="rId3"/>
               </a:rPr>
               <a:t>Simian army</a:t>
             </a:r>
             <a:r>
-              <a:rPr lang="en-US" dirty="0" smtClean="0"/>
+              <a:rPr lang="en-US" dirty="0"/>
               <a:t>, and the </a:t>
             </a:r>
             <a:r>
-              <a:rPr lang="en-US" dirty="0" smtClean="0">
-                <a:hlinkClick r:id="rId3"/>
+              <a:rPr lang="en-US" dirty="0">
+                <a:hlinkClick r:id="rId4"/>
               </a:rPr>
               <a:t>Circuit Breaker pattern</a:t>
             </a:r>
             <a:r>
-              <a:rPr lang="en-US" dirty="0" smtClean="0"/>
+              <a:rPr lang="en-US" dirty="0"/>
               <a:t>.</a:t>
             </a:r>
           </a:p>
           <a:p>
             <a:r>
-              <a:rPr lang="en-US" dirty="0" smtClean="0"/>
+              <a:rPr lang="en-US" dirty="0"/>
               <a:t>Evolutionary design – see point three, above.</a:t>
             </a:r>
           </a:p>
@@ -16449,209 +19711,9 @@
           <a:lstStyle/>
           <a:p>
             <a:r>
-              <a:rPr lang="en-US" dirty="0" smtClean="0"/>
-              <a:t>Implications for humans</a:t>
-            </a:r>
-            <a:endParaRPr lang="en-US" dirty="0"/>
-          </a:p>
-        </p:txBody>
-      </p:sp>
-      <p:pic>
-        <p:nvPicPr>
-          <p:cNvPr id="3" name="Picture 2"/>
-          <p:cNvPicPr>
-            <a:picLocks noChangeAspect="1"/>
-          </p:cNvPicPr>
-          <p:nvPr/>
-        </p:nvPicPr>
-        <p:blipFill>
-          <a:blip r:embed="rId2"/>
-          <a:stretch>
-            <a:fillRect/>
-          </a:stretch>
-        </p:blipFill>
-        <p:spPr>
-          <a:xfrm>
-            <a:off x="2247441" y="1644736"/>
-            <a:ext cx="6515100" cy="4095750"/>
-          </a:xfrm>
-          <a:prstGeom prst="rect">
-            <a:avLst/>
-          </a:prstGeom>
-        </p:spPr>
-      </p:pic>
-    </p:spTree>
-    <p:extLst>
-      <p:ext uri="{BB962C8B-B14F-4D97-AF65-F5344CB8AC3E}">
-        <p14:creationId xmlns:p14="http://schemas.microsoft.com/office/powerpoint/2010/main" val="1708882300"/>
-      </p:ext>
-    </p:extLst>
-  </p:cSld>
-  <p:clrMapOvr>
-    <a:masterClrMapping/>
-  </p:clrMapOvr>
-  <mc:AlternateContent xmlns:mc="http://schemas.openxmlformats.org/markup-compatibility/2006" xmlns:p14="http://schemas.microsoft.com/office/powerpoint/2010/main">
-    <mc:Choice Requires="p14">
-      <p:transition spd="med" p14:dur="700">
-        <p:fade/>
-      </p:transition>
-    </mc:Choice>
-    <mc:Fallback xmlns="">
-      <p:transition spd="med">
-        <p:fade/>
-      </p:transition>
-    </mc:Fallback>
-  </mc:AlternateContent>
-  <p:timing>
-    <p:tnLst>
-      <p:par>
-        <p:cTn id="1" dur="indefinite" restart="never" nodeType="tmRoot"/>
-      </p:par>
-    </p:tnLst>
-  </p:timing>
-</p:sld>
-</file>
-
-<file path=ppt/slides/slide41.xml><?xml version="1.0" encoding="utf-8"?>
-<p:sld xmlns:a="http://schemas.openxmlformats.org/drawingml/2006/main" xmlns:r="http://schemas.openxmlformats.org/officeDocument/2006/relationships" xmlns:p="http://schemas.openxmlformats.org/presentationml/2006/main">
-  <p:cSld>
-    <p:spTree>
-      <p:nvGrpSpPr>
-        <p:cNvPr id="1" name=""/>
-        <p:cNvGrpSpPr/>
-        <p:nvPr/>
-      </p:nvGrpSpPr>
-      <p:grpSpPr>
-        <a:xfrm>
-          <a:off x="0" y="0"/>
-          <a:ext cx="0" cy="0"/>
-          <a:chOff x="0" y="0"/>
-          <a:chExt cx="0" cy="0"/>
-        </a:xfrm>
-      </p:grpSpPr>
-      <p:sp>
-        <p:nvSpPr>
-          <p:cNvPr id="2" name="Title 1"/>
-          <p:cNvSpPr>
-            <a:spLocks noGrp="1"/>
-          </p:cNvSpPr>
-          <p:nvPr>
-            <p:ph type="title"/>
-          </p:nvPr>
-        </p:nvSpPr>
-        <p:spPr/>
-        <p:txBody>
-          <a:bodyPr/>
-          <a:lstStyle/>
-          <a:p>
-            <a:r>
-              <a:rPr lang="en-US" dirty="0" smtClean="0"/>
-              <a:t>Thing to </a:t>
-            </a:r>
-            <a:r>
-              <a:rPr lang="en-US" dirty="0" err="1" smtClean="0"/>
-              <a:t>grok</a:t>
-            </a:r>
-            <a:r>
-              <a:rPr lang="en-US" dirty="0" smtClean="0"/>
-              <a:t>: any blocking call should be destroyed</a:t>
-            </a:r>
-            <a:endParaRPr lang="en-US" dirty="0"/>
-          </a:p>
-        </p:txBody>
-      </p:sp>
-      <p:sp>
-        <p:nvSpPr>
-          <p:cNvPr id="3" name="Content Placeholder 2"/>
-          <p:cNvSpPr>
-            <a:spLocks noGrp="1"/>
-          </p:cNvSpPr>
-          <p:nvPr>
-            <p:ph idx="1"/>
-          </p:nvPr>
-        </p:nvSpPr>
-        <p:spPr/>
-        <p:txBody>
-          <a:bodyPr/>
-          <a:lstStyle/>
-          <a:p>
-            <a:r>
-              <a:rPr lang="en-US" dirty="0" smtClean="0"/>
-              <a:t>Duh. Event driven.</a:t>
-            </a:r>
-            <a:endParaRPr lang="en-US" dirty="0"/>
-          </a:p>
-        </p:txBody>
-      </p:sp>
-    </p:spTree>
-    <p:extLst>
-      <p:ext uri="{BB962C8B-B14F-4D97-AF65-F5344CB8AC3E}">
-        <p14:creationId xmlns:p14="http://schemas.microsoft.com/office/powerpoint/2010/main" val="1752963072"/>
-      </p:ext>
-    </p:extLst>
-  </p:cSld>
-  <p:clrMapOvr>
-    <a:masterClrMapping/>
-  </p:clrMapOvr>
-  <mc:AlternateContent xmlns:mc="http://schemas.openxmlformats.org/markup-compatibility/2006" xmlns:p14="http://schemas.microsoft.com/office/powerpoint/2010/main">
-    <mc:Choice Requires="p14">
-      <p:transition spd="med" p14:dur="700">
-        <p:fade/>
-      </p:transition>
-    </mc:Choice>
-    <mc:Fallback xmlns="">
-      <p:transition spd="med">
-        <p:fade/>
-      </p:transition>
-    </mc:Fallback>
-  </mc:AlternateContent>
-  <p:timing>
-    <p:tnLst>
-      <p:par>
-        <p:cTn id="1" dur="indefinite" restart="never" nodeType="tmRoot"/>
-      </p:par>
-    </p:tnLst>
-  </p:timing>
-</p:sld>
-</file>
-
-<file path=ppt/slides/slide42.xml><?xml version="1.0" encoding="utf-8"?>
-<p:sld xmlns:a="http://schemas.openxmlformats.org/drawingml/2006/main" xmlns:r="http://schemas.openxmlformats.org/officeDocument/2006/relationships" xmlns:p="http://schemas.openxmlformats.org/presentationml/2006/main">
-  <p:cSld>
-    <p:spTree>
-      <p:nvGrpSpPr>
-        <p:cNvPr id="1" name=""/>
-        <p:cNvGrpSpPr/>
-        <p:nvPr/>
-      </p:nvGrpSpPr>
-      <p:grpSpPr>
-        <a:xfrm>
-          <a:off x="0" y="0"/>
-          <a:ext cx="0" cy="0"/>
-          <a:chOff x="0" y="0"/>
-          <a:chExt cx="0" cy="0"/>
-        </a:xfrm>
-      </p:grpSpPr>
-      <p:sp>
-        <p:nvSpPr>
-          <p:cNvPr id="2" name="Title 1"/>
-          <p:cNvSpPr>
-            <a:spLocks noGrp="1"/>
-          </p:cNvSpPr>
-          <p:nvPr>
-            <p:ph type="title"/>
-          </p:nvPr>
-        </p:nvSpPr>
-        <p:spPr/>
-        <p:txBody>
-          <a:bodyPr/>
-          <a:lstStyle/>
-          <a:p>
-            <a:r>
-              <a:rPr lang="en-US" dirty="0" smtClean="0"/>
+              <a:rPr lang="en-US" dirty="0"/>
               <a:t>Point: Scale-up works if…	</a:t>
             </a:r>
-            <a:endParaRPr lang="en-US" dirty="0"/>
           </a:p>
         </p:txBody>
       </p:sp>
@@ -16678,24 +19740,24 @@
           <a:lstStyle/>
           <a:p>
             <a:r>
-              <a:rPr lang="en-US" dirty="0" smtClean="0">
-                <a:hlinkClick r:id="rId2"/>
+              <a:rPr lang="en-US" dirty="0">
+                <a:hlinkClick r:id="rId3"/>
               </a:rPr>
               <a:t>Stackoverflow.com</a:t>
             </a:r>
-            <a:endParaRPr lang="en-US" dirty="0" smtClean="0"/>
+            <a:endParaRPr lang="en-US" dirty="0"/>
           </a:p>
           <a:p>
             <a:pPr lvl="1"/>
             <a:r>
-              <a:rPr lang="en-US" dirty="0" smtClean="0"/>
+              <a:rPr lang="en-US" dirty="0"/>
               <a:t>The exception that proves the rule.</a:t>
             </a:r>
           </a:p>
           <a:p>
             <a:pPr lvl="1"/>
             <a:r>
-              <a:rPr lang="en-US" dirty="0" smtClean="0"/>
+              <a:rPr lang="en-US" dirty="0"/>
               <a:t>All with SQL Server!</a:t>
             </a:r>
           </a:p>
@@ -16704,12 +19766,8 @@
               <a:buNone/>
             </a:pPr>
             <a:r>
-              <a:rPr lang="en-US" sz="1200" dirty="0" smtClean="0"/>
-              <a:t>“</a:t>
-            </a:r>
-            <a:r>
               <a:rPr lang="en-US" sz="1200" dirty="0"/>
-              <a:t>Stack Overflow still uses Microsoft products. Microsoft infrastructure works and is cheap enough, so there’s no compelling reason to change. Yet SO is pragmatic. They use Linux where it makes sense. There’s no purity push to make everything Linux or keep everything Microsoft. That wouldn’t be efficient. </a:t>
+              <a:t>“Stack Overflow still uses Microsoft products. Microsoft infrastructure works and is cheap enough, so there’s no compelling reason to change. Yet SO is pragmatic. They use Linux where it makes sense. There’s no purity push to make everything Linux or keep everything Microsoft. That wouldn’t be efficient. </a:t>
             </a:r>
           </a:p>
           <a:p>
@@ -16726,13 +19784,8 @@
             </a:r>
             <a:r>
               <a:rPr lang="en-US" sz="1200" dirty="0"/>
-              <a:t>The cloud would also slow them down, making it harder to optimize and troubleshoot system issues. Plus, SO doesn’t need a horizontal scaling strategy. Large peak loads, where scaling out makes sense, hasn’t  been a problem because they’ve been quite successful at sizing their system correctly</a:t>
-            </a:r>
-            <a:r>
-              <a:rPr lang="en-US" sz="1200" dirty="0" smtClean="0"/>
-              <a:t>.”</a:t>
-            </a:r>
-            <a:endParaRPr lang="en-US" sz="1200" dirty="0"/>
+              <a:t>The cloud would also slow them down, making it harder to optimize and troubleshoot system issues. Plus, SO doesn’t need a horizontal scaling strategy. Large peak loads, where scaling out makes sense, hasn’t  been a problem because they’ve been quite successful at sizing their system correctly.”</a:t>
+            </a:r>
           </a:p>
         </p:txBody>
       </p:sp>
@@ -16745,7 +19798,7 @@
           <p:nvPr/>
         </p:nvPicPr>
         <p:blipFill>
-          <a:blip r:embed="rId3"/>
+          <a:blip r:embed="rId4"/>
           <a:stretch>
             <a:fillRect/>
           </a:stretch>
@@ -16782,17 +19835,10 @@
       </p:transition>
     </mc:Fallback>
   </mc:AlternateContent>
-  <p:timing>
-    <p:tnLst>
-      <p:par>
-        <p:cTn id="1" dur="indefinite" restart="never" nodeType="tmRoot"/>
-      </p:par>
-    </p:tnLst>
-  </p:timing>
 </p:sld>
 </file>
 
-<file path=ppt/slides/slide43.xml><?xml version="1.0" encoding="utf-8"?>
+<file path=ppt/slides/slide41.xml><?xml version="1.0" encoding="utf-8"?>
 <p:sld xmlns:a="http://schemas.openxmlformats.org/drawingml/2006/main" xmlns:r="http://schemas.openxmlformats.org/officeDocument/2006/relationships" xmlns:p="http://schemas.openxmlformats.org/presentationml/2006/main">
   <p:cSld>
     <p:spTree>
@@ -16825,18 +19871,17 @@
           <a:lstStyle/>
           <a:p>
             <a:r>
-              <a:rPr lang="en-US" dirty="0" smtClean="0"/>
+              <a:rPr lang="en-US" dirty="0"/>
               <a:t>Things to </a:t>
             </a:r>
             <a:r>
-              <a:rPr lang="en-US" dirty="0" err="1" smtClean="0"/>
+              <a:rPr lang="en-US" dirty="0" err="1"/>
               <a:t>grok</a:t>
             </a:r>
             <a:r>
-              <a:rPr lang="en-US" dirty="0" smtClean="0"/>
+              <a:rPr lang="en-US" dirty="0"/>
               <a:t>: The app is everything at once</a:t>
             </a:r>
-            <a:endParaRPr lang="en-US" dirty="0"/>
           </a:p>
         </p:txBody>
       </p:sp>
@@ -16856,44 +19901,44 @@
           <a:lstStyle/>
           <a:p>
             <a:r>
-              <a:rPr lang="en-US" dirty="0" smtClean="0"/>
+              <a:rPr lang="en-US" dirty="0"/>
               <a:t>Two or more levels of architecture: </a:t>
             </a:r>
           </a:p>
           <a:p>
             <a:pPr lvl="1"/>
             <a:r>
-              <a:rPr lang="en-US" dirty="0" err="1" smtClean="0"/>
+              <a:rPr lang="en-US" dirty="0" err="1"/>
               <a:t>Microservices</a:t>
             </a:r>
             <a:r>
-              <a:rPr lang="en-US" dirty="0" smtClean="0"/>
+              <a:rPr lang="en-US" dirty="0"/>
               <a:t> themselves</a:t>
             </a:r>
           </a:p>
           <a:p>
             <a:pPr lvl="1"/>
             <a:r>
-              <a:rPr lang="en-US" dirty="0" smtClean="0"/>
+              <a:rPr lang="en-US" dirty="0"/>
               <a:t>How all the </a:t>
             </a:r>
             <a:r>
-              <a:rPr lang="en-US" dirty="0" err="1" smtClean="0"/>
+              <a:rPr lang="en-US" dirty="0" err="1"/>
               <a:t>microservices</a:t>
             </a:r>
             <a:r>
-              <a:rPr lang="en-US" dirty="0" smtClean="0"/>
+              <a:rPr lang="en-US" dirty="0"/>
               <a:t> work together</a:t>
             </a:r>
           </a:p>
           <a:p>
             <a:pPr lvl="1"/>
             <a:r>
-              <a:rPr lang="en-US" dirty="0" smtClean="0"/>
+              <a:rPr lang="en-US" dirty="0"/>
               <a:t>The infrastructure that makes them happen – that’s </a:t>
             </a:r>
             <a:r>
-              <a:rPr lang="en-US" smtClean="0"/>
+              <a:rPr lang="en-US"/>
               <a:t>all software now</a:t>
             </a:r>
             <a:endParaRPr lang="en-US" dirty="0"/>
@@ -16922,13 +19967,6 @@
       </p:transition>
     </mc:Fallback>
   </mc:AlternateContent>
-  <p:timing>
-    <p:tnLst>
-      <p:par>
-        <p:cTn id="1" dur="indefinite" restart="never" nodeType="tmRoot"/>
-      </p:par>
-    </p:tnLst>
-  </p:timing>
 </p:sld>
 </file>
 
@@ -16965,34 +20003,33 @@
           <a:lstStyle/>
           <a:p>
             <a:r>
-              <a:rPr lang="en-US" dirty="0" smtClean="0"/>
+              <a:rPr lang="en-US" dirty="0"/>
               <a:t>Adrian </a:t>
             </a:r>
             <a:r>
-              <a:rPr lang="en-US" dirty="0" err="1" smtClean="0"/>
+              <a:rPr lang="en-US" dirty="0" err="1"/>
               <a:t>Cockroft’s</a:t>
             </a:r>
             <a:r>
-              <a:rPr lang="en-US" dirty="0" smtClean="0"/>
+              <a:rPr lang="en-US" dirty="0"/>
               <a:t> version of Adrian </a:t>
             </a:r>
             <a:r>
-              <a:rPr lang="en-US" dirty="0" err="1" smtClean="0"/>
+              <a:rPr lang="en-US" dirty="0" err="1"/>
               <a:t>Cockroft</a:t>
             </a:r>
             <a:r>
-              <a:rPr lang="en-US" dirty="0" smtClean="0"/>
+              <a:rPr lang="en-US" dirty="0"/>
               <a:t> (formerly of </a:t>
             </a:r>
             <a:r>
-              <a:rPr lang="en-US" dirty="0" err="1" smtClean="0"/>
+              <a:rPr lang="en-US" dirty="0" err="1"/>
               <a:t>netflix</a:t>
             </a:r>
             <a:r>
-              <a:rPr lang="en-US" dirty="0" smtClean="0"/>
+              <a:rPr lang="en-US" dirty="0"/>
               <a:t>)</a:t>
             </a:r>
-            <a:endParaRPr lang="en-US" dirty="0"/>
           </a:p>
         </p:txBody>
       </p:sp>
@@ -17007,7 +20044,7 @@
           </p:nvPr>
         </p:nvPicPr>
         <p:blipFill>
-          <a:blip r:embed="rId2"/>
+          <a:blip r:embed="rId3"/>
           <a:stretch>
             <a:fillRect/>
           </a:stretch>
@@ -17032,13 +20069,6 @@
   <p:clrMapOvr>
     <a:masterClrMapping/>
   </p:clrMapOvr>
-  <p:timing>
-    <p:tnLst>
-      <p:par>
-        <p:cTn id="1" dur="indefinite" restart="never" nodeType="tmRoot"/>
-      </p:par>
-    </p:tnLst>
-  </p:timing>
 </p:sld>
 </file>
 
@@ -17075,10 +20105,9 @@
           <a:lstStyle/>
           <a:p>
             <a:r>
-              <a:rPr lang="en-US" dirty="0" smtClean="0"/>
+              <a:rPr lang="en-US" dirty="0"/>
               <a:t>Let’s break out the similarities:</a:t>
             </a:r>
-            <a:endParaRPr lang="en-US" dirty="0"/>
           </a:p>
         </p:txBody>
       </p:sp>
@@ -17098,52 +20127,52 @@
           <a:lstStyle/>
           <a:p>
             <a:r>
-              <a:rPr lang="en-US" dirty="0" smtClean="0"/>
+              <a:rPr lang="en-US" dirty="0"/>
               <a:t>Services are focused, entirely self-sustaining, largely single processes.</a:t>
             </a:r>
           </a:p>
           <a:p>
             <a:r>
-              <a:rPr lang="en-US" dirty="0" smtClean="0"/>
+              <a:rPr lang="en-US" dirty="0"/>
               <a:t>Everything external to the </a:t>
             </a:r>
             <a:r>
-              <a:rPr lang="en-US" i="1" dirty="0" smtClean="0"/>
+              <a:rPr lang="en-US" i="1" dirty="0"/>
               <a:t>domain context</a:t>
             </a:r>
             <a:r>
-              <a:rPr lang="en-US" dirty="0" smtClean="0"/>
+              <a:rPr lang="en-US" dirty="0"/>
               <a:t> of the service is a REST call (98% case) to another service for </a:t>
             </a:r>
             <a:r>
-              <a:rPr lang="en-US" i="1" dirty="0" smtClean="0"/>
+              <a:rPr lang="en-US" i="1" dirty="0"/>
               <a:t>that domain</a:t>
             </a:r>
             <a:r>
-              <a:rPr lang="en-US" dirty="0" smtClean="0"/>
+              <a:rPr lang="en-US" dirty="0"/>
               <a:t>.</a:t>
             </a:r>
           </a:p>
           <a:p>
             <a:r>
-              <a:rPr lang="en-US" dirty="0" smtClean="0"/>
+              <a:rPr lang="en-US" dirty="0"/>
               <a:t>Never tell the team how to build the service from the point of view of another service.</a:t>
             </a:r>
           </a:p>
           <a:p>
             <a:r>
-              <a:rPr lang="en-US" dirty="0" smtClean="0"/>
+              <a:rPr lang="en-US" dirty="0"/>
               <a:t>Failing services are destroyed and replaced as fast as possible. Period.</a:t>
             </a:r>
           </a:p>
           <a:p>
             <a:r>
-              <a:rPr lang="en-US" dirty="0" smtClean="0"/>
+              <a:rPr lang="en-US" dirty="0"/>
               <a:t>At scale, monitoring, logging, and testing are identical. </a:t>
             </a:r>
           </a:p>
           <a:p>
-            <a:endParaRPr lang="en-US" dirty="0" smtClean="0"/>
+            <a:endParaRPr lang="en-US" dirty="0"/>
           </a:p>
           <a:p>
             <a:endParaRPr lang="en-US" dirty="0"/>
@@ -17546,26 +20575,25 @@
           <a:lstStyle/>
           <a:p>
             <a:r>
-              <a:rPr lang="en-US" dirty="0" smtClean="0"/>
+              <a:rPr lang="en-US" dirty="0"/>
               <a:t>Thing to </a:t>
             </a:r>
             <a:r>
-              <a:rPr lang="en-US" dirty="0" err="1" smtClean="0"/>
+              <a:rPr lang="en-US" dirty="0" err="1"/>
               <a:t>grok</a:t>
             </a:r>
             <a:r>
-              <a:rPr lang="en-US" dirty="0" smtClean="0"/>
+              <a:rPr lang="en-US" dirty="0"/>
               <a:t>: </a:t>
             </a:r>
             <a:r>
-              <a:rPr lang="en-US" dirty="0" err="1" smtClean="0"/>
+              <a:rPr lang="en-US" dirty="0" err="1"/>
               <a:t>Microservices</a:t>
             </a:r>
             <a:r>
-              <a:rPr lang="en-US" dirty="0" smtClean="0"/>
+              <a:rPr lang="en-US" dirty="0"/>
               <a:t> are autonomous single processes</a:t>
             </a:r>
-            <a:endParaRPr lang="en-US" dirty="0"/>
           </a:p>
         </p:txBody>
       </p:sp>
@@ -17585,89 +20613,89 @@
           <a:lstStyle/>
           <a:p>
             <a:r>
-              <a:rPr lang="en-US" dirty="0" smtClean="0"/>
+              <a:rPr lang="en-US" dirty="0"/>
               <a:t>What does this even </a:t>
             </a:r>
             <a:r>
-              <a:rPr lang="en-US" i="1" dirty="0" smtClean="0"/>
+              <a:rPr lang="en-US" i="1" dirty="0"/>
               <a:t>mean?</a:t>
             </a:r>
           </a:p>
           <a:p>
             <a:r>
-              <a:rPr lang="en-US" i="1" dirty="0" smtClean="0"/>
+              <a:rPr lang="en-US" i="1" dirty="0"/>
               <a:t>Means everything necessary to do that thing are in the service, and no more.</a:t>
             </a:r>
           </a:p>
           <a:p>
             <a:pPr lvl="1"/>
             <a:r>
-              <a:rPr lang="en-US" dirty="0" smtClean="0"/>
+              <a:rPr lang="en-US" dirty="0"/>
               <a:t>All the code</a:t>
             </a:r>
           </a:p>
           <a:p>
             <a:pPr lvl="1"/>
             <a:r>
-              <a:rPr lang="en-US" dirty="0" smtClean="0"/>
+              <a:rPr lang="en-US" dirty="0"/>
               <a:t>All the configuration</a:t>
             </a:r>
           </a:p>
           <a:p>
             <a:pPr lvl="1"/>
             <a:r>
-              <a:rPr lang="en-US" dirty="0" smtClean="0"/>
+              <a:rPr lang="en-US" dirty="0"/>
               <a:t>Nothing, not one thing, more</a:t>
             </a:r>
           </a:p>
           <a:p>
             <a:r>
-              <a:rPr lang="en-US" dirty="0" smtClean="0"/>
+              <a:rPr lang="en-US" dirty="0"/>
               <a:t>Architectural issue: </a:t>
             </a:r>
           </a:p>
           <a:p>
             <a:pPr lvl="1"/>
             <a:r>
-              <a:rPr lang="en-US" dirty="0" smtClean="0"/>
+              <a:rPr lang="en-US" dirty="0"/>
               <a:t>Java app inside tomcat?</a:t>
             </a:r>
           </a:p>
           <a:p>
             <a:pPr lvl="1"/>
             <a:r>
-              <a:rPr lang="en-US" dirty="0" smtClean="0"/>
+              <a:rPr lang="en-US" dirty="0"/>
               <a:t>Nginx and </a:t>
             </a:r>
             <a:r>
-              <a:rPr lang="en-US" dirty="0" err="1" smtClean="0"/>
+              <a:rPr lang="en-US" dirty="0" err="1"/>
               <a:t>mysql</a:t>
             </a:r>
             <a:r>
-              <a:rPr lang="en-US" dirty="0" smtClean="0"/>
+              <a:rPr lang="en-US" dirty="0"/>
               <a:t>?</a:t>
             </a:r>
           </a:p>
           <a:p>
             <a:pPr lvl="1"/>
             <a:r>
-              <a:rPr lang="en-US" dirty="0" smtClean="0"/>
+              <a:rPr lang="en-US" dirty="0"/>
               <a:t>Nginx and </a:t>
             </a:r>
             <a:r>
-              <a:rPr lang="en-US" dirty="0" err="1" smtClean="0"/>
+              <a:rPr lang="en-US" dirty="0" err="1"/>
               <a:t>redis</a:t>
             </a:r>
             <a:r>
-              <a:rPr lang="en-US" dirty="0" smtClean="0"/>
+              <a:rPr lang="en-US" dirty="0"/>
               <a:t>/</a:t>
             </a:r>
             <a:r>
-              <a:rPr lang="en-US" dirty="0" err="1" smtClean="0"/>
+              <a:rPr lang="en-US" dirty="0" err="1"/>
               <a:t>memached</a:t>
             </a:r>
             <a:r>
-              <a:rPr lang="en-US" dirty="0" smtClean="0"/>
+              <a:rPr lang="en-US" dirty="0"/>
               <a:t>?</a:t>
             </a:r>
           </a:p>
@@ -18723,39 +21751,8 @@
                 </a:gradFill>
                 <a:latin typeface="+mj-lt"/>
               </a:rPr>
-              <a:t>stuff everything into one </a:t>
-            </a:r>
-            <a:r>
-              <a:rPr lang="en-US" sz="2353" dirty="0" smtClean="0">
-                <a:gradFill>
-                  <a:gsLst>
-                    <a:gs pos="2917">
-                      <a:schemeClr val="tx1"/>
-                    </a:gs>
-                    <a:gs pos="30000">
-                      <a:schemeClr val="tx1"/>
-                    </a:gs>
-                  </a:gsLst>
-                  <a:lin ang="5400000" scaled="0"/>
-                </a:gradFill>
-                <a:latin typeface="+mj-lt"/>
-              </a:rPr>
-              <a:t>service...</a:t>
-            </a:r>
-            <a:endParaRPr lang="en-US" sz="2353" dirty="0">
-              <a:gradFill>
-                <a:gsLst>
-                  <a:gs pos="2917">
-                    <a:schemeClr val="tx1"/>
-                  </a:gs>
-                  <a:gs pos="30000">
-                    <a:schemeClr val="tx1"/>
-                  </a:gs>
-                </a:gsLst>
-                <a:lin ang="5400000" scaled="0"/>
-              </a:gradFill>
-              <a:latin typeface="+mj-lt"/>
-            </a:endParaRPr>
+              <a:t>stuff everything into one service...</a:t>
+            </a:r>
           </a:p>
         </p:txBody>
       </p:sp>
@@ -18924,13 +21921,6 @@
       </p:transition>
     </mc:Fallback>
   </mc:AlternateContent>
-  <p:timing>
-    <p:tnLst>
-      <p:par>
-        <p:cTn id="1" dur="indefinite" restart="never" nodeType="tmRoot"/>
-      </p:par>
-    </p:tnLst>
-  </p:timing>
 </p:sld>
 </file>
 
@@ -19374,39 +22364,8 @@
                 </a:gradFill>
                 <a:latin typeface="+mj-lt"/>
               </a:rPr>
-              <a:t>We’ll pick functionally atomic units to turn into </a:t>
-            </a:r>
-            <a:r>
-              <a:rPr lang="en-US" sz="2353" dirty="0" smtClean="0">
-                <a:gradFill>
-                  <a:gsLst>
-                    <a:gs pos="2917">
-                      <a:schemeClr val="tx1"/>
-                    </a:gs>
-                    <a:gs pos="30000">
-                      <a:schemeClr val="tx1"/>
-                    </a:gs>
-                  </a:gsLst>
-                  <a:lin ang="5400000" scaled="0"/>
-                </a:gradFill>
-                <a:latin typeface="+mj-lt"/>
-              </a:rPr>
-              <a:t>services.</a:t>
-            </a:r>
-            <a:endParaRPr lang="en-US" sz="2353" dirty="0">
-              <a:gradFill>
-                <a:gsLst>
-                  <a:gs pos="2917">
-                    <a:schemeClr val="tx1"/>
-                  </a:gs>
-                  <a:gs pos="30000">
-                    <a:schemeClr val="tx1"/>
-                  </a:gs>
-                </a:gsLst>
-                <a:lin ang="5400000" scaled="0"/>
-              </a:gradFill>
-              <a:latin typeface="+mj-lt"/>
-            </a:endParaRPr>
+              <a:t>We’ll pick functionally atomic units to turn into services.</a:t>
+            </a:r>
           </a:p>
         </p:txBody>
       </p:sp>
@@ -19706,13 +22665,6 @@
       </p:transition>
     </mc:Fallback>
   </mc:AlternateContent>
-  <p:timing>
-    <p:tnLst>
-      <p:par>
-        <p:cTn id="1" dur="indefinite" restart="never" nodeType="tmRoot"/>
-      </p:par>
-    </p:tnLst>
-  </p:timing>
 </p:sld>
 </file>
 
@@ -19980,4 +22932,299 @@
     </a:ext>
   </a:extLst>
 </a:theme>
+</file>
+
+<file path=ppt/theme/theme2.xml><?xml version="1.0" encoding="utf-8"?>
+<a:theme xmlns:a="http://schemas.openxmlformats.org/drawingml/2006/main" name="Office Theme">
+  <a:themeElements>
+    <a:clrScheme name="Office">
+      <a:dk1>
+        <a:sysClr val="windowText" lastClr="000000"/>
+      </a:dk1>
+      <a:lt1>
+        <a:sysClr val="window" lastClr="FFFFFF"/>
+      </a:lt1>
+      <a:dk2>
+        <a:srgbClr val="44546A"/>
+      </a:dk2>
+      <a:lt2>
+        <a:srgbClr val="E7E6E6"/>
+      </a:lt2>
+      <a:accent1>
+        <a:srgbClr val="4472C4"/>
+      </a:accent1>
+      <a:accent2>
+        <a:srgbClr val="ED7D31"/>
+      </a:accent2>
+      <a:accent3>
+        <a:srgbClr val="A5A5A5"/>
+      </a:accent3>
+      <a:accent4>
+        <a:srgbClr val="FFC000"/>
+      </a:accent4>
+      <a:accent5>
+        <a:srgbClr val="5B9BD5"/>
+      </a:accent5>
+      <a:accent6>
+        <a:srgbClr val="70AD47"/>
+      </a:accent6>
+      <a:hlink>
+        <a:srgbClr val="0563C1"/>
+      </a:hlink>
+      <a:folHlink>
+        <a:srgbClr val="954F72"/>
+      </a:folHlink>
+    </a:clrScheme>
+    <a:fontScheme name="Office">
+      <a:majorFont>
+        <a:latin typeface="Calibri Light" panose="020F0302020204030204"/>
+        <a:ea typeface=""/>
+        <a:cs typeface=""/>
+        <a:font script="Jpan" typeface="游ゴシック Light"/>
+        <a:font script="Hang" typeface="맑은 고딕"/>
+        <a:font script="Hans" typeface="等线 Light"/>
+        <a:font script="Hant" typeface="新細明體"/>
+        <a:font script="Arab" typeface="Times New Roman"/>
+        <a:font script="Hebr" typeface="Times New Roman"/>
+        <a:font script="Thai" typeface="Angsana New"/>
+        <a:font script="Ethi" typeface="Nyala"/>
+        <a:font script="Beng" typeface="Vrinda"/>
+        <a:font script="Gujr" typeface="Shruti"/>
+        <a:font script="Khmr" typeface="MoolBoran"/>
+        <a:font script="Knda" typeface="Tunga"/>
+        <a:font script="Guru" typeface="Raavi"/>
+        <a:font script="Cans" typeface="Euphemia"/>
+        <a:font script="Cher" typeface="Plantagenet Cherokee"/>
+        <a:font script="Yiii" typeface="Microsoft Yi Baiti"/>
+        <a:font script="Tibt" typeface="Microsoft Himalaya"/>
+        <a:font script="Thaa" typeface="MV Boli"/>
+        <a:font script="Deva" typeface="Mangal"/>
+        <a:font script="Telu" typeface="Gautami"/>
+        <a:font script="Taml" typeface="Latha"/>
+        <a:font script="Syrc" typeface="Estrangelo Edessa"/>
+        <a:font script="Orya" typeface="Kalinga"/>
+        <a:font script="Mlym" typeface="Kartika"/>
+        <a:font script="Laoo" typeface="DokChampa"/>
+        <a:font script="Sinh" typeface="Iskoola Pota"/>
+        <a:font script="Mong" typeface="Mongolian Baiti"/>
+        <a:font script="Viet" typeface="Times New Roman"/>
+        <a:font script="Uigh" typeface="Microsoft Uighur"/>
+        <a:font script="Geor" typeface="Sylfaen"/>
+        <a:font script="Armn" typeface="Arial"/>
+        <a:font script="Bugi" typeface="Leelawadee UI"/>
+        <a:font script="Bopo" typeface="Microsoft JhengHei"/>
+        <a:font script="Java" typeface="Javanese Text"/>
+        <a:font script="Lisu" typeface="Segoe UI"/>
+        <a:font script="Mymr" typeface="Myanmar Text"/>
+        <a:font script="Nkoo" typeface="Ebrima"/>
+        <a:font script="Olck" typeface="Nirmala UI"/>
+        <a:font script="Osma" typeface="Ebrima"/>
+        <a:font script="Phag" typeface="Phagspa"/>
+        <a:font script="Syrn" typeface="Estrangelo Edessa"/>
+        <a:font script="Syrj" typeface="Estrangelo Edessa"/>
+        <a:font script="Syre" typeface="Estrangelo Edessa"/>
+        <a:font script="Sora" typeface="Nirmala UI"/>
+        <a:font script="Tale" typeface="Microsoft Tai Le"/>
+        <a:font script="Talu" typeface="Microsoft New Tai Lue"/>
+        <a:font script="Tfng" typeface="Ebrima"/>
+      </a:majorFont>
+      <a:minorFont>
+        <a:latin typeface="Calibri" panose="020F0502020204030204"/>
+        <a:ea typeface=""/>
+        <a:cs typeface=""/>
+        <a:font script="Jpan" typeface="游ゴシック"/>
+        <a:font script="Hang" typeface="맑은 고딕"/>
+        <a:font script="Hans" typeface="等线"/>
+        <a:font script="Hant" typeface="新細明體"/>
+        <a:font script="Arab" typeface="Arial"/>
+        <a:font script="Hebr" typeface="Arial"/>
+        <a:font script="Thai" typeface="Cordia New"/>
+        <a:font script="Ethi" typeface="Nyala"/>
+        <a:font script="Beng" typeface="Vrinda"/>
+        <a:font script="Gujr" typeface="Shruti"/>
+        <a:font script="Khmr" typeface="DaunPenh"/>
+        <a:font script="Knda" typeface="Tunga"/>
+        <a:font script="Guru" typeface="Raavi"/>
+        <a:font script="Cans" typeface="Euphemia"/>
+        <a:font script="Cher" typeface="Plantagenet Cherokee"/>
+        <a:font script="Yiii" typeface="Microsoft Yi Baiti"/>
+        <a:font script="Tibt" typeface="Microsoft Himalaya"/>
+        <a:font script="Thaa" typeface="MV Boli"/>
+        <a:font script="Deva" typeface="Mangal"/>
+        <a:font script="Telu" typeface="Gautami"/>
+        <a:font script="Taml" typeface="Latha"/>
+        <a:font script="Syrc" typeface="Estrangelo Edessa"/>
+        <a:font script="Orya" typeface="Kalinga"/>
+        <a:font script="Mlym" typeface="Kartika"/>
+        <a:font script="Laoo" typeface="DokChampa"/>
+        <a:font script="Sinh" typeface="Iskoola Pota"/>
+        <a:font script="Mong" typeface="Mongolian Baiti"/>
+        <a:font script="Viet" typeface="Arial"/>
+        <a:font script="Uigh" typeface="Microsoft Uighur"/>
+        <a:font script="Geor" typeface="Sylfaen"/>
+        <a:font script="Armn" typeface="Arial"/>
+        <a:font script="Bugi" typeface="Leelawadee UI"/>
+        <a:font script="Bopo" typeface="Microsoft JhengHei"/>
+        <a:font script="Java" typeface="Javanese Text"/>
+        <a:font script="Lisu" typeface="Segoe UI"/>
+        <a:font script="Mymr" typeface="Myanmar Text"/>
+        <a:font script="Nkoo" typeface="Ebrima"/>
+        <a:font script="Olck" typeface="Nirmala UI"/>
+        <a:font script="Osma" typeface="Ebrima"/>
+        <a:font script="Phag" typeface="Phagspa"/>
+        <a:font script="Syrn" typeface="Estrangelo Edessa"/>
+        <a:font script="Syrj" typeface="Estrangelo Edessa"/>
+        <a:font script="Syre" typeface="Estrangelo Edessa"/>
+        <a:font script="Sora" typeface="Nirmala UI"/>
+        <a:font script="Tale" typeface="Microsoft Tai Le"/>
+        <a:font script="Talu" typeface="Microsoft New Tai Lue"/>
+        <a:font script="Tfng" typeface="Ebrima"/>
+      </a:minorFont>
+    </a:fontScheme>
+    <a:fmtScheme name="Office">
+      <a:fillStyleLst>
+        <a:solidFill>
+          <a:schemeClr val="phClr"/>
+        </a:solidFill>
+        <a:gradFill rotWithShape="1">
+          <a:gsLst>
+            <a:gs pos="0">
+              <a:schemeClr val="phClr">
+                <a:lumMod val="110000"/>
+                <a:satMod val="105000"/>
+                <a:tint val="67000"/>
+              </a:schemeClr>
+            </a:gs>
+            <a:gs pos="50000">
+              <a:schemeClr val="phClr">
+                <a:lumMod val="105000"/>
+                <a:satMod val="103000"/>
+                <a:tint val="73000"/>
+              </a:schemeClr>
+            </a:gs>
+            <a:gs pos="100000">
+              <a:schemeClr val="phClr">
+                <a:lumMod val="105000"/>
+                <a:satMod val="109000"/>
+                <a:tint val="81000"/>
+              </a:schemeClr>
+            </a:gs>
+          </a:gsLst>
+          <a:lin ang="5400000" scaled="0"/>
+        </a:gradFill>
+        <a:gradFill rotWithShape="1">
+          <a:gsLst>
+            <a:gs pos="0">
+              <a:schemeClr val="phClr">
+                <a:satMod val="103000"/>
+                <a:lumMod val="102000"/>
+                <a:tint val="94000"/>
+              </a:schemeClr>
+            </a:gs>
+            <a:gs pos="50000">
+              <a:schemeClr val="phClr">
+                <a:satMod val="110000"/>
+                <a:lumMod val="100000"/>
+                <a:shade val="100000"/>
+              </a:schemeClr>
+            </a:gs>
+            <a:gs pos="100000">
+              <a:schemeClr val="phClr">
+                <a:lumMod val="99000"/>
+                <a:satMod val="120000"/>
+                <a:shade val="78000"/>
+              </a:schemeClr>
+            </a:gs>
+          </a:gsLst>
+          <a:lin ang="5400000" scaled="0"/>
+        </a:gradFill>
+      </a:fillStyleLst>
+      <a:lnStyleLst>
+        <a:ln w="6350" cap="flat" cmpd="sng" algn="ctr">
+          <a:solidFill>
+            <a:schemeClr val="phClr"/>
+          </a:solidFill>
+          <a:prstDash val="solid"/>
+          <a:miter lim="800000"/>
+        </a:ln>
+        <a:ln w="12700" cap="flat" cmpd="sng" algn="ctr">
+          <a:solidFill>
+            <a:schemeClr val="phClr"/>
+          </a:solidFill>
+          <a:prstDash val="solid"/>
+          <a:miter lim="800000"/>
+        </a:ln>
+        <a:ln w="19050" cap="flat" cmpd="sng" algn="ctr">
+          <a:solidFill>
+            <a:schemeClr val="phClr"/>
+          </a:solidFill>
+          <a:prstDash val="solid"/>
+          <a:miter lim="800000"/>
+        </a:ln>
+      </a:lnStyleLst>
+      <a:effectStyleLst>
+        <a:effectStyle>
+          <a:effectLst/>
+        </a:effectStyle>
+        <a:effectStyle>
+          <a:effectLst/>
+        </a:effectStyle>
+        <a:effectStyle>
+          <a:effectLst>
+            <a:outerShdw blurRad="57150" dist="19050" dir="5400000" algn="ctr" rotWithShape="0">
+              <a:srgbClr val="000000">
+                <a:alpha val="63000"/>
+              </a:srgbClr>
+            </a:outerShdw>
+          </a:effectLst>
+        </a:effectStyle>
+      </a:effectStyleLst>
+      <a:bgFillStyleLst>
+        <a:solidFill>
+          <a:schemeClr val="phClr"/>
+        </a:solidFill>
+        <a:solidFill>
+          <a:schemeClr val="phClr">
+            <a:tint val="95000"/>
+            <a:satMod val="170000"/>
+          </a:schemeClr>
+        </a:solidFill>
+        <a:gradFill rotWithShape="1">
+          <a:gsLst>
+            <a:gs pos="0">
+              <a:schemeClr val="phClr">
+                <a:tint val="93000"/>
+                <a:satMod val="150000"/>
+                <a:shade val="98000"/>
+                <a:lumMod val="102000"/>
+              </a:schemeClr>
+            </a:gs>
+            <a:gs pos="50000">
+              <a:schemeClr val="phClr">
+                <a:tint val="98000"/>
+                <a:satMod val="130000"/>
+                <a:shade val="90000"/>
+                <a:lumMod val="103000"/>
+              </a:schemeClr>
+            </a:gs>
+            <a:gs pos="100000">
+              <a:schemeClr val="phClr">
+                <a:shade val="63000"/>
+                <a:satMod val="120000"/>
+              </a:schemeClr>
+            </a:gs>
+          </a:gsLst>
+          <a:lin ang="5400000" scaled="0"/>
+        </a:gradFill>
+      </a:bgFillStyleLst>
+    </a:fmtScheme>
+  </a:themeElements>
+  <a:objectDefaults/>
+  <a:extraClrSchemeLst/>
+  <a:extLst>
+    <a:ext uri="{05A4C25C-085E-4340-85A3-A5531E510DB2}">
+      <thm15:themeFamily xmlns:thm15="http://schemas.microsoft.com/office/thememl/2012/main" name="Office Theme" id="{62F939B6-93AF-4DB8-9C6B-D6C7DFDC589F}" vid="{4A3C46E8-61CC-4603-A589-7422A47A8E4A}"/>
+    </a:ext>
+  </a:extLst>
+</a:theme>
 </file>
--- a/leap/Microservices Overview.pptx
+++ b/leap/Microservices Overview.pptx
@@ -5,7 +5,7 @@
     <p:sldMasterId id="2147483648" r:id="rId1"/>
   </p:sldMasterIdLst>
   <p:notesMasterIdLst>
-    <p:notesMasterId r:id="rId43"/>
+    <p:notesMasterId r:id="rId46"/>
   </p:notesMasterIdLst>
   <p:sldIdLst>
     <p:sldId id="256" r:id="rId2"/>
@@ -46,9 +46,12 @@
     <p:sldId id="281" r:id="rId37"/>
     <p:sldId id="282" r:id="rId38"/>
     <p:sldId id="283" r:id="rId39"/>
-    <p:sldId id="262" r:id="rId40"/>
-    <p:sldId id="298" r:id="rId41"/>
-    <p:sldId id="261" r:id="rId42"/>
+    <p:sldId id="306" r:id="rId40"/>
+    <p:sldId id="307" r:id="rId41"/>
+    <p:sldId id="305" r:id="rId42"/>
+    <p:sldId id="308" r:id="rId43"/>
+    <p:sldId id="298" r:id="rId44"/>
+    <p:sldId id="261" r:id="rId45"/>
   </p:sldIdLst>
   <p:sldSz cx="12192000" cy="6858000"/>
   <p:notesSz cx="6858000" cy="9144000"/>
@@ -202,7 +205,14 @@
             <p14:sldId id="281"/>
             <p14:sldId id="282"/>
             <p14:sldId id="283"/>
-            <p14:sldId id="262"/>
+          </p14:sldIdLst>
+        </p14:section>
+        <p14:section name="Why wouldn't you?" id="{1AA9B4D0-8412-41F3-89A5-7534166E7614}">
+          <p14:sldIdLst>
+            <p14:sldId id="306"/>
+            <p14:sldId id="307"/>
+            <p14:sldId id="305"/>
+            <p14:sldId id="308"/>
             <p14:sldId id="298"/>
             <p14:sldId id="261"/>
           </p14:sldIdLst>
@@ -302,7 +312,7 @@
           <a:p>
             <a:fld id="{174CED58-C015-4CD7-880C-0CE59ACEA2AE}" type="datetimeFigureOut">
               <a:rPr lang="en-US" smtClean="0"/>
-              <a:t>5/23/2017</a:t>
+              <a:t>5/28/2017</a:t>
             </a:fld>
             <a:endParaRPr lang="en-US"/>
           </a:p>
@@ -3331,7 +3341,7 @@
     </p:spTree>
     <p:extLst>
       <p:ext uri="{BB962C8B-B14F-4D97-AF65-F5344CB8AC3E}">
-        <p14:creationId xmlns:p14="http://schemas.microsoft.com/office/powerpoint/2010/main" val="2061919614"/>
+        <p14:creationId xmlns:p14="http://schemas.microsoft.com/office/powerpoint/2010/main" val="2845497901"/>
       </p:ext>
     </p:extLst>
   </p:cSld>
@@ -3499,7 +3509,7 @@
     </p:spTree>
     <p:extLst>
       <p:ext uri="{BB962C8B-B14F-4D97-AF65-F5344CB8AC3E}">
-        <p14:creationId xmlns:p14="http://schemas.microsoft.com/office/powerpoint/2010/main" val="510424230"/>
+        <p14:creationId xmlns:p14="http://schemas.microsoft.com/office/powerpoint/2010/main" val="1942341976"/>
       </p:ext>
     </p:extLst>
   </p:cSld>
@@ -3575,6 +3585,258 @@
             <a:fld id="{58159DD1-C078-41D7-806C-DD4037F45E63}" type="slidenum">
               <a:rPr lang="en-US" smtClean="0"/>
               <a:t>41</a:t>
+            </a:fld>
+            <a:endParaRPr lang="en-US"/>
+          </a:p>
+        </p:txBody>
+      </p:sp>
+    </p:spTree>
+    <p:extLst>
+      <p:ext uri="{BB962C8B-B14F-4D97-AF65-F5344CB8AC3E}">
+        <p14:creationId xmlns:p14="http://schemas.microsoft.com/office/powerpoint/2010/main" val="4037212216"/>
+      </p:ext>
+    </p:extLst>
+  </p:cSld>
+  <p:clrMapOvr>
+    <a:masterClrMapping/>
+  </p:clrMapOvr>
+</p:notes>
+</file>
+
+<file path=ppt/notesSlides/notesSlide42.xml><?xml version="1.0" encoding="utf-8"?>
+<p:notes xmlns:a="http://schemas.openxmlformats.org/drawingml/2006/main" xmlns:r="http://schemas.openxmlformats.org/officeDocument/2006/relationships" xmlns:p="http://schemas.openxmlformats.org/presentationml/2006/main">
+  <p:cSld>
+    <p:spTree>
+      <p:nvGrpSpPr>
+        <p:cNvPr id="1" name=""/>
+        <p:cNvGrpSpPr/>
+        <p:nvPr/>
+      </p:nvGrpSpPr>
+      <p:grpSpPr>
+        <a:xfrm>
+          <a:off x="0" y="0"/>
+          <a:ext cx="0" cy="0"/>
+          <a:chOff x="0" y="0"/>
+          <a:chExt cx="0" cy="0"/>
+        </a:xfrm>
+      </p:grpSpPr>
+      <p:sp>
+        <p:nvSpPr>
+          <p:cNvPr id="2" name="Slide Image Placeholder 1"/>
+          <p:cNvSpPr>
+            <a:spLocks noGrp="1" noRot="1" noChangeAspect="1"/>
+          </p:cNvSpPr>
+          <p:nvPr>
+            <p:ph type="sldImg"/>
+          </p:nvPr>
+        </p:nvSpPr>
+        <p:spPr/>
+      </p:sp>
+      <p:sp>
+        <p:nvSpPr>
+          <p:cNvPr id="3" name="Notes Placeholder 2"/>
+          <p:cNvSpPr>
+            <a:spLocks noGrp="1"/>
+          </p:cNvSpPr>
+          <p:nvPr>
+            <p:ph type="body" idx="1"/>
+          </p:nvPr>
+        </p:nvSpPr>
+        <p:spPr/>
+        <p:txBody>
+          <a:bodyPr/>
+          <a:lstStyle/>
+          <a:p>
+            <a:endParaRPr lang="en-US"/>
+          </a:p>
+        </p:txBody>
+      </p:sp>
+      <p:sp>
+        <p:nvSpPr>
+          <p:cNvPr id="4" name="Slide Number Placeholder 3"/>
+          <p:cNvSpPr>
+            <a:spLocks noGrp="1"/>
+          </p:cNvSpPr>
+          <p:nvPr>
+            <p:ph type="sldNum" sz="quarter" idx="10"/>
+          </p:nvPr>
+        </p:nvSpPr>
+        <p:spPr/>
+        <p:txBody>
+          <a:bodyPr/>
+          <a:lstStyle/>
+          <a:p>
+            <a:fld id="{58159DD1-C078-41D7-806C-DD4037F45E63}" type="slidenum">
+              <a:rPr lang="en-US" smtClean="0"/>
+              <a:t>42</a:t>
+            </a:fld>
+            <a:endParaRPr lang="en-US"/>
+          </a:p>
+        </p:txBody>
+      </p:sp>
+    </p:spTree>
+    <p:extLst>
+      <p:ext uri="{BB962C8B-B14F-4D97-AF65-F5344CB8AC3E}">
+        <p14:creationId xmlns:p14="http://schemas.microsoft.com/office/powerpoint/2010/main" val="2937310747"/>
+      </p:ext>
+    </p:extLst>
+  </p:cSld>
+  <p:clrMapOvr>
+    <a:masterClrMapping/>
+  </p:clrMapOvr>
+</p:notes>
+</file>
+
+<file path=ppt/notesSlides/notesSlide43.xml><?xml version="1.0" encoding="utf-8"?>
+<p:notes xmlns:a="http://schemas.openxmlformats.org/drawingml/2006/main" xmlns:r="http://schemas.openxmlformats.org/officeDocument/2006/relationships" xmlns:p="http://schemas.openxmlformats.org/presentationml/2006/main">
+  <p:cSld>
+    <p:spTree>
+      <p:nvGrpSpPr>
+        <p:cNvPr id="1" name=""/>
+        <p:cNvGrpSpPr/>
+        <p:nvPr/>
+      </p:nvGrpSpPr>
+      <p:grpSpPr>
+        <a:xfrm>
+          <a:off x="0" y="0"/>
+          <a:ext cx="0" cy="0"/>
+          <a:chOff x="0" y="0"/>
+          <a:chExt cx="0" cy="0"/>
+        </a:xfrm>
+      </p:grpSpPr>
+      <p:sp>
+        <p:nvSpPr>
+          <p:cNvPr id="2" name="Slide Image Placeholder 1"/>
+          <p:cNvSpPr>
+            <a:spLocks noGrp="1" noRot="1" noChangeAspect="1"/>
+          </p:cNvSpPr>
+          <p:nvPr>
+            <p:ph type="sldImg"/>
+          </p:nvPr>
+        </p:nvSpPr>
+        <p:spPr/>
+      </p:sp>
+      <p:sp>
+        <p:nvSpPr>
+          <p:cNvPr id="3" name="Notes Placeholder 2"/>
+          <p:cNvSpPr>
+            <a:spLocks noGrp="1"/>
+          </p:cNvSpPr>
+          <p:nvPr>
+            <p:ph type="body" idx="1"/>
+          </p:nvPr>
+        </p:nvSpPr>
+        <p:spPr/>
+        <p:txBody>
+          <a:bodyPr/>
+          <a:lstStyle/>
+          <a:p>
+            <a:endParaRPr lang="en-US"/>
+          </a:p>
+        </p:txBody>
+      </p:sp>
+      <p:sp>
+        <p:nvSpPr>
+          <p:cNvPr id="4" name="Slide Number Placeholder 3"/>
+          <p:cNvSpPr>
+            <a:spLocks noGrp="1"/>
+          </p:cNvSpPr>
+          <p:nvPr>
+            <p:ph type="sldNum" sz="quarter" idx="10"/>
+          </p:nvPr>
+        </p:nvSpPr>
+        <p:spPr/>
+        <p:txBody>
+          <a:bodyPr/>
+          <a:lstStyle/>
+          <a:p>
+            <a:fld id="{58159DD1-C078-41D7-806C-DD4037F45E63}" type="slidenum">
+              <a:rPr lang="en-US" smtClean="0"/>
+              <a:t>43</a:t>
+            </a:fld>
+            <a:endParaRPr lang="en-US"/>
+          </a:p>
+        </p:txBody>
+      </p:sp>
+    </p:spTree>
+    <p:extLst>
+      <p:ext uri="{BB962C8B-B14F-4D97-AF65-F5344CB8AC3E}">
+        <p14:creationId xmlns:p14="http://schemas.microsoft.com/office/powerpoint/2010/main" val="510424230"/>
+      </p:ext>
+    </p:extLst>
+  </p:cSld>
+  <p:clrMapOvr>
+    <a:masterClrMapping/>
+  </p:clrMapOvr>
+</p:notes>
+</file>
+
+<file path=ppt/notesSlides/notesSlide44.xml><?xml version="1.0" encoding="utf-8"?>
+<p:notes xmlns:a="http://schemas.openxmlformats.org/drawingml/2006/main" xmlns:r="http://schemas.openxmlformats.org/officeDocument/2006/relationships" xmlns:p="http://schemas.openxmlformats.org/presentationml/2006/main">
+  <p:cSld>
+    <p:spTree>
+      <p:nvGrpSpPr>
+        <p:cNvPr id="1" name=""/>
+        <p:cNvGrpSpPr/>
+        <p:nvPr/>
+      </p:nvGrpSpPr>
+      <p:grpSpPr>
+        <a:xfrm>
+          <a:off x="0" y="0"/>
+          <a:ext cx="0" cy="0"/>
+          <a:chOff x="0" y="0"/>
+          <a:chExt cx="0" cy="0"/>
+        </a:xfrm>
+      </p:grpSpPr>
+      <p:sp>
+        <p:nvSpPr>
+          <p:cNvPr id="2" name="Slide Image Placeholder 1"/>
+          <p:cNvSpPr>
+            <a:spLocks noGrp="1" noRot="1" noChangeAspect="1"/>
+          </p:cNvSpPr>
+          <p:nvPr>
+            <p:ph type="sldImg"/>
+          </p:nvPr>
+        </p:nvSpPr>
+        <p:spPr/>
+      </p:sp>
+      <p:sp>
+        <p:nvSpPr>
+          <p:cNvPr id="3" name="Notes Placeholder 2"/>
+          <p:cNvSpPr>
+            <a:spLocks noGrp="1"/>
+          </p:cNvSpPr>
+          <p:nvPr>
+            <p:ph type="body" idx="1"/>
+          </p:nvPr>
+        </p:nvSpPr>
+        <p:spPr/>
+        <p:txBody>
+          <a:bodyPr/>
+          <a:lstStyle/>
+          <a:p>
+            <a:endParaRPr lang="en-US"/>
+          </a:p>
+        </p:txBody>
+      </p:sp>
+      <p:sp>
+        <p:nvSpPr>
+          <p:cNvPr id="4" name="Slide Number Placeholder 3"/>
+          <p:cNvSpPr>
+            <a:spLocks noGrp="1"/>
+          </p:cNvSpPr>
+          <p:nvPr>
+            <p:ph type="sldNum" sz="quarter" idx="10"/>
+          </p:nvPr>
+        </p:nvSpPr>
+        <p:spPr/>
+        <p:txBody>
+          <a:bodyPr/>
+          <a:lstStyle/>
+          <a:p>
+            <a:fld id="{58159DD1-C078-41D7-806C-DD4037F45E63}" type="slidenum">
+              <a:rPr lang="en-US" smtClean="0"/>
+              <a:t>44</a:t>
             </a:fld>
             <a:endParaRPr lang="en-US"/>
           </a:p>
@@ -4199,7 +4461,7 @@
           <a:p>
             <a:fld id="{4AAD347D-5ACD-4C99-B74B-A9C85AD731AF}" type="datetimeFigureOut">
               <a:rPr lang="en-US" dirty="0"/>
-              <a:t>5/22/2017</a:t>
+              <a:t>5/28/2017</a:t>
             </a:fld>
             <a:endParaRPr lang="en-US" dirty="0"/>
           </a:p>
@@ -4469,7 +4731,7 @@
           <a:p>
             <a:fld id="{4509A250-FF31-4206-8172-F9D3106AACB1}" type="datetimeFigureOut">
               <a:rPr lang="en-US" dirty="0"/>
-              <a:t>5/22/2017</a:t>
+              <a:t>5/28/2017</a:t>
             </a:fld>
             <a:endParaRPr lang="en-US" dirty="0"/>
           </a:p>
@@ -4658,7 +4920,7 @@
           <a:p>
             <a:fld id="{4509A250-FF31-4206-8172-F9D3106AACB1}" type="datetimeFigureOut">
               <a:rPr lang="en-US" dirty="0"/>
-              <a:t>5/22/2017</a:t>
+              <a:t>5/28/2017</a:t>
             </a:fld>
             <a:endParaRPr lang="en-US" dirty="0"/>
           </a:p>
@@ -4926,7 +5188,7 @@
           <a:p>
             <a:fld id="{4509A250-FF31-4206-8172-F9D3106AACB1}" type="datetimeFigureOut">
               <a:rPr lang="en-US" dirty="0"/>
-              <a:t>5/22/2017</a:t>
+              <a:t>5/28/2017</a:t>
             </a:fld>
             <a:endParaRPr lang="en-US" dirty="0"/>
           </a:p>
@@ -5262,7 +5524,7 @@
           <a:p>
             <a:fld id="{4509A250-FF31-4206-8172-F9D3106AACB1}" type="datetimeFigureOut">
               <a:rPr lang="en-US" dirty="0"/>
-              <a:t>5/22/2017</a:t>
+              <a:t>5/28/2017</a:t>
             </a:fld>
             <a:endParaRPr lang="en-US" dirty="0"/>
           </a:p>
@@ -5880,7 +6142,7 @@
           <a:p>
             <a:fld id="{4509A250-FF31-4206-8172-F9D3106AACB1}" type="datetimeFigureOut">
               <a:rPr lang="en-US" dirty="0"/>
-              <a:t>5/22/2017</a:t>
+              <a:t>5/28/2017</a:t>
             </a:fld>
             <a:endParaRPr lang="en-US" dirty="0"/>
           </a:p>
@@ -6735,7 +6997,7 @@
           <a:p>
             <a:fld id="{4509A250-FF31-4206-8172-F9D3106AACB1}" type="datetimeFigureOut">
               <a:rPr lang="en-US" dirty="0"/>
-              <a:t>5/22/2017</a:t>
+              <a:t>5/28/2017</a:t>
             </a:fld>
             <a:endParaRPr lang="en-US" dirty="0"/>
           </a:p>
@@ -6900,7 +7162,7 @@
           <a:p>
             <a:fld id="{4509A250-FF31-4206-8172-F9D3106AACB1}" type="datetimeFigureOut">
               <a:rPr lang="en-US" dirty="0"/>
-              <a:t>5/22/2017</a:t>
+              <a:t>5/28/2017</a:t>
             </a:fld>
             <a:endParaRPr lang="en-US" dirty="0"/>
           </a:p>
@@ -7075,7 +7337,7 @@
           <a:p>
             <a:fld id="{4509A250-FF31-4206-8172-F9D3106AACB1}" type="datetimeFigureOut">
               <a:rPr lang="en-US" dirty="0"/>
-              <a:t>5/22/2017</a:t>
+              <a:t>5/28/2017</a:t>
             </a:fld>
             <a:endParaRPr lang="en-US" dirty="0"/>
           </a:p>
@@ -7304,7 +7566,7 @@
           <a:p>
             <a:fld id="{4509A250-FF31-4206-8172-F9D3106AACB1}" type="datetimeFigureOut">
               <a:rPr lang="en-US" dirty="0"/>
-              <a:t>5/22/2017</a:t>
+              <a:t>5/28/2017</a:t>
             </a:fld>
             <a:endParaRPr lang="en-US" dirty="0"/>
           </a:p>
@@ -7546,7 +7808,7 @@
           <a:p>
             <a:fld id="{9796027F-7875-4030-9381-8BD8C4F21935}" type="datetimeFigureOut">
               <a:rPr lang="en-US" dirty="0"/>
-              <a:t>5/22/2017</a:t>
+              <a:t>5/28/2017</a:t>
             </a:fld>
             <a:endParaRPr lang="en-US" dirty="0"/>
           </a:p>
@@ -7833,7 +8095,7 @@
           <a:p>
             <a:fld id="{9796027F-7875-4030-9381-8BD8C4F21935}" type="datetimeFigureOut">
               <a:rPr lang="en-US" dirty="0"/>
-              <a:t>5/22/2017</a:t>
+              <a:t>5/28/2017</a:t>
             </a:fld>
             <a:endParaRPr lang="en-US" dirty="0"/>
           </a:p>
@@ -8272,7 +8534,7 @@
           <a:p>
             <a:fld id="{9796027F-7875-4030-9381-8BD8C4F21935}" type="datetimeFigureOut">
               <a:rPr lang="en-US" dirty="0"/>
-              <a:t>5/22/2017</a:t>
+              <a:t>5/28/2017</a:t>
             </a:fld>
             <a:endParaRPr lang="en-US" dirty="0"/>
           </a:p>
@@ -8385,7 +8647,7 @@
           <a:p>
             <a:fld id="{4509A250-FF31-4206-8172-F9D3106AACB1}" type="datetimeFigureOut">
               <a:rPr lang="en-US" dirty="0"/>
-              <a:t>5/22/2017</a:t>
+              <a:t>5/28/2017</a:t>
             </a:fld>
             <a:endParaRPr lang="en-US" dirty="0"/>
           </a:p>
@@ -8475,7 +8737,7 @@
           <a:p>
             <a:fld id="{4509A250-FF31-4206-8172-F9D3106AACB1}" type="datetimeFigureOut">
               <a:rPr lang="en-US" dirty="0"/>
-              <a:t>5/22/2017</a:t>
+              <a:t>5/28/2017</a:t>
             </a:fld>
             <a:endParaRPr lang="en-US" dirty="0"/>
           </a:p>
@@ -8749,7 +9011,7 @@
           <a:p>
             <a:fld id="{4509A250-FF31-4206-8172-F9D3106AACB1}" type="datetimeFigureOut">
               <a:rPr lang="en-US" dirty="0"/>
-              <a:t>5/22/2017</a:t>
+              <a:t>5/28/2017</a:t>
             </a:fld>
             <a:endParaRPr lang="en-US" dirty="0"/>
           </a:p>
@@ -9019,7 +9281,7 @@
           <a:p>
             <a:fld id="{4509A250-FF31-4206-8172-F9D3106AACB1}" type="datetimeFigureOut">
               <a:rPr lang="en-US" dirty="0"/>
-              <a:t>5/22/2017</a:t>
+              <a:t>5/28/2017</a:t>
             </a:fld>
             <a:endParaRPr lang="en-US" dirty="0"/>
           </a:p>
@@ -9443,7 +9705,7 @@
           <a:p>
             <a:fld id="{4AAD347D-5ACD-4C99-B74B-A9C85AD731AF}" type="datetimeFigureOut">
               <a:rPr lang="en-US" dirty="0"/>
-              <a:t>5/22/2017</a:t>
+              <a:t>5/28/2017</a:t>
             </a:fld>
             <a:endParaRPr lang="en-US" dirty="0"/>
           </a:p>
@@ -18742,37 +19004,59 @@
           <a:p>
             <a:r>
               <a:rPr lang="en-US" dirty="0"/>
-              <a:t>Thing to </a:t>
-            </a:r>
-            <a:r>
-              <a:rPr lang="en-US" dirty="0" err="1"/>
-              <a:t>grok</a:t>
-            </a:r>
-            <a:r>
-              <a:rPr lang="en-US" dirty="0"/>
-              <a:t>: any blocking call should be destroyed</a:t>
-            </a:r>
-          </a:p>
-        </p:txBody>
-      </p:sp>
-      <p:sp>
-        <p:nvSpPr>
-          <p:cNvPr id="3" name="Content Placeholder 2"/>
-          <p:cNvSpPr>
-            <a:spLocks noGrp="1"/>
-          </p:cNvSpPr>
-          <p:nvPr>
-            <p:ph idx="1"/>
-          </p:nvPr>
-        </p:nvSpPr>
-        <p:spPr/>
-        <p:txBody>
-          <a:bodyPr/>
-          <a:lstStyle/>
-          <a:p>
-            <a:r>
-              <a:rPr lang="en-US" dirty="0"/>
-              <a:t>Duh. Event driven.</a:t>
+              <a:t>Scaling out has consequences</a:t>
+            </a:r>
+          </a:p>
+        </p:txBody>
+      </p:sp>
+      <p:pic>
+        <p:nvPicPr>
+          <p:cNvPr id="4" name="Picture 3"/>
+          <p:cNvPicPr>
+            <a:picLocks noChangeAspect="1"/>
+          </p:cNvPicPr>
+          <p:nvPr/>
+        </p:nvPicPr>
+        <p:blipFill>
+          <a:blip r:embed="rId3"/>
+          <a:stretch>
+            <a:fillRect/>
+          </a:stretch>
+        </p:blipFill>
+        <p:spPr>
+          <a:xfrm>
+            <a:off x="2802194" y="1365386"/>
+            <a:ext cx="7735530" cy="4716305"/>
+          </a:xfrm>
+          <a:prstGeom prst="rect">
+            <a:avLst/>
+          </a:prstGeom>
+        </p:spPr>
+      </p:pic>
+      <p:sp>
+        <p:nvSpPr>
+          <p:cNvPr id="5" name="Rectangle 4"/>
+          <p:cNvSpPr/>
+          <p:nvPr/>
+        </p:nvSpPr>
+        <p:spPr>
+          <a:xfrm>
+            <a:off x="1077533" y="6261995"/>
+            <a:ext cx="11395656" cy="369332"/>
+          </a:xfrm>
+          <a:prstGeom prst="rect">
+            <a:avLst/>
+          </a:prstGeom>
+        </p:spPr>
+        <p:txBody>
+          <a:bodyPr wrap="square">
+            <a:spAutoFit/>
+          </a:bodyPr>
+          <a:lstStyle/>
+          <a:p>
+            <a:r>
+              <a:rPr lang="en-US" dirty="0"/>
+              <a:t>http://physicsworld.com/cws/article/print/2017/may/18/the-one-scale-that-rules-them-all</a:t>
             </a:r>
           </a:p>
         </p:txBody>
@@ -18780,25 +19064,13 @@
     </p:spTree>
     <p:extLst>
       <p:ext uri="{BB962C8B-B14F-4D97-AF65-F5344CB8AC3E}">
-        <p14:creationId xmlns:p14="http://schemas.microsoft.com/office/powerpoint/2010/main" val="1752963072"/>
+        <p14:creationId xmlns:p14="http://schemas.microsoft.com/office/powerpoint/2010/main" val="1955395933"/>
       </p:ext>
     </p:extLst>
   </p:cSld>
   <p:clrMapOvr>
     <a:masterClrMapping/>
   </p:clrMapOvr>
-  <mc:AlternateContent xmlns:mc="http://schemas.openxmlformats.org/markup-compatibility/2006" xmlns:p14="http://schemas.microsoft.com/office/powerpoint/2010/main">
-    <mc:Choice Requires="p14">
-      <p:transition spd="med" p14:dur="700">
-        <p:fade/>
-      </p:transition>
-    </mc:Choice>
-    <mc:Fallback xmlns="">
-      <p:transition spd="med">
-        <p:fade/>
-      </p:transition>
-    </mc:Fallback>
-  </mc:AlternateContent>
 </p:sld>
 </file>
 
@@ -19712,6 +19984,366 @@
           <a:p>
             <a:r>
               <a:rPr lang="en-US" dirty="0"/>
+              <a:t>Scaling with Animals not like cities – or software, but…</a:t>
+            </a:r>
+          </a:p>
+        </p:txBody>
+      </p:sp>
+      <p:sp>
+        <p:nvSpPr>
+          <p:cNvPr id="3" name="Content Placeholder 2"/>
+          <p:cNvSpPr>
+            <a:spLocks noGrp="1"/>
+          </p:cNvSpPr>
+          <p:nvPr>
+            <p:ph idx="1"/>
+          </p:nvPr>
+        </p:nvSpPr>
+        <p:spPr/>
+        <p:txBody>
+          <a:bodyPr/>
+          <a:lstStyle/>
+          <a:p>
+            <a:r>
+              <a:rPr lang="en-US" dirty="0"/>
+              <a:t>Cities behave very differently, according to West. They show the same sublinear scaling when it comes to infrastructure: the bigger the city, the more efficient the distribution of its roads, cables, gas stations, power lines, railways and other infrastructure, so the fewer of those a city needs. </a:t>
+            </a:r>
+          </a:p>
+          <a:p>
+            <a:pPr lvl="1"/>
+            <a:r>
+              <a:rPr lang="en-US" dirty="0"/>
+              <a:t>-- from </a:t>
+            </a:r>
+            <a:r>
+              <a:rPr lang="en-US" i="1" dirty="0"/>
+              <a:t>Scale: the Universal Laws of Life and Death in Organisms, Cities and Companies </a:t>
+            </a:r>
+            <a:r>
+              <a:rPr lang="en-US" dirty="0"/>
+              <a:t>by Geoffrey West </a:t>
+            </a:r>
+          </a:p>
+        </p:txBody>
+      </p:sp>
+    </p:spTree>
+    <p:extLst>
+      <p:ext uri="{BB962C8B-B14F-4D97-AF65-F5344CB8AC3E}">
+        <p14:creationId xmlns:p14="http://schemas.microsoft.com/office/powerpoint/2010/main" val="694221433"/>
+      </p:ext>
+    </p:extLst>
+  </p:cSld>
+  <p:clrMapOvr>
+    <a:masterClrMapping/>
+  </p:clrMapOvr>
+</p:sld>
+</file>
+
+<file path=ppt/slides/slide41.xml><?xml version="1.0" encoding="utf-8"?>
+<p:sld xmlns:a="http://schemas.openxmlformats.org/drawingml/2006/main" xmlns:r="http://schemas.openxmlformats.org/officeDocument/2006/relationships" xmlns:p="http://schemas.openxmlformats.org/presentationml/2006/main">
+  <p:cSld>
+    <p:spTree>
+      <p:nvGrpSpPr>
+        <p:cNvPr id="1" name=""/>
+        <p:cNvGrpSpPr/>
+        <p:nvPr/>
+      </p:nvGrpSpPr>
+      <p:grpSpPr>
+        <a:xfrm>
+          <a:off x="0" y="0"/>
+          <a:ext cx="0" cy="0"/>
+          <a:chOff x="0" y="0"/>
+          <a:chExt cx="0" cy="0"/>
+        </a:xfrm>
+      </p:grpSpPr>
+      <p:sp>
+        <p:nvSpPr>
+          <p:cNvPr id="2" name="Title 1"/>
+          <p:cNvSpPr>
+            <a:spLocks noGrp="1"/>
+          </p:cNvSpPr>
+          <p:nvPr>
+            <p:ph type="title"/>
+          </p:nvPr>
+        </p:nvSpPr>
+        <p:spPr/>
+        <p:txBody>
+          <a:bodyPr/>
+          <a:lstStyle/>
+          <a:p>
+            <a:r>
+              <a:rPr lang="en-US" dirty="0"/>
+              <a:t>Issues: so….</a:t>
+            </a:r>
+          </a:p>
+        </p:txBody>
+      </p:sp>
+      <p:pic>
+        <p:nvPicPr>
+          <p:cNvPr id="4" name="Picture 3"/>
+          <p:cNvPicPr>
+            <a:picLocks noChangeAspect="1"/>
+          </p:cNvPicPr>
+          <p:nvPr/>
+        </p:nvPicPr>
+        <p:blipFill>
+          <a:blip r:embed="rId3"/>
+          <a:stretch>
+            <a:fillRect/>
+          </a:stretch>
+        </p:blipFill>
+        <p:spPr>
+          <a:xfrm>
+            <a:off x="3421070" y="1423219"/>
+            <a:ext cx="5106464" cy="4630994"/>
+          </a:xfrm>
+          <a:prstGeom prst="rect">
+            <a:avLst/>
+          </a:prstGeom>
+        </p:spPr>
+      </p:pic>
+    </p:spTree>
+    <p:extLst>
+      <p:ext uri="{BB962C8B-B14F-4D97-AF65-F5344CB8AC3E}">
+        <p14:creationId xmlns:p14="http://schemas.microsoft.com/office/powerpoint/2010/main" val="4146448437"/>
+      </p:ext>
+    </p:extLst>
+  </p:cSld>
+  <p:clrMapOvr>
+    <a:masterClrMapping/>
+  </p:clrMapOvr>
+</p:sld>
+</file>
+
+<file path=ppt/slides/slide42.xml><?xml version="1.0" encoding="utf-8"?>
+<p:sld xmlns:a="http://schemas.openxmlformats.org/drawingml/2006/main" xmlns:r="http://schemas.openxmlformats.org/officeDocument/2006/relationships" xmlns:p="http://schemas.openxmlformats.org/presentationml/2006/main">
+  <p:cSld>
+    <p:spTree>
+      <p:nvGrpSpPr>
+        <p:cNvPr id="1" name=""/>
+        <p:cNvGrpSpPr/>
+        <p:nvPr/>
+      </p:nvGrpSpPr>
+      <p:grpSpPr>
+        <a:xfrm>
+          <a:off x="0" y="0"/>
+          <a:ext cx="0" cy="0"/>
+          <a:chOff x="0" y="0"/>
+          <a:chExt cx="0" cy="0"/>
+        </a:xfrm>
+      </p:grpSpPr>
+      <p:sp>
+        <p:nvSpPr>
+          <p:cNvPr id="2" name="Title 1"/>
+          <p:cNvSpPr>
+            <a:spLocks noGrp="1"/>
+          </p:cNvSpPr>
+          <p:nvPr>
+            <p:ph type="title"/>
+          </p:nvPr>
+        </p:nvSpPr>
+        <p:spPr/>
+        <p:txBody>
+          <a:bodyPr/>
+          <a:lstStyle/>
+          <a:p>
+            <a:r>
+              <a:rPr lang="en-US" dirty="0"/>
+              <a:t>8 ways to go wrong</a:t>
+            </a:r>
+          </a:p>
+        </p:txBody>
+      </p:sp>
+      <p:sp>
+        <p:nvSpPr>
+          <p:cNvPr id="3" name="Content Placeholder 2"/>
+          <p:cNvSpPr>
+            <a:spLocks noGrp="1"/>
+          </p:cNvSpPr>
+          <p:nvPr>
+            <p:ph idx="1"/>
+          </p:nvPr>
+        </p:nvSpPr>
+        <p:spPr/>
+        <p:txBody>
+          <a:bodyPr>
+            <a:normAutofit lnSpcReduction="10000"/>
+          </a:bodyPr>
+          <a:lstStyle/>
+          <a:p>
+            <a:r>
+              <a:rPr lang="en-US" b="1" i="1" dirty="0"/>
+              <a:t>You are not Netflix, stop trying to be them!</a:t>
+            </a:r>
+            <a:r>
+              <a:rPr lang="en-US" b="1" dirty="0"/>
+              <a:t>﻿</a:t>
+            </a:r>
+          </a:p>
+          <a:p>
+            <a:r>
+              <a:rPr lang="en-US" b="1" i="1" dirty="0"/>
+              <a:t>Stop worrying about Small! The '</a:t>
+            </a:r>
+            <a:r>
+              <a:rPr lang="en-US" b="1" i="1" dirty="0" err="1"/>
+              <a:t>Micro'services</a:t>
+            </a:r>
+            <a:r>
+              <a:rPr lang="en-US" b="1" i="1" dirty="0"/>
+              <a:t> label sucks</a:t>
+            </a:r>
+          </a:p>
+          <a:p>
+            <a:r>
+              <a:rPr lang="en-US" b="1" dirty="0"/>
+              <a:t>You must go public cloud or 'Cloud Native’</a:t>
+            </a:r>
+          </a:p>
+          <a:p>
+            <a:r>
+              <a:rPr lang="en-US" b="1" dirty="0"/>
+              <a:t>Thinking that you </a:t>
+            </a:r>
+            <a:r>
+              <a:rPr lang="en-US" b="1" i="1" dirty="0"/>
+              <a:t>must</a:t>
+            </a:r>
+            <a:r>
+              <a:rPr lang="en-US" b="1" dirty="0"/>
+              <a:t> use Docker, or containers</a:t>
+            </a:r>
+          </a:p>
+          <a:p>
+            <a:r>
+              <a:rPr lang="en-US" b="1" dirty="0"/>
+              <a:t>Thinking that you </a:t>
+            </a:r>
+            <a:r>
+              <a:rPr lang="en-US" b="1" i="1" dirty="0"/>
+              <a:t>must</a:t>
+            </a:r>
+            <a:r>
+              <a:rPr lang="en-US" b="1" dirty="0"/>
+              <a:t> worry about exactly how many lines of code are in your microservices</a:t>
+            </a:r>
+          </a:p>
+          <a:p>
+            <a:r>
+              <a:rPr lang="en-US" b="1" dirty="0"/>
+              <a:t>Thinking that this needs to be a big-bang </a:t>
+            </a:r>
+            <a:r>
+              <a:rPr lang="en-US" b="1" dirty="0" err="1"/>
+              <a:t>organisational</a:t>
+            </a:r>
+            <a:r>
+              <a:rPr lang="en-US" b="1" dirty="0"/>
+              <a:t> to even work</a:t>
+            </a:r>
+          </a:p>
+          <a:p>
+            <a:r>
+              <a:rPr lang="en-US" b="1" dirty="0"/>
+              <a:t>You MUST use REST, and entity/resource-</a:t>
+            </a:r>
+            <a:r>
+              <a:rPr lang="en-US" b="1" dirty="0" err="1"/>
+              <a:t>focussed</a:t>
+            </a:r>
+            <a:r>
+              <a:rPr lang="en-US" b="1" dirty="0"/>
+              <a:t>, communication throughout</a:t>
+            </a:r>
+          </a:p>
+          <a:p>
+            <a:r>
+              <a:rPr lang="en-US" b="1" dirty="0"/>
+              <a:t>You MUST reuse microservices across your </a:t>
+            </a:r>
+            <a:r>
+              <a:rPr lang="en-US" b="1" dirty="0" err="1"/>
+              <a:t>organisation</a:t>
+            </a:r>
+            <a:endParaRPr lang="en-US" dirty="0"/>
+          </a:p>
+        </p:txBody>
+      </p:sp>
+      <p:sp>
+        <p:nvSpPr>
+          <p:cNvPr id="4" name="Rectangle 3"/>
+          <p:cNvSpPr/>
+          <p:nvPr/>
+        </p:nvSpPr>
+        <p:spPr>
+          <a:xfrm rot="16200000">
+            <a:off x="8432679" y="3023126"/>
+            <a:ext cx="6859694" cy="307777"/>
+          </a:xfrm>
+          <a:prstGeom prst="rect">
+            <a:avLst/>
+          </a:prstGeom>
+        </p:spPr>
+        <p:txBody>
+          <a:bodyPr wrap="square">
+            <a:spAutoFit/>
+          </a:bodyPr>
+          <a:lstStyle/>
+          <a:p>
+            <a:r>
+              <a:rPr lang="en-US" sz="1400" dirty="0"/>
+              <a:t>http://www.russmiles.com/essais/8-ways-to-lose-at-microservices-adoption</a:t>
+            </a:r>
+          </a:p>
+        </p:txBody>
+      </p:sp>
+    </p:spTree>
+    <p:extLst>
+      <p:ext uri="{BB962C8B-B14F-4D97-AF65-F5344CB8AC3E}">
+        <p14:creationId xmlns:p14="http://schemas.microsoft.com/office/powerpoint/2010/main" val="461442728"/>
+      </p:ext>
+    </p:extLst>
+  </p:cSld>
+  <p:clrMapOvr>
+    <a:masterClrMapping/>
+  </p:clrMapOvr>
+</p:sld>
+</file>
+
+<file path=ppt/slides/slide43.xml><?xml version="1.0" encoding="utf-8"?>
+<p:sld xmlns:a="http://schemas.openxmlformats.org/drawingml/2006/main" xmlns:r="http://schemas.openxmlformats.org/officeDocument/2006/relationships" xmlns:p="http://schemas.openxmlformats.org/presentationml/2006/main">
+  <p:cSld>
+    <p:spTree>
+      <p:nvGrpSpPr>
+        <p:cNvPr id="1" name=""/>
+        <p:cNvGrpSpPr/>
+        <p:nvPr/>
+      </p:nvGrpSpPr>
+      <p:grpSpPr>
+        <a:xfrm>
+          <a:off x="0" y="0"/>
+          <a:ext cx="0" cy="0"/>
+          <a:chOff x="0" y="0"/>
+          <a:chExt cx="0" cy="0"/>
+        </a:xfrm>
+      </p:grpSpPr>
+      <p:sp>
+        <p:nvSpPr>
+          <p:cNvPr id="2" name="Title 1"/>
+          <p:cNvSpPr>
+            <a:spLocks noGrp="1"/>
+          </p:cNvSpPr>
+          <p:nvPr>
+            <p:ph type="title"/>
+          </p:nvPr>
+        </p:nvSpPr>
+        <p:spPr/>
+        <p:txBody>
+          <a:bodyPr/>
+          <a:lstStyle/>
+          <a:p>
+            <a:r>
+              <a:rPr lang="en-US" dirty="0"/>
               <a:t>Point: Scale-up works if…	</a:t>
             </a:r>
           </a:p>
@@ -19838,7 +20470,7 @@
 </p:sld>
 </file>
 
-<file path=ppt/slides/slide41.xml><?xml version="1.0" encoding="utf-8"?>
+<file path=ppt/slides/slide44.xml><?xml version="1.0" encoding="utf-8"?>
 <p:sld xmlns:a="http://schemas.openxmlformats.org/drawingml/2006/main" xmlns:r="http://schemas.openxmlformats.org/officeDocument/2006/relationships" xmlns:p="http://schemas.openxmlformats.org/presentationml/2006/main">
   <p:cSld>
     <p:spTree>
